--- a/round3.pptx
+++ b/round3.pptx
@@ -5,55 +5,62 @@
     <p:sldMasterId id="2147483648" r:id="rId1"/>
   </p:sldMasterIdLst>
   <p:notesMasterIdLst>
-    <p:notesMasterId r:id="rId48"/>
+    <p:notesMasterId r:id="rId55"/>
   </p:notesMasterIdLst>
   <p:sldIdLst>
     <p:sldId id="256" r:id="rId2"/>
     <p:sldId id="308" r:id="rId3"/>
-    <p:sldId id="257" r:id="rId4"/>
-    <p:sldId id="258" r:id="rId5"/>
-    <p:sldId id="261" r:id="rId6"/>
-    <p:sldId id="259" r:id="rId7"/>
-    <p:sldId id="262" r:id="rId8"/>
-    <p:sldId id="310" r:id="rId9"/>
-    <p:sldId id="309" r:id="rId10"/>
-    <p:sldId id="263" r:id="rId11"/>
-    <p:sldId id="264" r:id="rId12"/>
-    <p:sldId id="265" r:id="rId13"/>
-    <p:sldId id="266" r:id="rId14"/>
-    <p:sldId id="260" r:id="rId15"/>
-    <p:sldId id="270" r:id="rId16"/>
-    <p:sldId id="271" r:id="rId17"/>
-    <p:sldId id="272" r:id="rId18"/>
-    <p:sldId id="273" r:id="rId19"/>
-    <p:sldId id="275" r:id="rId20"/>
-    <p:sldId id="276" r:id="rId21"/>
-    <p:sldId id="277" r:id="rId22"/>
-    <p:sldId id="278" r:id="rId23"/>
-    <p:sldId id="279" r:id="rId24"/>
-    <p:sldId id="284" r:id="rId25"/>
-    <p:sldId id="287" r:id="rId26"/>
-    <p:sldId id="286" r:id="rId27"/>
-    <p:sldId id="288" r:id="rId28"/>
-    <p:sldId id="269" r:id="rId29"/>
-    <p:sldId id="280" r:id="rId30"/>
-    <p:sldId id="283" r:id="rId31"/>
-    <p:sldId id="281" r:id="rId32"/>
-    <p:sldId id="290" r:id="rId33"/>
-    <p:sldId id="292" r:id="rId34"/>
-    <p:sldId id="285" r:id="rId35"/>
-    <p:sldId id="291" r:id="rId36"/>
-    <p:sldId id="289" r:id="rId37"/>
-    <p:sldId id="293" r:id="rId38"/>
-    <p:sldId id="294" r:id="rId39"/>
-    <p:sldId id="296" r:id="rId40"/>
-    <p:sldId id="297" r:id="rId41"/>
-    <p:sldId id="298" r:id="rId42"/>
-    <p:sldId id="302" r:id="rId43"/>
-    <p:sldId id="303" r:id="rId44"/>
-    <p:sldId id="305" r:id="rId45"/>
-    <p:sldId id="306" r:id="rId46"/>
-    <p:sldId id="307" r:id="rId47"/>
+    <p:sldId id="317" r:id="rId4"/>
+    <p:sldId id="319" r:id="rId5"/>
+    <p:sldId id="320" r:id="rId6"/>
+    <p:sldId id="318" r:id="rId7"/>
+    <p:sldId id="257" r:id="rId8"/>
+    <p:sldId id="258" r:id="rId9"/>
+    <p:sldId id="261" r:id="rId10"/>
+    <p:sldId id="259" r:id="rId11"/>
+    <p:sldId id="263" r:id="rId12"/>
+    <p:sldId id="264" r:id="rId13"/>
+    <p:sldId id="265" r:id="rId14"/>
+    <p:sldId id="266" r:id="rId15"/>
+    <p:sldId id="260" r:id="rId16"/>
+    <p:sldId id="312" r:id="rId17"/>
+    <p:sldId id="313" r:id="rId18"/>
+    <p:sldId id="270" r:id="rId19"/>
+    <p:sldId id="271" r:id="rId20"/>
+    <p:sldId id="272" r:id="rId21"/>
+    <p:sldId id="311" r:id="rId22"/>
+    <p:sldId id="273" r:id="rId23"/>
+    <p:sldId id="275" r:id="rId24"/>
+    <p:sldId id="276" r:id="rId25"/>
+    <p:sldId id="277" r:id="rId26"/>
+    <p:sldId id="278" r:id="rId27"/>
+    <p:sldId id="279" r:id="rId28"/>
+    <p:sldId id="314" r:id="rId29"/>
+    <p:sldId id="284" r:id="rId30"/>
+    <p:sldId id="287" r:id="rId31"/>
+    <p:sldId id="286" r:id="rId32"/>
+    <p:sldId id="288" r:id="rId33"/>
+    <p:sldId id="269" r:id="rId34"/>
+    <p:sldId id="280" r:id="rId35"/>
+    <p:sldId id="283" r:id="rId36"/>
+    <p:sldId id="281" r:id="rId37"/>
+    <p:sldId id="290" r:id="rId38"/>
+    <p:sldId id="292" r:id="rId39"/>
+    <p:sldId id="285" r:id="rId40"/>
+    <p:sldId id="291" r:id="rId41"/>
+    <p:sldId id="289" r:id="rId42"/>
+    <p:sldId id="293" r:id="rId43"/>
+    <p:sldId id="294" r:id="rId44"/>
+    <p:sldId id="296" r:id="rId45"/>
+    <p:sldId id="297" r:id="rId46"/>
+    <p:sldId id="315" r:id="rId47"/>
+    <p:sldId id="316" r:id="rId48"/>
+    <p:sldId id="298" r:id="rId49"/>
+    <p:sldId id="302" r:id="rId50"/>
+    <p:sldId id="303" r:id="rId51"/>
+    <p:sldId id="305" r:id="rId52"/>
+    <p:sldId id="306" r:id="rId53"/>
+    <p:sldId id="307" r:id="rId54"/>
   </p:sldIdLst>
   <p:sldSz cx="12192000" cy="6858000"/>
   <p:notesSz cx="6858000" cy="9144000"/>
@@ -574,7 +581,7 @@
           <a:p>
             <a:fld id="{44E05A78-41C6-49AA-BA04-CA0A1A96DB69}" type="slidenum">
               <a:rPr lang="zh-CN" altLang="en-US" smtClean="0"/>
-              <a:t>16</a:t>
+              <a:t>19</a:t>
             </a:fld>
             <a:endParaRPr lang="zh-CN" altLang="en-US"/>
           </a:p>
@@ -658,7 +665,7 @@
           <a:p>
             <a:fld id="{44E05A78-41C6-49AA-BA04-CA0A1A96DB69}" type="slidenum">
               <a:rPr lang="zh-CN" altLang="en-US" smtClean="0"/>
-              <a:t>22</a:t>
+              <a:t>26</a:t>
             </a:fld>
             <a:endParaRPr lang="zh-CN" altLang="en-US"/>
           </a:p>
@@ -742,7 +749,7 @@
           <a:p>
             <a:fld id="{44E05A78-41C6-49AA-BA04-CA0A1A96DB69}" type="slidenum">
               <a:rPr lang="zh-CN" altLang="en-US" smtClean="0"/>
-              <a:t>23</a:t>
+              <a:t>27</a:t>
             </a:fld>
             <a:endParaRPr lang="zh-CN" altLang="en-US"/>
           </a:p>
@@ -948,6 +955,13 @@
   <p:clrMapOvr>
     <a:masterClrMapping/>
   </p:clrMapOvr>
+  <p:timing>
+    <p:tnLst>
+      <p:par>
+        <p:cTn id="1" dur="indefinite" restart="never" nodeType="tmRoot"/>
+      </p:par>
+    </p:tnLst>
+  </p:timing>
 </p:sldLayout>
 </file>
 
@@ -1116,6 +1130,13 @@
   <p:clrMapOvr>
     <a:masterClrMapping/>
   </p:clrMapOvr>
+  <p:timing>
+    <p:tnLst>
+      <p:par>
+        <p:cTn id="1" dur="indefinite" restart="never" nodeType="tmRoot"/>
+      </p:par>
+    </p:tnLst>
+  </p:timing>
 </p:sldLayout>
 </file>
 
@@ -1294,6 +1315,13 @@
   <p:clrMapOvr>
     <a:masterClrMapping/>
   </p:clrMapOvr>
+  <p:timing>
+    <p:tnLst>
+      <p:par>
+        <p:cTn id="1" dur="indefinite" restart="never" nodeType="tmRoot"/>
+      </p:par>
+    </p:tnLst>
+  </p:timing>
 </p:sldLayout>
 </file>
 
@@ -1462,6 +1490,13 @@
   <p:clrMapOvr>
     <a:masterClrMapping/>
   </p:clrMapOvr>
+  <p:timing>
+    <p:tnLst>
+      <p:par>
+        <p:cTn id="1" dur="indefinite" restart="never" nodeType="tmRoot"/>
+      </p:par>
+    </p:tnLst>
+  </p:timing>
 </p:sldLayout>
 </file>
 
@@ -1707,6 +1742,13 @@
   <p:clrMapOvr>
     <a:masterClrMapping/>
   </p:clrMapOvr>
+  <p:timing>
+    <p:tnLst>
+      <p:par>
+        <p:cTn id="1" dur="indefinite" restart="never" nodeType="tmRoot"/>
+      </p:par>
+    </p:tnLst>
+  </p:timing>
 </p:sldLayout>
 </file>
 
@@ -1936,6 +1978,13 @@
   <p:clrMapOvr>
     <a:masterClrMapping/>
   </p:clrMapOvr>
+  <p:timing>
+    <p:tnLst>
+      <p:par>
+        <p:cTn id="1" dur="indefinite" restart="never" nodeType="tmRoot"/>
+      </p:par>
+    </p:tnLst>
+  </p:timing>
 </p:sldLayout>
 </file>
 
@@ -2300,6 +2349,13 @@
   <p:clrMapOvr>
     <a:masterClrMapping/>
   </p:clrMapOvr>
+  <p:timing>
+    <p:tnLst>
+      <p:par>
+        <p:cTn id="1" dur="indefinite" restart="never" nodeType="tmRoot"/>
+      </p:par>
+    </p:tnLst>
+  </p:timing>
 </p:sldLayout>
 </file>
 
@@ -2417,6 +2473,13 @@
   <p:clrMapOvr>
     <a:masterClrMapping/>
   </p:clrMapOvr>
+  <p:timing>
+    <p:tnLst>
+      <p:par>
+        <p:cTn id="1" dur="indefinite" restart="never" nodeType="tmRoot"/>
+      </p:par>
+    </p:tnLst>
+  </p:timing>
 </p:sldLayout>
 </file>
 
@@ -2512,6 +2575,13 @@
   <p:clrMapOvr>
     <a:masterClrMapping/>
   </p:clrMapOvr>
+  <p:timing>
+    <p:tnLst>
+      <p:par>
+        <p:cTn id="1" dur="indefinite" restart="never" nodeType="tmRoot"/>
+      </p:par>
+    </p:tnLst>
+  </p:timing>
 </p:sldLayout>
 </file>
 
@@ -2787,6 +2857,13 @@
   <p:clrMapOvr>
     <a:masterClrMapping/>
   </p:clrMapOvr>
+  <p:timing>
+    <p:tnLst>
+      <p:par>
+        <p:cTn id="1" dur="indefinite" restart="never" nodeType="tmRoot"/>
+      </p:par>
+    </p:tnLst>
+  </p:timing>
 </p:sldLayout>
 </file>
 
@@ -3039,6 +3116,13 @@
   <p:clrMapOvr>
     <a:masterClrMapping/>
   </p:clrMapOvr>
+  <p:timing>
+    <p:tnLst>
+      <p:par>
+        <p:cTn id="1" dur="indefinite" restart="never" nodeType="tmRoot"/>
+      </p:par>
+    </p:tnLst>
+  </p:timing>
 </p:sldLayout>
 </file>
 
@@ -3123,35 +3207,35 @@
           <a:p>
             <a:pPr lvl="0"/>
             <a:r>
-              <a:rPr lang="zh-CN" altLang="en-US"/>
+              <a:rPr lang="zh-CN" altLang="en-US" dirty="0"/>
               <a:t>编辑母版文本样式</a:t>
             </a:r>
           </a:p>
           <a:p>
             <a:pPr lvl="1"/>
             <a:r>
-              <a:rPr lang="zh-CN" altLang="en-US"/>
+              <a:rPr lang="zh-CN" altLang="en-US" dirty="0"/>
               <a:t>第二级</a:t>
             </a:r>
           </a:p>
           <a:p>
             <a:pPr lvl="2"/>
             <a:r>
-              <a:rPr lang="zh-CN" altLang="en-US"/>
+              <a:rPr lang="zh-CN" altLang="en-US" dirty="0"/>
               <a:t>第三级</a:t>
             </a:r>
           </a:p>
           <a:p>
             <a:pPr lvl="3"/>
             <a:r>
-              <a:rPr lang="zh-CN" altLang="en-US"/>
+              <a:rPr lang="zh-CN" altLang="en-US" dirty="0"/>
               <a:t>第四级</a:t>
             </a:r>
           </a:p>
           <a:p>
             <a:pPr lvl="4"/>
             <a:r>
-              <a:rPr lang="zh-CN" altLang="en-US"/>
+              <a:rPr lang="zh-CN" altLang="en-US" dirty="0"/>
               <a:t>第五级</a:t>
             </a:r>
           </a:p>
@@ -3194,7 +3278,7 @@
               <a:rPr lang="zh-CN" altLang="en-US" smtClean="0"/>
               <a:t>2021/6/10</a:t>
             </a:fld>
-            <a:endParaRPr lang="zh-CN" altLang="en-US"/>
+            <a:endParaRPr lang="zh-CN" altLang="en-US" dirty="0"/>
           </a:p>
         </p:txBody>
       </p:sp>
@@ -3231,7 +3315,7 @@
             </a:lvl1pPr>
           </a:lstStyle>
           <a:p>
-            <a:endParaRPr lang="zh-CN" altLang="en-US"/>
+            <a:endParaRPr lang="zh-CN" altLang="en-US" dirty="0"/>
           </a:p>
         </p:txBody>
       </p:sp>
@@ -3272,7 +3356,7 @@
               <a:rPr lang="zh-CN" altLang="en-US" smtClean="0"/>
               <a:t>‹#›</a:t>
             </a:fld>
-            <a:endParaRPr lang="zh-CN" altLang="en-US"/>
+            <a:endParaRPr lang="zh-CN" altLang="en-US" dirty="0"/>
           </a:p>
         </p:txBody>
       </p:sp>
@@ -3297,6 +3381,13 @@
     <p:sldLayoutId id="2147483658" r:id="rId10"/>
     <p:sldLayoutId id="2147483659" r:id="rId11"/>
   </p:sldLayoutIdLst>
+  <p:timing>
+    <p:tnLst>
+      <p:par>
+        <p:cTn id="1" dur="indefinite" restart="never" nodeType="tmRoot"/>
+      </p:par>
+    </p:tnLst>
+  </p:timing>
   <p:txStyles>
     <p:titleStyle>
       <a:lvl1pPr algn="l" defTabSz="914400" rtl="0" eaLnBrk="1" latinLnBrk="0" hangingPunct="1">
@@ -3649,6 +3740,13 @@
   <p:clrMapOvr>
     <a:masterClrMapping/>
   </p:clrMapOvr>
+  <p:timing>
+    <p:tnLst>
+      <p:par>
+        <p:cTn id="1" dur="indefinite" restart="never" nodeType="tmRoot"/>
+      </p:par>
+    </p:tnLst>
+  </p:timing>
 </p:sld>
 </file>
 
@@ -3671,6 +3769,198 @@
       </p:grpSpPr>
       <p:sp>
         <p:nvSpPr>
+          <p:cNvPr id="2" name="标题 1"/>
+          <p:cNvSpPr>
+            <a:spLocks noGrp="1"/>
+          </p:cNvSpPr>
+          <p:nvPr>
+            <p:ph type="title"/>
+          </p:nvPr>
+        </p:nvSpPr>
+        <p:spPr/>
+        <p:txBody>
+          <a:bodyPr/>
+          <a:lstStyle/>
+          <a:p>
+            <a:r>
+              <a:rPr lang="en-US" altLang="zh-CN" dirty="0"/>
+              <a:t>GIFT-COFB</a:t>
+            </a:r>
+            <a:endParaRPr lang="zh-CN" altLang="en-US" dirty="0"/>
+          </a:p>
+        </p:txBody>
+      </p:sp>
+      <p:sp>
+        <p:nvSpPr>
+          <p:cNvPr id="3" name="内容占位符 2"/>
+          <p:cNvSpPr>
+            <a:spLocks noGrp="1"/>
+          </p:cNvSpPr>
+          <p:nvPr>
+            <p:ph idx="1"/>
+          </p:nvPr>
+        </p:nvSpPr>
+        <p:spPr/>
+        <p:txBody>
+          <a:bodyPr/>
+          <a:lstStyle/>
+          <a:p>
+            <a:r>
+              <a:rPr lang="zh-CN" altLang="en-US" dirty="0"/>
+              <a:t>差分</a:t>
+            </a:r>
+            <a:r>
+              <a:rPr lang="en-US" altLang="zh-CN" dirty="0"/>
+              <a:t>/</a:t>
+            </a:r>
+            <a:r>
+              <a:rPr lang="zh-CN" altLang="en-US" dirty="0"/>
+              <a:t>线性</a:t>
+            </a:r>
+            <a:endParaRPr lang="en-US" altLang="zh-CN" dirty="0"/>
+          </a:p>
+          <a:p>
+            <a:pPr lvl="1"/>
+            <a:r>
+              <a:rPr lang="en-US" altLang="zh-CN" dirty="0"/>
+              <a:t>Boomerang</a:t>
+            </a:r>
+            <a:r>
+              <a:rPr lang="zh-CN" altLang="en-US" dirty="0"/>
+              <a:t>，</a:t>
+            </a:r>
+            <a:r>
+              <a:rPr lang="en-US" altLang="zh-CN" dirty="0"/>
+              <a:t>Rectangle</a:t>
+            </a:r>
+            <a:r>
+              <a:rPr lang="zh-CN" altLang="en-US" dirty="0"/>
+              <a:t>（</a:t>
+            </a:r>
+            <a:r>
+              <a:rPr lang="en-US" altLang="zh-CN" dirty="0"/>
+              <a:t>RK setting</a:t>
+            </a:r>
+            <a:r>
+              <a:rPr lang="zh-CN" altLang="en-US" dirty="0"/>
+              <a:t>）</a:t>
+            </a:r>
+            <a:endParaRPr lang="en-US" altLang="zh-CN" dirty="0"/>
+          </a:p>
+          <a:p>
+            <a:r>
+              <a:rPr lang="zh-CN" altLang="en-US" dirty="0"/>
+              <a:t>积分</a:t>
+            </a:r>
+            <a:endParaRPr lang="en-US" altLang="zh-CN" dirty="0"/>
+          </a:p>
+          <a:p>
+            <a:r>
+              <a:rPr lang="zh-CN" altLang="en-US" dirty="0"/>
+              <a:t>中间相遇</a:t>
+            </a:r>
+          </a:p>
+        </p:txBody>
+      </p:sp>
+      <p:pic>
+        <p:nvPicPr>
+          <p:cNvPr id="4" name="图片 3">
+            <a:extLst>
+              <a:ext uri="{FF2B5EF4-FFF2-40B4-BE49-F238E27FC236}">
+                <a16:creationId xmlns:a16="http://schemas.microsoft.com/office/drawing/2014/main" id="{9C9CC778-9F32-4135-9B87-BD749B4EAB7F}"/>
+              </a:ext>
+            </a:extLst>
+          </p:cNvPr>
+          <p:cNvPicPr>
+            <a:picLocks noChangeAspect="1"/>
+          </p:cNvPicPr>
+          <p:nvPr/>
+        </p:nvPicPr>
+        <p:blipFill>
+          <a:blip r:embed="rId2"/>
+          <a:stretch>
+            <a:fillRect/>
+          </a:stretch>
+        </p:blipFill>
+        <p:spPr>
+          <a:xfrm>
+            <a:off x="7489986" y="294457"/>
+            <a:ext cx="4358673" cy="4224788"/>
+          </a:xfrm>
+          <a:prstGeom prst="rect">
+            <a:avLst/>
+          </a:prstGeom>
+        </p:spPr>
+      </p:pic>
+      <p:pic>
+        <p:nvPicPr>
+          <p:cNvPr id="5" name="图片 4">
+            <a:extLst>
+              <a:ext uri="{FF2B5EF4-FFF2-40B4-BE49-F238E27FC236}">
+                <a16:creationId xmlns:a16="http://schemas.microsoft.com/office/drawing/2014/main" id="{0416AA25-F059-420C-BDE7-76C7D2E784FA}"/>
+              </a:ext>
+            </a:extLst>
+          </p:cNvPr>
+          <p:cNvPicPr>
+            <a:picLocks noChangeAspect="1"/>
+          </p:cNvPicPr>
+          <p:nvPr/>
+        </p:nvPicPr>
+        <p:blipFill>
+          <a:blip r:embed="rId3"/>
+          <a:stretch>
+            <a:fillRect/>
+          </a:stretch>
+        </p:blipFill>
+        <p:spPr>
+          <a:xfrm>
+            <a:off x="7489985" y="4841123"/>
+            <a:ext cx="4358673" cy="1578907"/>
+          </a:xfrm>
+          <a:prstGeom prst="rect">
+            <a:avLst/>
+          </a:prstGeom>
+        </p:spPr>
+      </p:pic>
+    </p:spTree>
+    <p:extLst>
+      <p:ext uri="{BB962C8B-B14F-4D97-AF65-F5344CB8AC3E}">
+        <p14:creationId xmlns:p14="http://schemas.microsoft.com/office/powerpoint/2010/main" val="3330687549"/>
+      </p:ext>
+    </p:extLst>
+  </p:cSld>
+  <p:clrMapOvr>
+    <a:masterClrMapping/>
+  </p:clrMapOvr>
+  <p:timing>
+    <p:tnLst>
+      <p:par>
+        <p:cTn id="1" dur="indefinite" restart="never" nodeType="tmRoot"/>
+      </p:par>
+    </p:tnLst>
+  </p:timing>
+</p:sld>
+</file>
+
+<file path=ppt/slides/slide11.xml><?xml version="1.0" encoding="utf-8"?>
+<p:sld xmlns:a="http://schemas.openxmlformats.org/drawingml/2006/main" xmlns:r="http://schemas.openxmlformats.org/officeDocument/2006/relationships" xmlns:p="http://schemas.openxmlformats.org/presentationml/2006/main">
+  <p:cSld>
+    <p:spTree>
+      <p:nvGrpSpPr>
+        <p:cNvPr id="1" name=""/>
+        <p:cNvGrpSpPr/>
+        <p:nvPr/>
+      </p:nvGrpSpPr>
+      <p:grpSpPr>
+        <a:xfrm>
+          <a:off x="0" y="0"/>
+          <a:ext cx="0" cy="0"/>
+          <a:chOff x="0" y="0"/>
+          <a:chExt cx="0" cy="0"/>
+        </a:xfrm>
+      </p:grpSpPr>
+      <p:sp>
+        <p:nvSpPr>
           <p:cNvPr id="2" name="标题 1">
             <a:extLst>
               <a:ext uri="{FF2B5EF4-FFF2-40B4-BE49-F238E27FC236}">
@@ -3777,10 +4067,17 @@
   <p:clrMapOvr>
     <a:masterClrMapping/>
   </p:clrMapOvr>
+  <p:timing>
+    <p:tnLst>
+      <p:par>
+        <p:cTn id="1" dur="indefinite" restart="never" nodeType="tmRoot"/>
+      </p:par>
+    </p:tnLst>
+  </p:timing>
 </p:sld>
 </file>
 
-<file path=ppt/slides/slide11.xml><?xml version="1.0" encoding="utf-8"?>
+<file path=ppt/slides/slide12.xml><?xml version="1.0" encoding="utf-8"?>
 <p:sld xmlns:a="http://schemas.openxmlformats.org/drawingml/2006/main" xmlns:r="http://schemas.openxmlformats.org/officeDocument/2006/relationships" xmlns:p="http://schemas.openxmlformats.org/presentationml/2006/main">
   <p:cSld>
     <p:spTree>
@@ -4010,119 +4307,6 @@
 </p:sld>
 </file>
 
-<file path=ppt/slides/slide12.xml><?xml version="1.0" encoding="utf-8"?>
-<p:sld xmlns:a="http://schemas.openxmlformats.org/drawingml/2006/main" xmlns:r="http://schemas.openxmlformats.org/officeDocument/2006/relationships" xmlns:p="http://schemas.openxmlformats.org/presentationml/2006/main">
-  <p:cSld>
-    <p:spTree>
-      <p:nvGrpSpPr>
-        <p:cNvPr id="1" name=""/>
-        <p:cNvGrpSpPr/>
-        <p:nvPr/>
-      </p:nvGrpSpPr>
-      <p:grpSpPr>
-        <a:xfrm>
-          <a:off x="0" y="0"/>
-          <a:ext cx="0" cy="0"/>
-          <a:chOff x="0" y="0"/>
-          <a:chExt cx="0" cy="0"/>
-        </a:xfrm>
-      </p:grpSpPr>
-      <p:sp>
-        <p:nvSpPr>
-          <p:cNvPr id="2" name="标题 1">
-            <a:extLst>
-              <a:ext uri="{FF2B5EF4-FFF2-40B4-BE49-F238E27FC236}">
-                <a16:creationId xmlns:a16="http://schemas.microsoft.com/office/drawing/2014/main" id="{0F34FDE8-5290-4485-8596-B08D954B65CA}"/>
-              </a:ext>
-            </a:extLst>
-          </p:cNvPr>
-          <p:cNvSpPr>
-            <a:spLocks noGrp="1"/>
-          </p:cNvSpPr>
-          <p:nvPr>
-            <p:ph type="title"/>
-          </p:nvPr>
-        </p:nvSpPr>
-        <p:spPr/>
-        <p:txBody>
-          <a:bodyPr/>
-          <a:lstStyle/>
-          <a:p>
-            <a:r>
-              <a:rPr lang="en-US" altLang="zh-CN" dirty="0" err="1"/>
-              <a:t>TinyJAMBU</a:t>
-            </a:r>
-            <a:endParaRPr lang="zh-CN" altLang="en-US" dirty="0"/>
-          </a:p>
-        </p:txBody>
-      </p:sp>
-      <p:sp>
-        <p:nvSpPr>
-          <p:cNvPr id="3" name="内容占位符 2">
-            <a:extLst>
-              <a:ext uri="{FF2B5EF4-FFF2-40B4-BE49-F238E27FC236}">
-                <a16:creationId xmlns:a16="http://schemas.microsoft.com/office/drawing/2014/main" id="{17EE4970-A181-4BA5-8F14-6555A8F864AE}"/>
-              </a:ext>
-            </a:extLst>
-          </p:cNvPr>
-          <p:cNvSpPr>
-            <a:spLocks noGrp="1"/>
-          </p:cNvSpPr>
-          <p:nvPr>
-            <p:ph idx="1"/>
-          </p:nvPr>
-        </p:nvSpPr>
-        <p:spPr/>
-        <p:txBody>
-          <a:bodyPr/>
-          <a:lstStyle/>
-          <a:p>
-            <a:r>
-              <a:rPr lang="zh-CN" altLang="en-US" dirty="0"/>
-              <a:t>差分</a:t>
-            </a:r>
-            <a:r>
-              <a:rPr lang="en-US" altLang="zh-CN" dirty="0"/>
-              <a:t>/</a:t>
-            </a:r>
-            <a:r>
-              <a:rPr lang="zh-CN" altLang="en-US" dirty="0"/>
-              <a:t>线性</a:t>
-            </a:r>
-            <a:endParaRPr lang="en-US" altLang="zh-CN" dirty="0"/>
-          </a:p>
-          <a:p>
-            <a:r>
-              <a:rPr lang="zh-CN" altLang="en-US" dirty="0"/>
-              <a:t>代数</a:t>
-            </a:r>
-            <a:endParaRPr lang="en-US" altLang="zh-CN" dirty="0"/>
-          </a:p>
-          <a:p>
-            <a:r>
-              <a:rPr lang="zh-CN" altLang="en-US" dirty="0"/>
-              <a:t>滑动</a:t>
-            </a:r>
-            <a:endParaRPr lang="en-US" altLang="zh-CN" dirty="0"/>
-          </a:p>
-          <a:p>
-            <a:endParaRPr lang="zh-CN" altLang="en-US" dirty="0"/>
-          </a:p>
-        </p:txBody>
-      </p:sp>
-    </p:spTree>
-    <p:extLst>
-      <p:ext uri="{BB962C8B-B14F-4D97-AF65-F5344CB8AC3E}">
-        <p14:creationId xmlns:p14="http://schemas.microsoft.com/office/powerpoint/2010/main" val="2190104697"/>
-      </p:ext>
-    </p:extLst>
-  </p:cSld>
-  <p:clrMapOvr>
-    <a:masterClrMapping/>
-  </p:clrMapOvr>
-</p:sld>
-</file>
-
 <file path=ppt/slides/slide13.xml><?xml version="1.0" encoding="utf-8"?>
 <p:sld xmlns:a="http://schemas.openxmlformats.org/drawingml/2006/main" xmlns:r="http://schemas.openxmlformats.org/officeDocument/2006/relationships" xmlns:p="http://schemas.openxmlformats.org/presentationml/2006/main">
   <p:cSld>
@@ -4145,7 +4329,7 @@
           <p:cNvPr id="2" name="标题 1">
             <a:extLst>
               <a:ext uri="{FF2B5EF4-FFF2-40B4-BE49-F238E27FC236}">
-                <a16:creationId xmlns:a16="http://schemas.microsoft.com/office/drawing/2014/main" id="{639A5C1D-C18F-45CB-97BA-94D4CD0E07BD}"/>
+                <a16:creationId xmlns:a16="http://schemas.microsoft.com/office/drawing/2014/main" id="{0F34FDE8-5290-4485-8596-B08D954B65CA}"/>
               </a:ext>
             </a:extLst>
           </p:cNvPr>
@@ -4163,7 +4347,7 @@
           <a:p>
             <a:r>
               <a:rPr lang="en-US" altLang="zh-CN" dirty="0" err="1"/>
-              <a:t>Xoodyak</a:t>
+              <a:t>TinyJAMBU</a:t>
             </a:r>
             <a:endParaRPr lang="zh-CN" altLang="en-US" dirty="0"/>
           </a:p>
@@ -4174,7 +4358,7 @@
           <p:cNvPr id="3" name="内容占位符 2">
             <a:extLst>
               <a:ext uri="{FF2B5EF4-FFF2-40B4-BE49-F238E27FC236}">
-                <a16:creationId xmlns:a16="http://schemas.microsoft.com/office/drawing/2014/main" id="{9C1DE413-A8E8-46CE-9788-6F6342B33753}"/>
+                <a16:creationId xmlns:a16="http://schemas.microsoft.com/office/drawing/2014/main" id="{17EE4970-A181-4BA5-8F14-6555A8F864AE}"/>
               </a:ext>
             </a:extLst>
           </p:cNvPr>
@@ -4192,21 +4376,29 @@
           <a:p>
             <a:r>
               <a:rPr lang="zh-CN" altLang="en-US" dirty="0"/>
-              <a:t>立方</a:t>
+              <a:t>差分</a:t>
+            </a:r>
+            <a:r>
+              <a:rPr lang="en-US" altLang="zh-CN" dirty="0"/>
+              <a:t>/</a:t>
+            </a:r>
+            <a:r>
+              <a:rPr lang="zh-CN" altLang="en-US" dirty="0"/>
+              <a:t>线性</a:t>
             </a:r>
             <a:endParaRPr lang="en-US" altLang="zh-CN" dirty="0"/>
           </a:p>
           <a:p>
             <a:r>
               <a:rPr lang="zh-CN" altLang="en-US" dirty="0"/>
-              <a:t>条件立方</a:t>
+              <a:t>代数</a:t>
             </a:r>
             <a:endParaRPr lang="en-US" altLang="zh-CN" dirty="0"/>
           </a:p>
           <a:p>
             <a:r>
               <a:rPr lang="zh-CN" altLang="en-US" dirty="0"/>
-              <a:t>零和</a:t>
+              <a:t>滑动</a:t>
             </a:r>
             <a:endParaRPr lang="en-US" altLang="zh-CN" dirty="0"/>
           </a:p>
@@ -4218,7 +4410,7 @@
     </p:spTree>
     <p:extLst>
       <p:ext uri="{BB962C8B-B14F-4D97-AF65-F5344CB8AC3E}">
-        <p14:creationId xmlns:p14="http://schemas.microsoft.com/office/powerpoint/2010/main" val="2456641056"/>
+        <p14:creationId xmlns:p14="http://schemas.microsoft.com/office/powerpoint/2010/main" val="2190104697"/>
       </p:ext>
     </p:extLst>
   </p:cSld>
@@ -4247,6 +4439,111 @@
       </p:grpSpPr>
       <p:sp>
         <p:nvSpPr>
+          <p:cNvPr id="2" name="标题 1">
+            <a:extLst>
+              <a:ext uri="{FF2B5EF4-FFF2-40B4-BE49-F238E27FC236}">
+                <a16:creationId xmlns:a16="http://schemas.microsoft.com/office/drawing/2014/main" id="{639A5C1D-C18F-45CB-97BA-94D4CD0E07BD}"/>
+              </a:ext>
+            </a:extLst>
+          </p:cNvPr>
+          <p:cNvSpPr>
+            <a:spLocks noGrp="1"/>
+          </p:cNvSpPr>
+          <p:nvPr>
+            <p:ph type="title"/>
+          </p:nvPr>
+        </p:nvSpPr>
+        <p:spPr/>
+        <p:txBody>
+          <a:bodyPr/>
+          <a:lstStyle/>
+          <a:p>
+            <a:r>
+              <a:rPr lang="en-US" altLang="zh-CN" dirty="0" err="1"/>
+              <a:t>Xoodyak</a:t>
+            </a:r>
+            <a:endParaRPr lang="zh-CN" altLang="en-US" dirty="0"/>
+          </a:p>
+        </p:txBody>
+      </p:sp>
+      <p:sp>
+        <p:nvSpPr>
+          <p:cNvPr id="3" name="内容占位符 2">
+            <a:extLst>
+              <a:ext uri="{FF2B5EF4-FFF2-40B4-BE49-F238E27FC236}">
+                <a16:creationId xmlns:a16="http://schemas.microsoft.com/office/drawing/2014/main" id="{9C1DE413-A8E8-46CE-9788-6F6342B33753}"/>
+              </a:ext>
+            </a:extLst>
+          </p:cNvPr>
+          <p:cNvSpPr>
+            <a:spLocks noGrp="1"/>
+          </p:cNvSpPr>
+          <p:nvPr>
+            <p:ph idx="1"/>
+          </p:nvPr>
+        </p:nvSpPr>
+        <p:spPr/>
+        <p:txBody>
+          <a:bodyPr/>
+          <a:lstStyle/>
+          <a:p>
+            <a:r>
+              <a:rPr lang="zh-CN" altLang="en-US" dirty="0"/>
+              <a:t>立方</a:t>
+            </a:r>
+            <a:endParaRPr lang="en-US" altLang="zh-CN" dirty="0"/>
+          </a:p>
+          <a:p>
+            <a:r>
+              <a:rPr lang="zh-CN" altLang="en-US" dirty="0"/>
+              <a:t>条件立方</a:t>
+            </a:r>
+            <a:endParaRPr lang="en-US" altLang="zh-CN" dirty="0"/>
+          </a:p>
+          <a:p>
+            <a:r>
+              <a:rPr lang="zh-CN" altLang="en-US" dirty="0"/>
+              <a:t>零和</a:t>
+            </a:r>
+            <a:endParaRPr lang="en-US" altLang="zh-CN" dirty="0"/>
+          </a:p>
+          <a:p>
+            <a:endParaRPr lang="zh-CN" altLang="en-US" dirty="0"/>
+          </a:p>
+        </p:txBody>
+      </p:sp>
+    </p:spTree>
+    <p:extLst>
+      <p:ext uri="{BB962C8B-B14F-4D97-AF65-F5344CB8AC3E}">
+        <p14:creationId xmlns:p14="http://schemas.microsoft.com/office/powerpoint/2010/main" val="2456641056"/>
+      </p:ext>
+    </p:extLst>
+  </p:cSld>
+  <p:clrMapOvr>
+    <a:masterClrMapping/>
+  </p:clrMapOvr>
+</p:sld>
+</file>
+
+<file path=ppt/slides/slide15.xml><?xml version="1.0" encoding="utf-8"?>
+<p:sld xmlns:a="http://schemas.openxmlformats.org/drawingml/2006/main" xmlns:r="http://schemas.openxmlformats.org/officeDocument/2006/relationships" xmlns:p="http://schemas.openxmlformats.org/presentationml/2006/main">
+  <p:cSld>
+    <p:spTree>
+      <p:nvGrpSpPr>
+        <p:cNvPr id="1" name=""/>
+        <p:cNvGrpSpPr/>
+        <p:nvPr/>
+      </p:nvGrpSpPr>
+      <p:grpSpPr>
+        <a:xfrm>
+          <a:off x="0" y="0"/>
+          <a:ext cx="0" cy="0"/>
+          <a:chOff x="0" y="0"/>
+          <a:chExt cx="0" cy="0"/>
+        </a:xfrm>
+      </p:grpSpPr>
+      <p:sp>
+        <p:nvSpPr>
           <p:cNvPr id="2" name="标题 1"/>
           <p:cNvSpPr>
             <a:spLocks noGrp="1"/>
@@ -4325,7 +4622,175 @@
 </p:sld>
 </file>
 
-<file path=ppt/slides/slide15.xml><?xml version="1.0" encoding="utf-8"?>
+<file path=ppt/slides/slide16.xml><?xml version="1.0" encoding="utf-8"?>
+<p:sld xmlns:a="http://schemas.openxmlformats.org/drawingml/2006/main" xmlns:r="http://schemas.openxmlformats.org/officeDocument/2006/relationships" xmlns:p="http://schemas.openxmlformats.org/presentationml/2006/main">
+  <p:cSld>
+    <p:bg>
+      <p:bgPr>
+        <a:solidFill>
+          <a:schemeClr val="tx1"/>
+        </a:solidFill>
+        <a:effectLst/>
+      </p:bgPr>
+    </p:bg>
+    <p:spTree>
+      <p:nvGrpSpPr>
+        <p:cNvPr id="1" name=""/>
+        <p:cNvGrpSpPr/>
+        <p:nvPr/>
+      </p:nvGrpSpPr>
+      <p:grpSpPr>
+        <a:xfrm>
+          <a:off x="0" y="0"/>
+          <a:ext cx="0" cy="0"/>
+          <a:chOff x="0" y="0"/>
+          <a:chExt cx="0" cy="0"/>
+        </a:xfrm>
+      </p:grpSpPr>
+      <p:sp>
+        <p:nvSpPr>
+          <p:cNvPr id="2" name="标题 1"/>
+          <p:cNvSpPr>
+            <a:spLocks noGrp="1"/>
+          </p:cNvSpPr>
+          <p:nvPr>
+            <p:ph type="title"/>
+          </p:nvPr>
+        </p:nvSpPr>
+        <p:spPr/>
+        <p:txBody>
+          <a:bodyPr/>
+          <a:lstStyle/>
+          <a:p>
+            <a:r>
+              <a:rPr lang="zh-CN" altLang="en-US" dirty="0" smtClean="0">
+                <a:solidFill>
+                  <a:schemeClr val="bg1"/>
+                </a:solidFill>
+              </a:rPr>
+              <a:t>完</a:t>
+            </a:r>
+            <a:endParaRPr lang="zh-CN" altLang="en-US" dirty="0">
+              <a:solidFill>
+                <a:schemeClr val="bg1"/>
+              </a:solidFill>
+            </a:endParaRPr>
+          </a:p>
+        </p:txBody>
+      </p:sp>
+      <p:sp>
+        <p:nvSpPr>
+          <p:cNvPr id="3" name="内容占位符 2"/>
+          <p:cNvSpPr>
+            <a:spLocks noGrp="1"/>
+          </p:cNvSpPr>
+          <p:nvPr>
+            <p:ph idx="1"/>
+          </p:nvPr>
+        </p:nvSpPr>
+        <p:spPr/>
+        <p:txBody>
+          <a:bodyPr/>
+          <a:lstStyle/>
+          <a:p>
+            <a:endParaRPr lang="zh-CN" altLang="en-US"/>
+          </a:p>
+        </p:txBody>
+      </p:sp>
+    </p:spTree>
+    <p:extLst>
+      <p:ext uri="{BB962C8B-B14F-4D97-AF65-F5344CB8AC3E}">
+        <p14:creationId xmlns:p14="http://schemas.microsoft.com/office/powerpoint/2010/main" val="240776992"/>
+      </p:ext>
+    </p:extLst>
+  </p:cSld>
+  <p:clrMapOvr>
+    <a:masterClrMapping/>
+  </p:clrMapOvr>
+</p:sld>
+</file>
+
+<file path=ppt/slides/slide17.xml><?xml version="1.0" encoding="utf-8"?>
+<p:sld xmlns:a="http://schemas.openxmlformats.org/drawingml/2006/main" xmlns:r="http://schemas.openxmlformats.org/officeDocument/2006/relationships" xmlns:p="http://schemas.openxmlformats.org/presentationml/2006/main">
+  <p:cSld>
+    <p:bg>
+      <p:bgPr>
+        <a:solidFill>
+          <a:srgbClr val="5B9BD5"/>
+        </a:solidFill>
+        <a:effectLst/>
+      </p:bgPr>
+    </p:bg>
+    <p:spTree>
+      <p:nvGrpSpPr>
+        <p:cNvPr id="1" name=""/>
+        <p:cNvGrpSpPr/>
+        <p:nvPr/>
+      </p:nvGrpSpPr>
+      <p:grpSpPr>
+        <a:xfrm>
+          <a:off x="0" y="0"/>
+          <a:ext cx="0" cy="0"/>
+          <a:chOff x="0" y="0"/>
+          <a:chExt cx="0" cy="0"/>
+        </a:xfrm>
+      </p:grpSpPr>
+      <p:sp>
+        <p:nvSpPr>
+          <p:cNvPr id="2" name="标题 1"/>
+          <p:cNvSpPr>
+            <a:spLocks noGrp="1"/>
+          </p:cNvSpPr>
+          <p:nvPr>
+            <p:ph type="title"/>
+          </p:nvPr>
+        </p:nvSpPr>
+        <p:spPr/>
+        <p:txBody>
+          <a:bodyPr/>
+          <a:lstStyle/>
+          <a:p>
+            <a:r>
+              <a:rPr lang="en-US" altLang="zh-CN" dirty="0" smtClean="0"/>
+              <a:t>Specifications</a:t>
+            </a:r>
+            <a:endParaRPr lang="zh-CN" altLang="en-US" dirty="0"/>
+          </a:p>
+        </p:txBody>
+      </p:sp>
+      <p:sp>
+        <p:nvSpPr>
+          <p:cNvPr id="3" name="内容占位符 2"/>
+          <p:cNvSpPr>
+            <a:spLocks noGrp="1"/>
+          </p:cNvSpPr>
+          <p:nvPr>
+            <p:ph idx="1"/>
+          </p:nvPr>
+        </p:nvSpPr>
+        <p:spPr/>
+        <p:txBody>
+          <a:bodyPr/>
+          <a:lstStyle/>
+          <a:p>
+            <a:endParaRPr lang="zh-CN" altLang="en-US"/>
+          </a:p>
+        </p:txBody>
+      </p:sp>
+    </p:spTree>
+    <p:extLst>
+      <p:ext uri="{BB962C8B-B14F-4D97-AF65-F5344CB8AC3E}">
+        <p14:creationId xmlns:p14="http://schemas.microsoft.com/office/powerpoint/2010/main" val="2674254341"/>
+      </p:ext>
+    </p:extLst>
+  </p:cSld>
+  <p:clrMapOvr>
+    <a:masterClrMapping/>
+  </p:clrMapOvr>
+</p:sld>
+</file>
+
+<file path=ppt/slides/slide18.xml><?xml version="1.0" encoding="utf-8"?>
 <p:sld xmlns:a="http://schemas.openxmlformats.org/drawingml/2006/main" xmlns:r="http://schemas.openxmlformats.org/officeDocument/2006/relationships" xmlns:p="http://schemas.openxmlformats.org/presentationml/2006/main">
   <p:cSld>
     <p:spTree>
@@ -4439,7 +4904,7 @@
 </p:sld>
 </file>
 
-<file path=ppt/slides/slide16.xml><?xml version="1.0" encoding="utf-8"?>
+<file path=ppt/slides/slide19.xml><?xml version="1.0" encoding="utf-8"?>
 <p:sld xmlns:a="http://schemas.openxmlformats.org/drawingml/2006/main" xmlns:r="http://schemas.openxmlformats.org/officeDocument/2006/relationships" xmlns:p="http://schemas.openxmlformats.org/presentationml/2006/main">
   <p:cSld>
     <p:spTree>
@@ -4643,378 +5108,6 @@
 </p:sld>
 </file>
 
-<file path=ppt/slides/slide17.xml><?xml version="1.0" encoding="utf-8"?>
-<p:sld xmlns:a="http://schemas.openxmlformats.org/drawingml/2006/main" xmlns:r="http://schemas.openxmlformats.org/officeDocument/2006/relationships" xmlns:p="http://schemas.openxmlformats.org/presentationml/2006/main">
-  <p:cSld>
-    <p:spTree>
-      <p:nvGrpSpPr>
-        <p:cNvPr id="1" name=""/>
-        <p:cNvGrpSpPr/>
-        <p:nvPr/>
-      </p:nvGrpSpPr>
-      <p:grpSpPr>
-        <a:xfrm>
-          <a:off x="0" y="0"/>
-          <a:ext cx="0" cy="0"/>
-          <a:chOff x="0" y="0"/>
-          <a:chExt cx="0" cy="0"/>
-        </a:xfrm>
-      </p:grpSpPr>
-      <p:sp>
-        <p:nvSpPr>
-          <p:cNvPr id="2" name="标题 1">
-            <a:extLst>
-              <a:ext uri="{FF2B5EF4-FFF2-40B4-BE49-F238E27FC236}">
-                <a16:creationId xmlns:a16="http://schemas.microsoft.com/office/drawing/2014/main" id="{9B4D417D-F268-4273-9EC9-5F261FC76400}"/>
-              </a:ext>
-            </a:extLst>
-          </p:cNvPr>
-          <p:cNvSpPr>
-            <a:spLocks noGrp="1"/>
-          </p:cNvSpPr>
-          <p:nvPr>
-            <p:ph type="title"/>
-          </p:nvPr>
-        </p:nvSpPr>
-        <p:spPr/>
-        <p:txBody>
-          <a:bodyPr/>
-          <a:lstStyle/>
-          <a:p>
-            <a:r>
-              <a:rPr lang="en-US" altLang="zh-CN" dirty="0"/>
-              <a:t>Spongent-160</a:t>
-            </a:r>
-            <a:endParaRPr lang="zh-CN" altLang="en-US" dirty="0"/>
-          </a:p>
-        </p:txBody>
-      </p:sp>
-      <p:sp>
-        <p:nvSpPr>
-          <p:cNvPr id="3" name="内容占位符 2">
-            <a:extLst>
-              <a:ext uri="{FF2B5EF4-FFF2-40B4-BE49-F238E27FC236}">
-                <a16:creationId xmlns:a16="http://schemas.microsoft.com/office/drawing/2014/main" id="{92E99364-5945-4A9F-B3FA-E407C1470EDC}"/>
-              </a:ext>
-            </a:extLst>
-          </p:cNvPr>
-          <p:cNvSpPr>
-            <a:spLocks noGrp="1"/>
-          </p:cNvSpPr>
-          <p:nvPr>
-            <p:ph idx="1"/>
-          </p:nvPr>
-        </p:nvSpPr>
-        <p:spPr/>
-        <p:txBody>
-          <a:bodyPr/>
-          <a:lstStyle/>
-          <a:p>
-            <a:endParaRPr lang="zh-CN" altLang="en-US"/>
-          </a:p>
-        </p:txBody>
-      </p:sp>
-      <p:pic>
-        <p:nvPicPr>
-          <p:cNvPr id="5" name="图片 4">
-            <a:extLst>
-              <a:ext uri="{FF2B5EF4-FFF2-40B4-BE49-F238E27FC236}">
-                <a16:creationId xmlns:a16="http://schemas.microsoft.com/office/drawing/2014/main" id="{262EFD87-7DDB-4013-AA2D-A89FFA03368E}"/>
-              </a:ext>
-            </a:extLst>
-          </p:cNvPr>
-          <p:cNvPicPr>
-            <a:picLocks noChangeAspect="1"/>
-          </p:cNvPicPr>
-          <p:nvPr/>
-        </p:nvPicPr>
-        <p:blipFill>
-          <a:blip r:embed="rId2"/>
-          <a:stretch>
-            <a:fillRect/>
-          </a:stretch>
-        </p:blipFill>
-        <p:spPr>
-          <a:xfrm>
-            <a:off x="2034478" y="2328075"/>
-            <a:ext cx="8123043" cy="2772245"/>
-          </a:xfrm>
-          <a:prstGeom prst="rect">
-            <a:avLst/>
-          </a:prstGeom>
-        </p:spPr>
-      </p:pic>
-    </p:spTree>
-    <p:extLst>
-      <p:ext uri="{BB962C8B-B14F-4D97-AF65-F5344CB8AC3E}">
-        <p14:creationId xmlns:p14="http://schemas.microsoft.com/office/powerpoint/2010/main" val="521638703"/>
-      </p:ext>
-    </p:extLst>
-  </p:cSld>
-  <p:clrMapOvr>
-    <a:masterClrMapping/>
-  </p:clrMapOvr>
-</p:sld>
-</file>
-
-<file path=ppt/slides/slide18.xml><?xml version="1.0" encoding="utf-8"?>
-<p:sld xmlns:a="http://schemas.openxmlformats.org/drawingml/2006/main" xmlns:r="http://schemas.openxmlformats.org/officeDocument/2006/relationships" xmlns:p="http://schemas.openxmlformats.org/presentationml/2006/main">
-  <p:cSld>
-    <p:spTree>
-      <p:nvGrpSpPr>
-        <p:cNvPr id="1" name=""/>
-        <p:cNvGrpSpPr/>
-        <p:nvPr/>
-      </p:nvGrpSpPr>
-      <p:grpSpPr>
-        <a:xfrm>
-          <a:off x="0" y="0"/>
-          <a:ext cx="0" cy="0"/>
-          <a:chOff x="0" y="0"/>
-          <a:chExt cx="0" cy="0"/>
-        </a:xfrm>
-      </p:grpSpPr>
-      <p:sp>
-        <p:nvSpPr>
-          <p:cNvPr id="2" name="标题 1">
-            <a:extLst>
-              <a:ext uri="{FF2B5EF4-FFF2-40B4-BE49-F238E27FC236}">
-                <a16:creationId xmlns:a16="http://schemas.microsoft.com/office/drawing/2014/main" id="{31DB1600-F0AB-42A5-AE76-36A219D67D6C}"/>
-              </a:ext>
-            </a:extLst>
-          </p:cNvPr>
-          <p:cNvSpPr>
-            <a:spLocks noGrp="1"/>
-          </p:cNvSpPr>
-          <p:nvPr>
-            <p:ph type="title"/>
-          </p:nvPr>
-        </p:nvSpPr>
-        <p:spPr/>
-        <p:txBody>
-          <a:bodyPr/>
-          <a:lstStyle/>
-          <a:p>
-            <a:r>
-              <a:rPr lang="en-US" altLang="zh-CN" dirty="0"/>
-              <a:t>GIFT-128</a:t>
-            </a:r>
-            <a:endParaRPr lang="zh-CN" altLang="en-US" dirty="0"/>
-          </a:p>
-        </p:txBody>
-      </p:sp>
-      <p:sp>
-        <p:nvSpPr>
-          <p:cNvPr id="3" name="内容占位符 2">
-            <a:extLst>
-              <a:ext uri="{FF2B5EF4-FFF2-40B4-BE49-F238E27FC236}">
-                <a16:creationId xmlns:a16="http://schemas.microsoft.com/office/drawing/2014/main" id="{7F16FD9B-DF54-4819-AAAD-DE7A0869C7CD}"/>
-              </a:ext>
-            </a:extLst>
-          </p:cNvPr>
-          <p:cNvSpPr>
-            <a:spLocks noGrp="1"/>
-          </p:cNvSpPr>
-          <p:nvPr>
-            <p:ph idx="1"/>
-          </p:nvPr>
-        </p:nvSpPr>
-        <p:spPr/>
-        <p:txBody>
-          <a:bodyPr/>
-          <a:lstStyle/>
-          <a:p>
-            <a:endParaRPr lang="zh-CN" altLang="en-US"/>
-          </a:p>
-        </p:txBody>
-      </p:sp>
-      <p:pic>
-        <p:nvPicPr>
-          <p:cNvPr id="5" name="图片 4">
-            <a:extLst>
-              <a:ext uri="{FF2B5EF4-FFF2-40B4-BE49-F238E27FC236}">
-                <a16:creationId xmlns:a16="http://schemas.microsoft.com/office/drawing/2014/main" id="{512B7FAD-E5FF-4B37-A9E5-841DD8D0B02F}"/>
-              </a:ext>
-            </a:extLst>
-          </p:cNvPr>
-          <p:cNvPicPr>
-            <a:picLocks noChangeAspect="1"/>
-          </p:cNvPicPr>
-          <p:nvPr/>
-        </p:nvPicPr>
-        <p:blipFill>
-          <a:blip r:embed="rId2"/>
-          <a:stretch>
-            <a:fillRect/>
-          </a:stretch>
-        </p:blipFill>
-        <p:spPr>
-          <a:xfrm>
-            <a:off x="5176084" y="681037"/>
-            <a:ext cx="6249272" cy="5191850"/>
-          </a:xfrm>
-          <a:prstGeom prst="rect">
-            <a:avLst/>
-          </a:prstGeom>
-        </p:spPr>
-      </p:pic>
-      <p:pic>
-        <p:nvPicPr>
-          <p:cNvPr id="7" name="图片 6">
-            <a:extLst>
-              <a:ext uri="{FF2B5EF4-FFF2-40B4-BE49-F238E27FC236}">
-                <a16:creationId xmlns:a16="http://schemas.microsoft.com/office/drawing/2014/main" id="{BE2A3558-91C9-464B-9DC6-42A5FDF42F61}"/>
-              </a:ext>
-            </a:extLst>
-          </p:cNvPr>
-          <p:cNvPicPr>
-            <a:picLocks noChangeAspect="1"/>
-          </p:cNvPicPr>
-          <p:nvPr/>
-        </p:nvPicPr>
-        <p:blipFill>
-          <a:blip r:embed="rId3"/>
-          <a:stretch>
-            <a:fillRect/>
-          </a:stretch>
-        </p:blipFill>
-        <p:spPr>
-          <a:xfrm>
-            <a:off x="1197072" y="2452202"/>
-            <a:ext cx="3153215" cy="2400635"/>
-          </a:xfrm>
-          <a:prstGeom prst="rect">
-            <a:avLst/>
-          </a:prstGeom>
-        </p:spPr>
-      </p:pic>
-    </p:spTree>
-    <p:extLst>
-      <p:ext uri="{BB962C8B-B14F-4D97-AF65-F5344CB8AC3E}">
-        <p14:creationId xmlns:p14="http://schemas.microsoft.com/office/powerpoint/2010/main" val="2314736398"/>
-      </p:ext>
-    </p:extLst>
-  </p:cSld>
-  <p:clrMapOvr>
-    <a:masterClrMapping/>
-  </p:clrMapOvr>
-</p:sld>
-</file>
-
-<file path=ppt/slides/slide19.xml><?xml version="1.0" encoding="utf-8"?>
-<p:sld xmlns:a="http://schemas.openxmlformats.org/drawingml/2006/main" xmlns:r="http://schemas.openxmlformats.org/officeDocument/2006/relationships" xmlns:p="http://schemas.openxmlformats.org/presentationml/2006/main">
-  <p:cSld>
-    <p:spTree>
-      <p:nvGrpSpPr>
-        <p:cNvPr id="1" name=""/>
-        <p:cNvGrpSpPr/>
-        <p:nvPr/>
-      </p:nvGrpSpPr>
-      <p:grpSpPr>
-        <a:xfrm>
-          <a:off x="0" y="0"/>
-          <a:ext cx="0" cy="0"/>
-          <a:chOff x="0" y="0"/>
-          <a:chExt cx="0" cy="0"/>
-        </a:xfrm>
-      </p:grpSpPr>
-      <p:sp>
-        <p:nvSpPr>
-          <p:cNvPr id="2" name="标题 1">
-            <a:extLst>
-              <a:ext uri="{FF2B5EF4-FFF2-40B4-BE49-F238E27FC236}">
-                <a16:creationId xmlns:a16="http://schemas.microsoft.com/office/drawing/2014/main" id="{60BB7E66-8C6A-4A0A-B1C4-C9D5D182F221}"/>
-              </a:ext>
-            </a:extLst>
-          </p:cNvPr>
-          <p:cNvSpPr>
-            <a:spLocks noGrp="1"/>
-          </p:cNvSpPr>
-          <p:nvPr>
-            <p:ph type="title"/>
-          </p:nvPr>
-        </p:nvSpPr>
-        <p:spPr/>
-        <p:txBody>
-          <a:bodyPr/>
-          <a:lstStyle/>
-          <a:p>
-            <a:r>
-              <a:rPr lang="en-US" altLang="zh-CN" dirty="0"/>
-              <a:t>Skinny</a:t>
-            </a:r>
-            <a:endParaRPr lang="zh-CN" altLang="en-US" dirty="0"/>
-          </a:p>
-        </p:txBody>
-      </p:sp>
-      <p:sp>
-        <p:nvSpPr>
-          <p:cNvPr id="3" name="内容占位符 2">
-            <a:extLst>
-              <a:ext uri="{FF2B5EF4-FFF2-40B4-BE49-F238E27FC236}">
-                <a16:creationId xmlns:a16="http://schemas.microsoft.com/office/drawing/2014/main" id="{0C7EB6D7-3844-4430-818A-21075DF69CE9}"/>
-              </a:ext>
-            </a:extLst>
-          </p:cNvPr>
-          <p:cNvSpPr>
-            <a:spLocks noGrp="1"/>
-          </p:cNvSpPr>
-          <p:nvPr>
-            <p:ph idx="1"/>
-          </p:nvPr>
-        </p:nvSpPr>
-        <p:spPr/>
-        <p:txBody>
-          <a:bodyPr/>
-          <a:lstStyle/>
-          <a:p>
-            <a:endParaRPr lang="zh-CN" altLang="en-US"/>
-          </a:p>
-        </p:txBody>
-      </p:sp>
-      <p:pic>
-        <p:nvPicPr>
-          <p:cNvPr id="5" name="图片 4">
-            <a:extLst>
-              <a:ext uri="{FF2B5EF4-FFF2-40B4-BE49-F238E27FC236}">
-                <a16:creationId xmlns:a16="http://schemas.microsoft.com/office/drawing/2014/main" id="{6FED72F5-E955-473E-88B7-E18F0A8A7286}"/>
-              </a:ext>
-            </a:extLst>
-          </p:cNvPr>
-          <p:cNvPicPr>
-            <a:picLocks noChangeAspect="1"/>
-          </p:cNvPicPr>
-          <p:nvPr/>
-        </p:nvPicPr>
-        <p:blipFill>
-          <a:blip r:embed="rId2"/>
-          <a:stretch>
-            <a:fillRect/>
-          </a:stretch>
-        </p:blipFill>
-        <p:spPr>
-          <a:xfrm>
-            <a:off x="1080366" y="2605584"/>
-            <a:ext cx="10031268" cy="2535375"/>
-          </a:xfrm>
-          <a:prstGeom prst="rect">
-            <a:avLst/>
-          </a:prstGeom>
-        </p:spPr>
-      </p:pic>
-    </p:spTree>
-    <p:extLst>
-      <p:ext uri="{BB962C8B-B14F-4D97-AF65-F5344CB8AC3E}">
-        <p14:creationId xmlns:p14="http://schemas.microsoft.com/office/powerpoint/2010/main" val="3905108311"/>
-      </p:ext>
-    </p:extLst>
-  </p:cSld>
-  <p:clrMapOvr>
-    <a:masterClrMapping/>
-  </p:clrMapOvr>
-</p:sld>
-</file>
-
 <file path=ppt/slides/slide2.xml><?xml version="1.0" encoding="utf-8"?>
 <p:sld xmlns:a="http://schemas.openxmlformats.org/drawingml/2006/main" xmlns:r="http://schemas.openxmlformats.org/officeDocument/2006/relationships" xmlns:p="http://schemas.openxmlformats.org/presentationml/2006/main">
   <p:cSld>
@@ -5057,7 +5150,6 @@
               <a:rPr lang="zh-CN" altLang="en-US" dirty="0"/>
               <a:t>分类</a:t>
             </a:r>
-            <a:endParaRPr lang="zh-CN" altLang="en-US" dirty="0"/>
           </a:p>
         </p:txBody>
       </p:sp>
@@ -5075,7 +5167,11 @@
           </p:cNvGraphicFramePr>
           <p:nvPr>
             <p:ph idx="1"/>
-            <p:extLst/>
+            <p:extLst>
+              <p:ext uri="{D42A27DB-BD31-4B8C-83A1-F6EECF244321}">
+                <p14:modId xmlns:p14="http://schemas.microsoft.com/office/powerpoint/2010/main" val="1073455094"/>
+              </p:ext>
+            </p:extLst>
           </p:nvPr>
         </p:nvGraphicFramePr>
         <p:xfrm>
@@ -5414,7 +5510,9 @@
                     <a:lstStyle/>
                     <a:p>
                       <a:r>
-                        <a:rPr lang="en-US" altLang="zh-CN" dirty="0"/>
+                        <a:rPr lang="en-US" altLang="zh-CN" dirty="0">
+                          <a:hlinkClick r:id="rId2" action="ppaction://hlinksldjump"/>
+                        </a:rPr>
                         <a:t>PHOTON</a:t>
                       </a:r>
                       <a:endParaRPr lang="zh-CN" altLang="en-US" dirty="0"/>
@@ -5783,10 +5881,579 @@
   <p:clrMapOvr>
     <a:masterClrMapping/>
   </p:clrMapOvr>
+  <p:timing>
+    <p:tnLst>
+      <p:par>
+        <p:cTn id="1" dur="indefinite" restart="never" nodeType="tmRoot"/>
+      </p:par>
+    </p:tnLst>
+  </p:timing>
 </p:sld>
 </file>
 
 <file path=ppt/slides/slide20.xml><?xml version="1.0" encoding="utf-8"?>
+<p:sld xmlns:a="http://schemas.openxmlformats.org/drawingml/2006/main" xmlns:r="http://schemas.openxmlformats.org/officeDocument/2006/relationships" xmlns:p="http://schemas.openxmlformats.org/presentationml/2006/main">
+  <p:cSld>
+    <p:spTree>
+      <p:nvGrpSpPr>
+        <p:cNvPr id="1" name=""/>
+        <p:cNvGrpSpPr/>
+        <p:nvPr/>
+      </p:nvGrpSpPr>
+      <p:grpSpPr>
+        <a:xfrm>
+          <a:off x="0" y="0"/>
+          <a:ext cx="0" cy="0"/>
+          <a:chOff x="0" y="0"/>
+          <a:chExt cx="0" cy="0"/>
+        </a:xfrm>
+      </p:grpSpPr>
+      <p:sp>
+        <p:nvSpPr>
+          <p:cNvPr id="2" name="标题 1">
+            <a:extLst>
+              <a:ext uri="{FF2B5EF4-FFF2-40B4-BE49-F238E27FC236}">
+                <a16:creationId xmlns:a16="http://schemas.microsoft.com/office/drawing/2014/main" id="{9B4D417D-F268-4273-9EC9-5F261FC76400}"/>
+              </a:ext>
+            </a:extLst>
+          </p:cNvPr>
+          <p:cNvSpPr>
+            <a:spLocks noGrp="1"/>
+          </p:cNvSpPr>
+          <p:nvPr>
+            <p:ph type="title"/>
+          </p:nvPr>
+        </p:nvSpPr>
+        <p:spPr/>
+        <p:txBody>
+          <a:bodyPr/>
+          <a:lstStyle/>
+          <a:p>
+            <a:r>
+              <a:rPr lang="en-US" altLang="zh-CN" dirty="0"/>
+              <a:t>Spongent-160</a:t>
+            </a:r>
+            <a:endParaRPr lang="zh-CN" altLang="en-US" dirty="0"/>
+          </a:p>
+        </p:txBody>
+      </p:sp>
+      <p:sp>
+        <p:nvSpPr>
+          <p:cNvPr id="3" name="内容占位符 2">
+            <a:extLst>
+              <a:ext uri="{FF2B5EF4-FFF2-40B4-BE49-F238E27FC236}">
+                <a16:creationId xmlns:a16="http://schemas.microsoft.com/office/drawing/2014/main" id="{92E99364-5945-4A9F-B3FA-E407C1470EDC}"/>
+              </a:ext>
+            </a:extLst>
+          </p:cNvPr>
+          <p:cNvSpPr>
+            <a:spLocks noGrp="1"/>
+          </p:cNvSpPr>
+          <p:nvPr>
+            <p:ph idx="1"/>
+          </p:nvPr>
+        </p:nvSpPr>
+        <p:spPr/>
+        <p:txBody>
+          <a:bodyPr/>
+          <a:lstStyle/>
+          <a:p>
+            <a:endParaRPr lang="zh-CN" altLang="en-US"/>
+          </a:p>
+        </p:txBody>
+      </p:sp>
+      <p:pic>
+        <p:nvPicPr>
+          <p:cNvPr id="5" name="图片 4">
+            <a:extLst>
+              <a:ext uri="{FF2B5EF4-FFF2-40B4-BE49-F238E27FC236}">
+                <a16:creationId xmlns:a16="http://schemas.microsoft.com/office/drawing/2014/main" id="{262EFD87-7DDB-4013-AA2D-A89FFA03368E}"/>
+              </a:ext>
+            </a:extLst>
+          </p:cNvPr>
+          <p:cNvPicPr>
+            <a:picLocks noChangeAspect="1"/>
+          </p:cNvPicPr>
+          <p:nvPr/>
+        </p:nvPicPr>
+        <p:blipFill>
+          <a:blip r:embed="rId2"/>
+          <a:stretch>
+            <a:fillRect/>
+          </a:stretch>
+        </p:blipFill>
+        <p:spPr>
+          <a:xfrm>
+            <a:off x="2034478" y="2328075"/>
+            <a:ext cx="8123043" cy="2772245"/>
+          </a:xfrm>
+          <a:prstGeom prst="rect">
+            <a:avLst/>
+          </a:prstGeom>
+        </p:spPr>
+      </p:pic>
+    </p:spTree>
+    <p:extLst>
+      <p:ext uri="{BB962C8B-B14F-4D97-AF65-F5344CB8AC3E}">
+        <p14:creationId xmlns:p14="http://schemas.microsoft.com/office/powerpoint/2010/main" val="521638703"/>
+      </p:ext>
+    </p:extLst>
+  </p:cSld>
+  <p:clrMapOvr>
+    <a:masterClrMapping/>
+  </p:clrMapOvr>
+  <p:timing>
+    <p:tnLst>
+      <p:par>
+        <p:cTn id="1" dur="indefinite" restart="never" nodeType="tmRoot"/>
+      </p:par>
+    </p:tnLst>
+  </p:timing>
+</p:sld>
+</file>
+
+<file path=ppt/slides/slide21.xml><?xml version="1.0" encoding="utf-8"?>
+<p:sld xmlns:a="http://schemas.openxmlformats.org/drawingml/2006/main" xmlns:r="http://schemas.openxmlformats.org/officeDocument/2006/relationships" xmlns:p="http://schemas.openxmlformats.org/presentationml/2006/main">
+  <p:cSld>
+    <p:spTree>
+      <p:nvGrpSpPr>
+        <p:cNvPr id="1" name=""/>
+        <p:cNvGrpSpPr/>
+        <p:nvPr/>
+      </p:nvGrpSpPr>
+      <p:grpSpPr>
+        <a:xfrm>
+          <a:off x="0" y="0"/>
+          <a:ext cx="0" cy="0"/>
+          <a:chOff x="0" y="0"/>
+          <a:chExt cx="0" cy="0"/>
+        </a:xfrm>
+      </p:grpSpPr>
+      <p:sp>
+        <p:nvSpPr>
+          <p:cNvPr id="2" name="标题 1"/>
+          <p:cNvSpPr>
+            <a:spLocks noGrp="1"/>
+          </p:cNvSpPr>
+          <p:nvPr>
+            <p:ph type="title"/>
+          </p:nvPr>
+        </p:nvSpPr>
+        <p:spPr/>
+        <p:txBody>
+          <a:bodyPr/>
+          <a:lstStyle/>
+          <a:p>
+            <a:r>
+              <a:rPr lang="en-US" altLang="zh-CN" dirty="0" smtClean="0"/>
+              <a:t>PHOTON</a:t>
+            </a:r>
+            <a:endParaRPr lang="zh-CN" altLang="en-US" dirty="0"/>
+          </a:p>
+        </p:txBody>
+      </p:sp>
+      <p:sp>
+        <p:nvSpPr>
+          <p:cNvPr id="3" name="内容占位符 2"/>
+          <p:cNvSpPr>
+            <a:spLocks noGrp="1"/>
+          </p:cNvSpPr>
+          <p:nvPr>
+            <p:ph idx="1"/>
+          </p:nvPr>
+        </p:nvSpPr>
+        <p:spPr/>
+        <p:txBody>
+          <a:bodyPr/>
+          <a:lstStyle/>
+          <a:p>
+            <a:endParaRPr lang="zh-CN" altLang="en-US"/>
+          </a:p>
+        </p:txBody>
+      </p:sp>
+      <p:pic>
+        <p:nvPicPr>
+          <p:cNvPr id="4" name="图片 3"/>
+          <p:cNvPicPr>
+            <a:picLocks noChangeAspect="1"/>
+          </p:cNvPicPr>
+          <p:nvPr/>
+        </p:nvPicPr>
+        <p:blipFill>
+          <a:blip r:embed="rId2"/>
+          <a:stretch>
+            <a:fillRect/>
+          </a:stretch>
+        </p:blipFill>
+        <p:spPr>
+          <a:xfrm>
+            <a:off x="602362" y="1523674"/>
+            <a:ext cx="10987271" cy="2756282"/>
+          </a:xfrm>
+          <a:prstGeom prst="rect">
+            <a:avLst/>
+          </a:prstGeom>
+        </p:spPr>
+      </p:pic>
+      <p:sp>
+        <p:nvSpPr>
+          <p:cNvPr id="5" name="动作按钮: 第一张 4">
+            <a:hlinkClick r:id="rId3" action="ppaction://hlinksldjump" highlightClick="1"/>
+          </p:cNvPr>
+          <p:cNvSpPr/>
+          <p:nvPr/>
+        </p:nvSpPr>
+        <p:spPr>
+          <a:xfrm>
+            <a:off x="11808069" y="6541477"/>
+            <a:ext cx="383931" cy="316523"/>
+          </a:xfrm>
+          <a:prstGeom prst="actionButtonHome">
+            <a:avLst/>
+          </a:prstGeom>
+        </p:spPr>
+        <p:style>
+          <a:lnRef idx="2">
+            <a:schemeClr val="accent1">
+              <a:shade val="50000"/>
+            </a:schemeClr>
+          </a:lnRef>
+          <a:fillRef idx="1">
+            <a:schemeClr val="accent1"/>
+          </a:fillRef>
+          <a:effectRef idx="0">
+            <a:schemeClr val="accent1"/>
+          </a:effectRef>
+          <a:fontRef idx="minor">
+            <a:schemeClr val="lt1"/>
+          </a:fontRef>
+        </p:style>
+        <p:txBody>
+          <a:bodyPr rtlCol="0" anchor="ctr"/>
+          <a:lstStyle/>
+          <a:p>
+            <a:pPr algn="ctr"/>
+            <a:endParaRPr lang="zh-CN" altLang="en-US"/>
+          </a:p>
+        </p:txBody>
+      </p:sp>
+      <p:pic>
+        <p:nvPicPr>
+          <p:cNvPr id="6" name="图片 5"/>
+          <p:cNvPicPr>
+            <a:picLocks noChangeAspect="1"/>
+          </p:cNvPicPr>
+          <p:nvPr/>
+        </p:nvPicPr>
+        <p:blipFill>
+          <a:blip r:embed="rId4"/>
+          <a:stretch>
+            <a:fillRect/>
+          </a:stretch>
+        </p:blipFill>
+        <p:spPr>
+          <a:xfrm>
+            <a:off x="1248140" y="4414893"/>
+            <a:ext cx="9695717" cy="2377917"/>
+          </a:xfrm>
+          <a:prstGeom prst="rect">
+            <a:avLst/>
+          </a:prstGeom>
+        </p:spPr>
+      </p:pic>
+    </p:spTree>
+    <p:extLst>
+      <p:ext uri="{BB962C8B-B14F-4D97-AF65-F5344CB8AC3E}">
+        <p14:creationId xmlns:p14="http://schemas.microsoft.com/office/powerpoint/2010/main" val="2522391752"/>
+      </p:ext>
+    </p:extLst>
+  </p:cSld>
+  <p:clrMapOvr>
+    <a:masterClrMapping/>
+  </p:clrMapOvr>
+  <p:timing>
+    <p:tnLst>
+      <p:par>
+        <p:cTn id="1" dur="indefinite" restart="never" nodeType="tmRoot"/>
+      </p:par>
+    </p:tnLst>
+  </p:timing>
+</p:sld>
+</file>
+
+<file path=ppt/slides/slide22.xml><?xml version="1.0" encoding="utf-8"?>
+<p:sld xmlns:a="http://schemas.openxmlformats.org/drawingml/2006/main" xmlns:r="http://schemas.openxmlformats.org/officeDocument/2006/relationships" xmlns:p="http://schemas.openxmlformats.org/presentationml/2006/main">
+  <p:cSld>
+    <p:spTree>
+      <p:nvGrpSpPr>
+        <p:cNvPr id="1" name=""/>
+        <p:cNvGrpSpPr/>
+        <p:nvPr/>
+      </p:nvGrpSpPr>
+      <p:grpSpPr>
+        <a:xfrm>
+          <a:off x="0" y="0"/>
+          <a:ext cx="0" cy="0"/>
+          <a:chOff x="0" y="0"/>
+          <a:chExt cx="0" cy="0"/>
+        </a:xfrm>
+      </p:grpSpPr>
+      <p:sp>
+        <p:nvSpPr>
+          <p:cNvPr id="2" name="标题 1">
+            <a:extLst>
+              <a:ext uri="{FF2B5EF4-FFF2-40B4-BE49-F238E27FC236}">
+                <a16:creationId xmlns:a16="http://schemas.microsoft.com/office/drawing/2014/main" id="{31DB1600-F0AB-42A5-AE76-36A219D67D6C}"/>
+              </a:ext>
+            </a:extLst>
+          </p:cNvPr>
+          <p:cNvSpPr>
+            <a:spLocks noGrp="1"/>
+          </p:cNvSpPr>
+          <p:nvPr>
+            <p:ph type="title"/>
+          </p:nvPr>
+        </p:nvSpPr>
+        <p:spPr/>
+        <p:txBody>
+          <a:bodyPr/>
+          <a:lstStyle/>
+          <a:p>
+            <a:r>
+              <a:rPr lang="en-US" altLang="zh-CN" dirty="0"/>
+              <a:t>GIFT-128</a:t>
+            </a:r>
+            <a:endParaRPr lang="zh-CN" altLang="en-US" dirty="0"/>
+          </a:p>
+        </p:txBody>
+      </p:sp>
+      <p:sp>
+        <p:nvSpPr>
+          <p:cNvPr id="3" name="内容占位符 2">
+            <a:extLst>
+              <a:ext uri="{FF2B5EF4-FFF2-40B4-BE49-F238E27FC236}">
+                <a16:creationId xmlns:a16="http://schemas.microsoft.com/office/drawing/2014/main" id="{7F16FD9B-DF54-4819-AAAD-DE7A0869C7CD}"/>
+              </a:ext>
+            </a:extLst>
+          </p:cNvPr>
+          <p:cNvSpPr>
+            <a:spLocks noGrp="1"/>
+          </p:cNvSpPr>
+          <p:nvPr>
+            <p:ph idx="1"/>
+          </p:nvPr>
+        </p:nvSpPr>
+        <p:spPr/>
+        <p:txBody>
+          <a:bodyPr/>
+          <a:lstStyle/>
+          <a:p>
+            <a:endParaRPr lang="zh-CN" altLang="en-US"/>
+          </a:p>
+        </p:txBody>
+      </p:sp>
+      <p:pic>
+        <p:nvPicPr>
+          <p:cNvPr id="5" name="图片 4">
+            <a:extLst>
+              <a:ext uri="{FF2B5EF4-FFF2-40B4-BE49-F238E27FC236}">
+                <a16:creationId xmlns:a16="http://schemas.microsoft.com/office/drawing/2014/main" id="{512B7FAD-E5FF-4B37-A9E5-841DD8D0B02F}"/>
+              </a:ext>
+            </a:extLst>
+          </p:cNvPr>
+          <p:cNvPicPr>
+            <a:picLocks noChangeAspect="1"/>
+          </p:cNvPicPr>
+          <p:nvPr/>
+        </p:nvPicPr>
+        <p:blipFill>
+          <a:blip r:embed="rId2"/>
+          <a:stretch>
+            <a:fillRect/>
+          </a:stretch>
+        </p:blipFill>
+        <p:spPr>
+          <a:xfrm>
+            <a:off x="5176084" y="681037"/>
+            <a:ext cx="6249272" cy="5191850"/>
+          </a:xfrm>
+          <a:prstGeom prst="rect">
+            <a:avLst/>
+          </a:prstGeom>
+        </p:spPr>
+      </p:pic>
+      <p:pic>
+        <p:nvPicPr>
+          <p:cNvPr id="7" name="图片 6">
+            <a:extLst>
+              <a:ext uri="{FF2B5EF4-FFF2-40B4-BE49-F238E27FC236}">
+                <a16:creationId xmlns:a16="http://schemas.microsoft.com/office/drawing/2014/main" id="{BE2A3558-91C9-464B-9DC6-42A5FDF42F61}"/>
+              </a:ext>
+            </a:extLst>
+          </p:cNvPr>
+          <p:cNvPicPr>
+            <a:picLocks noChangeAspect="1"/>
+          </p:cNvPicPr>
+          <p:nvPr/>
+        </p:nvPicPr>
+        <p:blipFill>
+          <a:blip r:embed="rId3"/>
+          <a:stretch>
+            <a:fillRect/>
+          </a:stretch>
+        </p:blipFill>
+        <p:spPr>
+          <a:xfrm>
+            <a:off x="1197072" y="2452202"/>
+            <a:ext cx="3153215" cy="2400635"/>
+          </a:xfrm>
+          <a:prstGeom prst="rect">
+            <a:avLst/>
+          </a:prstGeom>
+        </p:spPr>
+      </p:pic>
+    </p:spTree>
+    <p:extLst>
+      <p:ext uri="{BB962C8B-B14F-4D97-AF65-F5344CB8AC3E}">
+        <p14:creationId xmlns:p14="http://schemas.microsoft.com/office/powerpoint/2010/main" val="2314736398"/>
+      </p:ext>
+    </p:extLst>
+  </p:cSld>
+  <p:clrMapOvr>
+    <a:masterClrMapping/>
+  </p:clrMapOvr>
+  <p:timing>
+    <p:tnLst>
+      <p:par>
+        <p:cTn id="1" dur="indefinite" restart="never" nodeType="tmRoot"/>
+      </p:par>
+    </p:tnLst>
+  </p:timing>
+</p:sld>
+</file>
+
+<file path=ppt/slides/slide23.xml><?xml version="1.0" encoding="utf-8"?>
+<p:sld xmlns:a="http://schemas.openxmlformats.org/drawingml/2006/main" xmlns:r="http://schemas.openxmlformats.org/officeDocument/2006/relationships" xmlns:p="http://schemas.openxmlformats.org/presentationml/2006/main">
+  <p:cSld>
+    <p:spTree>
+      <p:nvGrpSpPr>
+        <p:cNvPr id="1" name=""/>
+        <p:cNvGrpSpPr/>
+        <p:nvPr/>
+      </p:nvGrpSpPr>
+      <p:grpSpPr>
+        <a:xfrm>
+          <a:off x="0" y="0"/>
+          <a:ext cx="0" cy="0"/>
+          <a:chOff x="0" y="0"/>
+          <a:chExt cx="0" cy="0"/>
+        </a:xfrm>
+      </p:grpSpPr>
+      <p:sp>
+        <p:nvSpPr>
+          <p:cNvPr id="2" name="标题 1">
+            <a:extLst>
+              <a:ext uri="{FF2B5EF4-FFF2-40B4-BE49-F238E27FC236}">
+                <a16:creationId xmlns:a16="http://schemas.microsoft.com/office/drawing/2014/main" id="{60BB7E66-8C6A-4A0A-B1C4-C9D5D182F221}"/>
+              </a:ext>
+            </a:extLst>
+          </p:cNvPr>
+          <p:cNvSpPr>
+            <a:spLocks noGrp="1"/>
+          </p:cNvSpPr>
+          <p:nvPr>
+            <p:ph type="title"/>
+          </p:nvPr>
+        </p:nvSpPr>
+        <p:spPr/>
+        <p:txBody>
+          <a:bodyPr/>
+          <a:lstStyle/>
+          <a:p>
+            <a:r>
+              <a:rPr lang="en-US" altLang="zh-CN" dirty="0"/>
+              <a:t>Skinny</a:t>
+            </a:r>
+            <a:endParaRPr lang="zh-CN" altLang="en-US" dirty="0"/>
+          </a:p>
+        </p:txBody>
+      </p:sp>
+      <p:sp>
+        <p:nvSpPr>
+          <p:cNvPr id="3" name="内容占位符 2">
+            <a:extLst>
+              <a:ext uri="{FF2B5EF4-FFF2-40B4-BE49-F238E27FC236}">
+                <a16:creationId xmlns:a16="http://schemas.microsoft.com/office/drawing/2014/main" id="{0C7EB6D7-3844-4430-818A-21075DF69CE9}"/>
+              </a:ext>
+            </a:extLst>
+          </p:cNvPr>
+          <p:cNvSpPr>
+            <a:spLocks noGrp="1"/>
+          </p:cNvSpPr>
+          <p:nvPr>
+            <p:ph idx="1"/>
+          </p:nvPr>
+        </p:nvSpPr>
+        <p:spPr/>
+        <p:txBody>
+          <a:bodyPr/>
+          <a:lstStyle/>
+          <a:p>
+            <a:endParaRPr lang="zh-CN" altLang="en-US"/>
+          </a:p>
+        </p:txBody>
+      </p:sp>
+      <p:pic>
+        <p:nvPicPr>
+          <p:cNvPr id="5" name="图片 4">
+            <a:extLst>
+              <a:ext uri="{FF2B5EF4-FFF2-40B4-BE49-F238E27FC236}">
+                <a16:creationId xmlns:a16="http://schemas.microsoft.com/office/drawing/2014/main" id="{6FED72F5-E955-473E-88B7-E18F0A8A7286}"/>
+              </a:ext>
+            </a:extLst>
+          </p:cNvPr>
+          <p:cNvPicPr>
+            <a:picLocks noChangeAspect="1"/>
+          </p:cNvPicPr>
+          <p:nvPr/>
+        </p:nvPicPr>
+        <p:blipFill>
+          <a:blip r:embed="rId2"/>
+          <a:stretch>
+            <a:fillRect/>
+          </a:stretch>
+        </p:blipFill>
+        <p:spPr>
+          <a:xfrm>
+            <a:off x="1080366" y="2605584"/>
+            <a:ext cx="10031268" cy="2535375"/>
+          </a:xfrm>
+          <a:prstGeom prst="rect">
+            <a:avLst/>
+          </a:prstGeom>
+        </p:spPr>
+      </p:pic>
+    </p:spTree>
+    <p:extLst>
+      <p:ext uri="{BB962C8B-B14F-4D97-AF65-F5344CB8AC3E}">
+        <p14:creationId xmlns:p14="http://schemas.microsoft.com/office/powerpoint/2010/main" val="3905108311"/>
+      </p:ext>
+    </p:extLst>
+  </p:cSld>
+  <p:clrMapOvr>
+    <a:masterClrMapping/>
+  </p:clrMapOvr>
+  <p:timing>
+    <p:tnLst>
+      <p:par>
+        <p:cTn id="1" dur="indefinite" restart="never" nodeType="tmRoot"/>
+      </p:par>
+    </p:tnLst>
+  </p:timing>
+</p:sld>
+</file>
+
+<file path=ppt/slides/slide24.xml><?xml version="1.0" encoding="utf-8"?>
 <p:sld xmlns:a="http://schemas.openxmlformats.org/drawingml/2006/main" xmlns:r="http://schemas.openxmlformats.org/officeDocument/2006/relationships" xmlns:p="http://schemas.openxmlformats.org/presentationml/2006/main">
   <p:cSld>
     <p:spTree>
@@ -5927,10 +6594,17 @@
   <p:clrMapOvr>
     <a:masterClrMapping/>
   </p:clrMapOvr>
+  <p:timing>
+    <p:tnLst>
+      <p:par>
+        <p:cTn id="1" dur="indefinite" restart="never" nodeType="tmRoot"/>
+      </p:par>
+    </p:tnLst>
+  </p:timing>
 </p:sld>
 </file>
 
-<file path=ppt/slides/slide21.xml><?xml version="1.0" encoding="utf-8"?>
+<file path=ppt/slides/slide25.xml><?xml version="1.0" encoding="utf-8"?>
 <p:sld xmlns:a="http://schemas.openxmlformats.org/drawingml/2006/main" xmlns:r="http://schemas.openxmlformats.org/officeDocument/2006/relationships" xmlns:p="http://schemas.openxmlformats.org/presentationml/2006/main">
   <p:cSld>
     <p:spTree>
@@ -6041,10 +6715,17 @@
   <p:clrMapOvr>
     <a:masterClrMapping/>
   </p:clrMapOvr>
+  <p:timing>
+    <p:tnLst>
+      <p:par>
+        <p:cTn id="1" dur="indefinite" restart="never" nodeType="tmRoot"/>
+      </p:par>
+    </p:tnLst>
+  </p:timing>
 </p:sld>
 </file>
 
-<file path=ppt/slides/slide22.xml><?xml version="1.0" encoding="utf-8"?>
+<file path=ppt/slides/slide26.xml><?xml version="1.0" encoding="utf-8"?>
 <p:sld xmlns:a="http://schemas.openxmlformats.org/drawingml/2006/main" xmlns:r="http://schemas.openxmlformats.org/officeDocument/2006/relationships" xmlns:p="http://schemas.openxmlformats.org/presentationml/2006/main">
   <p:cSld>
     <p:spTree>
@@ -6245,10 +6926,17 @@
   <p:clrMapOvr>
     <a:masterClrMapping/>
   </p:clrMapOvr>
+  <p:timing>
+    <p:tnLst>
+      <p:par>
+        <p:cTn id="1" dur="indefinite" restart="never" nodeType="tmRoot"/>
+      </p:par>
+    </p:tnLst>
+  </p:timing>
 </p:sld>
 </file>
 
-<file path=ppt/slides/slide23.xml><?xml version="1.0" encoding="utf-8"?>
+<file path=ppt/slides/slide27.xml><?xml version="1.0" encoding="utf-8"?>
 <p:sld xmlns:a="http://schemas.openxmlformats.org/drawingml/2006/main" xmlns:r="http://schemas.openxmlformats.org/officeDocument/2006/relationships" xmlns:p="http://schemas.openxmlformats.org/presentationml/2006/main">
   <p:cSld>
     <p:spTree>
@@ -6359,10 +7047,104 @@
   <p:clrMapOvr>
     <a:masterClrMapping/>
   </p:clrMapOvr>
+  <p:timing>
+    <p:tnLst>
+      <p:par>
+        <p:cTn id="1" dur="indefinite" restart="never" nodeType="tmRoot"/>
+      </p:par>
+    </p:tnLst>
+  </p:timing>
 </p:sld>
 </file>
 
-<file path=ppt/slides/slide24.xml><?xml version="1.0" encoding="utf-8"?>
+<file path=ppt/slides/slide28.xml><?xml version="1.0" encoding="utf-8"?>
+<p:sld xmlns:a="http://schemas.openxmlformats.org/drawingml/2006/main" xmlns:r="http://schemas.openxmlformats.org/officeDocument/2006/relationships" xmlns:p="http://schemas.openxmlformats.org/presentationml/2006/main">
+  <p:cSld>
+    <p:bg>
+      <p:bgPr>
+        <a:solidFill>
+          <a:srgbClr val="5B9BD5"/>
+        </a:solidFill>
+        <a:effectLst/>
+      </p:bgPr>
+    </p:bg>
+    <p:spTree>
+      <p:nvGrpSpPr>
+        <p:cNvPr id="1" name=""/>
+        <p:cNvGrpSpPr/>
+        <p:nvPr/>
+      </p:nvGrpSpPr>
+      <p:grpSpPr>
+        <a:xfrm>
+          <a:off x="0" y="0"/>
+          <a:ext cx="0" cy="0"/>
+          <a:chOff x="0" y="0"/>
+          <a:chExt cx="0" cy="0"/>
+        </a:xfrm>
+      </p:grpSpPr>
+      <p:sp>
+        <p:nvSpPr>
+          <p:cNvPr id="2" name="标题 1"/>
+          <p:cNvSpPr>
+            <a:spLocks noGrp="1"/>
+          </p:cNvSpPr>
+          <p:nvPr>
+            <p:ph type="title"/>
+          </p:nvPr>
+        </p:nvSpPr>
+        <p:spPr/>
+        <p:txBody>
+          <a:bodyPr/>
+          <a:lstStyle/>
+          <a:p>
+            <a:r>
+              <a:rPr lang="en-US" altLang="zh-CN" dirty="0" smtClean="0"/>
+              <a:t>Additional</a:t>
+            </a:r>
+            <a:endParaRPr lang="zh-CN" altLang="en-US" dirty="0"/>
+          </a:p>
+        </p:txBody>
+      </p:sp>
+      <p:sp>
+        <p:nvSpPr>
+          <p:cNvPr id="3" name="内容占位符 2"/>
+          <p:cNvSpPr>
+            <a:spLocks noGrp="1"/>
+          </p:cNvSpPr>
+          <p:nvPr>
+            <p:ph idx="1"/>
+          </p:nvPr>
+        </p:nvSpPr>
+        <p:spPr/>
+        <p:txBody>
+          <a:bodyPr/>
+          <a:lstStyle/>
+          <a:p>
+            <a:endParaRPr lang="zh-CN" altLang="en-US"/>
+          </a:p>
+        </p:txBody>
+      </p:sp>
+    </p:spTree>
+    <p:extLst>
+      <p:ext uri="{BB962C8B-B14F-4D97-AF65-F5344CB8AC3E}">
+        <p14:creationId xmlns:p14="http://schemas.microsoft.com/office/powerpoint/2010/main" val="3468561132"/>
+      </p:ext>
+    </p:extLst>
+  </p:cSld>
+  <p:clrMapOvr>
+    <a:masterClrMapping/>
+  </p:clrMapOvr>
+  <p:timing>
+    <p:tnLst>
+      <p:par>
+        <p:cTn id="1" dur="indefinite" restart="never" nodeType="tmRoot"/>
+      </p:par>
+    </p:tnLst>
+  </p:timing>
+</p:sld>
+</file>
+
+<file path=ppt/slides/slide29.xml><?xml version="1.0" encoding="utf-8"?>
 <p:sld xmlns:a="http://schemas.openxmlformats.org/drawingml/2006/main" xmlns:r="http://schemas.openxmlformats.org/officeDocument/2006/relationships" xmlns:p="http://schemas.openxmlformats.org/presentationml/2006/main">
   <p:cSld>
     <p:spTree>
@@ -6537,10 +7319,17 @@
   <p:clrMapOvr>
     <a:masterClrMapping/>
   </p:clrMapOvr>
+  <p:timing>
+    <p:tnLst>
+      <p:par>
+        <p:cTn id="1" dur="indefinite" restart="never" nodeType="tmRoot"/>
+      </p:par>
+    </p:tnLst>
+  </p:timing>
 </p:sld>
 </file>
 
-<file path=ppt/slides/slide25.xml><?xml version="1.0" encoding="utf-8"?>
+<file path=ppt/slides/slide3.xml><?xml version="1.0" encoding="utf-8"?>
 <p:sld xmlns:a="http://schemas.openxmlformats.org/drawingml/2006/main" xmlns:r="http://schemas.openxmlformats.org/officeDocument/2006/relationships" xmlns:p="http://schemas.openxmlformats.org/presentationml/2006/main">
   <p:cSld>
     <p:spTree>
@@ -6559,6 +7348,169 @@
       </p:grpSpPr>
       <p:sp>
         <p:nvSpPr>
+          <p:cNvPr id="2" name="标题 1">
+            <a:extLst>
+              <a:ext uri="{FF2B5EF4-FFF2-40B4-BE49-F238E27FC236}">
+                <a16:creationId xmlns:a16="http://schemas.microsoft.com/office/drawing/2014/main" id="{CF3AF036-3634-4C4A-9118-0C2CB0D5753B}"/>
+              </a:ext>
+            </a:extLst>
+          </p:cNvPr>
+          <p:cNvSpPr>
+            <a:spLocks noGrp="1"/>
+          </p:cNvSpPr>
+          <p:nvPr>
+            <p:ph type="title"/>
+          </p:nvPr>
+        </p:nvSpPr>
+        <p:spPr/>
+        <p:txBody>
+          <a:bodyPr/>
+          <a:lstStyle/>
+          <a:p>
+            <a:r>
+              <a:rPr lang="en-US" altLang="zh-CN" dirty="0" smtClean="0"/>
+              <a:t>PHOTON-256</a:t>
+            </a:r>
+            <a:endParaRPr lang="zh-CN" altLang="en-US" dirty="0"/>
+          </a:p>
+        </p:txBody>
+      </p:sp>
+      <p:sp>
+        <p:nvSpPr>
+          <p:cNvPr id="3" name="内容占位符 2">
+            <a:extLst>
+              <a:ext uri="{FF2B5EF4-FFF2-40B4-BE49-F238E27FC236}">
+                <a16:creationId xmlns:a16="http://schemas.microsoft.com/office/drawing/2014/main" id="{9698322E-A1B9-4A0F-9FF4-66705660CAD6}"/>
+              </a:ext>
+            </a:extLst>
+          </p:cNvPr>
+          <p:cNvSpPr>
+            <a:spLocks noGrp="1"/>
+          </p:cNvSpPr>
+          <p:nvPr>
+            <p:ph idx="1"/>
+          </p:nvPr>
+        </p:nvSpPr>
+        <p:spPr>
+          <a:xfrm>
+            <a:off x="838200" y="5240215"/>
+            <a:ext cx="10515600" cy="936748"/>
+          </a:xfrm>
+        </p:spPr>
+        <p:txBody>
+          <a:bodyPr/>
+          <a:lstStyle/>
+          <a:p>
+            <a:pPr lvl="1"/>
+            <a:r>
+              <a:rPr lang="en-US" altLang="zh-CN" dirty="0">
+                <a:hlinkClick r:id="rId2" action="ppaction://hlinkfile"/>
+              </a:rPr>
+              <a:t>Improving the Upper Bound on the </a:t>
+            </a:r>
+            <a:r>
+              <a:rPr lang="en-US" altLang="zh-CN" dirty="0" smtClean="0">
+                <a:hlinkClick r:id="rId2" action="ppaction://hlinkfile"/>
+              </a:rPr>
+              <a:t>Maximum Differential </a:t>
+            </a:r>
+            <a:r>
+              <a:rPr lang="en-US" altLang="zh-CN" dirty="0">
+                <a:hlinkClick r:id="rId2" action="ppaction://hlinkfile"/>
+              </a:rPr>
+              <a:t>and the Maximum Linear Hull Probability for SPN Structures and AES</a:t>
+            </a:r>
+            <a:endParaRPr lang="zh-CN" altLang="en-US" dirty="0"/>
+          </a:p>
+        </p:txBody>
+      </p:sp>
+      <p:pic>
+        <p:nvPicPr>
+          <p:cNvPr id="5" name="图片 4"/>
+          <p:cNvPicPr>
+            <a:picLocks noChangeAspect="1"/>
+          </p:cNvPicPr>
+          <p:nvPr/>
+        </p:nvPicPr>
+        <p:blipFill>
+          <a:blip r:embed="rId3"/>
+          <a:stretch>
+            <a:fillRect/>
+          </a:stretch>
+        </p:blipFill>
+        <p:spPr>
+          <a:xfrm>
+            <a:off x="536331" y="1946385"/>
+            <a:ext cx="11119338" cy="2849330"/>
+          </a:xfrm>
+          <a:prstGeom prst="rect">
+            <a:avLst/>
+          </a:prstGeom>
+        </p:spPr>
+      </p:pic>
+      <p:pic>
+        <p:nvPicPr>
+          <p:cNvPr id="6" name="图片 5"/>
+          <p:cNvPicPr>
+            <a:picLocks noChangeAspect="1"/>
+          </p:cNvPicPr>
+          <p:nvPr/>
+        </p:nvPicPr>
+        <p:blipFill>
+          <a:blip r:embed="rId4"/>
+          <a:stretch>
+            <a:fillRect/>
+          </a:stretch>
+        </p:blipFill>
+        <p:spPr>
+          <a:xfrm>
+            <a:off x="4440115" y="321231"/>
+            <a:ext cx="7687773" cy="1180654"/>
+          </a:xfrm>
+          <a:prstGeom prst="rect">
+            <a:avLst/>
+          </a:prstGeom>
+        </p:spPr>
+      </p:pic>
+    </p:spTree>
+    <p:extLst>
+      <p:ext uri="{BB962C8B-B14F-4D97-AF65-F5344CB8AC3E}">
+        <p14:creationId xmlns:p14="http://schemas.microsoft.com/office/powerpoint/2010/main" val="1172620029"/>
+      </p:ext>
+    </p:extLst>
+  </p:cSld>
+  <p:clrMapOvr>
+    <a:masterClrMapping/>
+  </p:clrMapOvr>
+  <p:timing>
+    <p:tnLst>
+      <p:par>
+        <p:cTn id="1" dur="indefinite" restart="never" nodeType="tmRoot"/>
+      </p:par>
+    </p:tnLst>
+  </p:timing>
+</p:sld>
+</file>
+
+<file path=ppt/slides/slide30.xml><?xml version="1.0" encoding="utf-8"?>
+<p:sld xmlns:a="http://schemas.openxmlformats.org/drawingml/2006/main" xmlns:r="http://schemas.openxmlformats.org/officeDocument/2006/relationships" xmlns:p="http://schemas.openxmlformats.org/presentationml/2006/main">
+  <p:cSld>
+    <p:spTree>
+      <p:nvGrpSpPr>
+        <p:cNvPr id="1" name=""/>
+        <p:cNvGrpSpPr/>
+        <p:nvPr/>
+      </p:nvGrpSpPr>
+      <p:grpSpPr>
+        <a:xfrm>
+          <a:off x="0" y="0"/>
+          <a:ext cx="0" cy="0"/>
+          <a:chOff x="0" y="0"/>
+          <a:chExt cx="0" cy="0"/>
+        </a:xfrm>
+      </p:grpSpPr>
+      <p:sp>
+        <p:nvSpPr>
           <p:cNvPr id="5" name="标题 4">
             <a:extLst>
               <a:ext uri="{FF2B5EF4-FFF2-40B4-BE49-F238E27FC236}">
@@ -6728,10 +7680,17 @@
   <p:clrMapOvr>
     <a:masterClrMapping/>
   </p:clrMapOvr>
+  <p:timing>
+    <p:tnLst>
+      <p:par>
+        <p:cTn id="1" dur="indefinite" restart="never" nodeType="tmRoot"/>
+      </p:par>
+    </p:tnLst>
+  </p:timing>
 </p:sld>
 </file>
 
-<file path=ppt/slides/slide26.xml><?xml version="1.0" encoding="utf-8"?>
+<file path=ppt/slides/slide31.xml><?xml version="1.0" encoding="utf-8"?>
 <p:sld xmlns:a="http://schemas.openxmlformats.org/drawingml/2006/main" xmlns:r="http://schemas.openxmlformats.org/officeDocument/2006/relationships" xmlns:p="http://schemas.openxmlformats.org/presentationml/2006/main">
   <p:cSld>
     <p:spTree>
@@ -6845,7 +7804,7 @@
 </p:sld>
 </file>
 
-<file path=ppt/slides/slide27.xml><?xml version="1.0" encoding="utf-8"?>
+<file path=ppt/slides/slide32.xml><?xml version="1.0" encoding="utf-8"?>
 <p:sld xmlns:a="http://schemas.openxmlformats.org/drawingml/2006/main" xmlns:r="http://schemas.openxmlformats.org/officeDocument/2006/relationships" xmlns:p="http://schemas.openxmlformats.org/presentationml/2006/main">
   <p:cSld>
     <p:spTree>
@@ -6959,7 +7918,7 @@
 </p:sld>
 </file>
 
-<file path=ppt/slides/slide28.xml><?xml version="1.0" encoding="utf-8"?>
+<file path=ppt/slides/slide33.xml><?xml version="1.0" encoding="utf-8"?>
 <p:sld xmlns:a="http://schemas.openxmlformats.org/drawingml/2006/main" xmlns:r="http://schemas.openxmlformats.org/officeDocument/2006/relationships" xmlns:p="http://schemas.openxmlformats.org/presentationml/2006/main">
   <p:cSld>
     <p:spTree>
@@ -7115,7 +8074,7 @@
 </p:sld>
 </file>
 
-<file path=ppt/slides/slide29.xml><?xml version="1.0" encoding="utf-8"?>
+<file path=ppt/slides/slide34.xml><?xml version="1.0" encoding="utf-8"?>
 <p:sld xmlns:a="http://schemas.openxmlformats.org/drawingml/2006/main" xmlns:r="http://schemas.openxmlformats.org/officeDocument/2006/relationships" xmlns:p="http://schemas.openxmlformats.org/presentationml/2006/main">
   <p:cSld>
     <p:spTree>
@@ -7291,7 +8250,7 @@
 </p:sld>
 </file>
 
-<file path=ppt/slides/slide3.xml><?xml version="1.0" encoding="utf-8"?>
+<file path=ppt/slides/slide35.xml><?xml version="1.0" encoding="utf-8"?>
 <p:sld xmlns:a="http://schemas.openxmlformats.org/drawingml/2006/main" xmlns:r="http://schemas.openxmlformats.org/officeDocument/2006/relationships" xmlns:p="http://schemas.openxmlformats.org/presentationml/2006/main">
   <p:cSld>
     <p:spTree>
@@ -7310,169 +8269,6 @@
       </p:grpSpPr>
       <p:sp>
         <p:nvSpPr>
-          <p:cNvPr id="2" name="标题 1"/>
-          <p:cNvSpPr>
-            <a:spLocks noGrp="1"/>
-          </p:cNvSpPr>
-          <p:nvPr>
-            <p:ph type="title"/>
-          </p:nvPr>
-        </p:nvSpPr>
-        <p:spPr/>
-        <p:txBody>
-          <a:bodyPr/>
-          <a:lstStyle/>
-          <a:p>
-            <a:r>
-              <a:rPr lang="en-US" altLang="zh-CN" dirty="0" err="1"/>
-              <a:t>Ascon</a:t>
-            </a:r>
-            <a:endParaRPr lang="zh-CN" altLang="en-US" dirty="0"/>
-          </a:p>
-        </p:txBody>
-      </p:sp>
-      <p:sp>
-        <p:nvSpPr>
-          <p:cNvPr id="3" name="内容占位符 2"/>
-          <p:cNvSpPr>
-            <a:spLocks noGrp="1"/>
-          </p:cNvSpPr>
-          <p:nvPr>
-            <p:ph idx="1"/>
-          </p:nvPr>
-        </p:nvSpPr>
-        <p:spPr/>
-        <p:txBody>
-          <a:bodyPr/>
-          <a:lstStyle/>
-          <a:p>
-            <a:r>
-              <a:rPr lang="zh-CN" altLang="en-US" dirty="0"/>
-              <a:t>差分</a:t>
-            </a:r>
-            <a:r>
-              <a:rPr lang="en-US" altLang="zh-CN" dirty="0"/>
-              <a:t>/</a:t>
-            </a:r>
-            <a:r>
-              <a:rPr lang="zh-CN" altLang="en-US" dirty="0"/>
-              <a:t>线性</a:t>
-            </a:r>
-            <a:endParaRPr lang="en-US" altLang="zh-CN" dirty="0"/>
-          </a:p>
-          <a:p>
-            <a:pPr lvl="1"/>
-            <a:r>
-              <a:rPr lang="zh-CN" altLang="en-US" dirty="0"/>
-              <a:t>截断差分</a:t>
-            </a:r>
-            <a:endParaRPr lang="en-US" altLang="zh-CN" dirty="0"/>
-          </a:p>
-          <a:p>
-            <a:pPr lvl="1"/>
-            <a:r>
-              <a:rPr lang="zh-CN" altLang="en-US" dirty="0"/>
-              <a:t>零相关、不可能差分</a:t>
-            </a:r>
-            <a:endParaRPr lang="en-US" altLang="zh-CN" dirty="0"/>
-          </a:p>
-          <a:p>
-            <a:pPr lvl="1"/>
-            <a:r>
-              <a:rPr lang="zh-CN" altLang="en-US" dirty="0"/>
-              <a:t>子空间</a:t>
-            </a:r>
-            <a:endParaRPr lang="en-US" altLang="zh-CN" dirty="0"/>
-          </a:p>
-          <a:p>
-            <a:r>
-              <a:rPr lang="zh-CN" altLang="en-US" dirty="0"/>
-              <a:t>积分</a:t>
-            </a:r>
-            <a:endParaRPr lang="en-US" altLang="zh-CN" dirty="0"/>
-          </a:p>
-          <a:p>
-            <a:pPr lvl="1"/>
-            <a:r>
-              <a:rPr lang="zh-CN" altLang="en-US" dirty="0"/>
-              <a:t>零和</a:t>
-            </a:r>
-            <a:endParaRPr lang="en-US" altLang="zh-CN" dirty="0"/>
-          </a:p>
-          <a:p>
-            <a:pPr lvl="1"/>
-            <a:r>
-              <a:rPr lang="zh-CN" altLang="en-US" dirty="0"/>
-              <a:t>立方</a:t>
-            </a:r>
-            <a:endParaRPr lang="en-US" altLang="zh-CN" dirty="0"/>
-          </a:p>
-          <a:p>
-            <a:pPr lvl="1"/>
-            <a:r>
-              <a:rPr lang="zh-CN" altLang="en-US" dirty="0"/>
-              <a:t>代数</a:t>
-            </a:r>
-            <a:endParaRPr lang="en-US" altLang="zh-CN" dirty="0"/>
-          </a:p>
-        </p:txBody>
-      </p:sp>
-      <p:pic>
-        <p:nvPicPr>
-          <p:cNvPr id="4" name="图片 3"/>
-          <p:cNvPicPr>
-            <a:picLocks noChangeAspect="1"/>
-          </p:cNvPicPr>
-          <p:nvPr/>
-        </p:nvPicPr>
-        <p:blipFill>
-          <a:blip r:embed="rId2"/>
-          <a:stretch>
-            <a:fillRect/>
-          </a:stretch>
-        </p:blipFill>
-        <p:spPr>
-          <a:xfrm>
-            <a:off x="7635298" y="139211"/>
-            <a:ext cx="4486364" cy="6569319"/>
-          </a:xfrm>
-          <a:prstGeom prst="rect">
-            <a:avLst/>
-          </a:prstGeom>
-        </p:spPr>
-      </p:pic>
-    </p:spTree>
-    <p:extLst>
-      <p:ext uri="{BB962C8B-B14F-4D97-AF65-F5344CB8AC3E}">
-        <p14:creationId xmlns:p14="http://schemas.microsoft.com/office/powerpoint/2010/main" val="3475313579"/>
-      </p:ext>
-    </p:extLst>
-  </p:cSld>
-  <p:clrMapOvr>
-    <a:masterClrMapping/>
-  </p:clrMapOvr>
-</p:sld>
-</file>
-
-<file path=ppt/slides/slide30.xml><?xml version="1.0" encoding="utf-8"?>
-<p:sld xmlns:a="http://schemas.openxmlformats.org/drawingml/2006/main" xmlns:r="http://schemas.openxmlformats.org/officeDocument/2006/relationships" xmlns:p="http://schemas.openxmlformats.org/presentationml/2006/main">
-  <p:cSld>
-    <p:spTree>
-      <p:nvGrpSpPr>
-        <p:cNvPr id="1" name=""/>
-        <p:cNvGrpSpPr/>
-        <p:nvPr/>
-      </p:nvGrpSpPr>
-      <p:grpSpPr>
-        <a:xfrm>
-          <a:off x="0" y="0"/>
-          <a:ext cx="0" cy="0"/>
-          <a:chOff x="0" y="0"/>
-          <a:chExt cx="0" cy="0"/>
-        </a:xfrm>
-      </p:grpSpPr>
-      <p:sp>
-        <p:nvSpPr>
           <p:cNvPr id="2" name="标题 1">
             <a:extLst>
               <a:ext uri="{FF2B5EF4-FFF2-40B4-BE49-F238E27FC236}">
@@ -7557,7 +8353,7 @@
 </p:sld>
 </file>
 
-<file path=ppt/slides/slide31.xml><?xml version="1.0" encoding="utf-8"?>
+<file path=ppt/slides/slide36.xml><?xml version="1.0" encoding="utf-8"?>
 <p:sld xmlns:a="http://schemas.openxmlformats.org/drawingml/2006/main" xmlns:r="http://schemas.openxmlformats.org/officeDocument/2006/relationships" xmlns:p="http://schemas.openxmlformats.org/presentationml/2006/main">
   <p:cSld>
     <p:spTree>
@@ -7675,763 +8471,6 @@
 </p:sld>
 </file>
 
-<file path=ppt/slides/slide32.xml><?xml version="1.0" encoding="utf-8"?>
-<p:sld xmlns:a="http://schemas.openxmlformats.org/drawingml/2006/main" xmlns:r="http://schemas.openxmlformats.org/officeDocument/2006/relationships" xmlns:p="http://schemas.openxmlformats.org/presentationml/2006/main">
-  <p:cSld>
-    <p:spTree>
-      <p:nvGrpSpPr>
-        <p:cNvPr id="1" name=""/>
-        <p:cNvGrpSpPr/>
-        <p:nvPr/>
-      </p:nvGrpSpPr>
-      <p:grpSpPr>
-        <a:xfrm>
-          <a:off x="0" y="0"/>
-          <a:ext cx="0" cy="0"/>
-          <a:chOff x="0" y="0"/>
-          <a:chExt cx="0" cy="0"/>
-        </a:xfrm>
-      </p:grpSpPr>
-      <p:sp>
-        <p:nvSpPr>
-          <p:cNvPr id="2" name="标题 1">
-            <a:extLst>
-              <a:ext uri="{FF2B5EF4-FFF2-40B4-BE49-F238E27FC236}">
-                <a16:creationId xmlns:a16="http://schemas.microsoft.com/office/drawing/2014/main" id="{92449772-7A63-429F-952E-603F9373491A}"/>
-              </a:ext>
-            </a:extLst>
-          </p:cNvPr>
-          <p:cNvSpPr>
-            <a:spLocks noGrp="1"/>
-          </p:cNvSpPr>
-          <p:nvPr>
-            <p:ph type="title"/>
-          </p:nvPr>
-        </p:nvSpPr>
-        <p:spPr/>
-        <p:txBody>
-          <a:bodyPr/>
-          <a:lstStyle/>
-          <a:p>
-            <a:r>
-              <a:rPr lang="en-US" altLang="zh-CN" dirty="0"/>
-              <a:t>Keccak</a:t>
-            </a:r>
-            <a:endParaRPr lang="zh-CN" altLang="en-US" dirty="0"/>
-          </a:p>
-        </p:txBody>
-      </p:sp>
-      <p:sp>
-        <p:nvSpPr>
-          <p:cNvPr id="3" name="内容占位符 2">
-            <a:extLst>
-              <a:ext uri="{FF2B5EF4-FFF2-40B4-BE49-F238E27FC236}">
-                <a16:creationId xmlns:a16="http://schemas.microsoft.com/office/drawing/2014/main" id="{6E0B778B-7487-4A9A-800D-D7338201BBB1}"/>
-              </a:ext>
-            </a:extLst>
-          </p:cNvPr>
-          <p:cNvSpPr>
-            <a:spLocks noGrp="1"/>
-          </p:cNvSpPr>
-          <p:nvPr>
-            <p:ph idx="1"/>
-          </p:nvPr>
-        </p:nvSpPr>
-        <p:spPr/>
-        <p:txBody>
-          <a:bodyPr/>
-          <a:lstStyle/>
-          <a:p>
-            <a:r>
-              <a:rPr lang="zh-CN" altLang="en-US" dirty="0"/>
-              <a:t>差分</a:t>
-            </a:r>
-            <a:endParaRPr lang="en-US" altLang="zh-CN" dirty="0"/>
-          </a:p>
-          <a:p>
-            <a:pPr lvl="1"/>
-            <a:r>
-              <a:rPr lang="en-US" altLang="zh-CN" dirty="0">
-                <a:hlinkClick r:id="rId2" action="ppaction://hlinkfile"/>
-              </a:rPr>
-              <a:t>New Techniques for Searching Differential Trails in Keccak</a:t>
-            </a:r>
-            <a:endParaRPr lang="en-US" altLang="zh-CN" dirty="0"/>
-          </a:p>
-          <a:p>
-            <a:pPr lvl="1"/>
-            <a:r>
-              <a:rPr lang="en-US" altLang="zh-CN" dirty="0"/>
-              <a:t>New techniques for trail bounds and application to differential trails in Keccak</a:t>
-            </a:r>
-          </a:p>
-          <a:p>
-            <a:pPr lvl="1"/>
-            <a:r>
-              <a:rPr lang="en-US" altLang="zh-CN" dirty="0"/>
-              <a:t>Internal Differential Boomerangs: Practical Analysis of the Round-Reduced Keccak-f Permutation</a:t>
-            </a:r>
-          </a:p>
-          <a:p>
-            <a:pPr lvl="1"/>
-            <a:r>
-              <a:rPr lang="en-US" altLang="zh-CN" dirty="0"/>
-              <a:t>Differential Biases in Reduced-Round Keccak</a:t>
-            </a:r>
-          </a:p>
-          <a:p>
-            <a:pPr lvl="1"/>
-            <a:r>
-              <a:rPr lang="en-US" altLang="zh-CN" dirty="0"/>
-              <a:t>Differential Cryptanalysis of Keccak Variants</a:t>
-            </a:r>
-          </a:p>
-          <a:p>
-            <a:pPr lvl="1"/>
-            <a:r>
-              <a:rPr lang="en-US" altLang="zh-CN" dirty="0"/>
-              <a:t>Differential Propagation Analysis of Keccak</a:t>
-            </a:r>
-          </a:p>
-          <a:p>
-            <a:pPr lvl="1"/>
-            <a:r>
-              <a:rPr lang="en-US" altLang="zh-CN" dirty="0"/>
-              <a:t>Collision Attacks on Up to 5 Rounds of SHA-3 Using Generalized Internal Differentials</a:t>
-            </a:r>
-            <a:endParaRPr lang="zh-CN" altLang="en-US" dirty="0"/>
-          </a:p>
-        </p:txBody>
-      </p:sp>
-    </p:spTree>
-    <p:extLst>
-      <p:ext uri="{BB962C8B-B14F-4D97-AF65-F5344CB8AC3E}">
-        <p14:creationId xmlns:p14="http://schemas.microsoft.com/office/powerpoint/2010/main" val="2162253578"/>
-      </p:ext>
-    </p:extLst>
-  </p:cSld>
-  <p:clrMapOvr>
-    <a:masterClrMapping/>
-  </p:clrMapOvr>
-</p:sld>
-</file>
-
-<file path=ppt/slides/slide33.xml><?xml version="1.0" encoding="utf-8"?>
-<p:sld xmlns:a="http://schemas.openxmlformats.org/drawingml/2006/main" xmlns:r="http://schemas.openxmlformats.org/officeDocument/2006/relationships" xmlns:p="http://schemas.openxmlformats.org/presentationml/2006/main">
-  <p:cSld>
-    <p:spTree>
-      <p:nvGrpSpPr>
-        <p:cNvPr id="1" name=""/>
-        <p:cNvGrpSpPr/>
-        <p:nvPr/>
-      </p:nvGrpSpPr>
-      <p:grpSpPr>
-        <a:xfrm>
-          <a:off x="0" y="0"/>
-          <a:ext cx="0" cy="0"/>
-          <a:chOff x="0" y="0"/>
-          <a:chExt cx="0" cy="0"/>
-        </a:xfrm>
-      </p:grpSpPr>
-      <p:sp>
-        <p:nvSpPr>
-          <p:cNvPr id="2" name="标题 1">
-            <a:extLst>
-              <a:ext uri="{FF2B5EF4-FFF2-40B4-BE49-F238E27FC236}">
-                <a16:creationId xmlns:a16="http://schemas.microsoft.com/office/drawing/2014/main" id="{C83D46F3-EB79-49ED-9ACA-47E9298E3D36}"/>
-              </a:ext>
-            </a:extLst>
-          </p:cNvPr>
-          <p:cNvSpPr>
-            <a:spLocks noGrp="1"/>
-          </p:cNvSpPr>
-          <p:nvPr>
-            <p:ph type="title"/>
-          </p:nvPr>
-        </p:nvSpPr>
-        <p:spPr/>
-        <p:txBody>
-          <a:bodyPr/>
-          <a:lstStyle/>
-          <a:p>
-            <a:r>
-              <a:rPr lang="en-US" altLang="zh-CN" dirty="0"/>
-              <a:t>Keccak</a:t>
-            </a:r>
-            <a:endParaRPr lang="zh-CN" altLang="en-US" dirty="0"/>
-          </a:p>
-        </p:txBody>
-      </p:sp>
-      <p:sp>
-        <p:nvSpPr>
-          <p:cNvPr id="3" name="内容占位符 2">
-            <a:extLst>
-              <a:ext uri="{FF2B5EF4-FFF2-40B4-BE49-F238E27FC236}">
-                <a16:creationId xmlns:a16="http://schemas.microsoft.com/office/drawing/2014/main" id="{E402E478-F980-4080-8149-48EBE46E8258}"/>
-              </a:ext>
-            </a:extLst>
-          </p:cNvPr>
-          <p:cNvSpPr>
-            <a:spLocks noGrp="1"/>
-          </p:cNvSpPr>
-          <p:nvPr>
-            <p:ph idx="1"/>
-          </p:nvPr>
-        </p:nvSpPr>
-        <p:spPr/>
-        <p:txBody>
-          <a:bodyPr/>
-          <a:lstStyle/>
-          <a:p>
-            <a:r>
-              <a:rPr lang="en-US" altLang="zh-CN" dirty="0"/>
-              <a:t>Rotational Cryptanalysis of Round-Reduced Keccak</a:t>
-            </a:r>
-          </a:p>
-          <a:p>
-            <a:r>
-              <a:rPr lang="en-US" altLang="zh-CN" dirty="0"/>
-              <a:t>Unaligned Rebound Attack: Application to Keccak</a:t>
-            </a:r>
-            <a:endParaRPr lang="zh-CN" altLang="en-US" dirty="0"/>
-          </a:p>
-        </p:txBody>
-      </p:sp>
-    </p:spTree>
-    <p:extLst>
-      <p:ext uri="{BB962C8B-B14F-4D97-AF65-F5344CB8AC3E}">
-        <p14:creationId xmlns:p14="http://schemas.microsoft.com/office/powerpoint/2010/main" val="2492209946"/>
-      </p:ext>
-    </p:extLst>
-  </p:cSld>
-  <p:clrMapOvr>
-    <a:masterClrMapping/>
-  </p:clrMapOvr>
-</p:sld>
-</file>
-
-<file path=ppt/slides/slide34.xml><?xml version="1.0" encoding="utf-8"?>
-<p:sld xmlns:a="http://schemas.openxmlformats.org/drawingml/2006/main" xmlns:r="http://schemas.openxmlformats.org/officeDocument/2006/relationships" xmlns:p="http://schemas.openxmlformats.org/presentationml/2006/main">
-  <p:cSld>
-    <p:spTree>
-      <p:nvGrpSpPr>
-        <p:cNvPr id="1" name=""/>
-        <p:cNvGrpSpPr/>
-        <p:nvPr/>
-      </p:nvGrpSpPr>
-      <p:grpSpPr>
-        <a:xfrm>
-          <a:off x="0" y="0"/>
-          <a:ext cx="0" cy="0"/>
-          <a:chOff x="0" y="0"/>
-          <a:chExt cx="0" cy="0"/>
-        </a:xfrm>
-      </p:grpSpPr>
-      <p:sp>
-        <p:nvSpPr>
-          <p:cNvPr id="2" name="标题 1">
-            <a:extLst>
-              <a:ext uri="{FF2B5EF4-FFF2-40B4-BE49-F238E27FC236}">
-                <a16:creationId xmlns:a16="http://schemas.microsoft.com/office/drawing/2014/main" id="{933DFD1C-9B63-4F4C-B2E8-E4C04FFEFB08}"/>
-              </a:ext>
-            </a:extLst>
-          </p:cNvPr>
-          <p:cNvSpPr>
-            <a:spLocks noGrp="1"/>
-          </p:cNvSpPr>
-          <p:nvPr>
-            <p:ph type="title"/>
-          </p:nvPr>
-        </p:nvSpPr>
-        <p:spPr/>
-        <p:txBody>
-          <a:bodyPr/>
-          <a:lstStyle/>
-          <a:p>
-            <a:r>
-              <a:rPr lang="en-US" altLang="zh-CN" dirty="0"/>
-              <a:t>Keccak</a:t>
-            </a:r>
-            <a:endParaRPr lang="zh-CN" altLang="en-US" dirty="0"/>
-          </a:p>
-        </p:txBody>
-      </p:sp>
-      <p:sp>
-        <p:nvSpPr>
-          <p:cNvPr id="3" name="内容占位符 2">
-            <a:extLst>
-              <a:ext uri="{FF2B5EF4-FFF2-40B4-BE49-F238E27FC236}">
-                <a16:creationId xmlns:a16="http://schemas.microsoft.com/office/drawing/2014/main" id="{306F7BC6-195D-4D9F-8E7E-486AA8295772}"/>
-              </a:ext>
-            </a:extLst>
-          </p:cNvPr>
-          <p:cNvSpPr>
-            <a:spLocks noGrp="1"/>
-          </p:cNvSpPr>
-          <p:nvPr>
-            <p:ph idx="1"/>
-          </p:nvPr>
-        </p:nvSpPr>
-        <p:spPr/>
-        <p:txBody>
-          <a:bodyPr>
-            <a:normAutofit fontScale="70000" lnSpcReduction="20000"/>
-          </a:bodyPr>
-          <a:lstStyle/>
-          <a:p>
-            <a:r>
-              <a:rPr lang="en-US" altLang="zh-CN" dirty="0">
-                <a:hlinkClick r:id="rId2" action="ppaction://hlinkfile"/>
-              </a:rPr>
-              <a:t>Algebraic Collision Attacks on Keccak</a:t>
-            </a:r>
-            <a:endParaRPr lang="en-US" altLang="zh-CN" dirty="0"/>
-          </a:p>
-          <a:p>
-            <a:r>
-              <a:rPr lang="en-US" altLang="zh-CN" dirty="0">
-                <a:hlinkClick r:id="rId3" action="ppaction://hlinkfile"/>
-              </a:rPr>
-              <a:t>Improved Preimage Attacks on 4-Round Keccak-224/256</a:t>
-            </a:r>
-            <a:endParaRPr lang="en-US" altLang="zh-CN" dirty="0"/>
-          </a:p>
-          <a:p>
-            <a:r>
-              <a:rPr lang="en-US" altLang="zh-CN" dirty="0">
-                <a:hlinkClick r:id="rId4" action="ppaction://hlinkfile"/>
-              </a:rPr>
-              <a:t>Algebraic Attacks on Round-Reduced Keccak/</a:t>
-            </a:r>
-            <a:r>
-              <a:rPr lang="en-US" altLang="zh-CN" dirty="0" err="1">
-                <a:hlinkClick r:id="rId4" action="ppaction://hlinkfile"/>
-              </a:rPr>
-              <a:t>Xoodoo</a:t>
-            </a:r>
-            <a:endParaRPr lang="en-US" altLang="zh-CN" dirty="0"/>
-          </a:p>
-          <a:p>
-            <a:r>
-              <a:rPr lang="en-US" altLang="zh-CN" dirty="0">
-                <a:hlinkClick r:id="rId5" action="ppaction://hlinkfile"/>
-              </a:rPr>
-              <a:t>New Results on the </a:t>
-            </a:r>
-            <a:r>
-              <a:rPr lang="en-US" altLang="zh-CN" dirty="0" err="1">
-                <a:hlinkClick r:id="rId5" action="ppaction://hlinkfile"/>
-              </a:rPr>
-              <a:t>SymSum</a:t>
-            </a:r>
-            <a:r>
-              <a:rPr lang="en-US" altLang="zh-CN" dirty="0">
-                <a:hlinkClick r:id="rId5" action="ppaction://hlinkfile"/>
-              </a:rPr>
-              <a:t> Distinguisher on Round-Reduced SHA3</a:t>
-            </a:r>
-            <a:endParaRPr lang="en-US" altLang="zh-CN" dirty="0"/>
-          </a:p>
-          <a:p>
-            <a:r>
-              <a:rPr lang="en-US" altLang="zh-CN" dirty="0">
-                <a:hlinkClick r:id="rId6" action="ppaction://hlinkfile"/>
-              </a:rPr>
-              <a:t>Cryptanalysis of Round-Reduced KECCAK Using Non-linear Structures</a:t>
-            </a:r>
-            <a:endParaRPr lang="en-US" altLang="zh-CN" dirty="0"/>
-          </a:p>
-          <a:p>
-            <a:r>
-              <a:rPr lang="en-US" altLang="zh-CN" dirty="0"/>
-              <a:t>Distinguishing Property for Full Round KECCAK-f Permutation</a:t>
-            </a:r>
-          </a:p>
-          <a:p>
-            <a:r>
-              <a:rPr lang="en-US" altLang="zh-CN" dirty="0"/>
-              <a:t>Non-full </a:t>
-            </a:r>
-            <a:r>
-              <a:rPr lang="en-US" altLang="zh-CN" dirty="0" err="1"/>
-              <a:t>Sbox</a:t>
-            </a:r>
-            <a:r>
-              <a:rPr lang="en-US" altLang="zh-CN" dirty="0"/>
-              <a:t> Linearization: Applications to Collision Attacks on Round-Reduced Keccak</a:t>
-            </a:r>
-          </a:p>
-          <a:p>
-            <a:r>
-              <a:rPr lang="en-US" altLang="zh-CN" dirty="0"/>
-              <a:t>New Collision Attacks on Round-Reduced Keccak</a:t>
-            </a:r>
-          </a:p>
-          <a:p>
-            <a:r>
-              <a:rPr lang="en-US" altLang="zh-CN" dirty="0"/>
-              <a:t>Linear Structures: Applications to Cryptanalysis of Round-Reduced Keccak</a:t>
-            </a:r>
-          </a:p>
-          <a:p>
-            <a:r>
-              <a:rPr lang="en-US" altLang="zh-CN" dirty="0"/>
-              <a:t>Practical Distinguishers against 6-Round Keccak-f Exploiting Self-Symmetry</a:t>
-            </a:r>
-          </a:p>
-          <a:p>
-            <a:r>
-              <a:rPr lang="en-US" altLang="zh-CN" dirty="0"/>
-              <a:t>New Attacks on Keccak-224 and Keccak-256</a:t>
-            </a:r>
-          </a:p>
-          <a:p>
-            <a:r>
-              <a:rPr lang="en-US" altLang="zh-CN" dirty="0"/>
-              <a:t>State-Recovery Attacks on Modified </a:t>
-            </a:r>
-            <a:r>
-              <a:rPr lang="en-US" altLang="zh-CN" dirty="0" err="1"/>
-              <a:t>Ketje</a:t>
-            </a:r>
-            <a:r>
-              <a:rPr lang="en-US" altLang="zh-CN" dirty="0"/>
-              <a:t> Jr</a:t>
-            </a:r>
-            <a:endParaRPr lang="zh-CN" altLang="en-US" dirty="0"/>
-          </a:p>
-        </p:txBody>
-      </p:sp>
-    </p:spTree>
-    <p:extLst>
-      <p:ext uri="{BB962C8B-B14F-4D97-AF65-F5344CB8AC3E}">
-        <p14:creationId xmlns:p14="http://schemas.microsoft.com/office/powerpoint/2010/main" val="2515280267"/>
-      </p:ext>
-    </p:extLst>
-  </p:cSld>
-  <p:clrMapOvr>
-    <a:masterClrMapping/>
-  </p:clrMapOvr>
-</p:sld>
-</file>
-
-<file path=ppt/slides/slide35.xml><?xml version="1.0" encoding="utf-8"?>
-<p:sld xmlns:a="http://schemas.openxmlformats.org/drawingml/2006/main" xmlns:r="http://schemas.openxmlformats.org/officeDocument/2006/relationships" xmlns:p="http://schemas.openxmlformats.org/presentationml/2006/main">
-  <p:cSld>
-    <p:spTree>
-      <p:nvGrpSpPr>
-        <p:cNvPr id="1" name=""/>
-        <p:cNvGrpSpPr/>
-        <p:nvPr/>
-      </p:nvGrpSpPr>
-      <p:grpSpPr>
-        <a:xfrm>
-          <a:off x="0" y="0"/>
-          <a:ext cx="0" cy="0"/>
-          <a:chOff x="0" y="0"/>
-          <a:chExt cx="0" cy="0"/>
-        </a:xfrm>
-      </p:grpSpPr>
-      <p:sp>
-        <p:nvSpPr>
-          <p:cNvPr id="2" name="标题 1">
-            <a:extLst>
-              <a:ext uri="{FF2B5EF4-FFF2-40B4-BE49-F238E27FC236}">
-                <a16:creationId xmlns:a16="http://schemas.microsoft.com/office/drawing/2014/main" id="{30C08F36-6FCD-4045-8819-61FE6FCED90A}"/>
-              </a:ext>
-            </a:extLst>
-          </p:cNvPr>
-          <p:cNvSpPr>
-            <a:spLocks noGrp="1"/>
-          </p:cNvSpPr>
-          <p:nvPr>
-            <p:ph type="title"/>
-          </p:nvPr>
-        </p:nvSpPr>
-        <p:spPr/>
-        <p:txBody>
-          <a:bodyPr/>
-          <a:lstStyle/>
-          <a:p>
-            <a:r>
-              <a:rPr lang="en-US" altLang="zh-CN" dirty="0"/>
-              <a:t>Keccak</a:t>
-            </a:r>
-            <a:endParaRPr lang="zh-CN" altLang="en-US" dirty="0"/>
-          </a:p>
-        </p:txBody>
-      </p:sp>
-      <p:sp>
-        <p:nvSpPr>
-          <p:cNvPr id="3" name="内容占位符 2">
-            <a:extLst>
-              <a:ext uri="{FF2B5EF4-FFF2-40B4-BE49-F238E27FC236}">
-                <a16:creationId xmlns:a16="http://schemas.microsoft.com/office/drawing/2014/main" id="{E12F6CE9-616E-4625-BBFE-A2851EE497AC}"/>
-              </a:ext>
-            </a:extLst>
-          </p:cNvPr>
-          <p:cNvSpPr>
-            <a:spLocks noGrp="1"/>
-          </p:cNvSpPr>
-          <p:nvPr>
-            <p:ph idx="1"/>
-          </p:nvPr>
-        </p:nvSpPr>
-        <p:spPr/>
-        <p:txBody>
-          <a:bodyPr/>
-          <a:lstStyle/>
-          <a:p>
-            <a:r>
-              <a:rPr lang="en-US" altLang="zh-CN" dirty="0">
-                <a:hlinkClick r:id="rId2" action="ppaction://hlinkfile"/>
-              </a:rPr>
-              <a:t>Preimage Attacks on Round-Reduced Keccak-224/256 via an Allocating Approach</a:t>
-            </a:r>
-            <a:endParaRPr lang="en-US" altLang="zh-CN" dirty="0"/>
-          </a:p>
-          <a:p>
-            <a:r>
-              <a:rPr lang="en-US" altLang="zh-CN" dirty="0">
-                <a:hlinkClick r:id="rId3" action="ppaction://hlinkfile"/>
-              </a:rPr>
-              <a:t>Preimage Attacks on the Round-reduced Keccak with Cross-linear Structures</a:t>
-            </a:r>
-            <a:endParaRPr lang="en-US" altLang="zh-CN" dirty="0"/>
-          </a:p>
-          <a:p>
-            <a:endParaRPr lang="zh-CN" altLang="en-US" dirty="0"/>
-          </a:p>
-        </p:txBody>
-      </p:sp>
-    </p:spTree>
-    <p:extLst>
-      <p:ext uri="{BB962C8B-B14F-4D97-AF65-F5344CB8AC3E}">
-        <p14:creationId xmlns:p14="http://schemas.microsoft.com/office/powerpoint/2010/main" val="3986548361"/>
-      </p:ext>
-    </p:extLst>
-  </p:cSld>
-  <p:clrMapOvr>
-    <a:masterClrMapping/>
-  </p:clrMapOvr>
-</p:sld>
-</file>
-
-<file path=ppt/slides/slide36.xml><?xml version="1.0" encoding="utf-8"?>
-<p:sld xmlns:a="http://schemas.openxmlformats.org/drawingml/2006/main" xmlns:r="http://schemas.openxmlformats.org/officeDocument/2006/relationships" xmlns:p="http://schemas.openxmlformats.org/presentationml/2006/main">
-  <p:cSld>
-    <p:spTree>
-      <p:nvGrpSpPr>
-        <p:cNvPr id="1" name=""/>
-        <p:cNvGrpSpPr/>
-        <p:nvPr/>
-      </p:nvGrpSpPr>
-      <p:grpSpPr>
-        <a:xfrm>
-          <a:off x="0" y="0"/>
-          <a:ext cx="0" cy="0"/>
-          <a:chOff x="0" y="0"/>
-          <a:chExt cx="0" cy="0"/>
-        </a:xfrm>
-      </p:grpSpPr>
-      <p:sp>
-        <p:nvSpPr>
-          <p:cNvPr id="2" name="标题 1">
-            <a:extLst>
-              <a:ext uri="{FF2B5EF4-FFF2-40B4-BE49-F238E27FC236}">
-                <a16:creationId xmlns:a16="http://schemas.microsoft.com/office/drawing/2014/main" id="{7DE6B429-4E62-4E3F-A23A-051483D241DB}"/>
-              </a:ext>
-            </a:extLst>
-          </p:cNvPr>
-          <p:cNvSpPr>
-            <a:spLocks noGrp="1"/>
-          </p:cNvSpPr>
-          <p:nvPr>
-            <p:ph type="title"/>
-          </p:nvPr>
-        </p:nvSpPr>
-        <p:spPr/>
-        <p:txBody>
-          <a:bodyPr/>
-          <a:lstStyle/>
-          <a:p>
-            <a:r>
-              <a:rPr lang="en-US" altLang="zh-CN" dirty="0"/>
-              <a:t>Keccak</a:t>
-            </a:r>
-            <a:endParaRPr lang="zh-CN" altLang="en-US" dirty="0"/>
-          </a:p>
-        </p:txBody>
-      </p:sp>
-      <p:sp>
-        <p:nvSpPr>
-          <p:cNvPr id="3" name="内容占位符 2">
-            <a:extLst>
-              <a:ext uri="{FF2B5EF4-FFF2-40B4-BE49-F238E27FC236}">
-                <a16:creationId xmlns:a16="http://schemas.microsoft.com/office/drawing/2014/main" id="{ABD333C4-4F43-41C8-BAE3-60AB2FDD268D}"/>
-              </a:ext>
-            </a:extLst>
-          </p:cNvPr>
-          <p:cNvSpPr>
-            <a:spLocks noGrp="1"/>
-          </p:cNvSpPr>
-          <p:nvPr>
-            <p:ph idx="1"/>
-          </p:nvPr>
-        </p:nvSpPr>
-        <p:spPr/>
-        <p:txBody>
-          <a:bodyPr>
-            <a:normAutofit fontScale="77500" lnSpcReduction="20000"/>
-          </a:bodyPr>
-          <a:lstStyle/>
-          <a:p>
-            <a:r>
-              <a:rPr lang="zh-CN" altLang="en-US" dirty="0"/>
-              <a:t>立方</a:t>
-            </a:r>
-            <a:endParaRPr lang="en-US" altLang="zh-CN" dirty="0"/>
-          </a:p>
-          <a:p>
-            <a:pPr lvl="1"/>
-            <a:r>
-              <a:rPr lang="en-US" altLang="zh-CN" dirty="0"/>
-              <a:t>New Conditional Cube Attack on Keccak Keyed Modes</a:t>
-            </a:r>
-          </a:p>
-          <a:p>
-            <a:pPr lvl="1"/>
-            <a:r>
-              <a:rPr lang="en-US" altLang="zh-CN" dirty="0"/>
-              <a:t>MILP-aided cube-attack-like cryptanalysis on Keccak Keyed modes</a:t>
-            </a:r>
-          </a:p>
-          <a:p>
-            <a:pPr lvl="1"/>
-            <a:r>
-              <a:rPr lang="en-US" altLang="zh-CN" dirty="0"/>
-              <a:t>Finding Ordinary Cube Variables for Keccak-MAC with Greedy Algorithm</a:t>
-            </a:r>
-          </a:p>
-          <a:p>
-            <a:pPr lvl="1"/>
-            <a:r>
-              <a:rPr lang="en-US" altLang="zh-CN" dirty="0"/>
-              <a:t>Practical Key-recovery Attacks on Round-Reduced </a:t>
-            </a:r>
-            <a:r>
-              <a:rPr lang="en-US" altLang="zh-CN" dirty="0" err="1"/>
-              <a:t>Ketje</a:t>
-            </a:r>
-            <a:r>
-              <a:rPr lang="en-US" altLang="zh-CN" dirty="0"/>
-              <a:t> Jr, </a:t>
-            </a:r>
-            <a:r>
-              <a:rPr lang="en-US" altLang="zh-CN" dirty="0" err="1"/>
-              <a:t>Xoodoo</a:t>
-            </a:r>
-            <a:r>
-              <a:rPr lang="en-US" altLang="zh-CN" dirty="0"/>
-              <a:t>-AE and </a:t>
-            </a:r>
-            <a:r>
-              <a:rPr lang="en-US" altLang="zh-CN" dirty="0" err="1"/>
-              <a:t>Xoodyak</a:t>
-            </a:r>
-            <a:endParaRPr lang="en-US" altLang="zh-CN" dirty="0"/>
-          </a:p>
-          <a:p>
-            <a:pPr lvl="1"/>
-            <a:r>
-              <a:rPr lang="en-US" altLang="zh-CN" dirty="0"/>
-              <a:t>Cube-Attack-Like Cryptanalysis of Round-Reduced Keccak Using MILP</a:t>
-            </a:r>
-          </a:p>
-          <a:p>
-            <a:pPr lvl="1"/>
-            <a:r>
-              <a:rPr lang="en-US" altLang="zh-CN" dirty="0"/>
-              <a:t>New MILP Modeling: Improved Conditional Cube Attacks on Keccak-Based Constructions</a:t>
-            </a:r>
-          </a:p>
-          <a:p>
-            <a:pPr lvl="1"/>
-            <a:r>
-              <a:rPr lang="en-US" altLang="zh-CN" dirty="0"/>
-              <a:t>Improved Conditional Cube Attacks on Keccak Keyed Modes with MILP Method</a:t>
-            </a:r>
-          </a:p>
-          <a:p>
-            <a:pPr lvl="1"/>
-            <a:r>
-              <a:rPr lang="en-US" altLang="zh-CN" dirty="0"/>
-              <a:t>Conditional Cube Attack on Reduced-Round Keccak Sponge Function</a:t>
-            </a:r>
-          </a:p>
-          <a:p>
-            <a:pPr lvl="1"/>
-            <a:r>
-              <a:rPr lang="en-US" altLang="zh-CN" dirty="0"/>
-              <a:t>Cube Attacks and Cube-Attack-Like Cryptanalysis on the Round-Reduced Keccak Sponge Function</a:t>
-            </a:r>
-          </a:p>
-          <a:p>
-            <a:pPr lvl="1"/>
-            <a:r>
-              <a:rPr lang="en-US" altLang="zh-CN" dirty="0"/>
-              <a:t>Conditional</a:t>
-            </a:r>
-          </a:p>
-          <a:p>
-            <a:pPr lvl="1"/>
-            <a:r>
-              <a:rPr lang="en-US" altLang="zh-CN" dirty="0"/>
-              <a:t>cube attack on round-reduced River </a:t>
-            </a:r>
-            <a:r>
-              <a:rPr lang="en-US" altLang="zh-CN" dirty="0" err="1"/>
-              <a:t>Keyak</a:t>
-            </a:r>
-            <a:endParaRPr lang="en-US" altLang="zh-CN" dirty="0"/>
-          </a:p>
-          <a:p>
-            <a:pPr lvl="1"/>
-            <a:r>
-              <a:rPr lang="en-US" altLang="zh-CN" dirty="0"/>
-              <a:t>Cube-like Attack on</a:t>
-            </a:r>
-          </a:p>
-          <a:p>
-            <a:pPr lvl="1"/>
-            <a:r>
-              <a:rPr lang="en-US" altLang="zh-CN" dirty="0"/>
-              <a:t>Round-Reduced Initialization of </a:t>
-            </a:r>
-            <a:r>
-              <a:rPr lang="en-US" altLang="zh-CN" dirty="0" err="1"/>
-              <a:t>Ketje</a:t>
-            </a:r>
-            <a:r>
-              <a:rPr lang="en-US" altLang="zh-CN" dirty="0"/>
-              <a:t> Sr</a:t>
-            </a:r>
-          </a:p>
-        </p:txBody>
-      </p:sp>
-    </p:spTree>
-    <p:extLst>
-      <p:ext uri="{BB962C8B-B14F-4D97-AF65-F5344CB8AC3E}">
-        <p14:creationId xmlns:p14="http://schemas.microsoft.com/office/powerpoint/2010/main" val="3945667423"/>
-      </p:ext>
-    </p:extLst>
-  </p:cSld>
-  <p:clrMapOvr>
-    <a:masterClrMapping/>
-  </p:clrMapOvr>
-</p:sld>
-</file>
-
 <file path=ppt/slides/slide37.xml><?xml version="1.0" encoding="utf-8"?>
 <p:sld xmlns:a="http://schemas.openxmlformats.org/drawingml/2006/main" xmlns:r="http://schemas.openxmlformats.org/officeDocument/2006/relationships" xmlns:p="http://schemas.openxmlformats.org/presentationml/2006/main">
   <p:cSld>
@@ -8454,7 +8493,7 @@
           <p:cNvPr id="2" name="标题 1">
             <a:extLst>
               <a:ext uri="{FF2B5EF4-FFF2-40B4-BE49-F238E27FC236}">
-                <a16:creationId xmlns:a16="http://schemas.microsoft.com/office/drawing/2014/main" id="{A0C45826-8EDB-4A49-A7FD-BE59964AFDCA}"/>
+                <a16:creationId xmlns:a16="http://schemas.microsoft.com/office/drawing/2014/main" id="{92449772-7A63-429F-952E-603F9373491A}"/>
               </a:ext>
             </a:extLst>
           </p:cNvPr>
@@ -8483,7 +8522,7 @@
           <p:cNvPr id="3" name="内容占位符 2">
             <a:extLst>
               <a:ext uri="{FF2B5EF4-FFF2-40B4-BE49-F238E27FC236}">
-                <a16:creationId xmlns:a16="http://schemas.microsoft.com/office/drawing/2014/main" id="{A397E563-2AD3-4ADD-82E9-57CCD771B254}"/>
+                <a16:creationId xmlns:a16="http://schemas.microsoft.com/office/drawing/2014/main" id="{6E0B778B-7487-4A9A-800D-D7338201BBB1}"/>
               </a:ext>
             </a:extLst>
           </p:cNvPr>
@@ -8501,29 +8540,60 @@
           <a:p>
             <a:r>
               <a:rPr lang="zh-CN" altLang="en-US" dirty="0"/>
-              <a:t>零和</a:t>
+              <a:t>差分</a:t>
             </a:r>
             <a:endParaRPr lang="en-US" altLang="zh-CN" dirty="0"/>
           </a:p>
           <a:p>
             <a:pPr lvl="1"/>
             <a:r>
-              <a:rPr lang="en-US" altLang="zh-CN" dirty="0"/>
-              <a:t>Higher-Order Differential Properties of Keccak and Luffa</a:t>
-            </a:r>
+              <a:rPr lang="en-US" altLang="zh-CN" dirty="0">
+                <a:hlinkClick r:id="rId2" action="ppaction://hlinkfile"/>
+              </a:rPr>
+              <a:t>New Techniques for Searching Differential Trails in Keccak</a:t>
+            </a:r>
+            <a:endParaRPr lang="en-US" altLang="zh-CN" dirty="0"/>
           </a:p>
           <a:p>
             <a:pPr lvl="1"/>
             <a:r>
               <a:rPr lang="en-US" altLang="zh-CN" dirty="0"/>
-              <a:t>A zero-sum property for the Keccak- f permutation with 18 rounds</a:t>
+              <a:t>New techniques for trail bounds and application to differential trails in Keccak</a:t>
             </a:r>
           </a:p>
           <a:p>
             <a:pPr lvl="1"/>
             <a:r>
               <a:rPr lang="en-US" altLang="zh-CN" dirty="0"/>
-              <a:t>Zero-Sum Distinguishers for Iterated Permutations and Application to Keccak- f and Hamsi-256</a:t>
+              <a:t>Internal Differential Boomerangs: Practical Analysis of the Round-Reduced Keccak-f Permutation</a:t>
+            </a:r>
+          </a:p>
+          <a:p>
+            <a:pPr lvl="1"/>
+            <a:r>
+              <a:rPr lang="en-US" altLang="zh-CN" dirty="0"/>
+              <a:t>Differential Biases in Reduced-Round Keccak</a:t>
+            </a:r>
+          </a:p>
+          <a:p>
+            <a:pPr lvl="1"/>
+            <a:r>
+              <a:rPr lang="en-US" altLang="zh-CN" dirty="0"/>
+              <a:t>Differential Cryptanalysis of Keccak Variants</a:t>
+            </a:r>
+          </a:p>
+          <a:p>
+            <a:pPr lvl="1"/>
+            <a:r>
+              <a:rPr lang="en-US" altLang="zh-CN" dirty="0"/>
+              <a:t>Differential Propagation Analysis of Keccak</a:t>
+            </a:r>
+          </a:p>
+          <a:p>
+            <a:pPr lvl="1"/>
+            <a:r>
+              <a:rPr lang="en-US" altLang="zh-CN" dirty="0"/>
+              <a:t>Collision Attacks on Up to 5 Rounds of SHA-3 Using Generalized Internal Differentials</a:t>
             </a:r>
             <a:endParaRPr lang="zh-CN" altLang="en-US" dirty="0"/>
           </a:p>
@@ -8532,7 +8602,7 @@
     </p:spTree>
     <p:extLst>
       <p:ext uri="{BB962C8B-B14F-4D97-AF65-F5344CB8AC3E}">
-        <p14:creationId xmlns:p14="http://schemas.microsoft.com/office/powerpoint/2010/main" val="3066228403"/>
+        <p14:creationId xmlns:p14="http://schemas.microsoft.com/office/powerpoint/2010/main" val="2162253578"/>
       </p:ext>
     </p:extLst>
   </p:cSld>
@@ -8564,7 +8634,7 @@
           <p:cNvPr id="2" name="标题 1">
             <a:extLst>
               <a:ext uri="{FF2B5EF4-FFF2-40B4-BE49-F238E27FC236}">
-                <a16:creationId xmlns:a16="http://schemas.microsoft.com/office/drawing/2014/main" id="{1AF7CC26-9478-419C-B851-3B761B19B898}"/>
+                <a16:creationId xmlns:a16="http://schemas.microsoft.com/office/drawing/2014/main" id="{C83D46F3-EB79-49ED-9ACA-47E9298E3D36}"/>
               </a:ext>
             </a:extLst>
           </p:cNvPr>
@@ -8582,7 +8652,7 @@
           <a:p>
             <a:r>
               <a:rPr lang="en-US" altLang="zh-CN" dirty="0"/>
-              <a:t>Spongent</a:t>
+              <a:t>Keccak</a:t>
             </a:r>
             <a:endParaRPr lang="zh-CN" altLang="en-US" dirty="0"/>
           </a:p>
@@ -8593,7 +8663,7 @@
           <p:cNvPr id="3" name="内容占位符 2">
             <a:extLst>
               <a:ext uri="{FF2B5EF4-FFF2-40B4-BE49-F238E27FC236}">
-                <a16:creationId xmlns:a16="http://schemas.microsoft.com/office/drawing/2014/main" id="{5B93824E-DBBA-4FDD-A56C-D4329E88BDCD}"/>
+                <a16:creationId xmlns:a16="http://schemas.microsoft.com/office/drawing/2014/main" id="{E402E478-F980-4080-8149-48EBE46E8258}"/>
               </a:ext>
             </a:extLst>
           </p:cNvPr>
@@ -8611,48 +8681,13 @@
           <a:p>
             <a:r>
               <a:rPr lang="en-US" altLang="zh-CN" dirty="0"/>
-              <a:t>46</a:t>
-            </a:r>
-            <a:r>
-              <a:rPr lang="zh-CN" altLang="en-US" dirty="0"/>
-              <a:t>轮截断差分</a:t>
-            </a:r>
-            <a:endParaRPr lang="en-US" altLang="zh-CN" dirty="0"/>
-          </a:p>
-          <a:p>
-            <a:pPr lvl="1"/>
-            <a:r>
-              <a:rPr lang="en-US" altLang="zh-CN" dirty="0">
-                <a:hlinkClick r:id="rId2" action="ppaction://hlinkfile"/>
-              </a:rPr>
-              <a:t>A distinguisher on PRESENT-like permutations with application to SPONGENT</a:t>
-            </a:r>
-            <a:endParaRPr lang="en-US" altLang="zh-CN" dirty="0"/>
-          </a:p>
-          <a:p>
-            <a:r>
-              <a:rPr lang="en-US" altLang="zh-CN" dirty="0">
-                <a:hlinkClick r:id="rId3" action="ppaction://hlinkfile"/>
-              </a:rPr>
-              <a:t>Estimating the Probabilities of Low-Weight Differential and Linear Approximations on PRESENT-Like Ciphers</a:t>
-            </a:r>
-            <a:endParaRPr lang="en-US" altLang="zh-CN" dirty="0"/>
-          </a:p>
-          <a:p>
-            <a:r>
-              <a:rPr lang="en-US" altLang="zh-CN" dirty="0">
-                <a:hlinkClick r:id="rId4" action="ppaction://hlinkfile"/>
-              </a:rPr>
-              <a:t>SPONGENT: The Design Space of Lightweight Cryptographic Hashing</a:t>
-            </a:r>
-            <a:endParaRPr lang="en-US" altLang="zh-CN" dirty="0"/>
-          </a:p>
-          <a:p>
-            <a:r>
-              <a:rPr lang="en-US" altLang="zh-CN" dirty="0">
-                <a:hlinkClick r:id="rId5" action="ppaction://hlinkfile"/>
-              </a:rPr>
-              <a:t>Spongent: A Lightweight Hash Function</a:t>
+              <a:t>Rotational Cryptanalysis of Round-Reduced Keccak</a:t>
+            </a:r>
+          </a:p>
+          <a:p>
+            <a:r>
+              <a:rPr lang="en-US" altLang="zh-CN" dirty="0"/>
+              <a:t>Unaligned Rebound Attack: Application to Keccak</a:t>
             </a:r>
             <a:endParaRPr lang="zh-CN" altLang="en-US" dirty="0"/>
           </a:p>
@@ -8661,7 +8696,7 @@
     </p:spTree>
     <p:extLst>
       <p:ext uri="{BB962C8B-B14F-4D97-AF65-F5344CB8AC3E}">
-        <p14:creationId xmlns:p14="http://schemas.microsoft.com/office/powerpoint/2010/main" val="1070721868"/>
+        <p14:creationId xmlns:p14="http://schemas.microsoft.com/office/powerpoint/2010/main" val="2492209946"/>
       </p:ext>
     </p:extLst>
   </p:cSld>
@@ -8693,7 +8728,7 @@
           <p:cNvPr id="2" name="标题 1">
             <a:extLst>
               <a:ext uri="{FF2B5EF4-FFF2-40B4-BE49-F238E27FC236}">
-                <a16:creationId xmlns:a16="http://schemas.microsoft.com/office/drawing/2014/main" id="{80AFE717-9D4E-45E4-85C7-B6CB345F5333}"/>
+                <a16:creationId xmlns:a16="http://schemas.microsoft.com/office/drawing/2014/main" id="{933DFD1C-9B63-4F4C-B2E8-E4C04FFEFB08}"/>
               </a:ext>
             </a:extLst>
           </p:cNvPr>
@@ -8711,7 +8746,7 @@
           <a:p>
             <a:r>
               <a:rPr lang="en-US" altLang="zh-CN" dirty="0"/>
-              <a:t>Spongent</a:t>
+              <a:t>Keccak</a:t>
             </a:r>
             <a:endParaRPr lang="zh-CN" altLang="en-US" dirty="0"/>
           </a:p>
@@ -8722,7 +8757,7 @@
           <p:cNvPr id="3" name="内容占位符 2">
             <a:extLst>
               <a:ext uri="{FF2B5EF4-FFF2-40B4-BE49-F238E27FC236}">
-                <a16:creationId xmlns:a16="http://schemas.microsoft.com/office/drawing/2014/main" id="{41806A8E-9D3F-4C31-B61A-3498EDDDCCE3}"/>
+                <a16:creationId xmlns:a16="http://schemas.microsoft.com/office/drawing/2014/main" id="{306F7BC6-195D-4D9F-8E7E-486AA8295772}"/>
               </a:ext>
             </a:extLst>
           </p:cNvPr>
@@ -8735,82 +8770,129 @@
         </p:nvSpPr>
         <p:spPr/>
         <p:txBody>
-          <a:bodyPr/>
-          <a:lstStyle/>
-          <a:p>
-            <a:r>
-              <a:rPr lang="zh-CN" altLang="en-US" dirty="0"/>
-              <a:t>可分性，不超过</a:t>
-            </a:r>
-            <a:r>
-              <a:rPr lang="en-US" altLang="zh-CN" dirty="0"/>
-              <a:t>12</a:t>
-            </a:r>
-            <a:r>
-              <a:rPr lang="zh-CN" altLang="en-US" dirty="0"/>
-              <a:t>轮</a:t>
-            </a:r>
-            <a:endParaRPr lang="en-US" altLang="zh-CN" dirty="0"/>
-          </a:p>
-          <a:p>
-            <a:pPr lvl="1"/>
+          <a:bodyPr>
+            <a:normAutofit fontScale="70000" lnSpcReduction="20000"/>
+          </a:bodyPr>
+          <a:lstStyle/>
+          <a:p>
             <a:r>
               <a:rPr lang="en-US" altLang="zh-CN" dirty="0">
                 <a:hlinkClick r:id="rId2" action="ppaction://hlinkfile"/>
               </a:rPr>
-              <a:t>MILP-aided bit-based division property for primitives with non-bit-permutation linear layers</a:t>
+              <a:t>Algebraic Collision Attacks on Keccak</a:t>
             </a:r>
             <a:endParaRPr lang="en-US" altLang="zh-CN" dirty="0"/>
           </a:p>
           <a:p>
-            <a:pPr lvl="1"/>
             <a:r>
               <a:rPr lang="en-US" altLang="zh-CN" dirty="0">
                 <a:hlinkClick r:id="rId3" action="ppaction://hlinkfile"/>
               </a:rPr>
-              <a:t>MILP-Aided Bit-Based Division Property for Primitives with Non-Bit-Permutation Linear Layers</a:t>
+              <a:t>Improved Preimage Attacks on 4-Round Keccak-224/256</a:t>
             </a:r>
             <a:endParaRPr lang="en-US" altLang="zh-CN" dirty="0"/>
           </a:p>
           <a:p>
-            <a:pPr lvl="1"/>
             <a:r>
               <a:rPr lang="en-US" altLang="zh-CN" dirty="0">
                 <a:hlinkClick r:id="rId4" action="ppaction://hlinkfile"/>
               </a:rPr>
-              <a:t>Finding Integral Distinguishers with Ease</a:t>
+              <a:t>Algebraic Attacks on Round-Reduced Keccak/</a:t>
+            </a:r>
+            <a:r>
+              <a:rPr lang="en-US" altLang="zh-CN" dirty="0" err="1">
+                <a:hlinkClick r:id="rId4" action="ppaction://hlinkfile"/>
+              </a:rPr>
+              <a:t>Xoodoo</a:t>
             </a:r>
             <a:endParaRPr lang="en-US" altLang="zh-CN" dirty="0"/>
           </a:p>
           <a:p>
-            <a:r>
-              <a:rPr lang="zh-CN" altLang="en-US" dirty="0"/>
-              <a:t>零和，</a:t>
-            </a:r>
-            <a:r>
-              <a:rPr lang="en-US" altLang="zh-CN" dirty="0"/>
-              <a:t>21</a:t>
-            </a:r>
-            <a:r>
-              <a:rPr lang="zh-CN" altLang="en-US" dirty="0"/>
-              <a:t>轮</a:t>
-            </a:r>
-            <a:endParaRPr lang="en-US" altLang="zh-CN" dirty="0"/>
-          </a:p>
-          <a:p>
-            <a:r>
-              <a:rPr lang="zh-CN" altLang="en-US" dirty="0"/>
-              <a:t>零相关，推出一个积分区分器</a:t>
-            </a:r>
-            <a:endParaRPr lang="en-US" altLang="zh-CN" dirty="0"/>
-          </a:p>
-          <a:p>
-            <a:pPr lvl="1"/>
             <a:r>
               <a:rPr lang="en-US" altLang="zh-CN" dirty="0">
                 <a:hlinkClick r:id="rId5" action="ppaction://hlinkfile"/>
               </a:rPr>
-              <a:t>Links Among Impossible Differential, Integral and Zero Correlation Linear Cryptanalysis</a:t>
+              <a:t>New Results on the </a:t>
+            </a:r>
+            <a:r>
+              <a:rPr lang="en-US" altLang="zh-CN" dirty="0" err="1">
+                <a:hlinkClick r:id="rId5" action="ppaction://hlinkfile"/>
+              </a:rPr>
+              <a:t>SymSum</a:t>
+            </a:r>
+            <a:r>
+              <a:rPr lang="en-US" altLang="zh-CN" dirty="0">
+                <a:hlinkClick r:id="rId5" action="ppaction://hlinkfile"/>
+              </a:rPr>
+              <a:t> Distinguisher on Round-Reduced SHA3</a:t>
+            </a:r>
+            <a:endParaRPr lang="en-US" altLang="zh-CN" dirty="0"/>
+          </a:p>
+          <a:p>
+            <a:r>
+              <a:rPr lang="en-US" altLang="zh-CN" dirty="0">
+                <a:hlinkClick r:id="rId6" action="ppaction://hlinkfile"/>
+              </a:rPr>
+              <a:t>Cryptanalysis of Round-Reduced KECCAK Using Non-linear Structures</a:t>
+            </a:r>
+            <a:endParaRPr lang="en-US" altLang="zh-CN" dirty="0"/>
+          </a:p>
+          <a:p>
+            <a:r>
+              <a:rPr lang="en-US" altLang="zh-CN" dirty="0"/>
+              <a:t>Distinguishing Property for Full Round KECCAK-f Permutation</a:t>
+            </a:r>
+          </a:p>
+          <a:p>
+            <a:r>
+              <a:rPr lang="en-US" altLang="zh-CN" dirty="0"/>
+              <a:t>Non-full </a:t>
+            </a:r>
+            <a:r>
+              <a:rPr lang="en-US" altLang="zh-CN" dirty="0" err="1"/>
+              <a:t>Sbox</a:t>
+            </a:r>
+            <a:r>
+              <a:rPr lang="en-US" altLang="zh-CN" dirty="0"/>
+              <a:t> Linearization: Applications to Collision Attacks on Round-Reduced Keccak</a:t>
+            </a:r>
+          </a:p>
+          <a:p>
+            <a:r>
+              <a:rPr lang="en-US" altLang="zh-CN" dirty="0"/>
+              <a:t>New Collision Attacks on Round-Reduced Keccak</a:t>
+            </a:r>
+          </a:p>
+          <a:p>
+            <a:r>
+              <a:rPr lang="en-US" altLang="zh-CN" dirty="0"/>
+              <a:t>Linear Structures: Applications to Cryptanalysis of Round-Reduced Keccak</a:t>
+            </a:r>
+          </a:p>
+          <a:p>
+            <a:r>
+              <a:rPr lang="en-US" altLang="zh-CN" dirty="0"/>
+              <a:t>Practical Distinguishers against 6-Round Keccak-f Exploiting Self-Symmetry</a:t>
+            </a:r>
+          </a:p>
+          <a:p>
+            <a:r>
+              <a:rPr lang="en-US" altLang="zh-CN" dirty="0"/>
+              <a:t>New Attacks on Keccak-224 and Keccak-256</a:t>
+            </a:r>
+          </a:p>
+          <a:p>
+            <a:r>
+              <a:rPr lang="en-US" altLang="zh-CN" dirty="0"/>
+              <a:t>State-Recovery Attacks on Modified </a:t>
+            </a:r>
+            <a:r>
+              <a:rPr lang="en-US" altLang="zh-CN" dirty="0" err="1"/>
+              <a:t>Ketje</a:t>
+            </a:r>
+            <a:r>
+              <a:rPr lang="en-US" altLang="zh-CN" dirty="0"/>
+              <a:t> Jr</a:t>
             </a:r>
             <a:endParaRPr lang="zh-CN" altLang="en-US" dirty="0"/>
           </a:p>
@@ -8819,7 +8901,7 @@
     </p:spTree>
     <p:extLst>
       <p:ext uri="{BB962C8B-B14F-4D97-AF65-F5344CB8AC3E}">
-        <p14:creationId xmlns:p14="http://schemas.microsoft.com/office/powerpoint/2010/main" val="881372493"/>
+        <p14:creationId xmlns:p14="http://schemas.microsoft.com/office/powerpoint/2010/main" val="2515280267"/>
       </p:ext>
     </p:extLst>
   </p:cSld>
@@ -8863,7 +8945,7 @@
           <a:p>
             <a:r>
               <a:rPr lang="en-US" altLang="zh-CN" dirty="0"/>
-              <a:t>Elephant</a:t>
+              <a:t>PHOTON-256</a:t>
             </a:r>
             <a:endParaRPr lang="zh-CN" altLang="en-US" dirty="0"/>
           </a:p>
@@ -8884,83 +8966,75 @@
           <a:bodyPr/>
           <a:lstStyle/>
           <a:p>
-            <a:r>
-              <a:rPr lang="zh-CN" altLang="en-US" dirty="0"/>
-              <a:t>插值</a:t>
-            </a:r>
-            <a:endParaRPr lang="en-US" altLang="zh-CN" dirty="0"/>
-          </a:p>
-          <a:p>
-            <a:r>
-              <a:rPr lang="en-US" altLang="zh-CN" dirty="0"/>
-              <a:t>Spongent</a:t>
-            </a:r>
-          </a:p>
-          <a:p>
-            <a:pPr lvl="1"/>
-            <a:r>
-              <a:rPr lang="zh-CN" altLang="en-US" dirty="0"/>
-              <a:t>差分</a:t>
-            </a:r>
-            <a:r>
-              <a:rPr lang="en-US" altLang="zh-CN" dirty="0"/>
-              <a:t>/</a:t>
-            </a:r>
-            <a:r>
-              <a:rPr lang="zh-CN" altLang="en-US" dirty="0"/>
-              <a:t>线性</a:t>
-            </a:r>
-            <a:endParaRPr lang="en-US" altLang="zh-CN" dirty="0"/>
-          </a:p>
-          <a:p>
-            <a:pPr lvl="1"/>
-            <a:r>
-              <a:rPr lang="zh-CN" altLang="en-US" dirty="0"/>
-              <a:t>积分</a:t>
-            </a:r>
-            <a:endParaRPr lang="en-US" altLang="zh-CN" dirty="0"/>
-          </a:p>
-          <a:p>
-            <a:r>
-              <a:rPr lang="en-US" altLang="zh-CN" dirty="0"/>
-              <a:t>Keccak</a:t>
-            </a:r>
-          </a:p>
-          <a:p>
-            <a:pPr lvl="1"/>
-            <a:r>
-              <a:rPr lang="zh-CN" altLang="en-US" dirty="0"/>
-              <a:t>差分</a:t>
-            </a:r>
-            <a:r>
-              <a:rPr lang="en-US" altLang="zh-CN" dirty="0"/>
-              <a:t>/</a:t>
-            </a:r>
-            <a:r>
-              <a:rPr lang="zh-CN" altLang="en-US" dirty="0"/>
-              <a:t>线性</a:t>
-            </a:r>
-            <a:endParaRPr lang="en-US" altLang="zh-CN" dirty="0"/>
-          </a:p>
-          <a:p>
-            <a:pPr lvl="1"/>
-            <a:r>
-              <a:rPr lang="zh-CN" altLang="en-US" dirty="0"/>
-              <a:t>代数</a:t>
-            </a:r>
-          </a:p>
-        </p:txBody>
-      </p:sp>
+            <a:endParaRPr lang="zh-CN" altLang="en-US"/>
+          </a:p>
+        </p:txBody>
+      </p:sp>
+      <p:pic>
+        <p:nvPicPr>
+          <p:cNvPr id="4" name="图片 3"/>
+          <p:cNvPicPr>
+            <a:picLocks noChangeAspect="1"/>
+          </p:cNvPicPr>
+          <p:nvPr/>
+        </p:nvPicPr>
+        <p:blipFill>
+          <a:blip r:embed="rId2"/>
+          <a:stretch>
+            <a:fillRect/>
+          </a:stretch>
+        </p:blipFill>
+        <p:spPr>
+          <a:xfrm>
+            <a:off x="405936" y="3173291"/>
+            <a:ext cx="11380128" cy="3223479"/>
+          </a:xfrm>
+          <a:prstGeom prst="rect">
+            <a:avLst/>
+          </a:prstGeom>
+        </p:spPr>
+      </p:pic>
+      <p:pic>
+        <p:nvPicPr>
+          <p:cNvPr id="5" name="图片 4"/>
+          <p:cNvPicPr>
+            <a:picLocks noChangeAspect="1"/>
+          </p:cNvPicPr>
+          <p:nvPr/>
+        </p:nvPicPr>
+        <p:blipFill>
+          <a:blip r:embed="rId3"/>
+          <a:stretch>
+            <a:fillRect/>
+          </a:stretch>
+        </p:blipFill>
+        <p:spPr>
+          <a:xfrm>
+            <a:off x="4800599" y="610892"/>
+            <a:ext cx="7217019" cy="1888566"/>
+          </a:xfrm>
+          <a:prstGeom prst="rect">
+            <a:avLst/>
+          </a:prstGeom>
+        </p:spPr>
+      </p:pic>
     </p:spTree>
     <p:extLst>
       <p:ext uri="{BB962C8B-B14F-4D97-AF65-F5344CB8AC3E}">
-        <p14:creationId xmlns:p14="http://schemas.microsoft.com/office/powerpoint/2010/main" val="3890128958"/>
+        <p14:creationId xmlns:p14="http://schemas.microsoft.com/office/powerpoint/2010/main" val="3133205592"/>
       </p:ext>
     </p:extLst>
   </p:cSld>
   <p:clrMapOvr>
     <a:masterClrMapping/>
   </p:clrMapOvr>
+  <p:timing>
+    <p:tnLst>
+      <p:par>
+        <p:cTn id="1" dur="indefinite" restart="never" nodeType="tmRoot"/>
+      </p:par>
+    </p:tnLst>
+  </p:timing>
 </p:sld>
 </file>
 
@@ -8986,7 +9060,7 @@
           <p:cNvPr id="2" name="标题 1">
             <a:extLst>
               <a:ext uri="{FF2B5EF4-FFF2-40B4-BE49-F238E27FC236}">
-                <a16:creationId xmlns:a16="http://schemas.microsoft.com/office/drawing/2014/main" id="{731C8960-3197-4A6E-BD85-2F295ACB53A8}"/>
+                <a16:creationId xmlns:a16="http://schemas.microsoft.com/office/drawing/2014/main" id="{30C08F36-6FCD-4045-8819-61FE6FCED90A}"/>
               </a:ext>
             </a:extLst>
           </p:cNvPr>
@@ -9004,7 +9078,7 @@
           <a:p>
             <a:r>
               <a:rPr lang="en-US" altLang="zh-CN" dirty="0"/>
-              <a:t>Spongent</a:t>
+              <a:t>Keccak</a:t>
             </a:r>
             <a:endParaRPr lang="zh-CN" altLang="en-US" dirty="0"/>
           </a:p>
@@ -9015,7 +9089,7 @@
           <p:cNvPr id="3" name="内容占位符 2">
             <a:extLst>
               <a:ext uri="{FF2B5EF4-FFF2-40B4-BE49-F238E27FC236}">
-                <a16:creationId xmlns:a16="http://schemas.microsoft.com/office/drawing/2014/main" id="{B5E96B3F-30D5-44B5-9023-F6A367A198A9}"/>
+                <a16:creationId xmlns:a16="http://schemas.microsoft.com/office/drawing/2014/main" id="{E12F6CE9-616E-4625-BBFE-A2851EE497AC}"/>
               </a:ext>
             </a:extLst>
           </p:cNvPr>
@@ -9032,16 +9106,31 @@
           <a:lstStyle/>
           <a:p>
             <a:r>
-              <a:rPr lang="en-US" altLang="zh-CN" dirty="0"/>
-              <a:t>Rebound</a:t>
-            </a:r>
+              <a:rPr lang="en-US" altLang="zh-CN" dirty="0">
+                <a:hlinkClick r:id="rId2" action="ppaction://hlinkfile"/>
+              </a:rPr>
+              <a:t>Preimage Attacks on Round-Reduced Keccak-224/256 via an Allocating Approach</a:t>
+            </a:r>
+            <a:endParaRPr lang="en-US" altLang="zh-CN" dirty="0"/>
+          </a:p>
+          <a:p>
+            <a:r>
+              <a:rPr lang="en-US" altLang="zh-CN" dirty="0">
+                <a:hlinkClick r:id="rId3" action="ppaction://hlinkfile"/>
+              </a:rPr>
+              <a:t>Preimage Attacks on the Round-reduced Keccak with Cross-linear Structures</a:t>
+            </a:r>
+            <a:endParaRPr lang="en-US" altLang="zh-CN" dirty="0"/>
+          </a:p>
+          <a:p>
+            <a:endParaRPr lang="zh-CN" altLang="en-US" dirty="0"/>
           </a:p>
         </p:txBody>
       </p:sp>
     </p:spTree>
     <p:extLst>
       <p:ext uri="{BB962C8B-B14F-4D97-AF65-F5344CB8AC3E}">
-        <p14:creationId xmlns:p14="http://schemas.microsoft.com/office/powerpoint/2010/main" val="669571950"/>
+        <p14:creationId xmlns:p14="http://schemas.microsoft.com/office/powerpoint/2010/main" val="3986548361"/>
       </p:ext>
     </p:extLst>
   </p:cSld>
@@ -9073,7 +9162,7 @@
           <p:cNvPr id="2" name="标题 1">
             <a:extLst>
               <a:ext uri="{FF2B5EF4-FFF2-40B4-BE49-F238E27FC236}">
-                <a16:creationId xmlns:a16="http://schemas.microsoft.com/office/drawing/2014/main" id="{91CF84CC-07C0-4AF0-B807-EF38A735E063}"/>
+                <a16:creationId xmlns:a16="http://schemas.microsoft.com/office/drawing/2014/main" id="{7DE6B429-4E62-4E3F-A23A-051483D241DB}"/>
               </a:ext>
             </a:extLst>
           </p:cNvPr>
@@ -9091,7 +9180,7 @@
           <a:p>
             <a:r>
               <a:rPr lang="en-US" altLang="zh-CN" dirty="0"/>
-              <a:t>GIFT-128</a:t>
+              <a:t>Keccak</a:t>
             </a:r>
             <a:endParaRPr lang="zh-CN" altLang="en-US" dirty="0"/>
           </a:p>
@@ -9102,7 +9191,7 @@
           <p:cNvPr id="3" name="内容占位符 2">
             <a:extLst>
               <a:ext uri="{FF2B5EF4-FFF2-40B4-BE49-F238E27FC236}">
-                <a16:creationId xmlns:a16="http://schemas.microsoft.com/office/drawing/2014/main" id="{3CCED691-DB77-4FE0-ADE2-0E71197F3FAD}"/>
+                <a16:creationId xmlns:a16="http://schemas.microsoft.com/office/drawing/2014/main" id="{ABD333C4-4F43-41C8-BAE3-60AB2FDD268D}"/>
               </a:ext>
             </a:extLst>
           </p:cNvPr>
@@ -9115,12 +9204,14 @@
         </p:nvSpPr>
         <p:spPr/>
         <p:txBody>
-          <a:bodyPr/>
+          <a:bodyPr>
+            <a:normAutofit fontScale="77500" lnSpcReduction="20000"/>
+          </a:bodyPr>
           <a:lstStyle/>
           <a:p>
             <a:r>
               <a:rPr lang="zh-CN" altLang="en-US" dirty="0"/>
-              <a:t>差分</a:t>
+              <a:t>立方</a:t>
             </a:r>
             <a:endParaRPr lang="en-US" altLang="zh-CN" dirty="0"/>
           </a:p>
@@ -9128,92 +9219,133 @@
             <a:pPr lvl="1"/>
             <a:r>
               <a:rPr lang="en-US" altLang="zh-CN" dirty="0"/>
-              <a:t>18</a:t>
-            </a:r>
-            <a:r>
-              <a:rPr lang="zh-CN" altLang="en-US" dirty="0"/>
-              <a:t>轮，</a:t>
-            </a:r>
-            <a:r>
-              <a:rPr lang="en-US" altLang="zh-CN" dirty="0"/>
-              <a:t>109</a:t>
-            </a:r>
-            <a:r>
-              <a:rPr lang="zh-CN" altLang="en-US" dirty="0"/>
-              <a:t>，</a:t>
-            </a:r>
-            <a:r>
-              <a:rPr lang="en-US" altLang="zh-CN" dirty="0"/>
-              <a:t>23</a:t>
-            </a:r>
-            <a:r>
-              <a:rPr lang="zh-CN" altLang="en-US" dirty="0"/>
-              <a:t>轮恢复密钥</a:t>
+              <a:t>New Conditional Cube Attack on Keccak Keyed Modes</a:t>
+            </a:r>
+          </a:p>
+          <a:p>
+            <a:pPr lvl="1"/>
+            <a:r>
+              <a:rPr lang="en-US" altLang="zh-CN" dirty="0"/>
+              <a:t>MILP-aided cube-attack-like cryptanalysis on Keccak Keyed modes</a:t>
+            </a:r>
+          </a:p>
+          <a:p>
+            <a:pPr lvl="1"/>
+            <a:r>
+              <a:rPr lang="en-US" altLang="zh-CN" dirty="0"/>
+              <a:t>Finding Ordinary Cube Variables for Keccak-MAC with Greedy Algorithm</a:t>
+            </a:r>
+          </a:p>
+          <a:p>
+            <a:pPr lvl="1"/>
+            <a:r>
+              <a:rPr lang="en-US" altLang="zh-CN" dirty="0"/>
+              <a:t>Practical Key-recovery Attacks on Round-Reduced </a:t>
+            </a:r>
+            <a:r>
+              <a:rPr lang="en-US" altLang="zh-CN" dirty="0" err="1"/>
+              <a:t>Ketje</a:t>
+            </a:r>
+            <a:r>
+              <a:rPr lang="en-US" altLang="zh-CN" dirty="0"/>
+              <a:t> Jr, </a:t>
+            </a:r>
+            <a:r>
+              <a:rPr lang="en-US" altLang="zh-CN" dirty="0" err="1"/>
+              <a:t>Xoodoo</a:t>
+            </a:r>
+            <a:r>
+              <a:rPr lang="en-US" altLang="zh-CN" dirty="0"/>
+              <a:t>-AE and </a:t>
+            </a:r>
+            <a:r>
+              <a:rPr lang="en-US" altLang="zh-CN" dirty="0" err="1"/>
+              <a:t>Xoodyak</a:t>
             </a:r>
             <a:endParaRPr lang="en-US" altLang="zh-CN" dirty="0"/>
           </a:p>
           <a:p>
             <a:pPr lvl="1"/>
             <a:r>
-              <a:rPr lang="en-US" altLang="zh-CN" dirty="0">
-                <a:hlinkClick r:id="rId2" action="ppaction://hlinkfile"/>
-              </a:rPr>
-              <a:t>MILP-based Differential Attack on Round-reduced GIFT</a:t>
+              <a:rPr lang="en-US" altLang="zh-CN" dirty="0"/>
+              <a:t>Cube-Attack-Like Cryptanalysis of Round-Reduced Keccak Using MILP</a:t>
+            </a:r>
+          </a:p>
+          <a:p>
+            <a:pPr lvl="1"/>
+            <a:r>
+              <a:rPr lang="en-US" altLang="zh-CN" dirty="0"/>
+              <a:t>New MILP Modeling: Improved Conditional Cube Attacks on Keccak-Based Constructions</a:t>
+            </a:r>
+          </a:p>
+          <a:p>
+            <a:pPr lvl="1"/>
+            <a:r>
+              <a:rPr lang="en-US" altLang="zh-CN" dirty="0"/>
+              <a:t>Improved Conditional Cube Attacks on Keccak Keyed Modes with MILP Method</a:t>
+            </a:r>
+          </a:p>
+          <a:p>
+            <a:pPr lvl="1"/>
+            <a:r>
+              <a:rPr lang="en-US" altLang="zh-CN" dirty="0"/>
+              <a:t>Conditional Cube Attack on Reduced-Round Keccak Sponge Function</a:t>
+            </a:r>
+          </a:p>
+          <a:p>
+            <a:pPr lvl="1"/>
+            <a:r>
+              <a:rPr lang="en-US" altLang="zh-CN" dirty="0"/>
+              <a:t>Cube Attacks and Cube-Attack-Like Cryptanalysis on the Round-Reduced Keccak Sponge Function</a:t>
+            </a:r>
+          </a:p>
+          <a:p>
+            <a:pPr lvl="1"/>
+            <a:r>
+              <a:rPr lang="en-US" altLang="zh-CN" dirty="0"/>
+              <a:t>Conditional</a:t>
+            </a:r>
+          </a:p>
+          <a:p>
+            <a:pPr lvl="1"/>
+            <a:r>
+              <a:rPr lang="en-US" altLang="zh-CN" dirty="0"/>
+              <a:t>cube attack on round-reduced River </a:t>
+            </a:r>
+            <a:r>
+              <a:rPr lang="en-US" altLang="zh-CN" dirty="0" err="1"/>
+              <a:t>Keyak</a:t>
             </a:r>
             <a:endParaRPr lang="en-US" altLang="zh-CN" dirty="0"/>
           </a:p>
           <a:p>
-            <a:r>
-              <a:rPr lang="zh-CN" altLang="en-US" dirty="0"/>
-              <a:t>线性</a:t>
-            </a:r>
-            <a:endParaRPr lang="en-US" altLang="zh-CN" dirty="0"/>
-          </a:p>
-          <a:p>
             <a:pPr lvl="1"/>
             <a:r>
               <a:rPr lang="en-US" altLang="zh-CN" dirty="0"/>
-              <a:t>9</a:t>
-            </a:r>
-            <a:r>
-              <a:rPr lang="zh-CN" altLang="en-US" dirty="0"/>
-              <a:t>轮，</a:t>
-            </a:r>
-            <a:r>
-              <a:rPr lang="en-US" altLang="zh-CN" dirty="0"/>
-              <a:t>45.99</a:t>
-            </a:r>
-            <a:r>
-              <a:rPr lang="zh-CN" altLang="en-US" dirty="0"/>
-              <a:t>（聚集）</a:t>
-            </a:r>
-            <a:endParaRPr lang="en-US" altLang="zh-CN" dirty="0"/>
-          </a:p>
-          <a:p>
-            <a:r>
-              <a:rPr lang="zh-CN" altLang="en-US" dirty="0"/>
-              <a:t>积分</a:t>
-            </a:r>
-            <a:endParaRPr lang="en-US" altLang="zh-CN" dirty="0"/>
+              <a:t>Cube-like Attack on</a:t>
+            </a:r>
           </a:p>
           <a:p>
             <a:pPr lvl="1"/>
             <a:r>
               <a:rPr lang="en-US" altLang="zh-CN" dirty="0"/>
-              <a:t>11</a:t>
-            </a:r>
-            <a:r>
-              <a:rPr lang="zh-CN" altLang="en-US" dirty="0"/>
-              <a:t>轮</a:t>
-            </a:r>
-            <a:endParaRPr lang="en-US" altLang="zh-CN" dirty="0"/>
+              <a:t>Round-Reduced Initialization of </a:t>
+            </a:r>
+            <a:r>
+              <a:rPr lang="en-US" altLang="zh-CN" dirty="0" err="1"/>
+              <a:t>Ketje</a:t>
+            </a:r>
+            <a:r>
+              <a:rPr lang="en-US" altLang="zh-CN" dirty="0"/>
+              <a:t> Sr</a:t>
+            </a:r>
           </a:p>
         </p:txBody>
       </p:sp>
     </p:spTree>
     <p:extLst>
       <p:ext uri="{BB962C8B-B14F-4D97-AF65-F5344CB8AC3E}">
-        <p14:creationId xmlns:p14="http://schemas.microsoft.com/office/powerpoint/2010/main" val="2147273"/>
+        <p14:creationId xmlns:p14="http://schemas.microsoft.com/office/powerpoint/2010/main" val="3945667423"/>
       </p:ext>
     </p:extLst>
   </p:cSld>
@@ -9245,7 +9377,7 @@
           <p:cNvPr id="2" name="标题 1">
             <a:extLst>
               <a:ext uri="{FF2B5EF4-FFF2-40B4-BE49-F238E27FC236}">
-                <a16:creationId xmlns:a16="http://schemas.microsoft.com/office/drawing/2014/main" id="{21F688EE-60F0-4B57-A4C1-5A84DC44634B}"/>
+                <a16:creationId xmlns:a16="http://schemas.microsoft.com/office/drawing/2014/main" id="{A0C45826-8EDB-4A49-A7FD-BE59964AFDCA}"/>
               </a:ext>
             </a:extLst>
           </p:cNvPr>
@@ -9263,7 +9395,7 @@
           <a:p>
             <a:r>
               <a:rPr lang="en-US" altLang="zh-CN" dirty="0"/>
-              <a:t>Skinny</a:t>
+              <a:t>Keccak</a:t>
             </a:r>
             <a:endParaRPr lang="zh-CN" altLang="en-US" dirty="0"/>
           </a:p>
@@ -9274,7 +9406,7 @@
           <p:cNvPr id="3" name="内容占位符 2">
             <a:extLst>
               <a:ext uri="{FF2B5EF4-FFF2-40B4-BE49-F238E27FC236}">
-                <a16:creationId xmlns:a16="http://schemas.microsoft.com/office/drawing/2014/main" id="{1D0A6422-A0B0-4E66-BDF7-EA922E0D07AB}"/>
+                <a16:creationId xmlns:a16="http://schemas.microsoft.com/office/drawing/2014/main" id="{A397E563-2AD3-4ADD-82E9-57CCD771B254}"/>
               </a:ext>
             </a:extLst>
           </p:cNvPr>
@@ -9291,44 +9423,31 @@
           <a:lstStyle/>
           <a:p>
             <a:r>
-              <a:rPr lang="en-US" altLang="zh-CN" dirty="0">
-                <a:hlinkClick r:id="rId2" action="ppaction://hlinkfile"/>
-              </a:rPr>
-              <a:t>The SKINNY Family of Block Ciphers and Its Low-Latency Variant MANTIS</a:t>
+              <a:rPr lang="zh-CN" altLang="en-US" dirty="0"/>
+              <a:t>零和</a:t>
             </a:r>
             <a:endParaRPr lang="en-US" altLang="zh-CN" dirty="0"/>
           </a:p>
           <a:p>
-            <a:r>
-              <a:rPr lang="en-US" altLang="zh-CN" dirty="0">
-                <a:hlinkClick r:id="rId3" action="ppaction://hlinkfile"/>
-              </a:rPr>
-              <a:t>Security Analysis of SKINNY under Related-</a:t>
-            </a:r>
-            <a:r>
-              <a:rPr lang="en-US" altLang="zh-CN" dirty="0" err="1">
-                <a:hlinkClick r:id="rId3" action="ppaction://hlinkfile"/>
-              </a:rPr>
-              <a:t>Tweakey</a:t>
-            </a:r>
-            <a:r>
-              <a:rPr lang="en-US" altLang="zh-CN" dirty="0">
-                <a:hlinkClick r:id="rId3" action="ppaction://hlinkfile"/>
-              </a:rPr>
-              <a:t> Settings</a:t>
-            </a:r>
-            <a:endParaRPr lang="en-US" altLang="zh-CN" dirty="0"/>
-          </a:p>
-          <a:p>
-            <a:r>
-              <a:rPr lang="en-US" altLang="zh-CN" dirty="0">
-                <a:hlinkClick r:id="rId4" action="ppaction://hlinkfile"/>
-              </a:rPr>
-              <a:t>Cryptanalysis of Reduced round SKINNY Block Cipher</a:t>
-            </a:r>
-            <a:endParaRPr lang="zh-CN" altLang="en-US" dirty="0"/>
-          </a:p>
-          <a:p>
+            <a:pPr lvl="1"/>
+            <a:r>
+              <a:rPr lang="en-US" altLang="zh-CN" dirty="0"/>
+              <a:t>Higher-Order Differential Properties of Keccak and Luffa</a:t>
+            </a:r>
+          </a:p>
+          <a:p>
+            <a:pPr lvl="1"/>
+            <a:r>
+              <a:rPr lang="en-US" altLang="zh-CN" dirty="0"/>
+              <a:t>A zero-sum property for the Keccak- f permutation with 18 rounds</a:t>
+            </a:r>
+          </a:p>
+          <a:p>
+            <a:pPr lvl="1"/>
+            <a:r>
+              <a:rPr lang="en-US" altLang="zh-CN" dirty="0"/>
+              <a:t>Zero-Sum Distinguishers for Iterated Permutations and Application to Keccak- f and Hamsi-256</a:t>
+            </a:r>
             <a:endParaRPr lang="zh-CN" altLang="en-US" dirty="0"/>
           </a:p>
         </p:txBody>
@@ -9336,7 +9455,7 @@
     </p:spTree>
     <p:extLst>
       <p:ext uri="{BB962C8B-B14F-4D97-AF65-F5344CB8AC3E}">
-        <p14:creationId xmlns:p14="http://schemas.microsoft.com/office/powerpoint/2010/main" val="395245439"/>
+        <p14:creationId xmlns:p14="http://schemas.microsoft.com/office/powerpoint/2010/main" val="3066228403"/>
       </p:ext>
     </p:extLst>
   </p:cSld>
@@ -9368,7 +9487,7 @@
           <p:cNvPr id="2" name="标题 1">
             <a:extLst>
               <a:ext uri="{FF2B5EF4-FFF2-40B4-BE49-F238E27FC236}">
-                <a16:creationId xmlns:a16="http://schemas.microsoft.com/office/drawing/2014/main" id="{77546A2C-0F20-4624-8C42-4E08716C206E}"/>
+                <a16:creationId xmlns:a16="http://schemas.microsoft.com/office/drawing/2014/main" id="{1AF7CC26-9478-419C-B851-3B761B19B898}"/>
               </a:ext>
             </a:extLst>
           </p:cNvPr>
@@ -9386,7 +9505,7 @@
           <a:p>
             <a:r>
               <a:rPr lang="en-US" altLang="zh-CN" dirty="0"/>
-              <a:t>SPARKLE</a:t>
+              <a:t>Spongent</a:t>
             </a:r>
             <a:endParaRPr lang="zh-CN" altLang="en-US" dirty="0"/>
           </a:p>
@@ -9397,7 +9516,7 @@
           <p:cNvPr id="3" name="内容占位符 2">
             <a:extLst>
               <a:ext uri="{FF2B5EF4-FFF2-40B4-BE49-F238E27FC236}">
-                <a16:creationId xmlns:a16="http://schemas.microsoft.com/office/drawing/2014/main" id="{214DCE90-3AC1-4A67-90C1-0B0E77BFC218}"/>
+                <a16:creationId xmlns:a16="http://schemas.microsoft.com/office/drawing/2014/main" id="{5B93824E-DBBA-4FDD-A56C-D4329E88BDCD}"/>
               </a:ext>
             </a:extLst>
           </p:cNvPr>
@@ -9414,145 +9533,58 @@
           <a:lstStyle/>
           <a:p>
             <a:r>
-              <a:rPr lang="en-US" altLang="zh-CN" dirty="0" err="1"/>
-              <a:t>Alzette</a:t>
+              <a:rPr lang="en-US" altLang="zh-CN" dirty="0"/>
+              <a:t>46</a:t>
+            </a:r>
+            <a:r>
+              <a:rPr lang="zh-CN" altLang="en-US" dirty="0"/>
+              <a:t>轮截断差分</a:t>
             </a:r>
             <a:endParaRPr lang="en-US" altLang="zh-CN" dirty="0"/>
           </a:p>
           <a:p>
             <a:pPr lvl="1"/>
             <a:r>
-              <a:rPr lang="zh-CN" altLang="en-US" dirty="0"/>
-              <a:t>差分（</a:t>
-            </a:r>
-            <a:r>
-              <a:rPr lang="en-US" altLang="zh-CN" dirty="0"/>
-              <a:t>Matsui</a:t>
-            </a:r>
-            <a:r>
-              <a:rPr lang="zh-CN" altLang="en-US" dirty="0"/>
-              <a:t>）</a:t>
+              <a:rPr lang="en-US" altLang="zh-CN" dirty="0">
+                <a:hlinkClick r:id="rId2" action="ppaction://hlinkfile"/>
+              </a:rPr>
+              <a:t>A distinguisher on PRESENT-like permutations with application to SPONGENT</a:t>
             </a:r>
             <a:endParaRPr lang="en-US" altLang="zh-CN" dirty="0"/>
           </a:p>
           <a:p>
-            <a:pPr lvl="2"/>
-            <a:r>
-              <a:rPr lang="en-US" altLang="zh-CN" dirty="0"/>
-              <a:t>7</a:t>
-            </a:r>
-            <a:r>
-              <a:rPr lang="zh-CN" altLang="en-US" dirty="0"/>
-              <a:t>轮</a:t>
-            </a:r>
-            <a:r>
-              <a:rPr lang="en-US" altLang="zh-CN" dirty="0"/>
-              <a:t>26</a:t>
-            </a:r>
-          </a:p>
-          <a:p>
-            <a:pPr lvl="2"/>
-            <a:r>
-              <a:rPr lang="en-US" altLang="zh-CN" dirty="0"/>
-              <a:t>8</a:t>
-            </a:r>
-            <a:r>
-              <a:rPr lang="zh-CN" altLang="en-US" dirty="0"/>
-              <a:t>轮</a:t>
-            </a:r>
-            <a:r>
-              <a:rPr lang="en-US" altLang="zh-CN" dirty="0"/>
-              <a:t>&gt;31</a:t>
-            </a:r>
-          </a:p>
-          <a:p>
-            <a:pPr lvl="1"/>
-            <a:r>
-              <a:rPr lang="zh-CN" altLang="en-US" dirty="0"/>
-              <a:t>线性（</a:t>
-            </a:r>
-            <a:r>
-              <a:rPr lang="en-US" altLang="zh-CN" dirty="0"/>
-              <a:t>MILP</a:t>
-            </a:r>
-            <a:r>
-              <a:rPr lang="zh-CN" altLang="en-US" dirty="0"/>
-              <a:t>、</a:t>
-            </a:r>
-            <a:r>
-              <a:rPr lang="en-US" altLang="zh-CN" dirty="0"/>
-              <a:t>SAT</a:t>
-            </a:r>
-            <a:r>
-              <a:rPr lang="zh-CN" altLang="en-US" dirty="0"/>
-              <a:t>）</a:t>
+            <a:r>
+              <a:rPr lang="en-US" altLang="zh-CN" dirty="0">
+                <a:hlinkClick r:id="rId3" action="ppaction://hlinkfile"/>
+              </a:rPr>
+              <a:t>Estimating the Probabilities of Low-Weight Differential and Linear Approximations on PRESENT-Like Ciphers</a:t>
             </a:r>
             <a:endParaRPr lang="en-US" altLang="zh-CN" dirty="0"/>
           </a:p>
           <a:p>
-            <a:pPr lvl="2"/>
-            <a:r>
-              <a:rPr lang="en-US" altLang="zh-CN" dirty="0"/>
-              <a:t>8</a:t>
-            </a:r>
-            <a:r>
-              <a:rPr lang="zh-CN" altLang="en-US" dirty="0"/>
-              <a:t>轮</a:t>
-            </a:r>
-            <a:r>
-              <a:rPr lang="en-US" altLang="zh-CN" dirty="0"/>
-              <a:t>17</a:t>
-            </a:r>
-          </a:p>
-          <a:p>
-            <a:pPr lvl="1"/>
-            <a:r>
-              <a:rPr lang="zh-CN" altLang="en-US" dirty="0"/>
-              <a:t>不变子空间</a:t>
+            <a:r>
+              <a:rPr lang="en-US" altLang="zh-CN" dirty="0">
+                <a:hlinkClick r:id="rId4" action="ppaction://hlinkfile"/>
+              </a:rPr>
+              <a:t>SPONGENT: The Design Space of Lightweight Cryptographic Hashing</a:t>
             </a:r>
             <a:endParaRPr lang="en-US" altLang="zh-CN" dirty="0"/>
           </a:p>
           <a:p>
-            <a:pPr lvl="2"/>
-            <a:r>
-              <a:rPr lang="en-US" altLang="zh-CN" dirty="0"/>
-              <a:t>2</a:t>
-            </a:r>
-            <a:r>
-              <a:rPr lang="zh-CN" altLang="en-US" dirty="0"/>
-              <a:t>轮</a:t>
-            </a:r>
-            <a:r>
-              <a:rPr lang="en-US" altLang="zh-CN" dirty="0"/>
-              <a:t>59</a:t>
-            </a:r>
-            <a:r>
-              <a:rPr lang="zh-CN" altLang="en-US" dirty="0"/>
-              <a:t>维</a:t>
-            </a:r>
-            <a:endParaRPr lang="en-US" altLang="zh-CN" dirty="0"/>
-          </a:p>
-          <a:p>
-            <a:pPr lvl="1"/>
-            <a:r>
-              <a:rPr lang="zh-CN" altLang="en-US" dirty="0"/>
-              <a:t>非线性不变量</a:t>
-            </a:r>
-            <a:endParaRPr lang="en-US" altLang="zh-CN" dirty="0"/>
-          </a:p>
-          <a:p>
-            <a:pPr lvl="1"/>
-            <a:r>
-              <a:rPr lang="zh-CN" altLang="en-US" dirty="0"/>
-              <a:t>线性化</a:t>
-            </a:r>
+            <a:r>
+              <a:rPr lang="en-US" altLang="zh-CN" dirty="0">
+                <a:hlinkClick r:id="rId5" action="ppaction://hlinkfile"/>
+              </a:rPr>
+              <a:t>Spongent: A Lightweight Hash Function</a:t>
+            </a:r>
+            <a:endParaRPr lang="zh-CN" altLang="en-US" dirty="0"/>
           </a:p>
         </p:txBody>
       </p:sp>
     </p:spTree>
     <p:extLst>
       <p:ext uri="{BB962C8B-B14F-4D97-AF65-F5344CB8AC3E}">
-        <p14:creationId xmlns:p14="http://schemas.microsoft.com/office/powerpoint/2010/main" val="4224512122"/>
+        <p14:creationId xmlns:p14="http://schemas.microsoft.com/office/powerpoint/2010/main" val="1070721868"/>
       </p:ext>
     </p:extLst>
   </p:cSld>
@@ -9584,7 +9616,7 @@
           <p:cNvPr id="2" name="标题 1">
             <a:extLst>
               <a:ext uri="{FF2B5EF4-FFF2-40B4-BE49-F238E27FC236}">
-                <a16:creationId xmlns:a16="http://schemas.microsoft.com/office/drawing/2014/main" id="{4AE030FE-AB15-48FB-86A6-A8E44130F496}"/>
+                <a16:creationId xmlns:a16="http://schemas.microsoft.com/office/drawing/2014/main" id="{80AFE717-9D4E-45E4-85C7-B6CB345F5333}"/>
               </a:ext>
             </a:extLst>
           </p:cNvPr>
@@ -9601,8 +9633,8 @@
           <a:lstStyle/>
           <a:p>
             <a:r>
-              <a:rPr lang="en-US" altLang="zh-CN" dirty="0" err="1"/>
-              <a:t>TinyJambu</a:t>
+              <a:rPr lang="en-US" altLang="zh-CN" dirty="0"/>
+              <a:t>Spongent</a:t>
             </a:r>
             <a:endParaRPr lang="zh-CN" altLang="en-US" dirty="0"/>
           </a:p>
@@ -9613,7 +9645,7 @@
           <p:cNvPr id="3" name="内容占位符 2">
             <a:extLst>
               <a:ext uri="{FF2B5EF4-FFF2-40B4-BE49-F238E27FC236}">
-                <a16:creationId xmlns:a16="http://schemas.microsoft.com/office/drawing/2014/main" id="{CC81C618-1C6E-4D00-A4D7-F779843AEC78}"/>
+                <a16:creationId xmlns:a16="http://schemas.microsoft.com/office/drawing/2014/main" id="{41806A8E-9D3F-4C31-B61A-3498EDDDCCE3}"/>
               </a:ext>
             </a:extLst>
           </p:cNvPr>
@@ -9631,25 +9663,78 @@
           <a:p>
             <a:r>
               <a:rPr lang="zh-CN" altLang="en-US" dirty="0"/>
-              <a:t>差分</a:t>
+              <a:t>可分性，不超过</a:t>
+            </a:r>
+            <a:r>
+              <a:rPr lang="en-US" altLang="zh-CN" dirty="0"/>
+              <a:t>12</a:t>
+            </a:r>
+            <a:r>
+              <a:rPr lang="zh-CN" altLang="en-US" dirty="0"/>
+              <a:t>轮</a:t>
             </a:r>
             <a:endParaRPr lang="en-US" altLang="zh-CN" dirty="0"/>
           </a:p>
           <a:p>
+            <a:pPr lvl="1"/>
+            <a:r>
+              <a:rPr lang="en-US" altLang="zh-CN" dirty="0">
+                <a:hlinkClick r:id="rId2" action="ppaction://hlinkfile"/>
+              </a:rPr>
+              <a:t>MILP-aided bit-based division property for primitives with non-bit-permutation linear layers</a:t>
+            </a:r>
+            <a:endParaRPr lang="en-US" altLang="zh-CN" dirty="0"/>
+          </a:p>
+          <a:p>
+            <a:pPr lvl="1"/>
+            <a:r>
+              <a:rPr lang="en-US" altLang="zh-CN" dirty="0">
+                <a:hlinkClick r:id="rId3" action="ppaction://hlinkfile"/>
+              </a:rPr>
+              <a:t>MILP-Aided Bit-Based Division Property for Primitives with Non-Bit-Permutation Linear Layers</a:t>
+            </a:r>
+            <a:endParaRPr lang="en-US" altLang="zh-CN" dirty="0"/>
+          </a:p>
+          <a:p>
+            <a:pPr lvl="1"/>
+            <a:r>
+              <a:rPr lang="en-US" altLang="zh-CN" dirty="0">
+                <a:hlinkClick r:id="rId4" action="ppaction://hlinkfile"/>
+              </a:rPr>
+              <a:t>Finding Integral Distinguishers with Ease</a:t>
+            </a:r>
+            <a:endParaRPr lang="en-US" altLang="zh-CN" dirty="0"/>
+          </a:p>
+          <a:p>
             <a:r>
               <a:rPr lang="zh-CN" altLang="en-US" dirty="0"/>
-              <a:t>线性</a:t>
+              <a:t>零和，</a:t>
+            </a:r>
+            <a:r>
+              <a:rPr lang="en-US" altLang="zh-CN" dirty="0"/>
+              <a:t>21</a:t>
+            </a:r>
+            <a:r>
+              <a:rPr lang="zh-CN" altLang="en-US" dirty="0"/>
+              <a:t>轮</a:t>
             </a:r>
             <a:endParaRPr lang="en-US" altLang="zh-CN" dirty="0"/>
           </a:p>
           <a:p>
             <a:r>
               <a:rPr lang="zh-CN" altLang="en-US" dirty="0"/>
-              <a:t>代数</a:t>
-            </a:r>
-            <a:endParaRPr lang="en-US" altLang="zh-CN"/>
-          </a:p>
-          <a:p>
+              <a:t>零相关，推出一个积分区分器</a:t>
+            </a:r>
+            <a:endParaRPr lang="en-US" altLang="zh-CN" dirty="0"/>
+          </a:p>
+          <a:p>
+            <a:pPr lvl="1"/>
+            <a:r>
+              <a:rPr lang="en-US" altLang="zh-CN" dirty="0">
+                <a:hlinkClick r:id="rId5" action="ppaction://hlinkfile"/>
+              </a:rPr>
+              <a:t>Links Among Impossible Differential, Integral and Zero Correlation Linear Cryptanalysis</a:t>
+            </a:r>
             <a:endParaRPr lang="zh-CN" altLang="en-US" dirty="0"/>
           </a:p>
         </p:txBody>
@@ -9657,7 +9742,7 @@
     </p:spTree>
     <p:extLst>
       <p:ext uri="{BB962C8B-B14F-4D97-AF65-F5344CB8AC3E}">
-        <p14:creationId xmlns:p14="http://schemas.microsoft.com/office/powerpoint/2010/main" val="1632390465"/>
+        <p14:creationId xmlns:p14="http://schemas.microsoft.com/office/powerpoint/2010/main" val="881372493"/>
       </p:ext>
     </p:extLst>
   </p:cSld>
@@ -9689,7 +9774,7 @@
           <p:cNvPr id="2" name="标题 1">
             <a:extLst>
               <a:ext uri="{FF2B5EF4-FFF2-40B4-BE49-F238E27FC236}">
-                <a16:creationId xmlns:a16="http://schemas.microsoft.com/office/drawing/2014/main" id="{25FB7F1F-F198-4EE7-BBBC-84EF2EF00C03}"/>
+                <a16:creationId xmlns:a16="http://schemas.microsoft.com/office/drawing/2014/main" id="{731C8960-3197-4A6E-BD85-2F295ACB53A8}"/>
               </a:ext>
             </a:extLst>
           </p:cNvPr>
@@ -9706,8 +9791,8 @@
           <a:lstStyle/>
           <a:p>
             <a:r>
-              <a:rPr lang="en-US" altLang="zh-CN" dirty="0" err="1"/>
-              <a:t>Xoodyak</a:t>
+              <a:rPr lang="en-US" altLang="zh-CN" dirty="0"/>
+              <a:t>Spongent</a:t>
             </a:r>
             <a:endParaRPr lang="zh-CN" altLang="en-US" dirty="0"/>
           </a:p>
@@ -9718,7 +9803,7 @@
           <p:cNvPr id="3" name="内容占位符 2">
             <a:extLst>
               <a:ext uri="{FF2B5EF4-FFF2-40B4-BE49-F238E27FC236}">
-                <a16:creationId xmlns:a16="http://schemas.microsoft.com/office/drawing/2014/main" id="{A46A9342-E928-42D4-B948-E49E489331A4}"/>
+                <a16:creationId xmlns:a16="http://schemas.microsoft.com/office/drawing/2014/main" id="{B5E96B3F-30D5-44B5-9023-F6A367A198A9}"/>
               </a:ext>
             </a:extLst>
           </p:cNvPr>
@@ -9734,20 +9819,30 @@
           <a:bodyPr/>
           <a:lstStyle/>
           <a:p>
-            <a:endParaRPr lang="zh-CN" altLang="en-US"/>
+            <a:r>
+              <a:rPr lang="en-US" altLang="zh-CN" dirty="0"/>
+              <a:t>Rebound</a:t>
+            </a:r>
           </a:p>
         </p:txBody>
       </p:sp>
     </p:spTree>
     <p:extLst>
       <p:ext uri="{BB962C8B-B14F-4D97-AF65-F5344CB8AC3E}">
-        <p14:creationId xmlns:p14="http://schemas.microsoft.com/office/powerpoint/2010/main" val="2262811114"/>
+        <p14:creationId xmlns:p14="http://schemas.microsoft.com/office/powerpoint/2010/main" val="669571950"/>
       </p:ext>
     </p:extLst>
   </p:cSld>
   <p:clrMapOvr>
     <a:masterClrMapping/>
   </p:clrMapOvr>
+  <p:timing>
+    <p:tnLst>
+      <p:par>
+        <p:cTn id="1" dur="indefinite" restart="never" nodeType="tmRoot"/>
+      </p:par>
+    </p:tnLst>
+  </p:timing>
 </p:sld>
 </file>
 
@@ -9773,7 +9868,7 @@
           <p:cNvPr id="2" name="标题 1">
             <a:extLst>
               <a:ext uri="{FF2B5EF4-FFF2-40B4-BE49-F238E27FC236}">
-                <a16:creationId xmlns:a16="http://schemas.microsoft.com/office/drawing/2014/main" id="{C1ED0FA1-6D31-44BA-883A-302DA015AB12}"/>
+                <a16:creationId xmlns:a16="http://schemas.microsoft.com/office/drawing/2014/main" id="{CF3AF036-3634-4C4A-9118-0C2CB0D5753B}"/>
               </a:ext>
             </a:extLst>
           </p:cNvPr>
@@ -9790,8 +9885,8 @@
           <a:lstStyle/>
           <a:p>
             <a:r>
-              <a:rPr lang="en-US" altLang="zh-CN" dirty="0"/>
-              <a:t>Grain</a:t>
+              <a:rPr lang="en-US" altLang="zh-CN" dirty="0" smtClean="0"/>
+              <a:t>PHOTON-256</a:t>
             </a:r>
             <a:endParaRPr lang="zh-CN" altLang="en-US" dirty="0"/>
           </a:p>
@@ -9802,7 +9897,7 @@
           <p:cNvPr id="3" name="内容占位符 2">
             <a:extLst>
               <a:ext uri="{FF2B5EF4-FFF2-40B4-BE49-F238E27FC236}">
-                <a16:creationId xmlns:a16="http://schemas.microsoft.com/office/drawing/2014/main" id="{315BEBE9-11E8-42E1-8EE0-EDEB96C48316}"/>
+                <a16:creationId xmlns:a16="http://schemas.microsoft.com/office/drawing/2014/main" id="{9698322E-A1B9-4A0F-9FF4-66705660CAD6}"/>
               </a:ext>
             </a:extLst>
           </p:cNvPr>
@@ -9818,20 +9913,537 @@
           <a:bodyPr/>
           <a:lstStyle/>
           <a:p>
-            <a:endParaRPr lang="zh-CN" altLang="en-US"/>
+            <a:r>
+              <a:rPr lang="en-US" altLang="zh-CN" dirty="0" smtClean="0"/>
+              <a:t>PHOTON specification</a:t>
+            </a:r>
+          </a:p>
+          <a:p>
+            <a:pPr lvl="1"/>
+            <a:r>
+              <a:rPr lang="en-US" altLang="zh-CN" dirty="0">
+                <a:hlinkClick r:id="rId2" action="ppaction://hlinkfile"/>
+              </a:rPr>
+              <a:t>The PHOTON family of lightweight hash functions</a:t>
+            </a:r>
+            <a:endParaRPr lang="en-US" altLang="zh-CN" dirty="0" smtClean="0"/>
+          </a:p>
+          <a:p>
+            <a:r>
+              <a:rPr lang="en-US" altLang="zh-CN" dirty="0" smtClean="0"/>
+              <a:t>Rebound-like</a:t>
+            </a:r>
+            <a:endParaRPr lang="en-US" altLang="zh-CN" dirty="0" smtClean="0"/>
+          </a:p>
+          <a:p>
+            <a:pPr lvl="1"/>
+            <a:r>
+              <a:rPr lang="en-US" altLang="zh-CN" dirty="0">
+                <a:hlinkClick r:id="rId3" action="ppaction://hlinkfile"/>
+              </a:rPr>
+              <a:t>Improved rebound attack on the finalist </a:t>
+            </a:r>
+            <a:r>
+              <a:rPr lang="en-US" altLang="zh-CN" dirty="0" err="1" smtClean="0">
+                <a:hlinkClick r:id="rId3" action="ppaction://hlinkfile"/>
+              </a:rPr>
+              <a:t>grøstl</a:t>
+            </a:r>
+            <a:endParaRPr lang="en-US" altLang="zh-CN" dirty="0"/>
+          </a:p>
+          <a:p>
+            <a:r>
+              <a:rPr lang="zh-CN" altLang="en-US" dirty="0"/>
+              <a:t>统计</a:t>
+            </a:r>
+            <a:r>
+              <a:rPr lang="zh-CN" altLang="en-US" dirty="0" smtClean="0"/>
+              <a:t>积分</a:t>
+            </a:r>
+            <a:endParaRPr lang="en-US" altLang="zh-CN" dirty="0" smtClean="0"/>
+          </a:p>
+          <a:p>
+            <a:pPr lvl="1"/>
+            <a:r>
+              <a:rPr lang="en-US" altLang="zh-CN" dirty="0">
+                <a:hlinkClick r:id="rId4" action="ppaction://hlinkfile"/>
+              </a:rPr>
+              <a:t>Statistical integral distinguisher with multi-structure and its application on </a:t>
+            </a:r>
+            <a:r>
+              <a:rPr lang="en-US" altLang="zh-CN" dirty="0" smtClean="0">
+                <a:hlinkClick r:id="rId4" action="ppaction://hlinkfile"/>
+              </a:rPr>
+              <a:t>AES</a:t>
+            </a:r>
+            <a:endParaRPr lang="en-US" altLang="zh-CN" dirty="0" smtClean="0"/>
+          </a:p>
+          <a:p>
+            <a:r>
+              <a:rPr lang="zh-CN" altLang="en-US" dirty="0" smtClean="0"/>
+              <a:t>零</a:t>
+            </a:r>
+            <a:r>
+              <a:rPr lang="zh-CN" altLang="en-US" dirty="0"/>
+              <a:t>和</a:t>
+            </a:r>
+            <a:r>
+              <a:rPr lang="zh-CN" altLang="en-US" dirty="0" smtClean="0"/>
+              <a:t>划分</a:t>
+            </a:r>
+            <a:endParaRPr lang="en-US" altLang="zh-CN" dirty="0" smtClean="0"/>
+          </a:p>
+          <a:p>
+            <a:pPr lvl="1"/>
+            <a:r>
+              <a:rPr lang="en-US" altLang="zh-CN" dirty="0">
+                <a:hlinkClick r:id="rId5" action="ppaction://hlinkfile"/>
+              </a:rPr>
+              <a:t>Zero-sum partitions of PHOTON permutations</a:t>
+            </a:r>
+            <a:endParaRPr lang="zh-CN" altLang="en-US" dirty="0"/>
+          </a:p>
+          <a:p>
+            <a:pPr lvl="1"/>
+            <a:endParaRPr lang="zh-CN" altLang="en-US" dirty="0"/>
           </a:p>
         </p:txBody>
       </p:sp>
     </p:spTree>
     <p:extLst>
       <p:ext uri="{BB962C8B-B14F-4D97-AF65-F5344CB8AC3E}">
-        <p14:creationId xmlns:p14="http://schemas.microsoft.com/office/powerpoint/2010/main" val="3769154151"/>
+        <p14:creationId xmlns:p14="http://schemas.microsoft.com/office/powerpoint/2010/main" val="978310980"/>
       </p:ext>
     </p:extLst>
   </p:cSld>
   <p:clrMapOvr>
     <a:masterClrMapping/>
   </p:clrMapOvr>
+  <p:timing>
+    <p:tnLst>
+      <p:par>
+        <p:cTn id="1" dur="indefinite" restart="never" nodeType="tmRoot"/>
+      </p:par>
+    </p:tnLst>
+  </p:timing>
+</p:sld>
+</file>
+
+<file path=ppt/slides/slide47.xml><?xml version="1.0" encoding="utf-8"?>
+<p:sld xmlns:a="http://schemas.openxmlformats.org/drawingml/2006/main" xmlns:r="http://schemas.openxmlformats.org/officeDocument/2006/relationships" xmlns:p="http://schemas.openxmlformats.org/presentationml/2006/main">
+  <p:cSld>
+    <p:spTree>
+      <p:nvGrpSpPr>
+        <p:cNvPr id="1" name=""/>
+        <p:cNvGrpSpPr/>
+        <p:nvPr/>
+      </p:nvGrpSpPr>
+      <p:grpSpPr>
+        <a:xfrm>
+          <a:off x="0" y="0"/>
+          <a:ext cx="0" cy="0"/>
+          <a:chOff x="0" y="0"/>
+          <a:chExt cx="0" cy="0"/>
+        </a:xfrm>
+      </p:grpSpPr>
+      <p:sp>
+        <p:nvSpPr>
+          <p:cNvPr id="2" name="标题 1">
+            <a:extLst>
+              <a:ext uri="{FF2B5EF4-FFF2-40B4-BE49-F238E27FC236}">
+                <a16:creationId xmlns:a16="http://schemas.microsoft.com/office/drawing/2014/main" id="{789680CE-245D-4534-B443-4D08DE766002}"/>
+              </a:ext>
+            </a:extLst>
+          </p:cNvPr>
+          <p:cNvSpPr>
+            <a:spLocks noGrp="1"/>
+          </p:cNvSpPr>
+          <p:nvPr>
+            <p:ph type="title"/>
+          </p:nvPr>
+        </p:nvSpPr>
+        <p:spPr/>
+        <p:txBody>
+          <a:bodyPr/>
+          <a:lstStyle/>
+          <a:p>
+            <a:r>
+              <a:rPr lang="en-US" altLang="zh-CN" dirty="0"/>
+              <a:t>PHOTON-256</a:t>
+            </a:r>
+            <a:endParaRPr lang="zh-CN" altLang="en-US" dirty="0"/>
+          </a:p>
+        </p:txBody>
+      </p:sp>
+      <p:sp>
+        <p:nvSpPr>
+          <p:cNvPr id="3" name="内容占位符 2">
+            <a:extLst>
+              <a:ext uri="{FF2B5EF4-FFF2-40B4-BE49-F238E27FC236}">
+                <a16:creationId xmlns:a16="http://schemas.microsoft.com/office/drawing/2014/main" id="{0C5F61D7-DD6B-4A50-97D7-265AB639CB08}"/>
+              </a:ext>
+            </a:extLst>
+          </p:cNvPr>
+          <p:cNvSpPr>
+            <a:spLocks noGrp="1"/>
+          </p:cNvSpPr>
+          <p:nvPr>
+            <p:ph idx="1"/>
+          </p:nvPr>
+        </p:nvSpPr>
+        <p:spPr/>
+        <p:txBody>
+          <a:bodyPr/>
+          <a:lstStyle/>
+          <a:p>
+            <a:r>
+              <a:rPr lang="en-US" altLang="zh-CN" dirty="0" smtClean="0">
+                <a:hlinkClick r:id="rId2" action="ppaction://hlinkfile"/>
+              </a:rPr>
+              <a:t>Multiple </a:t>
+            </a:r>
+            <a:r>
+              <a:rPr lang="en-US" altLang="zh-CN" dirty="0">
+                <a:hlinkClick r:id="rId2" action="ppaction://hlinkfile"/>
+              </a:rPr>
+              <a:t>limited-birthday distinguishers and </a:t>
+            </a:r>
+            <a:r>
+              <a:rPr lang="en-US" altLang="zh-CN" dirty="0" smtClean="0">
+                <a:hlinkClick r:id="rId2" action="ppaction://hlinkfile"/>
+              </a:rPr>
+              <a:t>applications</a:t>
+            </a:r>
+            <a:endParaRPr lang="en-US" altLang="zh-CN" dirty="0"/>
+          </a:p>
+        </p:txBody>
+      </p:sp>
+    </p:spTree>
+    <p:extLst>
+      <p:ext uri="{BB962C8B-B14F-4D97-AF65-F5344CB8AC3E}">
+        <p14:creationId xmlns:p14="http://schemas.microsoft.com/office/powerpoint/2010/main" val="3202466577"/>
+      </p:ext>
+    </p:extLst>
+  </p:cSld>
+  <p:clrMapOvr>
+    <a:masterClrMapping/>
+  </p:clrMapOvr>
+  <p:timing>
+    <p:tnLst>
+      <p:par>
+        <p:cTn id="1" dur="indefinite" restart="never" nodeType="tmRoot"/>
+      </p:par>
+    </p:tnLst>
+  </p:timing>
+</p:sld>
+</file>
+
+<file path=ppt/slides/slide48.xml><?xml version="1.0" encoding="utf-8"?>
+<p:sld xmlns:a="http://schemas.openxmlformats.org/drawingml/2006/main" xmlns:r="http://schemas.openxmlformats.org/officeDocument/2006/relationships" xmlns:p="http://schemas.openxmlformats.org/presentationml/2006/main">
+  <p:cSld>
+    <p:spTree>
+      <p:nvGrpSpPr>
+        <p:cNvPr id="1" name=""/>
+        <p:cNvGrpSpPr/>
+        <p:nvPr/>
+      </p:nvGrpSpPr>
+      <p:grpSpPr>
+        <a:xfrm>
+          <a:off x="0" y="0"/>
+          <a:ext cx="0" cy="0"/>
+          <a:chOff x="0" y="0"/>
+          <a:chExt cx="0" cy="0"/>
+        </a:xfrm>
+      </p:grpSpPr>
+      <p:sp>
+        <p:nvSpPr>
+          <p:cNvPr id="2" name="标题 1">
+            <a:extLst>
+              <a:ext uri="{FF2B5EF4-FFF2-40B4-BE49-F238E27FC236}">
+                <a16:creationId xmlns:a16="http://schemas.microsoft.com/office/drawing/2014/main" id="{91CF84CC-07C0-4AF0-B807-EF38A735E063}"/>
+              </a:ext>
+            </a:extLst>
+          </p:cNvPr>
+          <p:cNvSpPr>
+            <a:spLocks noGrp="1"/>
+          </p:cNvSpPr>
+          <p:nvPr>
+            <p:ph type="title"/>
+          </p:nvPr>
+        </p:nvSpPr>
+        <p:spPr/>
+        <p:txBody>
+          <a:bodyPr/>
+          <a:lstStyle/>
+          <a:p>
+            <a:r>
+              <a:rPr lang="en-US" altLang="zh-CN" dirty="0"/>
+              <a:t>GIFT-128</a:t>
+            </a:r>
+            <a:endParaRPr lang="zh-CN" altLang="en-US" dirty="0"/>
+          </a:p>
+        </p:txBody>
+      </p:sp>
+      <p:sp>
+        <p:nvSpPr>
+          <p:cNvPr id="3" name="内容占位符 2">
+            <a:extLst>
+              <a:ext uri="{FF2B5EF4-FFF2-40B4-BE49-F238E27FC236}">
+                <a16:creationId xmlns:a16="http://schemas.microsoft.com/office/drawing/2014/main" id="{3CCED691-DB77-4FE0-ADE2-0E71197F3FAD}"/>
+              </a:ext>
+            </a:extLst>
+          </p:cNvPr>
+          <p:cNvSpPr>
+            <a:spLocks noGrp="1"/>
+          </p:cNvSpPr>
+          <p:nvPr>
+            <p:ph idx="1"/>
+          </p:nvPr>
+        </p:nvSpPr>
+        <p:spPr/>
+        <p:txBody>
+          <a:bodyPr/>
+          <a:lstStyle/>
+          <a:p>
+            <a:r>
+              <a:rPr lang="zh-CN" altLang="en-US" dirty="0"/>
+              <a:t>差分</a:t>
+            </a:r>
+            <a:endParaRPr lang="en-US" altLang="zh-CN" dirty="0"/>
+          </a:p>
+          <a:p>
+            <a:pPr lvl="1"/>
+            <a:r>
+              <a:rPr lang="en-US" altLang="zh-CN" dirty="0"/>
+              <a:t>18</a:t>
+            </a:r>
+            <a:r>
+              <a:rPr lang="zh-CN" altLang="en-US" dirty="0"/>
+              <a:t>轮，</a:t>
+            </a:r>
+            <a:r>
+              <a:rPr lang="en-US" altLang="zh-CN" dirty="0"/>
+              <a:t>109</a:t>
+            </a:r>
+            <a:r>
+              <a:rPr lang="zh-CN" altLang="en-US" dirty="0"/>
+              <a:t>，</a:t>
+            </a:r>
+            <a:r>
+              <a:rPr lang="en-US" altLang="zh-CN" dirty="0"/>
+              <a:t>23</a:t>
+            </a:r>
+            <a:r>
+              <a:rPr lang="zh-CN" altLang="en-US" dirty="0"/>
+              <a:t>轮恢复密钥</a:t>
+            </a:r>
+            <a:endParaRPr lang="en-US" altLang="zh-CN" dirty="0"/>
+          </a:p>
+          <a:p>
+            <a:pPr lvl="1"/>
+            <a:r>
+              <a:rPr lang="en-US" altLang="zh-CN" dirty="0">
+                <a:hlinkClick r:id="rId2" action="ppaction://hlinkfile"/>
+              </a:rPr>
+              <a:t>MILP-based Differential Attack on Round-reduced GIFT</a:t>
+            </a:r>
+            <a:endParaRPr lang="en-US" altLang="zh-CN" dirty="0"/>
+          </a:p>
+          <a:p>
+            <a:r>
+              <a:rPr lang="zh-CN" altLang="en-US" dirty="0"/>
+              <a:t>线性</a:t>
+            </a:r>
+            <a:endParaRPr lang="en-US" altLang="zh-CN" dirty="0"/>
+          </a:p>
+          <a:p>
+            <a:pPr lvl="1"/>
+            <a:r>
+              <a:rPr lang="en-US" altLang="zh-CN" dirty="0"/>
+              <a:t>9</a:t>
+            </a:r>
+            <a:r>
+              <a:rPr lang="zh-CN" altLang="en-US" dirty="0"/>
+              <a:t>轮，</a:t>
+            </a:r>
+            <a:r>
+              <a:rPr lang="en-US" altLang="zh-CN" dirty="0"/>
+              <a:t>45.99</a:t>
+            </a:r>
+            <a:r>
+              <a:rPr lang="zh-CN" altLang="en-US" dirty="0"/>
+              <a:t>（聚集）</a:t>
+            </a:r>
+            <a:endParaRPr lang="en-US" altLang="zh-CN" dirty="0"/>
+          </a:p>
+          <a:p>
+            <a:r>
+              <a:rPr lang="zh-CN" altLang="en-US" dirty="0"/>
+              <a:t>积分</a:t>
+            </a:r>
+            <a:endParaRPr lang="en-US" altLang="zh-CN" dirty="0"/>
+          </a:p>
+          <a:p>
+            <a:pPr lvl="1"/>
+            <a:r>
+              <a:rPr lang="en-US" altLang="zh-CN" dirty="0"/>
+              <a:t>11</a:t>
+            </a:r>
+            <a:r>
+              <a:rPr lang="zh-CN" altLang="en-US" dirty="0"/>
+              <a:t>轮</a:t>
+            </a:r>
+            <a:endParaRPr lang="en-US" altLang="zh-CN" dirty="0"/>
+          </a:p>
+        </p:txBody>
+      </p:sp>
+    </p:spTree>
+    <p:extLst>
+      <p:ext uri="{BB962C8B-B14F-4D97-AF65-F5344CB8AC3E}">
+        <p14:creationId xmlns:p14="http://schemas.microsoft.com/office/powerpoint/2010/main" val="2147273"/>
+      </p:ext>
+    </p:extLst>
+  </p:cSld>
+  <p:clrMapOvr>
+    <a:masterClrMapping/>
+  </p:clrMapOvr>
+  <p:timing>
+    <p:tnLst>
+      <p:par>
+        <p:cTn id="1" dur="indefinite" restart="never" nodeType="tmRoot"/>
+      </p:par>
+    </p:tnLst>
+  </p:timing>
+</p:sld>
+</file>
+
+<file path=ppt/slides/slide49.xml><?xml version="1.0" encoding="utf-8"?>
+<p:sld xmlns:a="http://schemas.openxmlformats.org/drawingml/2006/main" xmlns:r="http://schemas.openxmlformats.org/officeDocument/2006/relationships" xmlns:p="http://schemas.openxmlformats.org/presentationml/2006/main">
+  <p:cSld>
+    <p:spTree>
+      <p:nvGrpSpPr>
+        <p:cNvPr id="1" name=""/>
+        <p:cNvGrpSpPr/>
+        <p:nvPr/>
+      </p:nvGrpSpPr>
+      <p:grpSpPr>
+        <a:xfrm>
+          <a:off x="0" y="0"/>
+          <a:ext cx="0" cy="0"/>
+          <a:chOff x="0" y="0"/>
+          <a:chExt cx="0" cy="0"/>
+        </a:xfrm>
+      </p:grpSpPr>
+      <p:sp>
+        <p:nvSpPr>
+          <p:cNvPr id="2" name="标题 1">
+            <a:extLst>
+              <a:ext uri="{FF2B5EF4-FFF2-40B4-BE49-F238E27FC236}">
+                <a16:creationId xmlns:a16="http://schemas.microsoft.com/office/drawing/2014/main" id="{21F688EE-60F0-4B57-A4C1-5A84DC44634B}"/>
+              </a:ext>
+            </a:extLst>
+          </p:cNvPr>
+          <p:cNvSpPr>
+            <a:spLocks noGrp="1"/>
+          </p:cNvSpPr>
+          <p:nvPr>
+            <p:ph type="title"/>
+          </p:nvPr>
+        </p:nvSpPr>
+        <p:spPr/>
+        <p:txBody>
+          <a:bodyPr/>
+          <a:lstStyle/>
+          <a:p>
+            <a:r>
+              <a:rPr lang="en-US" altLang="zh-CN" dirty="0"/>
+              <a:t>Skinny</a:t>
+            </a:r>
+            <a:endParaRPr lang="zh-CN" altLang="en-US" dirty="0"/>
+          </a:p>
+        </p:txBody>
+      </p:sp>
+      <p:sp>
+        <p:nvSpPr>
+          <p:cNvPr id="3" name="内容占位符 2">
+            <a:extLst>
+              <a:ext uri="{FF2B5EF4-FFF2-40B4-BE49-F238E27FC236}">
+                <a16:creationId xmlns:a16="http://schemas.microsoft.com/office/drawing/2014/main" id="{1D0A6422-A0B0-4E66-BDF7-EA922E0D07AB}"/>
+              </a:ext>
+            </a:extLst>
+          </p:cNvPr>
+          <p:cNvSpPr>
+            <a:spLocks noGrp="1"/>
+          </p:cNvSpPr>
+          <p:nvPr>
+            <p:ph idx="1"/>
+          </p:nvPr>
+        </p:nvSpPr>
+        <p:spPr/>
+        <p:txBody>
+          <a:bodyPr/>
+          <a:lstStyle/>
+          <a:p>
+            <a:r>
+              <a:rPr lang="en-US" altLang="zh-CN" dirty="0">
+                <a:hlinkClick r:id="rId2" action="ppaction://hlinkfile"/>
+              </a:rPr>
+              <a:t>The SKINNY Family of Block Ciphers and Its Low-Latency Variant MANTIS</a:t>
+            </a:r>
+            <a:endParaRPr lang="en-US" altLang="zh-CN" dirty="0"/>
+          </a:p>
+          <a:p>
+            <a:r>
+              <a:rPr lang="en-US" altLang="zh-CN" dirty="0">
+                <a:hlinkClick r:id="rId3" action="ppaction://hlinkfile"/>
+              </a:rPr>
+              <a:t>Security Analysis of SKINNY under Related-</a:t>
+            </a:r>
+            <a:r>
+              <a:rPr lang="en-US" altLang="zh-CN" dirty="0" err="1">
+                <a:hlinkClick r:id="rId3" action="ppaction://hlinkfile"/>
+              </a:rPr>
+              <a:t>Tweakey</a:t>
+            </a:r>
+            <a:r>
+              <a:rPr lang="en-US" altLang="zh-CN" dirty="0">
+                <a:hlinkClick r:id="rId3" action="ppaction://hlinkfile"/>
+              </a:rPr>
+              <a:t> Settings</a:t>
+            </a:r>
+            <a:endParaRPr lang="en-US" altLang="zh-CN" dirty="0"/>
+          </a:p>
+          <a:p>
+            <a:r>
+              <a:rPr lang="en-US" altLang="zh-CN" dirty="0">
+                <a:hlinkClick r:id="rId4" action="ppaction://hlinkfile"/>
+              </a:rPr>
+              <a:t>Cryptanalysis of Reduced round SKINNY Block Cipher</a:t>
+            </a:r>
+            <a:endParaRPr lang="zh-CN" altLang="en-US" dirty="0"/>
+          </a:p>
+          <a:p>
+            <a:endParaRPr lang="zh-CN" altLang="en-US" dirty="0"/>
+          </a:p>
+        </p:txBody>
+      </p:sp>
+    </p:spTree>
+    <p:extLst>
+      <p:ext uri="{BB962C8B-B14F-4D97-AF65-F5344CB8AC3E}">
+        <p14:creationId xmlns:p14="http://schemas.microsoft.com/office/powerpoint/2010/main" val="395245439"/>
+      </p:ext>
+    </p:extLst>
+  </p:cSld>
+  <p:clrMapOvr>
+    <a:masterClrMapping/>
+  </p:clrMapOvr>
+  <p:timing>
+    <p:tnLst>
+      <p:par>
+        <p:cTn id="1" dur="indefinite" restart="never" nodeType="tmRoot"/>
+      </p:par>
+    </p:tnLst>
+  </p:timing>
 </p:sld>
 </file>
 
@@ -9854,10 +10466,215 @@
       </p:grpSpPr>
       <p:sp>
         <p:nvSpPr>
+          <p:cNvPr id="2" name="标题 1"/>
+          <p:cNvSpPr>
+            <a:spLocks noGrp="1"/>
+          </p:cNvSpPr>
+          <p:nvPr>
+            <p:ph type="title"/>
+          </p:nvPr>
+        </p:nvSpPr>
+        <p:spPr/>
+        <p:txBody>
+          <a:bodyPr/>
+          <a:lstStyle/>
+          <a:p>
+            <a:endParaRPr lang="zh-CN" altLang="en-US"/>
+          </a:p>
+        </p:txBody>
+      </p:sp>
+      <p:sp>
+        <p:nvSpPr>
+          <p:cNvPr id="3" name="内容占位符 2"/>
+          <p:cNvSpPr>
+            <a:spLocks noGrp="1"/>
+          </p:cNvSpPr>
+          <p:nvPr>
+            <p:ph idx="1"/>
+          </p:nvPr>
+        </p:nvSpPr>
+        <p:spPr/>
+        <p:txBody>
+          <a:bodyPr>
+            <a:normAutofit lnSpcReduction="10000"/>
+          </a:bodyPr>
+          <a:lstStyle/>
+          <a:p>
+            <a:r>
+              <a:rPr lang="en-US" altLang="zh-CN" dirty="0" smtClean="0"/>
+              <a:t>Rebound</a:t>
+            </a:r>
+          </a:p>
+          <a:p>
+            <a:pPr lvl="1"/>
+            <a:r>
+              <a:rPr lang="en-US" altLang="zh-CN" dirty="0"/>
+              <a:t>The Rebound Attack: Cryptanalysis of Reduced Whirlpool and </a:t>
+            </a:r>
+            <a:r>
+              <a:rPr lang="en-US" altLang="zh-CN" dirty="0" err="1" smtClean="0"/>
+              <a:t>Grøstl</a:t>
+            </a:r>
+            <a:endParaRPr lang="en-US" altLang="zh-CN" dirty="0" smtClean="0"/>
+          </a:p>
+          <a:p>
+            <a:r>
+              <a:rPr lang="en-US" altLang="zh-CN" dirty="0" smtClean="0"/>
+              <a:t>Super-</a:t>
+            </a:r>
+            <a:r>
+              <a:rPr lang="en-US" altLang="zh-CN" dirty="0" err="1" smtClean="0"/>
+              <a:t>Sbox</a:t>
+            </a:r>
+            <a:endParaRPr lang="en-US" altLang="zh-CN" dirty="0" smtClean="0"/>
+          </a:p>
+          <a:p>
+            <a:pPr lvl="1"/>
+            <a:r>
+              <a:rPr lang="en-US" altLang="zh-CN" dirty="0" smtClean="0">
+                <a:hlinkClick r:id="rId2" action="ppaction://hlinkfile"/>
+              </a:rPr>
+              <a:t>Super-</a:t>
+            </a:r>
+            <a:r>
+              <a:rPr lang="en-US" altLang="zh-CN" dirty="0" err="1" smtClean="0">
+                <a:hlinkClick r:id="rId2" action="ppaction://hlinkfile"/>
+              </a:rPr>
+              <a:t>Sbox</a:t>
+            </a:r>
+            <a:r>
+              <a:rPr lang="en-US" altLang="zh-CN" dirty="0" smtClean="0">
+                <a:hlinkClick r:id="rId2" action="ppaction://hlinkfile"/>
+              </a:rPr>
+              <a:t> </a:t>
+            </a:r>
+            <a:r>
+              <a:rPr lang="en-US" altLang="zh-CN" dirty="0">
+                <a:hlinkClick r:id="rId2" action="ppaction://hlinkfile"/>
+              </a:rPr>
+              <a:t>Cryptanalysis: Improved Attacks for AES-Like </a:t>
+            </a:r>
+            <a:r>
+              <a:rPr lang="en-US" altLang="zh-CN" dirty="0" smtClean="0">
+                <a:hlinkClick r:id="rId2" action="ppaction://hlinkfile"/>
+              </a:rPr>
+              <a:t>Permutations</a:t>
+            </a:r>
+            <a:endParaRPr lang="en-US" altLang="zh-CN" dirty="0" smtClean="0"/>
+          </a:p>
+          <a:p>
+            <a:pPr lvl="1"/>
+            <a:r>
+              <a:rPr lang="en-US" altLang="zh-CN" dirty="0">
+                <a:hlinkClick r:id="rId3" action="ppaction://hlinkfile"/>
+              </a:rPr>
+              <a:t>Rebound Distinguishers: Results on the Full Whirlpool Compression </a:t>
+            </a:r>
+            <a:r>
+              <a:rPr lang="en-US" altLang="zh-CN" dirty="0" smtClean="0">
+                <a:hlinkClick r:id="rId3" action="ppaction://hlinkfile"/>
+              </a:rPr>
+              <a:t>Function</a:t>
+            </a:r>
+            <a:endParaRPr lang="en-US" altLang="zh-CN" dirty="0" smtClean="0"/>
+          </a:p>
+          <a:p>
+            <a:r>
+              <a:rPr lang="en-US" altLang="zh-CN" dirty="0" smtClean="0"/>
+              <a:t>Non-full active diff path</a:t>
+            </a:r>
+          </a:p>
+          <a:p>
+            <a:pPr lvl="1"/>
+            <a:r>
+              <a:rPr lang="en-US" altLang="zh-CN" dirty="0" smtClean="0"/>
+              <a:t>Non-full-active </a:t>
+            </a:r>
+            <a:r>
+              <a:rPr lang="en-US" altLang="zh-CN" dirty="0"/>
+              <a:t>Super-</a:t>
+            </a:r>
+            <a:r>
+              <a:rPr lang="en-US" altLang="zh-CN" dirty="0" err="1"/>
+              <a:t>Sbox</a:t>
+            </a:r>
+            <a:r>
+              <a:rPr lang="en-US" altLang="zh-CN" dirty="0"/>
+              <a:t> Analysis: Applications to ECHO and </a:t>
+            </a:r>
+            <a:r>
+              <a:rPr lang="en-US" altLang="zh-CN" dirty="0" err="1" smtClean="0"/>
+              <a:t>Grøstl</a:t>
+            </a:r>
+            <a:endParaRPr lang="en-US" altLang="zh-CN" dirty="0" smtClean="0"/>
+          </a:p>
+          <a:p>
+            <a:r>
+              <a:rPr lang="en-US" altLang="zh-CN" dirty="0" smtClean="0"/>
+              <a:t>Start-from-the-middle</a:t>
+            </a:r>
+          </a:p>
+          <a:p>
+            <a:pPr lvl="1"/>
+            <a:r>
+              <a:rPr lang="en-US" altLang="zh-CN" dirty="0"/>
+              <a:t>Improved Cryptanalysis of the Reduced </a:t>
+            </a:r>
+            <a:r>
+              <a:rPr lang="en-US" altLang="zh-CN" dirty="0" err="1"/>
+              <a:t>Grøstl</a:t>
+            </a:r>
+            <a:r>
+              <a:rPr lang="en-US" altLang="zh-CN" dirty="0"/>
+              <a:t> Compression Function, ECHO Permutation and AES Block Cipher</a:t>
+            </a:r>
+            <a:endParaRPr lang="en-US" altLang="zh-CN" dirty="0" smtClean="0"/>
+          </a:p>
+        </p:txBody>
+      </p:sp>
+    </p:spTree>
+    <p:extLst>
+      <p:ext uri="{BB962C8B-B14F-4D97-AF65-F5344CB8AC3E}">
+        <p14:creationId xmlns:p14="http://schemas.microsoft.com/office/powerpoint/2010/main" val="1457916549"/>
+      </p:ext>
+    </p:extLst>
+  </p:cSld>
+  <p:clrMapOvr>
+    <a:masterClrMapping/>
+  </p:clrMapOvr>
+  <p:timing>
+    <p:tnLst>
+      <p:par>
+        <p:cTn id="1" dur="indefinite" restart="never" nodeType="tmRoot"/>
+      </p:par>
+    </p:tnLst>
+  </p:timing>
+</p:sld>
+</file>
+
+<file path=ppt/slides/slide50.xml><?xml version="1.0" encoding="utf-8"?>
+<p:sld xmlns:a="http://schemas.openxmlformats.org/drawingml/2006/main" xmlns:r="http://schemas.openxmlformats.org/officeDocument/2006/relationships" xmlns:p="http://schemas.openxmlformats.org/presentationml/2006/main">
+  <p:cSld>
+    <p:spTree>
+      <p:nvGrpSpPr>
+        <p:cNvPr id="1" name=""/>
+        <p:cNvGrpSpPr/>
+        <p:nvPr/>
+      </p:nvGrpSpPr>
+      <p:grpSpPr>
+        <a:xfrm>
+          <a:off x="0" y="0"/>
+          <a:ext cx="0" cy="0"/>
+          <a:chOff x="0" y="0"/>
+          <a:chExt cx="0" cy="0"/>
+        </a:xfrm>
+      </p:grpSpPr>
+      <p:sp>
+        <p:nvSpPr>
           <p:cNvPr id="2" name="标题 1">
             <a:extLst>
               <a:ext uri="{FF2B5EF4-FFF2-40B4-BE49-F238E27FC236}">
-                <a16:creationId xmlns:a16="http://schemas.microsoft.com/office/drawing/2014/main" id="{5CA23C59-984A-47FE-B799-9D6A5E1B221C}"/>
+                <a16:creationId xmlns:a16="http://schemas.microsoft.com/office/drawing/2014/main" id="{77546A2C-0F20-4624-8C42-4E08716C206E}"/>
               </a:ext>
             </a:extLst>
           </p:cNvPr>
@@ -9875,7 +10692,7 @@
           <a:p>
             <a:r>
               <a:rPr lang="en-US" altLang="zh-CN" dirty="0"/>
-              <a:t>ISAP</a:t>
+              <a:t>SPARKLE</a:t>
             </a:r>
             <a:endParaRPr lang="zh-CN" altLang="en-US" dirty="0"/>
           </a:p>
@@ -9886,7 +10703,7 @@
           <p:cNvPr id="3" name="内容占位符 2">
             <a:extLst>
               <a:ext uri="{FF2B5EF4-FFF2-40B4-BE49-F238E27FC236}">
-                <a16:creationId xmlns:a16="http://schemas.microsoft.com/office/drawing/2014/main" id="{18200AA5-9611-451E-9693-B624C910CACE}"/>
+                <a16:creationId xmlns:a16="http://schemas.microsoft.com/office/drawing/2014/main" id="{214DCE90-3AC1-4A67-90C1-0B0E77BFC218}"/>
               </a:ext>
             </a:extLst>
           </p:cNvPr>
@@ -9903,23 +10720,425 @@
           <a:lstStyle/>
           <a:p>
             <a:r>
-              <a:rPr lang="en-US" altLang="zh-CN" dirty="0"/>
-              <a:t>Keccak-p</a:t>
-            </a:r>
-          </a:p>
-          <a:p>
-            <a:r>
-              <a:rPr lang="en-US" altLang="zh-CN" dirty="0"/>
-              <a:t>Ascon-p</a:t>
-            </a:r>
-            <a:endParaRPr lang="zh-CN" altLang="en-US" dirty="0"/>
+              <a:rPr lang="en-US" altLang="zh-CN" dirty="0" err="1"/>
+              <a:t>Alzette</a:t>
+            </a:r>
+            <a:endParaRPr lang="en-US" altLang="zh-CN" dirty="0"/>
+          </a:p>
+          <a:p>
+            <a:pPr lvl="1"/>
+            <a:r>
+              <a:rPr lang="zh-CN" altLang="en-US" dirty="0"/>
+              <a:t>差分（</a:t>
+            </a:r>
+            <a:r>
+              <a:rPr lang="en-US" altLang="zh-CN" dirty="0"/>
+              <a:t>Matsui</a:t>
+            </a:r>
+            <a:r>
+              <a:rPr lang="zh-CN" altLang="en-US" dirty="0"/>
+              <a:t>）</a:t>
+            </a:r>
+            <a:endParaRPr lang="en-US" altLang="zh-CN" dirty="0"/>
+          </a:p>
+          <a:p>
+            <a:pPr lvl="2"/>
+            <a:r>
+              <a:rPr lang="en-US" altLang="zh-CN" dirty="0"/>
+              <a:t>7</a:t>
+            </a:r>
+            <a:r>
+              <a:rPr lang="zh-CN" altLang="en-US" dirty="0"/>
+              <a:t>轮</a:t>
+            </a:r>
+            <a:r>
+              <a:rPr lang="en-US" altLang="zh-CN" dirty="0"/>
+              <a:t>26</a:t>
+            </a:r>
+          </a:p>
+          <a:p>
+            <a:pPr lvl="2"/>
+            <a:r>
+              <a:rPr lang="en-US" altLang="zh-CN" dirty="0"/>
+              <a:t>8</a:t>
+            </a:r>
+            <a:r>
+              <a:rPr lang="zh-CN" altLang="en-US" dirty="0"/>
+              <a:t>轮</a:t>
+            </a:r>
+            <a:r>
+              <a:rPr lang="en-US" altLang="zh-CN" dirty="0"/>
+              <a:t>&gt;31</a:t>
+            </a:r>
+          </a:p>
+          <a:p>
+            <a:pPr lvl="1"/>
+            <a:r>
+              <a:rPr lang="zh-CN" altLang="en-US" dirty="0"/>
+              <a:t>线性（</a:t>
+            </a:r>
+            <a:r>
+              <a:rPr lang="en-US" altLang="zh-CN" dirty="0"/>
+              <a:t>MILP</a:t>
+            </a:r>
+            <a:r>
+              <a:rPr lang="zh-CN" altLang="en-US" dirty="0"/>
+              <a:t>、</a:t>
+            </a:r>
+            <a:r>
+              <a:rPr lang="en-US" altLang="zh-CN" dirty="0"/>
+              <a:t>SAT</a:t>
+            </a:r>
+            <a:r>
+              <a:rPr lang="zh-CN" altLang="en-US" dirty="0"/>
+              <a:t>）</a:t>
+            </a:r>
+            <a:endParaRPr lang="en-US" altLang="zh-CN" dirty="0"/>
+          </a:p>
+          <a:p>
+            <a:pPr lvl="2"/>
+            <a:r>
+              <a:rPr lang="en-US" altLang="zh-CN" dirty="0"/>
+              <a:t>8</a:t>
+            </a:r>
+            <a:r>
+              <a:rPr lang="zh-CN" altLang="en-US" dirty="0"/>
+              <a:t>轮</a:t>
+            </a:r>
+            <a:r>
+              <a:rPr lang="en-US" altLang="zh-CN" dirty="0"/>
+              <a:t>17</a:t>
+            </a:r>
+          </a:p>
+          <a:p>
+            <a:pPr lvl="1"/>
+            <a:r>
+              <a:rPr lang="zh-CN" altLang="en-US" dirty="0"/>
+              <a:t>不变子空间</a:t>
+            </a:r>
+            <a:endParaRPr lang="en-US" altLang="zh-CN" dirty="0"/>
+          </a:p>
+          <a:p>
+            <a:pPr lvl="2"/>
+            <a:r>
+              <a:rPr lang="en-US" altLang="zh-CN" dirty="0"/>
+              <a:t>2</a:t>
+            </a:r>
+            <a:r>
+              <a:rPr lang="zh-CN" altLang="en-US" dirty="0"/>
+              <a:t>轮</a:t>
+            </a:r>
+            <a:r>
+              <a:rPr lang="en-US" altLang="zh-CN" dirty="0"/>
+              <a:t>59</a:t>
+            </a:r>
+            <a:r>
+              <a:rPr lang="zh-CN" altLang="en-US" dirty="0"/>
+              <a:t>维</a:t>
+            </a:r>
+            <a:endParaRPr lang="en-US" altLang="zh-CN" dirty="0"/>
+          </a:p>
+          <a:p>
+            <a:pPr lvl="1"/>
+            <a:r>
+              <a:rPr lang="zh-CN" altLang="en-US" dirty="0"/>
+              <a:t>非线性不变量</a:t>
+            </a:r>
+            <a:endParaRPr lang="en-US" altLang="zh-CN" dirty="0"/>
+          </a:p>
+          <a:p>
+            <a:pPr lvl="1"/>
+            <a:r>
+              <a:rPr lang="zh-CN" altLang="en-US" dirty="0"/>
+              <a:t>线性化</a:t>
+            </a:r>
           </a:p>
         </p:txBody>
       </p:sp>
     </p:spTree>
     <p:extLst>
       <p:ext uri="{BB962C8B-B14F-4D97-AF65-F5344CB8AC3E}">
-        <p14:creationId xmlns:p14="http://schemas.microsoft.com/office/powerpoint/2010/main" val="1850335331"/>
+        <p14:creationId xmlns:p14="http://schemas.microsoft.com/office/powerpoint/2010/main" val="4224512122"/>
+      </p:ext>
+    </p:extLst>
+  </p:cSld>
+  <p:clrMapOvr>
+    <a:masterClrMapping/>
+  </p:clrMapOvr>
+  <p:timing>
+    <p:tnLst>
+      <p:par>
+        <p:cTn id="1" dur="indefinite" restart="never" nodeType="tmRoot"/>
+      </p:par>
+    </p:tnLst>
+  </p:timing>
+</p:sld>
+</file>
+
+<file path=ppt/slides/slide51.xml><?xml version="1.0" encoding="utf-8"?>
+<p:sld xmlns:a="http://schemas.openxmlformats.org/drawingml/2006/main" xmlns:r="http://schemas.openxmlformats.org/officeDocument/2006/relationships" xmlns:p="http://schemas.openxmlformats.org/presentationml/2006/main">
+  <p:cSld>
+    <p:spTree>
+      <p:nvGrpSpPr>
+        <p:cNvPr id="1" name=""/>
+        <p:cNvGrpSpPr/>
+        <p:nvPr/>
+      </p:nvGrpSpPr>
+      <p:grpSpPr>
+        <a:xfrm>
+          <a:off x="0" y="0"/>
+          <a:ext cx="0" cy="0"/>
+          <a:chOff x="0" y="0"/>
+          <a:chExt cx="0" cy="0"/>
+        </a:xfrm>
+      </p:grpSpPr>
+      <p:sp>
+        <p:nvSpPr>
+          <p:cNvPr id="2" name="标题 1">
+            <a:extLst>
+              <a:ext uri="{FF2B5EF4-FFF2-40B4-BE49-F238E27FC236}">
+                <a16:creationId xmlns:a16="http://schemas.microsoft.com/office/drawing/2014/main" id="{4AE030FE-AB15-48FB-86A6-A8E44130F496}"/>
+              </a:ext>
+            </a:extLst>
+          </p:cNvPr>
+          <p:cNvSpPr>
+            <a:spLocks noGrp="1"/>
+          </p:cNvSpPr>
+          <p:nvPr>
+            <p:ph type="title"/>
+          </p:nvPr>
+        </p:nvSpPr>
+        <p:spPr/>
+        <p:txBody>
+          <a:bodyPr/>
+          <a:lstStyle/>
+          <a:p>
+            <a:r>
+              <a:rPr lang="en-US" altLang="zh-CN" dirty="0" err="1"/>
+              <a:t>TinyJambu</a:t>
+            </a:r>
+            <a:endParaRPr lang="zh-CN" altLang="en-US" dirty="0"/>
+          </a:p>
+        </p:txBody>
+      </p:sp>
+      <p:sp>
+        <p:nvSpPr>
+          <p:cNvPr id="3" name="内容占位符 2">
+            <a:extLst>
+              <a:ext uri="{FF2B5EF4-FFF2-40B4-BE49-F238E27FC236}">
+                <a16:creationId xmlns:a16="http://schemas.microsoft.com/office/drawing/2014/main" id="{CC81C618-1C6E-4D00-A4D7-F779843AEC78}"/>
+              </a:ext>
+            </a:extLst>
+          </p:cNvPr>
+          <p:cNvSpPr>
+            <a:spLocks noGrp="1"/>
+          </p:cNvSpPr>
+          <p:nvPr>
+            <p:ph idx="1"/>
+          </p:nvPr>
+        </p:nvSpPr>
+        <p:spPr/>
+        <p:txBody>
+          <a:bodyPr/>
+          <a:lstStyle/>
+          <a:p>
+            <a:r>
+              <a:rPr lang="zh-CN" altLang="en-US" dirty="0"/>
+              <a:t>差分</a:t>
+            </a:r>
+            <a:endParaRPr lang="en-US" altLang="zh-CN" dirty="0"/>
+          </a:p>
+          <a:p>
+            <a:r>
+              <a:rPr lang="zh-CN" altLang="en-US" dirty="0"/>
+              <a:t>线性</a:t>
+            </a:r>
+            <a:endParaRPr lang="en-US" altLang="zh-CN" dirty="0"/>
+          </a:p>
+          <a:p>
+            <a:r>
+              <a:rPr lang="zh-CN" altLang="en-US" dirty="0"/>
+              <a:t>代数</a:t>
+            </a:r>
+            <a:endParaRPr lang="en-US" altLang="zh-CN"/>
+          </a:p>
+          <a:p>
+            <a:endParaRPr lang="zh-CN" altLang="en-US" dirty="0"/>
+          </a:p>
+        </p:txBody>
+      </p:sp>
+    </p:spTree>
+    <p:extLst>
+      <p:ext uri="{BB962C8B-B14F-4D97-AF65-F5344CB8AC3E}">
+        <p14:creationId xmlns:p14="http://schemas.microsoft.com/office/powerpoint/2010/main" val="1632390465"/>
+      </p:ext>
+    </p:extLst>
+  </p:cSld>
+  <p:clrMapOvr>
+    <a:masterClrMapping/>
+  </p:clrMapOvr>
+</p:sld>
+</file>
+
+<file path=ppt/slides/slide52.xml><?xml version="1.0" encoding="utf-8"?>
+<p:sld xmlns:a="http://schemas.openxmlformats.org/drawingml/2006/main" xmlns:r="http://schemas.openxmlformats.org/officeDocument/2006/relationships" xmlns:p="http://schemas.openxmlformats.org/presentationml/2006/main">
+  <p:cSld>
+    <p:spTree>
+      <p:nvGrpSpPr>
+        <p:cNvPr id="1" name=""/>
+        <p:cNvGrpSpPr/>
+        <p:nvPr/>
+      </p:nvGrpSpPr>
+      <p:grpSpPr>
+        <a:xfrm>
+          <a:off x="0" y="0"/>
+          <a:ext cx="0" cy="0"/>
+          <a:chOff x="0" y="0"/>
+          <a:chExt cx="0" cy="0"/>
+        </a:xfrm>
+      </p:grpSpPr>
+      <p:sp>
+        <p:nvSpPr>
+          <p:cNvPr id="2" name="标题 1">
+            <a:extLst>
+              <a:ext uri="{FF2B5EF4-FFF2-40B4-BE49-F238E27FC236}">
+                <a16:creationId xmlns:a16="http://schemas.microsoft.com/office/drawing/2014/main" id="{25FB7F1F-F198-4EE7-BBBC-84EF2EF00C03}"/>
+              </a:ext>
+            </a:extLst>
+          </p:cNvPr>
+          <p:cNvSpPr>
+            <a:spLocks noGrp="1"/>
+          </p:cNvSpPr>
+          <p:nvPr>
+            <p:ph type="title"/>
+          </p:nvPr>
+        </p:nvSpPr>
+        <p:spPr/>
+        <p:txBody>
+          <a:bodyPr/>
+          <a:lstStyle/>
+          <a:p>
+            <a:r>
+              <a:rPr lang="en-US" altLang="zh-CN" dirty="0" err="1"/>
+              <a:t>Xoodyak</a:t>
+            </a:r>
+            <a:endParaRPr lang="zh-CN" altLang="en-US" dirty="0"/>
+          </a:p>
+        </p:txBody>
+      </p:sp>
+      <p:sp>
+        <p:nvSpPr>
+          <p:cNvPr id="3" name="内容占位符 2">
+            <a:extLst>
+              <a:ext uri="{FF2B5EF4-FFF2-40B4-BE49-F238E27FC236}">
+                <a16:creationId xmlns:a16="http://schemas.microsoft.com/office/drawing/2014/main" id="{A46A9342-E928-42D4-B948-E49E489331A4}"/>
+              </a:ext>
+            </a:extLst>
+          </p:cNvPr>
+          <p:cNvSpPr>
+            <a:spLocks noGrp="1"/>
+          </p:cNvSpPr>
+          <p:nvPr>
+            <p:ph idx="1"/>
+          </p:nvPr>
+        </p:nvSpPr>
+        <p:spPr/>
+        <p:txBody>
+          <a:bodyPr/>
+          <a:lstStyle/>
+          <a:p>
+            <a:endParaRPr lang="zh-CN" altLang="en-US"/>
+          </a:p>
+        </p:txBody>
+      </p:sp>
+    </p:spTree>
+    <p:extLst>
+      <p:ext uri="{BB962C8B-B14F-4D97-AF65-F5344CB8AC3E}">
+        <p14:creationId xmlns:p14="http://schemas.microsoft.com/office/powerpoint/2010/main" val="2262811114"/>
+      </p:ext>
+    </p:extLst>
+  </p:cSld>
+  <p:clrMapOvr>
+    <a:masterClrMapping/>
+  </p:clrMapOvr>
+</p:sld>
+</file>
+
+<file path=ppt/slides/slide53.xml><?xml version="1.0" encoding="utf-8"?>
+<p:sld xmlns:a="http://schemas.openxmlformats.org/drawingml/2006/main" xmlns:r="http://schemas.openxmlformats.org/officeDocument/2006/relationships" xmlns:p="http://schemas.openxmlformats.org/presentationml/2006/main">
+  <p:cSld>
+    <p:spTree>
+      <p:nvGrpSpPr>
+        <p:cNvPr id="1" name=""/>
+        <p:cNvGrpSpPr/>
+        <p:nvPr/>
+      </p:nvGrpSpPr>
+      <p:grpSpPr>
+        <a:xfrm>
+          <a:off x="0" y="0"/>
+          <a:ext cx="0" cy="0"/>
+          <a:chOff x="0" y="0"/>
+          <a:chExt cx="0" cy="0"/>
+        </a:xfrm>
+      </p:grpSpPr>
+      <p:sp>
+        <p:nvSpPr>
+          <p:cNvPr id="2" name="标题 1">
+            <a:extLst>
+              <a:ext uri="{FF2B5EF4-FFF2-40B4-BE49-F238E27FC236}">
+                <a16:creationId xmlns:a16="http://schemas.microsoft.com/office/drawing/2014/main" id="{C1ED0FA1-6D31-44BA-883A-302DA015AB12}"/>
+              </a:ext>
+            </a:extLst>
+          </p:cNvPr>
+          <p:cNvSpPr>
+            <a:spLocks noGrp="1"/>
+          </p:cNvSpPr>
+          <p:nvPr>
+            <p:ph type="title"/>
+          </p:nvPr>
+        </p:nvSpPr>
+        <p:spPr/>
+        <p:txBody>
+          <a:bodyPr/>
+          <a:lstStyle/>
+          <a:p>
+            <a:r>
+              <a:rPr lang="en-US" altLang="zh-CN" dirty="0"/>
+              <a:t>Grain</a:t>
+            </a:r>
+            <a:endParaRPr lang="zh-CN" altLang="en-US" dirty="0"/>
+          </a:p>
+        </p:txBody>
+      </p:sp>
+      <p:sp>
+        <p:nvSpPr>
+          <p:cNvPr id="3" name="内容占位符 2">
+            <a:extLst>
+              <a:ext uri="{FF2B5EF4-FFF2-40B4-BE49-F238E27FC236}">
+                <a16:creationId xmlns:a16="http://schemas.microsoft.com/office/drawing/2014/main" id="{315BEBE9-11E8-42E1-8EE0-EDEB96C48316}"/>
+              </a:ext>
+            </a:extLst>
+          </p:cNvPr>
+          <p:cNvSpPr>
+            <a:spLocks noGrp="1"/>
+          </p:cNvSpPr>
+          <p:nvPr>
+            <p:ph idx="1"/>
+          </p:nvPr>
+        </p:nvSpPr>
+        <p:spPr/>
+        <p:txBody>
+          <a:bodyPr/>
+          <a:lstStyle/>
+          <a:p>
+            <a:endParaRPr lang="zh-CN" altLang="en-US"/>
+          </a:p>
+        </p:txBody>
+      </p:sp>
+    </p:spTree>
+    <p:extLst>
+      <p:ext uri="{BB962C8B-B14F-4D97-AF65-F5344CB8AC3E}">
+        <p14:creationId xmlns:p14="http://schemas.microsoft.com/office/powerpoint/2010/main" val="3769154151"/>
       </p:ext>
     </p:extLst>
   </p:cSld>
@@ -9948,169 +11167,167 @@
       </p:grpSpPr>
       <p:sp>
         <p:nvSpPr>
-          <p:cNvPr id="2" name="标题 1"/>
-          <p:cNvSpPr>
-            <a:spLocks noGrp="1"/>
-          </p:cNvSpPr>
-          <p:nvPr>
-            <p:ph type="title"/>
-          </p:nvPr>
-        </p:nvSpPr>
-        <p:spPr/>
-        <p:txBody>
-          <a:bodyPr/>
-          <a:lstStyle/>
-          <a:p>
-            <a:r>
-              <a:rPr lang="en-US" altLang="zh-CN" dirty="0"/>
-              <a:t>GIFT-COFB</a:t>
-            </a:r>
-            <a:endParaRPr lang="zh-CN" altLang="en-US" dirty="0"/>
-          </a:p>
-        </p:txBody>
-      </p:sp>
-      <p:sp>
-        <p:nvSpPr>
-          <p:cNvPr id="3" name="内容占位符 2"/>
-          <p:cNvSpPr>
-            <a:spLocks noGrp="1"/>
-          </p:cNvSpPr>
-          <p:nvPr>
-            <p:ph idx="1"/>
-          </p:nvPr>
-        </p:nvSpPr>
-        <p:spPr/>
-        <p:txBody>
-          <a:bodyPr/>
-          <a:lstStyle/>
-          <a:p>
-            <a:r>
-              <a:rPr lang="zh-CN" altLang="en-US" dirty="0"/>
-              <a:t>差分</a:t>
-            </a:r>
-            <a:r>
-              <a:rPr lang="en-US" altLang="zh-CN" dirty="0"/>
-              <a:t>/</a:t>
-            </a:r>
-            <a:r>
-              <a:rPr lang="zh-CN" altLang="en-US" dirty="0"/>
-              <a:t>线性</a:t>
-            </a:r>
-            <a:endParaRPr lang="en-US" altLang="zh-CN" dirty="0"/>
-          </a:p>
-          <a:p>
-            <a:pPr lvl="1"/>
-            <a:r>
-              <a:rPr lang="en-US" altLang="zh-CN" dirty="0"/>
-              <a:t>Boomerang</a:t>
-            </a:r>
-            <a:r>
-              <a:rPr lang="zh-CN" altLang="en-US" dirty="0"/>
-              <a:t>，</a:t>
-            </a:r>
-            <a:r>
-              <a:rPr lang="en-US" altLang="zh-CN" dirty="0"/>
-              <a:t>Rectangle</a:t>
-            </a:r>
-            <a:r>
-              <a:rPr lang="zh-CN" altLang="en-US" dirty="0"/>
-              <a:t>（</a:t>
-            </a:r>
-            <a:r>
-              <a:rPr lang="en-US" altLang="zh-CN" dirty="0"/>
-              <a:t>RK setting</a:t>
-            </a:r>
-            <a:r>
-              <a:rPr lang="zh-CN" altLang="en-US" dirty="0"/>
-              <a:t>）</a:t>
-            </a:r>
-            <a:endParaRPr lang="en-US" altLang="zh-CN" dirty="0"/>
-          </a:p>
-          <a:p>
-            <a:r>
-              <a:rPr lang="zh-CN" altLang="en-US" dirty="0"/>
-              <a:t>积分</a:t>
-            </a:r>
-            <a:endParaRPr lang="en-US" altLang="zh-CN" dirty="0"/>
-          </a:p>
-          <a:p>
-            <a:r>
-              <a:rPr lang="zh-CN" altLang="en-US" dirty="0"/>
-              <a:t>中间相遇</a:t>
-            </a:r>
-          </a:p>
-        </p:txBody>
-      </p:sp>
-      <p:pic>
-        <p:nvPicPr>
-          <p:cNvPr id="4" name="图片 3">
+          <p:cNvPr id="2" name="标题 1">
             <a:extLst>
               <a:ext uri="{FF2B5EF4-FFF2-40B4-BE49-F238E27FC236}">
-                <a16:creationId xmlns:a16="http://schemas.microsoft.com/office/drawing/2014/main" id="{9C9CC778-9F32-4135-9B87-BD749B4EAB7F}"/>
+                <a16:creationId xmlns:a16="http://schemas.microsoft.com/office/drawing/2014/main" id="{CF3AF036-3634-4C4A-9118-0C2CB0D5753B}"/>
               </a:ext>
             </a:extLst>
           </p:cNvPr>
-          <p:cNvPicPr>
-            <a:picLocks noChangeAspect="1"/>
-          </p:cNvPicPr>
-          <p:nvPr/>
-        </p:nvPicPr>
-        <p:blipFill>
-          <a:blip r:embed="rId2"/>
-          <a:stretch>
-            <a:fillRect/>
-          </a:stretch>
-        </p:blipFill>
-        <p:spPr>
-          <a:xfrm>
-            <a:off x="7489986" y="294457"/>
-            <a:ext cx="4358673" cy="4224788"/>
-          </a:xfrm>
-          <a:prstGeom prst="rect">
-            <a:avLst/>
-          </a:prstGeom>
-        </p:spPr>
-      </p:pic>
-      <p:pic>
-        <p:nvPicPr>
-          <p:cNvPr id="5" name="图片 4">
+          <p:cNvSpPr>
+            <a:spLocks noGrp="1"/>
+          </p:cNvSpPr>
+          <p:nvPr>
+            <p:ph type="title"/>
+          </p:nvPr>
+        </p:nvSpPr>
+        <p:spPr/>
+        <p:txBody>
+          <a:bodyPr/>
+          <a:lstStyle/>
+          <a:p>
+            <a:r>
+              <a:rPr lang="en-US" altLang="zh-CN" dirty="0" smtClean="0"/>
+              <a:t>PHOTON-256</a:t>
+            </a:r>
+            <a:endParaRPr lang="zh-CN" altLang="en-US" dirty="0"/>
+          </a:p>
+        </p:txBody>
+      </p:sp>
+      <p:sp>
+        <p:nvSpPr>
+          <p:cNvPr id="3" name="内容占位符 2">
             <a:extLst>
               <a:ext uri="{FF2B5EF4-FFF2-40B4-BE49-F238E27FC236}">
-                <a16:creationId xmlns:a16="http://schemas.microsoft.com/office/drawing/2014/main" id="{0416AA25-F059-420C-BDE7-76C7D2E784FA}"/>
+                <a16:creationId xmlns:a16="http://schemas.microsoft.com/office/drawing/2014/main" id="{9698322E-A1B9-4A0F-9FF4-66705660CAD6}"/>
               </a:ext>
             </a:extLst>
           </p:cNvPr>
-          <p:cNvPicPr>
-            <a:picLocks noChangeAspect="1"/>
-          </p:cNvPicPr>
-          <p:nvPr/>
-        </p:nvPicPr>
-        <p:blipFill>
-          <a:blip r:embed="rId3"/>
-          <a:stretch>
-            <a:fillRect/>
-          </a:stretch>
-        </p:blipFill>
-        <p:spPr>
-          <a:xfrm>
-            <a:off x="7489985" y="4841123"/>
-            <a:ext cx="4358673" cy="1578907"/>
-          </a:xfrm>
-          <a:prstGeom prst="rect">
-            <a:avLst/>
-          </a:prstGeom>
-        </p:spPr>
-      </p:pic>
+          <p:cNvSpPr>
+            <a:spLocks noGrp="1"/>
+          </p:cNvSpPr>
+          <p:nvPr>
+            <p:ph idx="1"/>
+          </p:nvPr>
+        </p:nvSpPr>
+        <p:spPr/>
+        <p:txBody>
+          <a:bodyPr/>
+          <a:lstStyle/>
+          <a:p>
+            <a:r>
+              <a:rPr lang="en-US" altLang="zh-CN" dirty="0" smtClean="0"/>
+              <a:t>PHOTON specification</a:t>
+            </a:r>
+          </a:p>
+          <a:p>
+            <a:pPr lvl="1"/>
+            <a:r>
+              <a:rPr lang="en-US" altLang="zh-CN" dirty="0">
+                <a:hlinkClick r:id="rId2" action="ppaction://hlinkfile"/>
+              </a:rPr>
+              <a:t>The PHOTON family of lightweight hash functions</a:t>
+            </a:r>
+            <a:endParaRPr lang="en-US" altLang="zh-CN" dirty="0" smtClean="0"/>
+          </a:p>
+          <a:p>
+            <a:r>
+              <a:rPr lang="en-US" altLang="zh-CN" dirty="0" smtClean="0"/>
+              <a:t>Rebound-like</a:t>
+            </a:r>
+            <a:endParaRPr lang="en-US" altLang="zh-CN" dirty="0" smtClean="0"/>
+          </a:p>
+          <a:p>
+            <a:pPr lvl="1"/>
+            <a:r>
+              <a:rPr lang="en-US" altLang="zh-CN" dirty="0">
+                <a:hlinkClick r:id="rId3" action="ppaction://hlinkfile"/>
+              </a:rPr>
+              <a:t>Improved rebound attack on the finalist </a:t>
+            </a:r>
+            <a:r>
+              <a:rPr lang="en-US" altLang="zh-CN" dirty="0" err="1" smtClean="0">
+                <a:hlinkClick r:id="rId3" action="ppaction://hlinkfile"/>
+              </a:rPr>
+              <a:t>grøstl</a:t>
+            </a:r>
+            <a:endParaRPr lang="en-US" altLang="zh-CN" dirty="0"/>
+          </a:p>
+          <a:p>
+            <a:r>
+              <a:rPr lang="zh-CN" altLang="en-US" dirty="0"/>
+              <a:t>统计</a:t>
+            </a:r>
+            <a:r>
+              <a:rPr lang="zh-CN" altLang="en-US" dirty="0" smtClean="0"/>
+              <a:t>积分</a:t>
+            </a:r>
+            <a:endParaRPr lang="en-US" altLang="zh-CN" dirty="0" smtClean="0"/>
+          </a:p>
+          <a:p>
+            <a:pPr lvl="1"/>
+            <a:r>
+              <a:rPr lang="en-US" altLang="zh-CN" dirty="0">
+                <a:hlinkClick r:id="rId4" action="ppaction://hlinkfile"/>
+              </a:rPr>
+              <a:t>Statistical integral distinguisher with multi-structure and its application on </a:t>
+            </a:r>
+            <a:r>
+              <a:rPr lang="en-US" altLang="zh-CN" dirty="0" smtClean="0">
+                <a:hlinkClick r:id="rId4" action="ppaction://hlinkfile"/>
+              </a:rPr>
+              <a:t>AES</a:t>
+            </a:r>
+            <a:endParaRPr lang="en-US" altLang="zh-CN" dirty="0" smtClean="0"/>
+          </a:p>
+          <a:p>
+            <a:r>
+              <a:rPr lang="zh-CN" altLang="en-US" dirty="0" smtClean="0"/>
+              <a:t>零</a:t>
+            </a:r>
+            <a:r>
+              <a:rPr lang="zh-CN" altLang="en-US" dirty="0"/>
+              <a:t>和</a:t>
+            </a:r>
+            <a:r>
+              <a:rPr lang="zh-CN" altLang="en-US" dirty="0" smtClean="0"/>
+              <a:t>划分</a:t>
+            </a:r>
+            <a:endParaRPr lang="en-US" altLang="zh-CN" dirty="0" smtClean="0"/>
+          </a:p>
+          <a:p>
+            <a:pPr lvl="1"/>
+            <a:r>
+              <a:rPr lang="en-US" altLang="zh-CN" dirty="0">
+                <a:hlinkClick r:id="rId5" action="ppaction://hlinkfile"/>
+              </a:rPr>
+              <a:t>Zero-sum partitions of PHOTON permutations</a:t>
+            </a:r>
+            <a:endParaRPr lang="zh-CN" altLang="en-US" dirty="0"/>
+          </a:p>
+          <a:p>
+            <a:pPr lvl="1"/>
+            <a:endParaRPr lang="zh-CN" altLang="en-US" dirty="0"/>
+          </a:p>
+        </p:txBody>
+      </p:sp>
     </p:spTree>
     <p:extLst>
       <p:ext uri="{BB962C8B-B14F-4D97-AF65-F5344CB8AC3E}">
-        <p14:creationId xmlns:p14="http://schemas.microsoft.com/office/powerpoint/2010/main" val="3330687549"/>
+        <p14:creationId xmlns:p14="http://schemas.microsoft.com/office/powerpoint/2010/main" val="637427453"/>
       </p:ext>
     </p:extLst>
   </p:cSld>
   <p:clrMapOvr>
     <a:masterClrMapping/>
   </p:clrMapOvr>
+  <p:timing>
+    <p:tnLst>
+      <p:par>
+        <p:cTn id="1" dur="indefinite" restart="never" nodeType="tmRoot"/>
+      </p:par>
+    </p:tnLst>
+  </p:timing>
 </p:sld>
 </file>
 
@@ -10133,13 +11350,7 @@
       </p:grpSpPr>
       <p:sp>
         <p:nvSpPr>
-          <p:cNvPr id="2" name="标题 1">
-            <a:extLst>
-              <a:ext uri="{FF2B5EF4-FFF2-40B4-BE49-F238E27FC236}">
-                <a16:creationId xmlns:a16="http://schemas.microsoft.com/office/drawing/2014/main" id="{CF3AF036-3634-4C4A-9118-0C2CB0D5753B}"/>
-              </a:ext>
-            </a:extLst>
-          </p:cNvPr>
+          <p:cNvPr id="2" name="标题 1"/>
           <p:cNvSpPr>
             <a:spLocks noGrp="1"/>
           </p:cNvSpPr>
@@ -10153,8 +11364,8 @@
           <a:lstStyle/>
           <a:p>
             <a:r>
-              <a:rPr lang="en-US" altLang="zh-CN" dirty="0"/>
-              <a:t>PHOTON-BEETLE</a:t>
+              <a:rPr lang="en-US" altLang="zh-CN" dirty="0" err="1"/>
+              <a:t>Ascon</a:t>
             </a:r>
             <a:endParaRPr lang="zh-CN" altLang="en-US" dirty="0"/>
           </a:p>
@@ -10162,13 +11373,7 @@
       </p:sp>
       <p:sp>
         <p:nvSpPr>
-          <p:cNvPr id="3" name="内容占位符 2">
-            <a:extLst>
-              <a:ext uri="{FF2B5EF4-FFF2-40B4-BE49-F238E27FC236}">
-                <a16:creationId xmlns:a16="http://schemas.microsoft.com/office/drawing/2014/main" id="{9698322E-A1B9-4A0F-9FF4-66705660CAD6}"/>
-              </a:ext>
-            </a:extLst>
-          </p:cNvPr>
+          <p:cNvPr id="3" name="内容占位符 2"/>
           <p:cNvSpPr>
             <a:spLocks noGrp="1"/>
           </p:cNvSpPr>
@@ -10182,94 +11387,117 @@
           <a:lstStyle/>
           <a:p>
             <a:r>
-              <a:rPr lang="en-US" altLang="zh-CN" dirty="0" smtClean="0"/>
-              <a:t>Rebound-like</a:t>
-            </a:r>
+              <a:rPr lang="zh-CN" altLang="en-US" dirty="0"/>
+              <a:t>差分</a:t>
+            </a:r>
+            <a:r>
+              <a:rPr lang="en-US" altLang="zh-CN" dirty="0"/>
+              <a:t>/</a:t>
+            </a:r>
+            <a:r>
+              <a:rPr lang="zh-CN" altLang="en-US" dirty="0"/>
+              <a:t>线性</a:t>
+            </a:r>
+            <a:endParaRPr lang="en-US" altLang="zh-CN" dirty="0"/>
           </a:p>
           <a:p>
             <a:pPr lvl="1"/>
             <a:r>
-              <a:rPr lang="en-US" altLang="zh-CN" dirty="0">
-                <a:hlinkClick r:id="rId2" action="ppaction://hlinkfile"/>
-              </a:rPr>
-              <a:t>Improved rebound attack on the finalist </a:t>
-            </a:r>
-            <a:r>
-              <a:rPr lang="en-US" altLang="zh-CN" dirty="0" err="1" smtClean="0">
-                <a:hlinkClick r:id="rId2" action="ppaction://hlinkfile"/>
-              </a:rPr>
-              <a:t>grøstl</a:t>
+              <a:rPr lang="zh-CN" altLang="en-US" dirty="0"/>
+              <a:t>截断差分</a:t>
             </a:r>
             <a:endParaRPr lang="en-US" altLang="zh-CN" dirty="0"/>
           </a:p>
           <a:p>
+            <a:pPr lvl="1"/>
             <a:r>
               <a:rPr lang="zh-CN" altLang="en-US" dirty="0"/>
-              <a:t>统计</a:t>
-            </a:r>
-            <a:r>
-              <a:rPr lang="zh-CN" altLang="en-US" dirty="0" smtClean="0"/>
+              <a:t>零相关、不可能差分</a:t>
+            </a:r>
+            <a:endParaRPr lang="en-US" altLang="zh-CN" dirty="0"/>
+          </a:p>
+          <a:p>
+            <a:pPr lvl="1"/>
+            <a:r>
+              <a:rPr lang="zh-CN" altLang="en-US" dirty="0"/>
+              <a:t>子空间</a:t>
+            </a:r>
+            <a:endParaRPr lang="en-US" altLang="zh-CN" dirty="0"/>
+          </a:p>
+          <a:p>
+            <a:r>
+              <a:rPr lang="zh-CN" altLang="en-US" dirty="0"/>
               <a:t>积分</a:t>
             </a:r>
-            <a:endParaRPr lang="en-US" altLang="zh-CN" dirty="0" smtClean="0"/>
+            <a:endParaRPr lang="en-US" altLang="zh-CN" dirty="0"/>
           </a:p>
           <a:p>
             <a:pPr lvl="1"/>
             <a:r>
-              <a:rPr lang="en-US" altLang="zh-CN" dirty="0">
-                <a:hlinkClick r:id="rId3" action="ppaction://hlinkfile"/>
-              </a:rPr>
-              <a:t>Statistical integral distinguisher with multi-structure and its application on </a:t>
-            </a:r>
-            <a:r>
-              <a:rPr lang="en-US" altLang="zh-CN" dirty="0" smtClean="0">
-                <a:hlinkClick r:id="rId3" action="ppaction://hlinkfile"/>
-              </a:rPr>
-              <a:t>AES</a:t>
-            </a:r>
-            <a:endParaRPr lang="en-US" altLang="zh-CN" dirty="0" smtClean="0"/>
-          </a:p>
-          <a:p>
-            <a:r>
-              <a:rPr lang="zh-CN" altLang="en-US" dirty="0" smtClean="0"/>
-              <a:t>零</a:t>
-            </a:r>
-            <a:r>
               <a:rPr lang="zh-CN" altLang="en-US" dirty="0"/>
-              <a:t>和</a:t>
-            </a:r>
-            <a:r>
-              <a:rPr lang="zh-CN" altLang="en-US" dirty="0" smtClean="0"/>
-              <a:t>划分</a:t>
-            </a:r>
-            <a:endParaRPr lang="en-US" altLang="zh-CN" dirty="0" smtClean="0"/>
+              <a:t>零和</a:t>
+            </a:r>
+            <a:endParaRPr lang="en-US" altLang="zh-CN" dirty="0"/>
           </a:p>
           <a:p>
             <a:pPr lvl="1"/>
             <a:r>
-              <a:rPr lang="en-US" altLang="zh-CN" dirty="0">
-                <a:hlinkClick r:id="rId4" action="ppaction://hlinkfile"/>
-              </a:rPr>
-              <a:t>Zero-sum partitions of PHOTON permutations</a:t>
-            </a:r>
-            <a:endParaRPr lang="zh-CN" altLang="en-US" dirty="0"/>
+              <a:rPr lang="zh-CN" altLang="en-US" dirty="0"/>
+              <a:t>立方</a:t>
+            </a:r>
+            <a:endParaRPr lang="en-US" altLang="zh-CN" dirty="0"/>
           </a:p>
           <a:p>
             <a:pPr lvl="1"/>
-            <a:endParaRPr lang="zh-CN" altLang="en-US" dirty="0"/>
-          </a:p>
-        </p:txBody>
-      </p:sp>
+            <a:r>
+              <a:rPr lang="zh-CN" altLang="en-US" dirty="0"/>
+              <a:t>代数</a:t>
+            </a:r>
+            <a:endParaRPr lang="en-US" altLang="zh-CN" dirty="0"/>
+          </a:p>
+        </p:txBody>
+      </p:sp>
+      <p:pic>
+        <p:nvPicPr>
+          <p:cNvPr id="4" name="图片 3"/>
+          <p:cNvPicPr>
+            <a:picLocks noChangeAspect="1"/>
+          </p:cNvPicPr>
+          <p:nvPr/>
+        </p:nvPicPr>
+        <p:blipFill>
+          <a:blip r:embed="rId2"/>
+          <a:stretch>
+            <a:fillRect/>
+          </a:stretch>
+        </p:blipFill>
+        <p:spPr>
+          <a:xfrm>
+            <a:off x="7635298" y="139211"/>
+            <a:ext cx="4486364" cy="6569319"/>
+          </a:xfrm>
+          <a:prstGeom prst="rect">
+            <a:avLst/>
+          </a:prstGeom>
+        </p:spPr>
+      </p:pic>
     </p:spTree>
     <p:extLst>
       <p:ext uri="{BB962C8B-B14F-4D97-AF65-F5344CB8AC3E}">
-        <p14:creationId xmlns:p14="http://schemas.microsoft.com/office/powerpoint/2010/main" val="3115110214"/>
+        <p14:creationId xmlns:p14="http://schemas.microsoft.com/office/powerpoint/2010/main" val="3475313579"/>
       </p:ext>
     </p:extLst>
   </p:cSld>
   <p:clrMapOvr>
     <a:masterClrMapping/>
   </p:clrMapOvr>
+  <p:timing>
+    <p:tnLst>
+      <p:par>
+        <p:cTn id="1" dur="indefinite" restart="never" nodeType="tmRoot"/>
+      </p:par>
+    </p:tnLst>
+  </p:timing>
 </p:sld>
 </file>
 
@@ -10292,13 +11520,7 @@
       </p:grpSpPr>
       <p:sp>
         <p:nvSpPr>
-          <p:cNvPr id="2" name="标题 1">
-            <a:extLst>
-              <a:ext uri="{FF2B5EF4-FFF2-40B4-BE49-F238E27FC236}">
-                <a16:creationId xmlns:a16="http://schemas.microsoft.com/office/drawing/2014/main" id="{210E6496-301F-4AB4-9684-3B8EFA49F6DF}"/>
-              </a:ext>
-            </a:extLst>
-          </p:cNvPr>
+          <p:cNvPr id="2" name="标题 1"/>
           <p:cNvSpPr>
             <a:spLocks noGrp="1"/>
           </p:cNvSpPr>
@@ -10313,7 +11535,7 @@
           <a:p>
             <a:r>
               <a:rPr lang="en-US" altLang="zh-CN" dirty="0"/>
-              <a:t>PHOTON-256</a:t>
+              <a:t>Elephant</a:t>
             </a:r>
             <a:endParaRPr lang="zh-CN" altLang="en-US" dirty="0"/>
           </a:p>
@@ -10321,13 +11543,7 @@
       </p:sp>
       <p:sp>
         <p:nvSpPr>
-          <p:cNvPr id="3" name="内容占位符 2">
-            <a:extLst>
-              <a:ext uri="{FF2B5EF4-FFF2-40B4-BE49-F238E27FC236}">
-                <a16:creationId xmlns:a16="http://schemas.microsoft.com/office/drawing/2014/main" id="{26161510-BF03-4304-8ABD-F3A5C6DA3B86}"/>
-              </a:ext>
-            </a:extLst>
-          </p:cNvPr>
+          <p:cNvPr id="3" name="内容占位符 2"/>
           <p:cNvSpPr>
             <a:spLocks noGrp="1"/>
           </p:cNvSpPr>
@@ -10340,50 +11556,90 @@
           <a:bodyPr/>
           <a:lstStyle/>
           <a:p>
-            <a:endParaRPr lang="zh-CN" altLang="en-US"/>
-          </a:p>
-        </p:txBody>
-      </p:sp>
-      <p:pic>
-        <p:nvPicPr>
-          <p:cNvPr id="5" name="图片 4">
-            <a:extLst>
-              <a:ext uri="{FF2B5EF4-FFF2-40B4-BE49-F238E27FC236}">
-                <a16:creationId xmlns:a16="http://schemas.microsoft.com/office/drawing/2014/main" id="{1EED198F-3F56-4524-B80D-CBF19E643AE5}"/>
-              </a:ext>
-            </a:extLst>
-          </p:cNvPr>
-          <p:cNvPicPr>
-            <a:picLocks noChangeAspect="1"/>
-          </p:cNvPicPr>
-          <p:nvPr/>
-        </p:nvPicPr>
-        <p:blipFill>
-          <a:blip r:embed="rId2"/>
-          <a:stretch>
-            <a:fillRect/>
-          </a:stretch>
-        </p:blipFill>
-        <p:spPr>
-          <a:xfrm>
-            <a:off x="4587680" y="918463"/>
-            <a:ext cx="7344800" cy="5468113"/>
-          </a:xfrm>
-          <a:prstGeom prst="rect">
-            <a:avLst/>
-          </a:prstGeom>
-        </p:spPr>
-      </p:pic>
+            <a:r>
+              <a:rPr lang="zh-CN" altLang="en-US" dirty="0"/>
+              <a:t>插值</a:t>
+            </a:r>
+            <a:endParaRPr lang="en-US" altLang="zh-CN" dirty="0"/>
+          </a:p>
+          <a:p>
+            <a:r>
+              <a:rPr lang="en-US" altLang="zh-CN" dirty="0"/>
+              <a:t>Spongent</a:t>
+            </a:r>
+          </a:p>
+          <a:p>
+            <a:pPr lvl="1"/>
+            <a:r>
+              <a:rPr lang="zh-CN" altLang="en-US" dirty="0"/>
+              <a:t>差分</a:t>
+            </a:r>
+            <a:r>
+              <a:rPr lang="en-US" altLang="zh-CN" dirty="0"/>
+              <a:t>/</a:t>
+            </a:r>
+            <a:r>
+              <a:rPr lang="zh-CN" altLang="en-US" dirty="0"/>
+              <a:t>线性</a:t>
+            </a:r>
+            <a:endParaRPr lang="en-US" altLang="zh-CN" dirty="0"/>
+          </a:p>
+          <a:p>
+            <a:pPr lvl="1"/>
+            <a:r>
+              <a:rPr lang="zh-CN" altLang="en-US" dirty="0"/>
+              <a:t>积分</a:t>
+            </a:r>
+            <a:endParaRPr lang="en-US" altLang="zh-CN" dirty="0"/>
+          </a:p>
+          <a:p>
+            <a:r>
+              <a:rPr lang="en-US" altLang="zh-CN" dirty="0"/>
+              <a:t>Keccak</a:t>
+            </a:r>
+          </a:p>
+          <a:p>
+            <a:pPr lvl="1"/>
+            <a:r>
+              <a:rPr lang="zh-CN" altLang="en-US" dirty="0"/>
+              <a:t>差分</a:t>
+            </a:r>
+            <a:r>
+              <a:rPr lang="en-US" altLang="zh-CN" dirty="0"/>
+              <a:t>/</a:t>
+            </a:r>
+            <a:r>
+              <a:rPr lang="zh-CN" altLang="en-US" dirty="0"/>
+              <a:t>线性</a:t>
+            </a:r>
+            <a:endParaRPr lang="en-US" altLang="zh-CN" dirty="0"/>
+          </a:p>
+          <a:p>
+            <a:pPr lvl="1"/>
+            <a:r>
+              <a:rPr lang="zh-CN" altLang="en-US" dirty="0"/>
+              <a:t>代数</a:t>
+            </a:r>
+          </a:p>
+        </p:txBody>
+      </p:sp>
     </p:spTree>
     <p:extLst>
       <p:ext uri="{BB962C8B-B14F-4D97-AF65-F5344CB8AC3E}">
-        <p14:creationId xmlns:p14="http://schemas.microsoft.com/office/powerpoint/2010/main" val="3085888581"/>
+        <p14:creationId xmlns:p14="http://schemas.microsoft.com/office/powerpoint/2010/main" val="3890128958"/>
       </p:ext>
     </p:extLst>
   </p:cSld>
   <p:clrMapOvr>
     <a:masterClrMapping/>
   </p:clrMapOvr>
+  <p:timing>
+    <p:tnLst>
+      <p:par>
+        <p:cTn id="1" dur="indefinite" restart="never" nodeType="tmRoot"/>
+      </p:par>
+    </p:tnLst>
+  </p:timing>
 </p:sld>
 </file>
 
@@ -10409,7 +11665,7 @@
           <p:cNvPr id="2" name="标题 1">
             <a:extLst>
               <a:ext uri="{FF2B5EF4-FFF2-40B4-BE49-F238E27FC236}">
-                <a16:creationId xmlns:a16="http://schemas.microsoft.com/office/drawing/2014/main" id="{789680CE-245D-4534-B443-4D08DE766002}"/>
+                <a16:creationId xmlns:a16="http://schemas.microsoft.com/office/drawing/2014/main" id="{5CA23C59-984A-47FE-B799-9D6A5E1B221C}"/>
               </a:ext>
             </a:extLst>
           </p:cNvPr>
@@ -10427,7 +11683,7 @@
           <a:p>
             <a:r>
               <a:rPr lang="en-US" altLang="zh-CN" dirty="0"/>
-              <a:t>PHOTON-256</a:t>
+              <a:t>ISAP</a:t>
             </a:r>
             <a:endParaRPr lang="zh-CN" altLang="en-US" dirty="0"/>
           </a:p>
@@ -10438,7 +11694,7 @@
           <p:cNvPr id="3" name="内容占位符 2">
             <a:extLst>
               <a:ext uri="{FF2B5EF4-FFF2-40B4-BE49-F238E27FC236}">
-                <a16:creationId xmlns:a16="http://schemas.microsoft.com/office/drawing/2014/main" id="{0C5F61D7-DD6B-4A50-97D7-265AB639CB08}"/>
+                <a16:creationId xmlns:a16="http://schemas.microsoft.com/office/drawing/2014/main" id="{18200AA5-9611-451E-9693-B624C910CACE}"/>
               </a:ext>
             </a:extLst>
           </p:cNvPr>
@@ -10455,46 +11711,36 @@
           <a:lstStyle/>
           <a:p>
             <a:r>
-              <a:rPr lang="en-US" altLang="zh-CN" dirty="0">
-                <a:hlinkClick r:id="rId2" action="ppaction://hlinkfile"/>
-              </a:rPr>
-              <a:t>The PHOTON family of lightweight hash functions</a:t>
-            </a:r>
-            <a:endParaRPr lang="en-US" altLang="zh-CN" dirty="0"/>
-          </a:p>
-          <a:p>
-            <a:r>
-              <a:rPr lang="en-US" altLang="zh-CN" dirty="0" smtClean="0">
-                <a:hlinkClick r:id="rId3" action="ppaction://hlinkfile"/>
-              </a:rPr>
-              <a:t>Multiple </a:t>
-            </a:r>
-            <a:r>
-              <a:rPr lang="en-US" altLang="zh-CN" dirty="0">
-                <a:hlinkClick r:id="rId3" action="ppaction://hlinkfile"/>
-              </a:rPr>
-              <a:t>limited-birthday distinguishers and </a:t>
-            </a:r>
-            <a:r>
-              <a:rPr lang="en-US" altLang="zh-CN" dirty="0" smtClean="0">
-                <a:hlinkClick r:id="rId3" action="ppaction://hlinkfile"/>
-              </a:rPr>
-              <a:t>applications</a:t>
-            </a:r>
-            <a:endParaRPr lang="en-US" altLang="zh-CN" dirty="0"/>
+              <a:rPr lang="en-US" altLang="zh-CN" dirty="0"/>
+              <a:t>Keccak-p</a:t>
+            </a:r>
+          </a:p>
+          <a:p>
+            <a:r>
+              <a:rPr lang="en-US" altLang="zh-CN" dirty="0"/>
+              <a:t>Ascon-p</a:t>
+            </a:r>
+            <a:endParaRPr lang="zh-CN" altLang="en-US" dirty="0"/>
           </a:p>
         </p:txBody>
       </p:sp>
     </p:spTree>
     <p:extLst>
       <p:ext uri="{BB962C8B-B14F-4D97-AF65-F5344CB8AC3E}">
-        <p14:creationId xmlns:p14="http://schemas.microsoft.com/office/powerpoint/2010/main" val="154120948"/>
+        <p14:creationId xmlns:p14="http://schemas.microsoft.com/office/powerpoint/2010/main" val="1850335331"/>
       </p:ext>
     </p:extLst>
   </p:cSld>
   <p:clrMapOvr>
     <a:masterClrMapping/>
   </p:clrMapOvr>
+  <p:timing>
+    <p:tnLst>
+      <p:par>
+        <p:cTn id="1" dur="indefinite" restart="never" nodeType="tmRoot"/>
+      </p:par>
+    </p:tnLst>
+  </p:timing>
 </p:sld>
 </file>
 

--- a/round3.pptx
+++ b/round3.pptx
@@ -249,7 +249,7 @@
           <a:p>
             <a:fld id="{1320BD0E-5109-46F8-A5B6-62A588708CC4}" type="datetimeFigureOut">
               <a:rPr lang="zh-CN" altLang="en-US" smtClean="0"/>
-              <a:t>2021/6/10</a:t>
+              <a:t>2021/6/11</a:t>
             </a:fld>
             <a:endParaRPr lang="zh-CN" altLang="en-US"/>
           </a:p>
@@ -897,7 +897,7 @@
           <a:p>
             <a:fld id="{14429FF0-3023-43B6-9AAB-81DD03F4275D}" type="datetimeFigureOut">
               <a:rPr lang="zh-CN" altLang="en-US" smtClean="0"/>
-              <a:t>2021/6/10</a:t>
+              <a:t>2021/6/11</a:t>
             </a:fld>
             <a:endParaRPr lang="zh-CN" altLang="en-US"/>
           </a:p>
@@ -955,13 +955,6 @@
   <p:clrMapOvr>
     <a:masterClrMapping/>
   </p:clrMapOvr>
-  <p:timing>
-    <p:tnLst>
-      <p:par>
-        <p:cTn id="1" dur="indefinite" restart="never" nodeType="tmRoot"/>
-      </p:par>
-    </p:tnLst>
-  </p:timing>
 </p:sldLayout>
 </file>
 
@@ -1072,7 +1065,7 @@
           <a:p>
             <a:fld id="{14429FF0-3023-43B6-9AAB-81DD03F4275D}" type="datetimeFigureOut">
               <a:rPr lang="zh-CN" altLang="en-US" smtClean="0"/>
-              <a:t>2021/6/10</a:t>
+              <a:t>2021/6/11</a:t>
             </a:fld>
             <a:endParaRPr lang="zh-CN" altLang="en-US"/>
           </a:p>
@@ -1130,13 +1123,6 @@
   <p:clrMapOvr>
     <a:masterClrMapping/>
   </p:clrMapOvr>
-  <p:timing>
-    <p:tnLst>
-      <p:par>
-        <p:cTn id="1" dur="indefinite" restart="never" nodeType="tmRoot"/>
-      </p:par>
-    </p:tnLst>
-  </p:timing>
 </p:sldLayout>
 </file>
 
@@ -1257,7 +1243,7 @@
           <a:p>
             <a:fld id="{14429FF0-3023-43B6-9AAB-81DD03F4275D}" type="datetimeFigureOut">
               <a:rPr lang="zh-CN" altLang="en-US" smtClean="0"/>
-              <a:t>2021/6/10</a:t>
+              <a:t>2021/6/11</a:t>
             </a:fld>
             <a:endParaRPr lang="zh-CN" altLang="en-US"/>
           </a:p>
@@ -1315,13 +1301,6 @@
   <p:clrMapOvr>
     <a:masterClrMapping/>
   </p:clrMapOvr>
-  <p:timing>
-    <p:tnLst>
-      <p:par>
-        <p:cTn id="1" dur="indefinite" restart="never" nodeType="tmRoot"/>
-      </p:par>
-    </p:tnLst>
-  </p:timing>
 </p:sldLayout>
 </file>
 
@@ -1432,7 +1411,7 @@
           <a:p>
             <a:fld id="{14429FF0-3023-43B6-9AAB-81DD03F4275D}" type="datetimeFigureOut">
               <a:rPr lang="zh-CN" altLang="en-US" smtClean="0"/>
-              <a:t>2021/6/10</a:t>
+              <a:t>2021/6/11</a:t>
             </a:fld>
             <a:endParaRPr lang="zh-CN" altLang="en-US"/>
           </a:p>
@@ -1490,13 +1469,6 @@
   <p:clrMapOvr>
     <a:masterClrMapping/>
   </p:clrMapOvr>
-  <p:timing>
-    <p:tnLst>
-      <p:par>
-        <p:cTn id="1" dur="indefinite" restart="never" nodeType="tmRoot"/>
-      </p:par>
-    </p:tnLst>
-  </p:timing>
 </p:sldLayout>
 </file>
 
@@ -1684,7 +1656,7 @@
           <a:p>
             <a:fld id="{14429FF0-3023-43B6-9AAB-81DD03F4275D}" type="datetimeFigureOut">
               <a:rPr lang="zh-CN" altLang="en-US" smtClean="0"/>
-              <a:t>2021/6/10</a:t>
+              <a:t>2021/6/11</a:t>
             </a:fld>
             <a:endParaRPr lang="zh-CN" altLang="en-US"/>
           </a:p>
@@ -1742,13 +1714,6 @@
   <p:clrMapOvr>
     <a:masterClrMapping/>
   </p:clrMapOvr>
-  <p:timing>
-    <p:tnLst>
-      <p:par>
-        <p:cTn id="1" dur="indefinite" restart="never" nodeType="tmRoot"/>
-      </p:par>
-    </p:tnLst>
-  </p:timing>
 </p:sldLayout>
 </file>
 
@@ -1920,7 +1885,7 @@
           <a:p>
             <a:fld id="{14429FF0-3023-43B6-9AAB-81DD03F4275D}" type="datetimeFigureOut">
               <a:rPr lang="zh-CN" altLang="en-US" smtClean="0"/>
-              <a:t>2021/6/10</a:t>
+              <a:t>2021/6/11</a:t>
             </a:fld>
             <a:endParaRPr lang="zh-CN" altLang="en-US"/>
           </a:p>
@@ -1978,13 +1943,6 @@
   <p:clrMapOvr>
     <a:masterClrMapping/>
   </p:clrMapOvr>
-  <p:timing>
-    <p:tnLst>
-      <p:par>
-        <p:cTn id="1" dur="indefinite" restart="never" nodeType="tmRoot"/>
-      </p:par>
-    </p:tnLst>
-  </p:timing>
 </p:sldLayout>
 </file>
 
@@ -2291,7 +2249,7 @@
           <a:p>
             <a:fld id="{14429FF0-3023-43B6-9AAB-81DD03F4275D}" type="datetimeFigureOut">
               <a:rPr lang="zh-CN" altLang="en-US" smtClean="0"/>
-              <a:t>2021/6/10</a:t>
+              <a:t>2021/6/11</a:t>
             </a:fld>
             <a:endParaRPr lang="zh-CN" altLang="en-US"/>
           </a:p>
@@ -2349,13 +2307,6 @@
   <p:clrMapOvr>
     <a:masterClrMapping/>
   </p:clrMapOvr>
-  <p:timing>
-    <p:tnLst>
-      <p:par>
-        <p:cTn id="1" dur="indefinite" restart="never" nodeType="tmRoot"/>
-      </p:par>
-    </p:tnLst>
-  </p:timing>
 </p:sldLayout>
 </file>
 
@@ -2415,7 +2366,7 @@
           <a:p>
             <a:fld id="{14429FF0-3023-43B6-9AAB-81DD03F4275D}" type="datetimeFigureOut">
               <a:rPr lang="zh-CN" altLang="en-US" smtClean="0"/>
-              <a:t>2021/6/10</a:t>
+              <a:t>2021/6/11</a:t>
             </a:fld>
             <a:endParaRPr lang="zh-CN" altLang="en-US"/>
           </a:p>
@@ -2473,13 +2424,6 @@
   <p:clrMapOvr>
     <a:masterClrMapping/>
   </p:clrMapOvr>
-  <p:timing>
-    <p:tnLst>
-      <p:par>
-        <p:cTn id="1" dur="indefinite" restart="never" nodeType="tmRoot"/>
-      </p:par>
-    </p:tnLst>
-  </p:timing>
 </p:sldLayout>
 </file>
 
@@ -2517,7 +2461,7 @@
           <a:p>
             <a:fld id="{14429FF0-3023-43B6-9AAB-81DD03F4275D}" type="datetimeFigureOut">
               <a:rPr lang="zh-CN" altLang="en-US" smtClean="0"/>
-              <a:t>2021/6/10</a:t>
+              <a:t>2021/6/11</a:t>
             </a:fld>
             <a:endParaRPr lang="zh-CN" altLang="en-US"/>
           </a:p>
@@ -2575,13 +2519,6 @@
   <p:clrMapOvr>
     <a:masterClrMapping/>
   </p:clrMapOvr>
-  <p:timing>
-    <p:tnLst>
-      <p:par>
-        <p:cTn id="1" dur="indefinite" restart="never" nodeType="tmRoot"/>
-      </p:par>
-    </p:tnLst>
-  </p:timing>
 </p:sldLayout>
 </file>
 
@@ -2799,7 +2736,7 @@
           <a:p>
             <a:fld id="{14429FF0-3023-43B6-9AAB-81DD03F4275D}" type="datetimeFigureOut">
               <a:rPr lang="zh-CN" altLang="en-US" smtClean="0"/>
-              <a:t>2021/6/10</a:t>
+              <a:t>2021/6/11</a:t>
             </a:fld>
             <a:endParaRPr lang="zh-CN" altLang="en-US"/>
           </a:p>
@@ -2857,13 +2794,6 @@
   <p:clrMapOvr>
     <a:masterClrMapping/>
   </p:clrMapOvr>
-  <p:timing>
-    <p:tnLst>
-      <p:par>
-        <p:cTn id="1" dur="indefinite" restart="never" nodeType="tmRoot"/>
-      </p:par>
-    </p:tnLst>
-  </p:timing>
 </p:sldLayout>
 </file>
 
@@ -3058,7 +2988,7 @@
           <a:p>
             <a:fld id="{14429FF0-3023-43B6-9AAB-81DD03F4275D}" type="datetimeFigureOut">
               <a:rPr lang="zh-CN" altLang="en-US" smtClean="0"/>
-              <a:t>2021/6/10</a:t>
+              <a:t>2021/6/11</a:t>
             </a:fld>
             <a:endParaRPr lang="zh-CN" altLang="en-US"/>
           </a:p>
@@ -3116,13 +3046,6 @@
   <p:clrMapOvr>
     <a:masterClrMapping/>
   </p:clrMapOvr>
-  <p:timing>
-    <p:tnLst>
-      <p:par>
-        <p:cTn id="1" dur="indefinite" restart="never" nodeType="tmRoot"/>
-      </p:par>
-    </p:tnLst>
-  </p:timing>
 </p:sldLayout>
 </file>
 
@@ -3276,7 +3199,7 @@
           <a:p>
             <a:fld id="{14429FF0-3023-43B6-9AAB-81DD03F4275D}" type="datetimeFigureOut">
               <a:rPr lang="zh-CN" altLang="en-US" smtClean="0"/>
-              <a:t>2021/6/10</a:t>
+              <a:t>2021/6/11</a:t>
             </a:fld>
             <a:endParaRPr lang="zh-CN" altLang="en-US" dirty="0"/>
           </a:p>
@@ -3381,13 +3304,6 @@
     <p:sldLayoutId id="2147483658" r:id="rId10"/>
     <p:sldLayoutId id="2147483659" r:id="rId11"/>
   </p:sldLayoutIdLst>
-  <p:timing>
-    <p:tnLst>
-      <p:par>
-        <p:cTn id="1" dur="indefinite" restart="never" nodeType="tmRoot"/>
-      </p:par>
-    </p:tnLst>
-  </p:timing>
   <p:txStyles>
     <p:titleStyle>
       <a:lvl1pPr algn="l" defTabSz="914400" rtl="0" eaLnBrk="1" latinLnBrk="0" hangingPunct="1">
@@ -3740,13 +3656,6 @@
   <p:clrMapOvr>
     <a:masterClrMapping/>
   </p:clrMapOvr>
-  <p:timing>
-    <p:tnLst>
-      <p:par>
-        <p:cTn id="1" dur="indefinite" restart="never" nodeType="tmRoot"/>
-      </p:par>
-    </p:tnLst>
-  </p:timing>
 </p:sld>
 </file>
 
@@ -3932,13 +3841,6 @@
   <p:clrMapOvr>
     <a:masterClrMapping/>
   </p:clrMapOvr>
-  <p:timing>
-    <p:tnLst>
-      <p:par>
-        <p:cTn id="1" dur="indefinite" restart="never" nodeType="tmRoot"/>
-      </p:par>
-    </p:tnLst>
-  </p:timing>
 </p:sld>
 </file>
 
@@ -4067,13 +3969,6 @@
   <p:clrMapOvr>
     <a:masterClrMapping/>
   </p:clrMapOvr>
-  <p:timing>
-    <p:tnLst>
-      <p:par>
-        <p:cTn id="1" dur="indefinite" restart="never" nodeType="tmRoot"/>
-      </p:par>
-    </p:tnLst>
-  </p:timing>
 </p:sld>
 </file>
 
@@ -4663,18 +4558,13 @@
           <a:lstStyle/>
           <a:p>
             <a:r>
-              <a:rPr lang="zh-CN" altLang="en-US" dirty="0" smtClean="0">
+              <a:rPr lang="zh-CN" altLang="en-US" dirty="0">
                 <a:solidFill>
                   <a:schemeClr val="bg1"/>
                 </a:solidFill>
               </a:rPr>
               <a:t>完</a:t>
             </a:r>
-            <a:endParaRPr lang="zh-CN" altLang="en-US" dirty="0">
-              <a:solidFill>
-                <a:schemeClr val="bg1"/>
-              </a:solidFill>
-            </a:endParaRPr>
           </a:p>
         </p:txBody>
       </p:sp>
@@ -4751,7 +4641,7 @@
           <a:lstStyle/>
           <a:p>
             <a:r>
-              <a:rPr lang="en-US" altLang="zh-CN" dirty="0" smtClean="0"/>
+              <a:rPr lang="en-US" altLang="zh-CN" dirty="0"/>
               <a:t>Specifications</a:t>
             </a:r>
             <a:endParaRPr lang="zh-CN" altLang="en-US" dirty="0"/>
@@ -5881,13 +5771,6 @@
   <p:clrMapOvr>
     <a:masterClrMapping/>
   </p:clrMapOvr>
-  <p:timing>
-    <p:tnLst>
-      <p:par>
-        <p:cTn id="1" dur="indefinite" restart="never" nodeType="tmRoot"/>
-      </p:par>
-    </p:tnLst>
-  </p:timing>
 </p:sld>
 </file>
 
@@ -6002,13 +5885,6 @@
   <p:clrMapOvr>
     <a:masterClrMapping/>
   </p:clrMapOvr>
-  <p:timing>
-    <p:tnLst>
-      <p:par>
-        <p:cTn id="1" dur="indefinite" restart="never" nodeType="tmRoot"/>
-      </p:par>
-    </p:tnLst>
-  </p:timing>
 </p:sld>
 </file>
 
@@ -6045,7 +5921,7 @@
           <a:lstStyle/>
           <a:p>
             <a:r>
-              <a:rPr lang="en-US" altLang="zh-CN" dirty="0" smtClean="0"/>
+              <a:rPr lang="en-US" altLang="zh-CN" dirty="0"/>
               <a:t>PHOTON</a:t>
             </a:r>
             <a:endParaRPr lang="zh-CN" altLang="en-US" dirty="0"/>
@@ -6171,13 +6047,6 @@
   <p:clrMapOvr>
     <a:masterClrMapping/>
   </p:clrMapOvr>
-  <p:timing>
-    <p:tnLst>
-      <p:par>
-        <p:cTn id="1" dur="indefinite" restart="never" nodeType="tmRoot"/>
-      </p:par>
-    </p:tnLst>
-  </p:timing>
 </p:sld>
 </file>
 
@@ -6322,13 +6191,6 @@
   <p:clrMapOvr>
     <a:masterClrMapping/>
   </p:clrMapOvr>
-  <p:timing>
-    <p:tnLst>
-      <p:par>
-        <p:cTn id="1" dur="indefinite" restart="never" nodeType="tmRoot"/>
-      </p:par>
-    </p:tnLst>
-  </p:timing>
 </p:sld>
 </file>
 
@@ -6443,13 +6305,6 @@
   <p:clrMapOvr>
     <a:masterClrMapping/>
   </p:clrMapOvr>
-  <p:timing>
-    <p:tnLst>
-      <p:par>
-        <p:cTn id="1" dur="indefinite" restart="never" nodeType="tmRoot"/>
-      </p:par>
-    </p:tnLst>
-  </p:timing>
 </p:sld>
 </file>
 
@@ -6594,13 +6449,6 @@
   <p:clrMapOvr>
     <a:masterClrMapping/>
   </p:clrMapOvr>
-  <p:timing>
-    <p:tnLst>
-      <p:par>
-        <p:cTn id="1" dur="indefinite" restart="never" nodeType="tmRoot"/>
-      </p:par>
-    </p:tnLst>
-  </p:timing>
 </p:sld>
 </file>
 
@@ -6715,13 +6563,6 @@
   <p:clrMapOvr>
     <a:masterClrMapping/>
   </p:clrMapOvr>
-  <p:timing>
-    <p:tnLst>
-      <p:par>
-        <p:cTn id="1" dur="indefinite" restart="never" nodeType="tmRoot"/>
-      </p:par>
-    </p:tnLst>
-  </p:timing>
 </p:sld>
 </file>
 
@@ -6926,13 +6767,6 @@
   <p:clrMapOvr>
     <a:masterClrMapping/>
   </p:clrMapOvr>
-  <p:timing>
-    <p:tnLst>
-      <p:par>
-        <p:cTn id="1" dur="indefinite" restart="never" nodeType="tmRoot"/>
-      </p:par>
-    </p:tnLst>
-  </p:timing>
 </p:sld>
 </file>
 
@@ -7047,13 +6881,6 @@
   <p:clrMapOvr>
     <a:masterClrMapping/>
   </p:clrMapOvr>
-  <p:timing>
-    <p:tnLst>
-      <p:par>
-        <p:cTn id="1" dur="indefinite" restart="never" nodeType="tmRoot"/>
-      </p:par>
-    </p:tnLst>
-  </p:timing>
 </p:sld>
 </file>
 
@@ -7098,7 +6925,7 @@
           <a:lstStyle/>
           <a:p>
             <a:r>
-              <a:rPr lang="en-US" altLang="zh-CN" dirty="0" smtClean="0"/>
+              <a:rPr lang="en-US" altLang="zh-CN" dirty="0"/>
               <a:t>Additional</a:t>
             </a:r>
             <a:endParaRPr lang="zh-CN" altLang="en-US" dirty="0"/>
@@ -7134,13 +6961,6 @@
   <p:clrMapOvr>
     <a:masterClrMapping/>
   </p:clrMapOvr>
-  <p:timing>
-    <p:tnLst>
-      <p:par>
-        <p:cTn id="1" dur="indefinite" restart="never" nodeType="tmRoot"/>
-      </p:par>
-    </p:tnLst>
-  </p:timing>
 </p:sld>
 </file>
 
@@ -7319,13 +7139,6 @@
   <p:clrMapOvr>
     <a:masterClrMapping/>
   </p:clrMapOvr>
-  <p:timing>
-    <p:tnLst>
-      <p:par>
-        <p:cTn id="1" dur="indefinite" restart="never" nodeType="tmRoot"/>
-      </p:par>
-    </p:tnLst>
-  </p:timing>
 </p:sld>
 </file>
 
@@ -7368,7 +7181,7 @@
           <a:lstStyle/>
           <a:p>
             <a:r>
-              <a:rPr lang="en-US" altLang="zh-CN" dirty="0" smtClean="0"/>
+              <a:rPr lang="en-US" altLang="zh-CN" dirty="0"/>
               <a:t>PHOTON-256</a:t>
             </a:r>
             <a:endParaRPr lang="zh-CN" altLang="en-US" dirty="0"/>
@@ -7406,19 +7219,7 @@
               <a:rPr lang="en-US" altLang="zh-CN" dirty="0">
                 <a:hlinkClick r:id="rId2" action="ppaction://hlinkfile"/>
               </a:rPr>
-              <a:t>Improving the Upper Bound on the </a:t>
-            </a:r>
-            <a:r>
-              <a:rPr lang="en-US" altLang="zh-CN" dirty="0" smtClean="0">
-                <a:hlinkClick r:id="rId2" action="ppaction://hlinkfile"/>
-              </a:rPr>
-              <a:t>Maximum Differential </a:t>
-            </a:r>
-            <a:r>
-              <a:rPr lang="en-US" altLang="zh-CN" dirty="0">
-                <a:hlinkClick r:id="rId2" action="ppaction://hlinkfile"/>
-              </a:rPr>
-              <a:t>and the Maximum Linear Hull Probability for SPN Structures and AES</a:t>
+              <a:t>Improving the Upper Bound on the Maximum Differential and the Maximum Linear Hull Probability for SPN Structures and AES</a:t>
             </a:r>
             <a:endParaRPr lang="zh-CN" altLang="en-US" dirty="0"/>
           </a:p>
@@ -7482,13 +7283,6 @@
   <p:clrMapOvr>
     <a:masterClrMapping/>
   </p:clrMapOvr>
-  <p:timing>
-    <p:tnLst>
-      <p:par>
-        <p:cTn id="1" dur="indefinite" restart="never" nodeType="tmRoot"/>
-      </p:par>
-    </p:tnLst>
-  </p:timing>
 </p:sld>
 </file>
 
@@ -7680,13 +7474,6 @@
   <p:clrMapOvr>
     <a:masterClrMapping/>
   </p:clrMapOvr>
-  <p:timing>
-    <p:tnLst>
-      <p:par>
-        <p:cTn id="1" dur="indefinite" restart="never" nodeType="tmRoot"/>
-      </p:par>
-    </p:tnLst>
-  </p:timing>
 </p:sld>
 </file>
 
@@ -9028,13 +8815,6 @@
   <p:clrMapOvr>
     <a:masterClrMapping/>
   </p:clrMapOvr>
-  <p:timing>
-    <p:tnLst>
-      <p:par>
-        <p:cTn id="1" dur="indefinite" restart="never" nodeType="tmRoot"/>
-      </p:par>
-    </p:tnLst>
-  </p:timing>
 </p:sld>
 </file>
 
@@ -9836,13 +9616,6 @@
   <p:clrMapOvr>
     <a:masterClrMapping/>
   </p:clrMapOvr>
-  <p:timing>
-    <p:tnLst>
-      <p:par>
-        <p:cTn id="1" dur="indefinite" restart="never" nodeType="tmRoot"/>
-      </p:par>
-    </p:tnLst>
-  </p:timing>
 </p:sld>
 </file>
 
@@ -9885,7 +9658,7 @@
           <a:lstStyle/>
           <a:p>
             <a:r>
-              <a:rPr lang="en-US" altLang="zh-CN" dirty="0" smtClean="0"/>
+              <a:rPr lang="en-US" altLang="zh-CN" dirty="0"/>
               <a:t>PHOTON-256</a:t>
             </a:r>
             <a:endParaRPr lang="zh-CN" altLang="en-US" dirty="0"/>
@@ -9914,7 +9687,7 @@
           <a:lstStyle/>
           <a:p>
             <a:r>
-              <a:rPr lang="en-US" altLang="zh-CN" dirty="0" smtClean="0"/>
+              <a:rPr lang="en-US" altLang="zh-CN" dirty="0"/>
               <a:t>PHOTON specification</a:t>
             </a:r>
           </a:p>
@@ -9926,14 +9699,13 @@
               </a:rPr>
               <a:t>The PHOTON family of lightweight hash functions</a:t>
             </a:r>
-            <a:endParaRPr lang="en-US" altLang="zh-CN" dirty="0" smtClean="0"/>
-          </a:p>
-          <a:p>
-            <a:r>
-              <a:rPr lang="en-US" altLang="zh-CN" dirty="0" smtClean="0"/>
+            <a:endParaRPr lang="en-US" altLang="zh-CN" dirty="0"/>
+          </a:p>
+          <a:p>
+            <a:r>
+              <a:rPr lang="en-US" altLang="zh-CN" dirty="0"/>
               <a:t>Rebound-like</a:t>
             </a:r>
-            <a:endParaRPr lang="en-US" altLang="zh-CN" dirty="0" smtClean="0"/>
           </a:p>
           <a:p>
             <a:pPr lvl="1"/>
@@ -9944,7 +9716,7 @@
               <a:t>Improved rebound attack on the finalist </a:t>
             </a:r>
             <a:r>
-              <a:rPr lang="en-US" altLang="zh-CN" dirty="0" err="1" smtClean="0">
+              <a:rPr lang="en-US" altLang="zh-CN" dirty="0" err="1">
                 <a:hlinkClick r:id="rId3" action="ppaction://hlinkfile"/>
               </a:rPr>
               <a:t>grøstl</a:t>
@@ -9954,13 +9726,9 @@
           <a:p>
             <a:r>
               <a:rPr lang="zh-CN" altLang="en-US" dirty="0"/>
-              <a:t>统计</a:t>
-            </a:r>
-            <a:r>
-              <a:rPr lang="zh-CN" altLang="en-US" dirty="0" smtClean="0"/>
-              <a:t>积分</a:t>
-            </a:r>
-            <a:endParaRPr lang="en-US" altLang="zh-CN" dirty="0" smtClean="0"/>
+              <a:t>统计积分</a:t>
+            </a:r>
+            <a:endParaRPr lang="en-US" altLang="zh-CN" dirty="0"/>
           </a:p>
           <a:p>
             <a:pPr lvl="1"/>
@@ -9968,30 +9736,16 @@
               <a:rPr lang="en-US" altLang="zh-CN" dirty="0">
                 <a:hlinkClick r:id="rId4" action="ppaction://hlinkfile"/>
               </a:rPr>
-              <a:t>Statistical integral distinguisher with multi-structure and its application on </a:t>
-            </a:r>
-            <a:r>
-              <a:rPr lang="en-US" altLang="zh-CN" dirty="0" smtClean="0">
-                <a:hlinkClick r:id="rId4" action="ppaction://hlinkfile"/>
-              </a:rPr>
-              <a:t>AES</a:t>
-            </a:r>
-            <a:endParaRPr lang="en-US" altLang="zh-CN" dirty="0" smtClean="0"/>
-          </a:p>
-          <a:p>
-            <a:r>
-              <a:rPr lang="zh-CN" altLang="en-US" dirty="0" smtClean="0"/>
-              <a:t>零</a:t>
-            </a:r>
+              <a:t>Statistical integral distinguisher with multi-structure and its application on AES</a:t>
+            </a:r>
+            <a:endParaRPr lang="en-US" altLang="zh-CN" dirty="0"/>
+          </a:p>
+          <a:p>
             <a:r>
               <a:rPr lang="zh-CN" altLang="en-US" dirty="0"/>
-              <a:t>和</a:t>
-            </a:r>
-            <a:r>
-              <a:rPr lang="zh-CN" altLang="en-US" dirty="0" smtClean="0"/>
-              <a:t>划分</a:t>
-            </a:r>
-            <a:endParaRPr lang="en-US" altLang="zh-CN" dirty="0" smtClean="0"/>
+              <a:t>零和划分</a:t>
+            </a:r>
+            <a:endParaRPr lang="en-US" altLang="zh-CN" dirty="0"/>
           </a:p>
           <a:p>
             <a:pPr lvl="1"/>
@@ -10019,13 +9773,6 @@
   <p:clrMapOvr>
     <a:masterClrMapping/>
   </p:clrMapOvr>
-  <p:timing>
-    <p:tnLst>
-      <p:par>
-        <p:cTn id="1" dur="indefinite" restart="never" nodeType="tmRoot"/>
-      </p:par>
-    </p:tnLst>
-  </p:timing>
 </p:sld>
 </file>
 
@@ -10097,22 +9844,10 @@
           <a:lstStyle/>
           <a:p>
             <a:r>
-              <a:rPr lang="en-US" altLang="zh-CN" dirty="0" smtClean="0">
-                <a:hlinkClick r:id="rId2" action="ppaction://hlinkfile"/>
-              </a:rPr>
-              <a:t>Multiple </a:t>
-            </a:r>
-            <a:r>
               <a:rPr lang="en-US" altLang="zh-CN" dirty="0">
                 <a:hlinkClick r:id="rId2" action="ppaction://hlinkfile"/>
               </a:rPr>
-              <a:t>limited-birthday distinguishers and </a:t>
-            </a:r>
-            <a:r>
-              <a:rPr lang="en-US" altLang="zh-CN" dirty="0" smtClean="0">
-                <a:hlinkClick r:id="rId2" action="ppaction://hlinkfile"/>
-              </a:rPr>
-              <a:t>applications</a:t>
+              <a:t>Multiple limited-birthday distinguishers and applications</a:t>
             </a:r>
             <a:endParaRPr lang="en-US" altLang="zh-CN" dirty="0"/>
           </a:p>
@@ -10128,13 +9863,6 @@
   <p:clrMapOvr>
     <a:masterClrMapping/>
   </p:clrMapOvr>
-  <p:timing>
-    <p:tnLst>
-      <p:par>
-        <p:cTn id="1" dur="indefinite" restart="never" nodeType="tmRoot"/>
-      </p:par>
-    </p:tnLst>
-  </p:timing>
 </p:sld>
 </file>
 
@@ -10307,13 +10035,6 @@
   <p:clrMapOvr>
     <a:masterClrMapping/>
   </p:clrMapOvr>
-  <p:timing>
-    <p:tnLst>
-      <p:par>
-        <p:cTn id="1" dur="indefinite" restart="never" nodeType="tmRoot"/>
-      </p:par>
-    </p:tnLst>
-  </p:timing>
 </p:sld>
 </file>
 
@@ -10437,13 +10158,6 @@
   <p:clrMapOvr>
     <a:masterClrMapping/>
   </p:clrMapOvr>
-  <p:timing>
-    <p:tnLst>
-      <p:par>
-        <p:cTn id="1" dur="indefinite" restart="never" nodeType="tmRoot"/>
-      </p:par>
-    </p:tnLst>
-  </p:timing>
 </p:sld>
 </file>
 
@@ -10501,7 +10215,7 @@
           <a:lstStyle/>
           <a:p>
             <a:r>
-              <a:rPr lang="en-US" altLang="zh-CN" dirty="0" smtClean="0"/>
+              <a:rPr lang="en-US" altLang="zh-CN" dirty="0"/>
               <a:t>Rebound</a:t>
             </a:r>
           </a:p>
@@ -10512,55 +10226,43 @@
               <a:t>The Rebound Attack: Cryptanalysis of Reduced Whirlpool and </a:t>
             </a:r>
             <a:r>
-              <a:rPr lang="en-US" altLang="zh-CN" dirty="0" err="1" smtClean="0"/>
+              <a:rPr lang="en-US" altLang="zh-CN" dirty="0" err="1"/>
               <a:t>Grøstl</a:t>
             </a:r>
-            <a:endParaRPr lang="en-US" altLang="zh-CN" dirty="0" smtClean="0"/>
-          </a:p>
-          <a:p>
-            <a:r>
-              <a:rPr lang="en-US" altLang="zh-CN" dirty="0" smtClean="0"/>
+            <a:endParaRPr lang="en-US" altLang="zh-CN" dirty="0"/>
+          </a:p>
+          <a:p>
+            <a:r>
+              <a:rPr lang="en-US" altLang="zh-CN" dirty="0"/>
               <a:t>Super-</a:t>
             </a:r>
             <a:r>
-              <a:rPr lang="en-US" altLang="zh-CN" dirty="0" err="1" smtClean="0"/>
+              <a:rPr lang="en-US" altLang="zh-CN" dirty="0" err="1"/>
               <a:t>Sbox</a:t>
             </a:r>
-            <a:endParaRPr lang="en-US" altLang="zh-CN" dirty="0" smtClean="0"/>
+            <a:endParaRPr lang="en-US" altLang="zh-CN" dirty="0"/>
           </a:p>
           <a:p>
             <a:pPr lvl="1"/>
             <a:r>
-              <a:rPr lang="en-US" altLang="zh-CN" dirty="0" smtClean="0">
+              <a:rPr lang="en-US" altLang="zh-CN" dirty="0">
                 <a:hlinkClick r:id="rId2" action="ppaction://hlinkfile"/>
               </a:rPr>
               <a:t>Super-</a:t>
             </a:r>
             <a:r>
-              <a:rPr lang="en-US" altLang="zh-CN" dirty="0" err="1" smtClean="0">
+              <a:rPr lang="en-US" altLang="zh-CN" dirty="0" err="1">
                 <a:hlinkClick r:id="rId2" action="ppaction://hlinkfile"/>
               </a:rPr>
               <a:t>Sbox</a:t>
             </a:r>
             <a:r>
-              <a:rPr lang="en-US" altLang="zh-CN" dirty="0" smtClean="0">
-                <a:hlinkClick r:id="rId2" action="ppaction://hlinkfile"/>
-              </a:rPr>
-              <a:t> </a:t>
-            </a:r>
-            <a:r>
               <a:rPr lang="en-US" altLang="zh-CN" dirty="0">
                 <a:hlinkClick r:id="rId2" action="ppaction://hlinkfile"/>
               </a:rPr>
-              <a:t>Cryptanalysis: Improved Attacks for AES-Like </a:t>
-            </a:r>
-            <a:r>
-              <a:rPr lang="en-US" altLang="zh-CN" dirty="0" smtClean="0">
-                <a:hlinkClick r:id="rId2" action="ppaction://hlinkfile"/>
-              </a:rPr>
-              <a:t>Permutations</a:t>
-            </a:r>
-            <a:endParaRPr lang="en-US" altLang="zh-CN" dirty="0" smtClean="0"/>
+              <a:t> Cryptanalysis: Improved Attacks for AES-Like Permutations</a:t>
+            </a:r>
+            <a:endParaRPr lang="en-US" altLang="zh-CN" dirty="0"/>
           </a:p>
           <a:p>
             <a:pPr lvl="1"/>
@@ -10568,31 +10270,21 @@
               <a:rPr lang="en-US" altLang="zh-CN" dirty="0">
                 <a:hlinkClick r:id="rId3" action="ppaction://hlinkfile"/>
               </a:rPr>
-              <a:t>Rebound Distinguishers: Results on the Full Whirlpool Compression </a:t>
-            </a:r>
-            <a:r>
-              <a:rPr lang="en-US" altLang="zh-CN" dirty="0" smtClean="0">
-                <a:hlinkClick r:id="rId3" action="ppaction://hlinkfile"/>
-              </a:rPr>
-              <a:t>Function</a:t>
-            </a:r>
-            <a:endParaRPr lang="en-US" altLang="zh-CN" dirty="0" smtClean="0"/>
-          </a:p>
-          <a:p>
-            <a:r>
-              <a:rPr lang="en-US" altLang="zh-CN" dirty="0" smtClean="0"/>
+              <a:t>Rebound Distinguishers: Results on the Full Whirlpool Compression Function</a:t>
+            </a:r>
+            <a:endParaRPr lang="en-US" altLang="zh-CN" dirty="0"/>
+          </a:p>
+          <a:p>
+            <a:r>
+              <a:rPr lang="en-US" altLang="zh-CN" dirty="0"/>
               <a:t>Non-full active diff path</a:t>
             </a:r>
           </a:p>
           <a:p>
             <a:pPr lvl="1"/>
             <a:r>
-              <a:rPr lang="en-US" altLang="zh-CN" dirty="0" smtClean="0"/>
-              <a:t>Non-full-active </a:t>
-            </a:r>
-            <a:r>
-              <a:rPr lang="en-US" altLang="zh-CN" dirty="0"/>
-              <a:t>Super-</a:t>
+              <a:rPr lang="en-US" altLang="zh-CN" dirty="0"/>
+              <a:t>Non-full-active Super-</a:t>
             </a:r>
             <a:r>
               <a:rPr lang="en-US" altLang="zh-CN" dirty="0" err="1"/>
@@ -10603,32 +10295,31 @@
               <a:t> Analysis: Applications to ECHO and </a:t>
             </a:r>
             <a:r>
-              <a:rPr lang="en-US" altLang="zh-CN" dirty="0" err="1" smtClean="0"/>
-              <a:t>Grøstl</a:t>
-            </a:r>
-            <a:endParaRPr lang="en-US" altLang="zh-CN" dirty="0" smtClean="0"/>
-          </a:p>
-          <a:p>
-            <a:r>
-              <a:rPr lang="en-US" altLang="zh-CN" dirty="0" smtClean="0"/>
-              <a:t>Start-from-the-middle</a:t>
-            </a:r>
-          </a:p>
-          <a:p>
-            <a:pPr lvl="1"/>
-            <a:r>
-              <a:rPr lang="en-US" altLang="zh-CN" dirty="0"/>
-              <a:t>Improved Cryptanalysis of the Reduced </a:t>
-            </a:r>
-            <a:r>
               <a:rPr lang="en-US" altLang="zh-CN" dirty="0" err="1"/>
               <a:t>Grøstl</a:t>
             </a:r>
+            <a:endParaRPr lang="en-US" altLang="zh-CN" dirty="0"/>
+          </a:p>
+          <a:p>
+            <a:r>
+              <a:rPr lang="en-US" altLang="zh-CN" dirty="0"/>
+              <a:t>Start-from-the-middle</a:t>
+            </a:r>
+          </a:p>
+          <a:p>
+            <a:pPr lvl="1"/>
+            <a:r>
+              <a:rPr lang="en-US" altLang="zh-CN" dirty="0"/>
+              <a:t>Improved Cryptanalysis of the Reduced </a:t>
+            </a:r>
+            <a:r>
+              <a:rPr lang="en-US" altLang="zh-CN" dirty="0" err="1"/>
+              <a:t>Grøstl</a:t>
+            </a:r>
             <a:r>
               <a:rPr lang="en-US" altLang="zh-CN" dirty="0"/>
               <a:t> Compression Function, ECHO Permutation and AES Block Cipher</a:t>
             </a:r>
-            <a:endParaRPr lang="en-US" altLang="zh-CN" dirty="0" smtClean="0"/>
           </a:p>
         </p:txBody>
       </p:sp>
@@ -10642,13 +10333,6 @@
   <p:clrMapOvr>
     <a:masterClrMapping/>
   </p:clrMapOvr>
-  <p:timing>
-    <p:tnLst>
-      <p:par>
-        <p:cTn id="1" dur="indefinite" restart="never" nodeType="tmRoot"/>
-      </p:par>
-    </p:tnLst>
-  </p:timing>
 </p:sld>
 </file>
 
@@ -10865,13 +10549,6 @@
   <p:clrMapOvr>
     <a:masterClrMapping/>
   </p:clrMapOvr>
-  <p:timing>
-    <p:tnLst>
-      <p:par>
-        <p:cTn id="1" dur="indefinite" restart="never" nodeType="tmRoot"/>
-      </p:par>
-    </p:tnLst>
-  </p:timing>
 </p:sld>
 </file>
 
@@ -11187,7 +10864,7 @@
           <a:lstStyle/>
           <a:p>
             <a:r>
-              <a:rPr lang="en-US" altLang="zh-CN" dirty="0" smtClean="0"/>
+              <a:rPr lang="en-US" altLang="zh-CN" dirty="0"/>
               <a:t>PHOTON-256</a:t>
             </a:r>
             <a:endParaRPr lang="zh-CN" altLang="en-US" dirty="0"/>
@@ -11216,7 +10893,7 @@
           <a:lstStyle/>
           <a:p>
             <a:r>
-              <a:rPr lang="en-US" altLang="zh-CN" dirty="0" smtClean="0"/>
+              <a:rPr lang="en-US" altLang="zh-CN" dirty="0"/>
               <a:t>PHOTON specification</a:t>
             </a:r>
           </a:p>
@@ -11228,14 +10905,13 @@
               </a:rPr>
               <a:t>The PHOTON family of lightweight hash functions</a:t>
             </a:r>
-            <a:endParaRPr lang="en-US" altLang="zh-CN" dirty="0" smtClean="0"/>
-          </a:p>
-          <a:p>
-            <a:r>
-              <a:rPr lang="en-US" altLang="zh-CN" dirty="0" smtClean="0"/>
+            <a:endParaRPr lang="en-US" altLang="zh-CN" dirty="0"/>
+          </a:p>
+          <a:p>
+            <a:r>
+              <a:rPr lang="en-US" altLang="zh-CN" dirty="0"/>
               <a:t>Rebound-like</a:t>
             </a:r>
-            <a:endParaRPr lang="en-US" altLang="zh-CN" dirty="0" smtClean="0"/>
           </a:p>
           <a:p>
             <a:pPr lvl="1"/>
@@ -11246,7 +10922,7 @@
               <a:t>Improved rebound attack on the finalist </a:t>
             </a:r>
             <a:r>
-              <a:rPr lang="en-US" altLang="zh-CN" dirty="0" err="1" smtClean="0">
+              <a:rPr lang="en-US" altLang="zh-CN" dirty="0" err="1">
                 <a:hlinkClick r:id="rId3" action="ppaction://hlinkfile"/>
               </a:rPr>
               <a:t>grøstl</a:t>
@@ -11256,13 +10932,9 @@
           <a:p>
             <a:r>
               <a:rPr lang="zh-CN" altLang="en-US" dirty="0"/>
-              <a:t>统计</a:t>
-            </a:r>
-            <a:r>
-              <a:rPr lang="zh-CN" altLang="en-US" dirty="0" smtClean="0"/>
-              <a:t>积分</a:t>
-            </a:r>
-            <a:endParaRPr lang="en-US" altLang="zh-CN" dirty="0" smtClean="0"/>
+              <a:t>统计积分</a:t>
+            </a:r>
+            <a:endParaRPr lang="en-US" altLang="zh-CN" dirty="0"/>
           </a:p>
           <a:p>
             <a:pPr lvl="1"/>
@@ -11270,30 +10942,16 @@
               <a:rPr lang="en-US" altLang="zh-CN" dirty="0">
                 <a:hlinkClick r:id="rId4" action="ppaction://hlinkfile"/>
               </a:rPr>
-              <a:t>Statistical integral distinguisher with multi-structure and its application on </a:t>
-            </a:r>
-            <a:r>
-              <a:rPr lang="en-US" altLang="zh-CN" dirty="0" smtClean="0">
-                <a:hlinkClick r:id="rId4" action="ppaction://hlinkfile"/>
-              </a:rPr>
-              <a:t>AES</a:t>
-            </a:r>
-            <a:endParaRPr lang="en-US" altLang="zh-CN" dirty="0" smtClean="0"/>
-          </a:p>
-          <a:p>
-            <a:r>
-              <a:rPr lang="zh-CN" altLang="en-US" dirty="0" smtClean="0"/>
-              <a:t>零</a:t>
-            </a:r>
+              <a:t>Statistical integral distinguisher with multi-structure and its application on AES</a:t>
+            </a:r>
+            <a:endParaRPr lang="en-US" altLang="zh-CN" dirty="0"/>
+          </a:p>
+          <a:p>
             <a:r>
               <a:rPr lang="zh-CN" altLang="en-US" dirty="0"/>
-              <a:t>和</a:t>
-            </a:r>
-            <a:r>
-              <a:rPr lang="zh-CN" altLang="en-US" dirty="0" smtClean="0"/>
-              <a:t>划分</a:t>
-            </a:r>
-            <a:endParaRPr lang="en-US" altLang="zh-CN" dirty="0" smtClean="0"/>
+              <a:t>零和划分</a:t>
+            </a:r>
+            <a:endParaRPr lang="en-US" altLang="zh-CN" dirty="0"/>
           </a:p>
           <a:p>
             <a:pPr lvl="1"/>
@@ -11321,13 +10979,6 @@
   <p:clrMapOvr>
     <a:masterClrMapping/>
   </p:clrMapOvr>
-  <p:timing>
-    <p:tnLst>
-      <p:par>
-        <p:cTn id="1" dur="indefinite" restart="never" nodeType="tmRoot"/>
-      </p:par>
-    </p:tnLst>
-  </p:timing>
 </p:sld>
 </file>
 
@@ -11491,13 +11142,6 @@
   <p:clrMapOvr>
     <a:masterClrMapping/>
   </p:clrMapOvr>
-  <p:timing>
-    <p:tnLst>
-      <p:par>
-        <p:cTn id="1" dur="indefinite" restart="never" nodeType="tmRoot"/>
-      </p:par>
-    </p:tnLst>
-  </p:timing>
 </p:sld>
 </file>
 
@@ -11633,13 +11277,6 @@
   <p:clrMapOvr>
     <a:masterClrMapping/>
   </p:clrMapOvr>
-  <p:timing>
-    <p:tnLst>
-      <p:par>
-        <p:cTn id="1" dur="indefinite" restart="never" nodeType="tmRoot"/>
-      </p:par>
-    </p:tnLst>
-  </p:timing>
 </p:sld>
 </file>
 
@@ -11734,13 +11371,6 @@
   <p:clrMapOvr>
     <a:masterClrMapping/>
   </p:clrMapOvr>
-  <p:timing>
-    <p:tnLst>
-      <p:par>
-        <p:cTn id="1" dur="indefinite" restart="never" nodeType="tmRoot"/>
-      </p:par>
-    </p:tnLst>
-  </p:timing>
 </p:sld>
 </file>
 

--- a/round3.pptx
+++ b/round3.pptx
@@ -5,7 +5,7 @@
     <p:sldMasterId id="2147483648" r:id="rId1"/>
   </p:sldMasterIdLst>
   <p:notesMasterIdLst>
-    <p:notesMasterId r:id="rId55"/>
+    <p:notesMasterId r:id="rId56"/>
   </p:notesMasterIdLst>
   <p:sldIdLst>
     <p:sldId id="256" r:id="rId2"/>
@@ -51,16 +51,17 @@
     <p:sldId id="317" r:id="rId42"/>
     <p:sldId id="319" r:id="rId43"/>
     <p:sldId id="320" r:id="rId44"/>
-    <p:sldId id="318" r:id="rId45"/>
-    <p:sldId id="259" r:id="rId46"/>
-    <p:sldId id="298" r:id="rId47"/>
-    <p:sldId id="263" r:id="rId48"/>
-    <p:sldId id="302" r:id="rId49"/>
-    <p:sldId id="264" r:id="rId50"/>
-    <p:sldId id="303" r:id="rId51"/>
-    <p:sldId id="265" r:id="rId52"/>
-    <p:sldId id="260" r:id="rId53"/>
-    <p:sldId id="312" r:id="rId54"/>
+    <p:sldId id="331" r:id="rId45"/>
+    <p:sldId id="318" r:id="rId46"/>
+    <p:sldId id="259" r:id="rId47"/>
+    <p:sldId id="298" r:id="rId48"/>
+    <p:sldId id="263" r:id="rId49"/>
+    <p:sldId id="302" r:id="rId50"/>
+    <p:sldId id="264" r:id="rId51"/>
+    <p:sldId id="303" r:id="rId52"/>
+    <p:sldId id="265" r:id="rId53"/>
+    <p:sldId id="260" r:id="rId54"/>
+    <p:sldId id="312" r:id="rId55"/>
   </p:sldIdLst>
   <p:sldSz cx="12192000" cy="6858000"/>
   <p:notesSz cx="6858000" cy="9144000"/>
@@ -719,7 +720,6 @@
     </c:plotArea>
     <c:legend>
       <c:legendPos val="r"/>
-      <c:layout/>
       <c:overlay val="0"/>
     </c:legend>
     <c:plotVisOnly val="1"/>
@@ -1321,7 +1321,6 @@
     </c:plotArea>
     <c:legend>
       <c:legendPos val="r"/>
-      <c:layout/>
       <c:overlay val="0"/>
       <c:spPr>
         <a:noFill/>
@@ -2006,7 +2005,7 @@
           <a:p>
             <a:fld id="{1320BD0E-5109-46F8-A5B6-62A588708CC4}" type="datetimeFigureOut">
               <a:rPr lang="zh-CN" altLang="en-US" smtClean="0"/>
-              <a:t>2021/6/17</a:t>
+              <a:t>2021/6/18</a:t>
             </a:fld>
             <a:endParaRPr lang="zh-CN" altLang="en-US"/>
           </a:p>
@@ -2738,7 +2737,7 @@
           <a:p>
             <a:fld id="{14429FF0-3023-43B6-9AAB-81DD03F4275D}" type="datetimeFigureOut">
               <a:rPr lang="zh-CN" altLang="en-US" smtClean="0"/>
-              <a:t>2021/6/17</a:t>
+              <a:t>2021/6/18</a:t>
             </a:fld>
             <a:endParaRPr lang="zh-CN" altLang="en-US"/>
           </a:p>
@@ -2906,7 +2905,7 @@
           <a:p>
             <a:fld id="{14429FF0-3023-43B6-9AAB-81DD03F4275D}" type="datetimeFigureOut">
               <a:rPr lang="zh-CN" altLang="en-US" smtClean="0"/>
-              <a:t>2021/6/17</a:t>
+              <a:t>2021/6/18</a:t>
             </a:fld>
             <a:endParaRPr lang="zh-CN" altLang="en-US"/>
           </a:p>
@@ -3084,7 +3083,7 @@
           <a:p>
             <a:fld id="{14429FF0-3023-43B6-9AAB-81DD03F4275D}" type="datetimeFigureOut">
               <a:rPr lang="zh-CN" altLang="en-US" smtClean="0"/>
-              <a:t>2021/6/17</a:t>
+              <a:t>2021/6/18</a:t>
             </a:fld>
             <a:endParaRPr lang="zh-CN" altLang="en-US"/>
           </a:p>
@@ -3252,7 +3251,7 @@
           <a:p>
             <a:fld id="{14429FF0-3023-43B6-9AAB-81DD03F4275D}" type="datetimeFigureOut">
               <a:rPr lang="zh-CN" altLang="en-US" smtClean="0"/>
-              <a:t>2021/6/17</a:t>
+              <a:t>2021/6/18</a:t>
             </a:fld>
             <a:endParaRPr lang="zh-CN" altLang="en-US"/>
           </a:p>
@@ -3497,7 +3496,7 @@
           <a:p>
             <a:fld id="{14429FF0-3023-43B6-9AAB-81DD03F4275D}" type="datetimeFigureOut">
               <a:rPr lang="zh-CN" altLang="en-US" smtClean="0"/>
-              <a:t>2021/6/17</a:t>
+              <a:t>2021/6/18</a:t>
             </a:fld>
             <a:endParaRPr lang="zh-CN" altLang="en-US"/>
           </a:p>
@@ -3726,7 +3725,7 @@
           <a:p>
             <a:fld id="{14429FF0-3023-43B6-9AAB-81DD03F4275D}" type="datetimeFigureOut">
               <a:rPr lang="zh-CN" altLang="en-US" smtClean="0"/>
-              <a:t>2021/6/17</a:t>
+              <a:t>2021/6/18</a:t>
             </a:fld>
             <a:endParaRPr lang="zh-CN" altLang="en-US"/>
           </a:p>
@@ -4090,7 +4089,7 @@
           <a:p>
             <a:fld id="{14429FF0-3023-43B6-9AAB-81DD03F4275D}" type="datetimeFigureOut">
               <a:rPr lang="zh-CN" altLang="en-US" smtClean="0"/>
-              <a:t>2021/6/17</a:t>
+              <a:t>2021/6/18</a:t>
             </a:fld>
             <a:endParaRPr lang="zh-CN" altLang="en-US"/>
           </a:p>
@@ -4207,7 +4206,7 @@
           <a:p>
             <a:fld id="{14429FF0-3023-43B6-9AAB-81DD03F4275D}" type="datetimeFigureOut">
               <a:rPr lang="zh-CN" altLang="en-US" smtClean="0"/>
-              <a:t>2021/6/17</a:t>
+              <a:t>2021/6/18</a:t>
             </a:fld>
             <a:endParaRPr lang="zh-CN" altLang="en-US"/>
           </a:p>
@@ -4302,7 +4301,7 @@
           <a:p>
             <a:fld id="{14429FF0-3023-43B6-9AAB-81DD03F4275D}" type="datetimeFigureOut">
               <a:rPr lang="zh-CN" altLang="en-US" smtClean="0"/>
-              <a:t>2021/6/17</a:t>
+              <a:t>2021/6/18</a:t>
             </a:fld>
             <a:endParaRPr lang="zh-CN" altLang="en-US"/>
           </a:p>
@@ -4577,7 +4576,7 @@
           <a:p>
             <a:fld id="{14429FF0-3023-43B6-9AAB-81DD03F4275D}" type="datetimeFigureOut">
               <a:rPr lang="zh-CN" altLang="en-US" smtClean="0"/>
-              <a:t>2021/6/17</a:t>
+              <a:t>2021/6/18</a:t>
             </a:fld>
             <a:endParaRPr lang="zh-CN" altLang="en-US"/>
           </a:p>
@@ -4829,7 +4828,7 @@
           <a:p>
             <a:fld id="{14429FF0-3023-43B6-9AAB-81DD03F4275D}" type="datetimeFigureOut">
               <a:rPr lang="zh-CN" altLang="en-US" smtClean="0"/>
-              <a:t>2021/6/17</a:t>
+              <a:t>2021/6/18</a:t>
             </a:fld>
             <a:endParaRPr lang="zh-CN" altLang="en-US"/>
           </a:p>
@@ -5040,7 +5039,7 @@
           <a:p>
             <a:fld id="{14429FF0-3023-43B6-9AAB-81DD03F4275D}" type="datetimeFigureOut">
               <a:rPr lang="zh-CN" altLang="en-US" smtClean="0"/>
-              <a:t>2021/6/17</a:t>
+              <a:t>2021/6/18</a:t>
             </a:fld>
             <a:endParaRPr lang="zh-CN" altLang="en-US" dirty="0"/>
           </a:p>
@@ -5790,7 +5789,7 @@
           <a:lstStyle/>
           <a:p>
             <a:r>
-              <a:rPr lang="en-US" altLang="zh-CN" dirty="0" err="1" smtClean="0"/>
+              <a:rPr lang="en-US" altLang="zh-CN" dirty="0" err="1"/>
               <a:t>Spongent</a:t>
             </a:r>
             <a:endParaRPr lang="zh-CN" altLang="en-US" dirty="0"/>
@@ -7649,13 +7648,13 @@
                     <a:lstStyle/>
                     <a:p>
                       <a:r>
-                        <a:rPr lang="en-US" altLang="zh-CN" dirty="0" smtClean="0">
+                        <a:rPr lang="en-US" altLang="zh-CN" dirty="0">
                           <a:hlinkClick r:id="rId6" action="ppaction://hlinkfile"/>
                         </a:rPr>
                         <a:t>Keccak</a:t>
                       </a:r>
                       <a:r>
-                        <a:rPr lang="en-US" altLang="zh-CN" dirty="0" smtClean="0"/>
+                        <a:rPr lang="en-US" altLang="zh-CN" dirty="0"/>
                         <a:t>-f[200,400]</a:t>
                       </a:r>
                       <a:endParaRPr lang="zh-CN" altLang="en-US" dirty="0"/>
@@ -7843,7 +7842,7 @@
                     <a:lstStyle/>
                     <a:p>
                       <a:r>
-                        <a:rPr lang="en-US" altLang="zh-CN" dirty="0" smtClean="0">
+                        <a:rPr lang="en-US" altLang="zh-CN" dirty="0">
                           <a:hlinkClick r:id="rId10" action="ppaction://hlinkfile"/>
                         </a:rPr>
                         <a:t>XOODOO</a:t>
@@ -12555,12 +12554,12 @@
                     <a:p>
                       <a:pPr algn="r" fontAlgn="b"/>
                       <a:r>
-                        <a:rPr lang="en-US" altLang="zh-CN" sz="1500" u="none" strike="noStrike">
+                        <a:rPr lang="en-US" altLang="zh-CN" sz="1500" u="none" strike="noStrike" dirty="0">
                           <a:effectLst/>
                         </a:rPr>
                         <a:t>8</a:t>
                       </a:r>
-                      <a:endParaRPr lang="en-US" altLang="zh-CN" sz="1500" b="0" i="0" u="none" strike="noStrike">
+                      <a:endParaRPr lang="en-US" altLang="zh-CN" sz="1500" b="0" i="0" u="none" strike="noStrike" dirty="0">
                         <a:solidFill>
                           <a:srgbClr val="000000"/>
                         </a:solidFill>
@@ -12579,12 +12578,12 @@
                     <a:p>
                       <a:pPr algn="r" fontAlgn="b"/>
                       <a:r>
-                        <a:rPr lang="en-US" altLang="zh-CN" sz="1500" u="none" strike="noStrike">
+                        <a:rPr lang="en-US" altLang="zh-CN" sz="1500" u="none" strike="noStrike" dirty="0">
                           <a:effectLst/>
                         </a:rPr>
                         <a:t>4</a:t>
                       </a:r>
-                      <a:endParaRPr lang="en-US" altLang="zh-CN" sz="1500" b="0" i="0" u="none" strike="noStrike">
+                      <a:endParaRPr lang="en-US" altLang="zh-CN" sz="1500" b="0" i="0" u="none" strike="noStrike" dirty="0">
                         <a:solidFill>
                           <a:srgbClr val="000000"/>
                         </a:solidFill>
@@ -12602,7 +12601,7 @@
                     <a:lstStyle/>
                     <a:p>
                       <a:pPr algn="l" fontAlgn="b"/>
-                      <a:endParaRPr lang="zh-CN" altLang="en-US" sz="1500" b="0" i="0" u="none" strike="noStrike">
+                      <a:endParaRPr lang="zh-CN" altLang="en-US" sz="1500" b="0" i="0" u="none" strike="noStrike" dirty="0">
                         <a:solidFill>
                           <a:srgbClr val="000000"/>
                         </a:solidFill>
@@ -12775,12 +12774,12 @@
                     <a:p>
                       <a:pPr algn="r" fontAlgn="b"/>
                       <a:r>
-                        <a:rPr lang="en-US" altLang="zh-CN" sz="1500" u="none" strike="noStrike">
+                        <a:rPr lang="en-US" altLang="zh-CN" sz="1500" u="none" strike="noStrike" dirty="0">
                           <a:effectLst/>
                         </a:rPr>
                         <a:t>3</a:t>
                       </a:r>
-                      <a:endParaRPr lang="en-US" altLang="zh-CN" sz="1500" b="0" i="0" u="none" strike="noStrike">
+                      <a:endParaRPr lang="en-US" altLang="zh-CN" sz="1500" b="0" i="0" u="none" strike="noStrike" dirty="0">
                         <a:solidFill>
                           <a:srgbClr val="000000"/>
                         </a:solidFill>
@@ -12817,12 +12816,12 @@
                     <a:p>
                       <a:pPr algn="r" fontAlgn="b"/>
                       <a:r>
-                        <a:rPr lang="en-US" altLang="zh-CN" sz="1500" u="none" strike="noStrike">
+                        <a:rPr lang="en-US" altLang="zh-CN" sz="1500" u="none" strike="noStrike" dirty="0">
                           <a:effectLst/>
                         </a:rPr>
                         <a:t>12</a:t>
                       </a:r>
-                      <a:endParaRPr lang="en-US" altLang="zh-CN" sz="1500" b="0" i="0" u="none" strike="noStrike">
+                      <a:endParaRPr lang="en-US" altLang="zh-CN" sz="1500" b="0" i="0" u="none" strike="noStrike" dirty="0">
                         <a:solidFill>
                           <a:srgbClr val="000000"/>
                         </a:solidFill>
@@ -12965,12 +12964,12 @@
                     <a:p>
                       <a:pPr algn="r" fontAlgn="b"/>
                       <a:r>
-                        <a:rPr lang="en-US" altLang="zh-CN" sz="1500" u="none" strike="noStrike">
+                        <a:rPr lang="en-US" altLang="zh-CN" sz="1500" u="none" strike="noStrike" dirty="0">
                           <a:effectLst/>
                         </a:rPr>
                         <a:t>80</a:t>
                       </a:r>
-                      <a:endParaRPr lang="en-US" altLang="zh-CN" sz="1500" b="0" i="0" u="none" strike="noStrike">
+                      <a:endParaRPr lang="en-US" altLang="zh-CN" sz="1500" b="0" i="0" u="none" strike="noStrike" dirty="0">
                         <a:solidFill>
                           <a:srgbClr val="000000"/>
                         </a:solidFill>
@@ -12989,12 +12988,12 @@
                     <a:p>
                       <a:pPr algn="r" fontAlgn="b"/>
                       <a:r>
-                        <a:rPr lang="en-US" altLang="zh-CN" sz="1500" u="none" strike="noStrike">
+                        <a:rPr lang="en-US" altLang="zh-CN" sz="1500" u="none" strike="noStrike" dirty="0">
                           <a:effectLst/>
                         </a:rPr>
                         <a:t>11</a:t>
                       </a:r>
-                      <a:endParaRPr lang="en-US" altLang="zh-CN" sz="1500" b="0" i="0" u="none" strike="noStrike">
+                      <a:endParaRPr lang="en-US" altLang="zh-CN" sz="1500" b="0" i="0" u="none" strike="noStrike" dirty="0">
                         <a:solidFill>
                           <a:srgbClr val="000000"/>
                         </a:solidFill>
@@ -13226,7 +13225,7 @@
                     <a:lstStyle/>
                     <a:p>
                       <a:pPr algn="l" fontAlgn="b"/>
-                      <a:endParaRPr lang="zh-CN" altLang="en-US" sz="1500" b="0" i="0" u="none" strike="noStrike">
+                      <a:endParaRPr lang="zh-CN" altLang="en-US" sz="1500" b="0" i="0" u="none" strike="noStrike" dirty="0">
                         <a:solidFill>
                           <a:srgbClr val="000000"/>
                         </a:solidFill>
@@ -13422,7 +13421,7 @@
                     <a:lstStyle/>
                     <a:p>
                       <a:pPr algn="l" fontAlgn="b"/>
-                      <a:endParaRPr lang="zh-CN" altLang="en-US" sz="1500" b="0" i="0" u="none" strike="noStrike">
+                      <a:endParaRPr lang="zh-CN" altLang="en-US" sz="1500" b="0" i="0" u="none" strike="noStrike" dirty="0">
                         <a:solidFill>
                           <a:srgbClr val="000000"/>
                         </a:solidFill>
@@ -13662,12 +13661,12 @@
                     <a:p>
                       <a:pPr algn="l" fontAlgn="b"/>
                       <a:r>
-                        <a:rPr lang="en-US" sz="1500" u="none" strike="noStrike">
+                        <a:rPr lang="en-US" sz="1500" u="none" strike="noStrike" dirty="0">
                           <a:effectLst/>
                         </a:rPr>
                         <a:t>SPARKLE</a:t>
                       </a:r>
-                      <a:endParaRPr lang="en-US" sz="1500" b="0" i="0" u="none" strike="noStrike">
+                      <a:endParaRPr lang="en-US" sz="1500" b="0" i="0" u="none" strike="noStrike" dirty="0">
                         <a:solidFill>
                           <a:srgbClr val="000000"/>
                         </a:solidFill>
@@ -13820,7 +13819,7 @@
                     <a:lstStyle/>
                     <a:p>
                       <a:pPr algn="l" fontAlgn="b"/>
-                      <a:endParaRPr lang="zh-CN" altLang="en-US" sz="1500" b="0" i="0" u="none" strike="noStrike">
+                      <a:endParaRPr lang="zh-CN" altLang="en-US" sz="1500" b="0" i="0" u="none" strike="noStrike" dirty="0">
                         <a:solidFill>
                           <a:srgbClr val="000000"/>
                         </a:solidFill>
@@ -15021,12 +15020,8 @@
           <a:lstStyle/>
           <a:p>
             <a:r>
-              <a:rPr lang="zh-CN" altLang="en-US" dirty="0" smtClean="0"/>
-              <a:t>条件</a:t>
-            </a:r>
-            <a:r>
               <a:rPr lang="zh-CN" altLang="en-US" dirty="0"/>
-              <a:t>立方</a:t>
+              <a:t>条件立方</a:t>
             </a:r>
             <a:endParaRPr lang="en-US" altLang="zh-CN" dirty="0"/>
           </a:p>
@@ -15045,22 +15040,18 @@
           <a:p>
             <a:r>
               <a:rPr lang="zh-CN" altLang="en-US" dirty="0"/>
-              <a:t>零</a:t>
-            </a:r>
-            <a:r>
-              <a:rPr lang="zh-CN" altLang="en-US" dirty="0" smtClean="0"/>
-              <a:t>和</a:t>
-            </a:r>
-            <a:endParaRPr lang="en-US" altLang="zh-CN" dirty="0" smtClean="0"/>
+              <a:t>零和</a:t>
+            </a:r>
+            <a:endParaRPr lang="en-US" altLang="zh-CN" dirty="0"/>
           </a:p>
           <a:p>
             <a:pPr lvl="1"/>
             <a:r>
-              <a:rPr lang="en-US" altLang="zh-CN" dirty="0" smtClean="0"/>
+              <a:rPr lang="en-US" altLang="zh-CN" dirty="0"/>
               <a:t>12</a:t>
             </a:r>
             <a:r>
-              <a:rPr lang="zh-CN" altLang="en-US" dirty="0" smtClean="0"/>
+              <a:rPr lang="zh-CN" altLang="en-US" dirty="0"/>
               <a:t>轮</a:t>
             </a:r>
             <a:endParaRPr lang="en-US" altLang="zh-CN" dirty="0"/>
@@ -15557,7 +15548,7 @@
           <a:lstStyle/>
           <a:p>
             <a:r>
-              <a:rPr lang="en-US" altLang="zh-CN" dirty="0" err="1" smtClean="0"/>
+              <a:rPr lang="en-US" altLang="zh-CN" dirty="0" err="1"/>
               <a:t>Spongent</a:t>
             </a:r>
             <a:endParaRPr lang="zh-CN" altLang="en-US" dirty="0"/>
@@ -15585,14 +15576,14 @@
           <a:lstStyle/>
           <a:p>
             <a:r>
-              <a:rPr lang="en-US" altLang="zh-CN" dirty="0" smtClean="0"/>
+              <a:rPr lang="en-US" altLang="zh-CN" dirty="0"/>
               <a:t>S</a:t>
             </a:r>
             <a:r>
-              <a:rPr lang="zh-CN" altLang="en-US" dirty="0" smtClean="0"/>
+              <a:rPr lang="zh-CN" altLang="en-US" dirty="0"/>
               <a:t>盒设计使得一个线性逼近只包含一条线性迹</a:t>
             </a:r>
-            <a:endParaRPr lang="en-US" altLang="zh-CN" dirty="0" smtClean="0"/>
+            <a:endParaRPr lang="en-US" altLang="zh-CN" dirty="0"/>
           </a:p>
         </p:txBody>
       </p:sp>
@@ -15830,7 +15821,7 @@
           <a:lstStyle/>
           <a:p>
             <a:r>
-              <a:rPr lang="en-US" altLang="zh-CN" dirty="0" smtClean="0"/>
+              <a:rPr lang="en-US" altLang="zh-CN" dirty="0"/>
               <a:t>Summary</a:t>
             </a:r>
             <a:endParaRPr lang="zh-CN" altLang="en-US" dirty="0"/>
@@ -15864,10 +15855,9 @@
           <a:lstStyle/>
           <a:p>
             <a:r>
-              <a:rPr lang="zh-CN" altLang="en-US" dirty="0" smtClean="0"/>
+              <a:rPr lang="zh-CN" altLang="en-US" dirty="0"/>
               <a:t>每个算法被每种密码分析攻击到的最长轮数</a:t>
             </a:r>
-            <a:endParaRPr lang="zh-CN" altLang="en-US" dirty="0"/>
           </a:p>
         </p:txBody>
       </p:sp>
@@ -15941,7 +15931,7 @@
           <a:lstStyle/>
           <a:p>
             <a:r>
-              <a:rPr lang="en-US" altLang="zh-CN" dirty="0" err="1" smtClean="0"/>
+              <a:rPr lang="en-US" altLang="zh-CN" dirty="0" err="1"/>
               <a:t>Spongent</a:t>
             </a:r>
             <a:endParaRPr lang="zh-CN" altLang="en-US" dirty="0"/>
@@ -16536,6 +16526,275 @@
           <p:cNvPr id="2" name="标题 1">
             <a:extLst>
               <a:ext uri="{FF2B5EF4-FFF2-40B4-BE49-F238E27FC236}">
+                <a16:creationId xmlns:a16="http://schemas.microsoft.com/office/drawing/2014/main" id="{C60B3654-41B4-434A-9AA4-7CAC4B6DC7BE}"/>
+              </a:ext>
+            </a:extLst>
+          </p:cNvPr>
+          <p:cNvSpPr>
+            <a:spLocks noGrp="1"/>
+          </p:cNvSpPr>
+          <p:nvPr>
+            <p:ph type="title"/>
+          </p:nvPr>
+        </p:nvSpPr>
+        <p:spPr/>
+        <p:txBody>
+          <a:bodyPr/>
+          <a:lstStyle/>
+          <a:p>
+            <a:r>
+              <a:rPr lang="en-US" altLang="zh-CN" dirty="0"/>
+              <a:t>Rebound</a:t>
+            </a:r>
+            <a:endParaRPr lang="zh-CN" altLang="en-US" dirty="0"/>
+          </a:p>
+        </p:txBody>
+      </p:sp>
+      <p:sp>
+        <p:nvSpPr>
+          <p:cNvPr id="3" name="内容占位符 2">
+            <a:extLst>
+              <a:ext uri="{FF2B5EF4-FFF2-40B4-BE49-F238E27FC236}">
+                <a16:creationId xmlns:a16="http://schemas.microsoft.com/office/drawing/2014/main" id="{CDF94E2E-47EA-43D0-9826-1BD61C997212}"/>
+              </a:ext>
+            </a:extLst>
+          </p:cNvPr>
+          <p:cNvSpPr>
+            <a:spLocks noGrp="1"/>
+          </p:cNvSpPr>
+          <p:nvPr>
+            <p:ph idx="1"/>
+          </p:nvPr>
+        </p:nvSpPr>
+        <p:spPr/>
+        <p:txBody>
+          <a:bodyPr/>
+          <a:lstStyle/>
+          <a:p>
+            <a:r>
+              <a:rPr lang="en-US" altLang="zh-CN" dirty="0">
+                <a:hlinkClick r:id="rId2" action="ppaction://hlinkfile"/>
+              </a:rPr>
+              <a:t>The Rebound Attack: Cryptanalysis of Reduced Whirlpool and </a:t>
+            </a:r>
+            <a:r>
+              <a:rPr lang="en-US" altLang="zh-CN" dirty="0" err="1">
+                <a:hlinkClick r:id="rId2" action="ppaction://hlinkfile"/>
+              </a:rPr>
+              <a:t>Grøstl</a:t>
+            </a:r>
+            <a:endParaRPr lang="en-US" altLang="zh-CN" dirty="0"/>
+          </a:p>
+          <a:p>
+            <a:pPr lvl="1"/>
+            <a:r>
+              <a:rPr lang="en-US" altLang="zh-CN" dirty="0"/>
+              <a:t>09</a:t>
+            </a:r>
+            <a:r>
+              <a:rPr lang="zh-CN" altLang="en-US" dirty="0"/>
+              <a:t>年</a:t>
+            </a:r>
+            <a:r>
+              <a:rPr lang="en-US" altLang="zh-CN" dirty="0"/>
+              <a:t>Mendel</a:t>
+            </a:r>
+            <a:r>
+              <a:rPr lang="zh-CN" altLang="en-US" dirty="0"/>
+              <a:t>等提出</a:t>
+            </a:r>
+            <a:r>
+              <a:rPr lang="en-US" altLang="zh-CN" dirty="0"/>
+              <a:t>rebound</a:t>
+            </a:r>
+            <a:r>
+              <a:rPr lang="zh-CN" altLang="en-US" dirty="0"/>
+              <a:t>攻击，计算找到满足差分的一对值的复杂度</a:t>
+            </a:r>
+            <a:endParaRPr lang="en-US" altLang="zh-CN" dirty="0"/>
+          </a:p>
+          <a:p>
+            <a:pPr lvl="1"/>
+            <a:r>
+              <a:rPr lang="zh-CN" altLang="en-US" dirty="0"/>
+              <a:t>攻击了</a:t>
+            </a:r>
+            <a:r>
+              <a:rPr lang="en-US" altLang="zh-CN" dirty="0"/>
+              <a:t>7.5</a:t>
+            </a:r>
+            <a:r>
+              <a:rPr lang="zh-CN" altLang="en-US" dirty="0"/>
+              <a:t>轮</a:t>
+            </a:r>
+            <a:r>
+              <a:rPr lang="en-US" altLang="zh-CN" dirty="0"/>
+              <a:t>Whirlpool</a:t>
+            </a:r>
+            <a:r>
+              <a:rPr lang="zh-CN" altLang="en-US" dirty="0"/>
+              <a:t>，</a:t>
+            </a:r>
+            <a:r>
+              <a:rPr lang="en-US" altLang="zh-CN" dirty="0"/>
+              <a:t>8.5</a:t>
+            </a:r>
+            <a:r>
+              <a:rPr lang="zh-CN" altLang="en-US" dirty="0"/>
+              <a:t>轮</a:t>
+            </a:r>
+            <a:r>
+              <a:rPr lang="en-US" altLang="zh-CN" dirty="0"/>
+              <a:t>Maelstrom</a:t>
+            </a:r>
+            <a:r>
+              <a:rPr lang="zh-CN" altLang="en-US" dirty="0"/>
+              <a:t>，</a:t>
+            </a:r>
+            <a:r>
+              <a:rPr lang="en-US" altLang="zh-CN" dirty="0"/>
+              <a:t>6</a:t>
+            </a:r>
+            <a:r>
+              <a:rPr lang="zh-CN" altLang="en-US" dirty="0"/>
+              <a:t>轮</a:t>
+            </a:r>
+            <a:r>
+              <a:rPr lang="en-US" altLang="zh-CN" dirty="0"/>
+              <a:t>Grostl-256</a:t>
+            </a:r>
+          </a:p>
+          <a:p>
+            <a:r>
+              <a:rPr lang="en-US" altLang="zh-CN" dirty="0">
+                <a:hlinkClick r:id="rId3" action="ppaction://hlinkfile"/>
+              </a:rPr>
+              <a:t>Improved rebound attack on the finalist </a:t>
+            </a:r>
+            <a:r>
+              <a:rPr lang="en-US" altLang="zh-CN" dirty="0" err="1">
+                <a:hlinkClick r:id="rId3" action="ppaction://hlinkfile"/>
+              </a:rPr>
+              <a:t>grøstl</a:t>
+            </a:r>
+            <a:endParaRPr lang="en-US" altLang="zh-CN" dirty="0"/>
+          </a:p>
+          <a:p>
+            <a:pPr lvl="1"/>
+            <a:r>
+              <a:rPr lang="zh-CN" altLang="en-US" dirty="0"/>
+              <a:t>将中间两轮全活跃扩展到中间三轮全活跃</a:t>
+            </a:r>
+            <a:endParaRPr lang="en-US" altLang="zh-CN" dirty="0"/>
+          </a:p>
+          <a:p>
+            <a:pPr lvl="1"/>
+            <a:r>
+              <a:rPr lang="en-US" altLang="zh-CN" dirty="0"/>
+              <a:t>9</a:t>
+            </a:r>
+            <a:r>
+              <a:rPr lang="zh-CN" altLang="en-US" dirty="0"/>
+              <a:t>轮</a:t>
+            </a:r>
+            <a:r>
+              <a:rPr lang="en-US" altLang="zh-CN" dirty="0"/>
+              <a:t>Grostl-256</a:t>
+            </a:r>
+            <a:r>
+              <a:rPr lang="zh-CN" altLang="en-US" dirty="0"/>
+              <a:t>，</a:t>
+            </a:r>
+            <a:r>
+              <a:rPr lang="en-US" altLang="zh-CN" dirty="0"/>
+              <a:t>10</a:t>
+            </a:r>
+            <a:r>
+              <a:rPr lang="zh-CN" altLang="en-US" dirty="0"/>
+              <a:t>轮</a:t>
+            </a:r>
+            <a:r>
+              <a:rPr lang="en-US" altLang="zh-CN" dirty="0"/>
+              <a:t>Grostl-512</a:t>
+            </a:r>
+            <a:r>
+              <a:rPr lang="zh-CN" altLang="en-US" dirty="0"/>
+              <a:t>，</a:t>
+            </a:r>
+            <a:r>
+              <a:rPr lang="en-US" altLang="zh-CN" dirty="0"/>
+              <a:t>PHOTON-224/32/32</a:t>
+            </a:r>
+            <a:r>
+              <a:rPr lang="zh-CN" altLang="en-US" dirty="0"/>
+              <a:t>提高了</a:t>
+            </a:r>
+            <a:r>
+              <a:rPr lang="en-US" altLang="zh-CN" dirty="0"/>
+              <a:t>1</a:t>
+            </a:r>
+            <a:r>
+              <a:rPr lang="zh-CN" altLang="en-US" dirty="0"/>
+              <a:t>轮（从</a:t>
+            </a:r>
+            <a:r>
+              <a:rPr lang="en-US" altLang="zh-CN" dirty="0"/>
+              <a:t>8</a:t>
+            </a:r>
+            <a:r>
+              <a:rPr lang="zh-CN" altLang="en-US" dirty="0"/>
+              <a:t>到</a:t>
+            </a:r>
+            <a:r>
+              <a:rPr lang="en-US" altLang="zh-CN" dirty="0"/>
+              <a:t>9</a:t>
+            </a:r>
+            <a:r>
+              <a:rPr lang="zh-CN" altLang="en-US"/>
+              <a:t>）</a:t>
+            </a:r>
+            <a:endParaRPr lang="en-US" altLang="zh-CN" dirty="0"/>
+          </a:p>
+          <a:p>
+            <a:endParaRPr lang="zh-CN" altLang="en-US" dirty="0"/>
+          </a:p>
+        </p:txBody>
+      </p:sp>
+    </p:spTree>
+    <p:extLst>
+      <p:ext uri="{BB962C8B-B14F-4D97-AF65-F5344CB8AC3E}">
+        <p14:creationId xmlns:p14="http://schemas.microsoft.com/office/powerpoint/2010/main" val="3869464148"/>
+      </p:ext>
+    </p:extLst>
+  </p:cSld>
+  <p:clrMapOvr>
+    <a:masterClrMapping/>
+  </p:clrMapOvr>
+</p:sld>
+</file>
+
+<file path=ppt/slides/slide45.xml><?xml version="1.0" encoding="utf-8"?>
+<p:sld xmlns:a="http://schemas.openxmlformats.org/drawingml/2006/main" xmlns:r="http://schemas.openxmlformats.org/officeDocument/2006/relationships" xmlns:p="http://schemas.openxmlformats.org/presentationml/2006/main">
+  <p:cSld>
+    <p:spTree>
+      <p:nvGrpSpPr>
+        <p:cNvPr id="1" name=""/>
+        <p:cNvGrpSpPr/>
+        <p:nvPr/>
+      </p:nvGrpSpPr>
+      <p:grpSpPr>
+        <a:xfrm>
+          <a:off x="0" y="0"/>
+          <a:ext cx="0" cy="0"/>
+          <a:chOff x="0" y="0"/>
+          <a:chExt cx="0" cy="0"/>
+        </a:xfrm>
+      </p:grpSpPr>
+      <p:sp>
+        <p:nvSpPr>
+          <p:cNvPr id="2" name="标题 1">
+            <a:extLst>
+              <a:ext uri="{FF2B5EF4-FFF2-40B4-BE49-F238E27FC236}">
                 <a16:creationId xmlns:a16="http://schemas.microsoft.com/office/drawing/2014/main" id="{CF3AF036-3634-4C4A-9118-0C2CB0D5753B}"/>
               </a:ext>
             </a:extLst>
@@ -16646,7 +16905,7 @@
 </p:sld>
 </file>
 
-<file path=ppt/slides/slide45.xml><?xml version="1.0" encoding="utf-8"?>
+<file path=ppt/slides/slide46.xml><?xml version="1.0" encoding="utf-8"?>
 <p:sld xmlns:a="http://schemas.openxmlformats.org/drawingml/2006/main" xmlns:r="http://schemas.openxmlformats.org/officeDocument/2006/relationships" xmlns:p="http://schemas.openxmlformats.org/presentationml/2006/main">
   <p:cSld>
     <p:spTree>
@@ -16878,202 +17137,6 @@
 </p:sld>
 </file>
 
-<file path=ppt/slides/slide46.xml><?xml version="1.0" encoding="utf-8"?>
-<p:sld xmlns:a="http://schemas.openxmlformats.org/drawingml/2006/main" xmlns:r="http://schemas.openxmlformats.org/officeDocument/2006/relationships" xmlns:p="http://schemas.openxmlformats.org/presentationml/2006/main">
-  <p:cSld>
-    <p:spTree>
-      <p:nvGrpSpPr>
-        <p:cNvPr id="1" name=""/>
-        <p:cNvGrpSpPr/>
-        <p:nvPr/>
-      </p:nvGrpSpPr>
-      <p:grpSpPr>
-        <a:xfrm>
-          <a:off x="0" y="0"/>
-          <a:ext cx="0" cy="0"/>
-          <a:chOff x="0" y="0"/>
-          <a:chExt cx="0" cy="0"/>
-        </a:xfrm>
-      </p:grpSpPr>
-      <p:sp>
-        <p:nvSpPr>
-          <p:cNvPr id="2" name="标题 1">
-            <a:extLst>
-              <a:ext uri="{FF2B5EF4-FFF2-40B4-BE49-F238E27FC236}">
-                <a16:creationId xmlns:a16="http://schemas.microsoft.com/office/drawing/2014/main" id="{91CF84CC-07C0-4AF0-B807-EF38A735E063}"/>
-              </a:ext>
-            </a:extLst>
-          </p:cNvPr>
-          <p:cNvSpPr>
-            <a:spLocks noGrp="1"/>
-          </p:cNvSpPr>
-          <p:nvPr>
-            <p:ph type="title"/>
-          </p:nvPr>
-        </p:nvSpPr>
-        <p:spPr/>
-        <p:txBody>
-          <a:bodyPr/>
-          <a:lstStyle/>
-          <a:p>
-            <a:r>
-              <a:rPr lang="en-US" altLang="zh-CN" dirty="0"/>
-              <a:t>GIFT-128</a:t>
-            </a:r>
-            <a:endParaRPr lang="zh-CN" altLang="en-US" dirty="0"/>
-          </a:p>
-        </p:txBody>
-      </p:sp>
-      <p:sp>
-        <p:nvSpPr>
-          <p:cNvPr id="3" name="内容占位符 2">
-            <a:extLst>
-              <a:ext uri="{FF2B5EF4-FFF2-40B4-BE49-F238E27FC236}">
-                <a16:creationId xmlns:a16="http://schemas.microsoft.com/office/drawing/2014/main" id="{3CCED691-DB77-4FE0-ADE2-0E71197F3FAD}"/>
-              </a:ext>
-            </a:extLst>
-          </p:cNvPr>
-          <p:cNvSpPr>
-            <a:spLocks noGrp="1"/>
-          </p:cNvSpPr>
-          <p:nvPr>
-            <p:ph idx="1"/>
-          </p:nvPr>
-        </p:nvSpPr>
-        <p:spPr/>
-        <p:txBody>
-          <a:bodyPr/>
-          <a:lstStyle/>
-          <a:p>
-            <a:r>
-              <a:rPr lang="zh-CN" altLang="en-US" dirty="0"/>
-              <a:t>差分</a:t>
-            </a:r>
-            <a:endParaRPr lang="en-US" altLang="zh-CN" dirty="0"/>
-          </a:p>
-          <a:p>
-            <a:pPr lvl="1"/>
-            <a:r>
-              <a:rPr lang="en-US" altLang="zh-CN" dirty="0"/>
-              <a:t>18</a:t>
-            </a:r>
-            <a:r>
-              <a:rPr lang="zh-CN" altLang="en-US" dirty="0"/>
-              <a:t>轮，</a:t>
-            </a:r>
-            <a:r>
-              <a:rPr lang="en-US" altLang="zh-CN" dirty="0"/>
-              <a:t>109</a:t>
-            </a:r>
-            <a:r>
-              <a:rPr lang="zh-CN" altLang="en-US" dirty="0"/>
-              <a:t>，</a:t>
-            </a:r>
-            <a:r>
-              <a:rPr lang="en-US" altLang="zh-CN" dirty="0"/>
-              <a:t>23</a:t>
-            </a:r>
-            <a:r>
-              <a:rPr lang="zh-CN" altLang="en-US" dirty="0"/>
-              <a:t>轮恢复</a:t>
-            </a:r>
-            <a:r>
-              <a:rPr lang="zh-CN" altLang="en-US" dirty="0" smtClean="0"/>
-              <a:t>密钥</a:t>
-            </a:r>
-            <a:endParaRPr lang="en-US" altLang="zh-CN" dirty="0" smtClean="0"/>
-          </a:p>
-          <a:p>
-            <a:pPr lvl="1"/>
-            <a:r>
-              <a:rPr lang="zh-CN" altLang="en-US" dirty="0" smtClean="0"/>
-              <a:t>考虑聚集，</a:t>
-            </a:r>
-            <a:r>
-              <a:rPr lang="en-US" altLang="zh-CN" dirty="0" smtClean="0"/>
-              <a:t>26</a:t>
-            </a:r>
-            <a:r>
-              <a:rPr lang="zh-CN" altLang="en-US" dirty="0" smtClean="0"/>
-              <a:t>轮，</a:t>
-            </a:r>
-            <a:r>
-              <a:rPr lang="en-US" altLang="zh-CN" dirty="0" smtClean="0"/>
-              <a:t>123.245</a:t>
-            </a:r>
-            <a:endParaRPr lang="en-US" altLang="zh-CN" dirty="0"/>
-          </a:p>
-          <a:p>
-            <a:pPr lvl="1"/>
-            <a:r>
-              <a:rPr lang="en-US" altLang="zh-CN" dirty="0">
-                <a:hlinkClick r:id="rId2" action="ppaction://hlinkfile"/>
-              </a:rPr>
-              <a:t>MILP-based Differential Attack on Round-reduced GIFT</a:t>
-            </a:r>
-            <a:endParaRPr lang="en-US" altLang="zh-CN" dirty="0"/>
-          </a:p>
-          <a:p>
-            <a:r>
-              <a:rPr lang="zh-CN" altLang="en-US" dirty="0"/>
-              <a:t>线性</a:t>
-            </a:r>
-            <a:endParaRPr lang="en-US" altLang="zh-CN" dirty="0"/>
-          </a:p>
-          <a:p>
-            <a:pPr lvl="1"/>
-            <a:r>
-              <a:rPr lang="en-US" altLang="zh-CN" dirty="0"/>
-              <a:t>9</a:t>
-            </a:r>
-            <a:r>
-              <a:rPr lang="zh-CN" altLang="en-US" dirty="0"/>
-              <a:t>轮，</a:t>
-            </a:r>
-            <a:r>
-              <a:rPr lang="en-US" altLang="zh-CN" dirty="0"/>
-              <a:t>45.99</a:t>
-            </a:r>
-            <a:r>
-              <a:rPr lang="zh-CN" altLang="en-US" dirty="0"/>
-              <a:t>（聚集）</a:t>
-            </a:r>
-            <a:endParaRPr lang="en-US" altLang="zh-CN" dirty="0"/>
-          </a:p>
-          <a:p>
-            <a:r>
-              <a:rPr lang="zh-CN" altLang="en-US" dirty="0"/>
-              <a:t>积分</a:t>
-            </a:r>
-            <a:endParaRPr lang="en-US" altLang="zh-CN" dirty="0"/>
-          </a:p>
-          <a:p>
-            <a:pPr lvl="1"/>
-            <a:r>
-              <a:rPr lang="en-US" altLang="zh-CN" dirty="0"/>
-              <a:t>11</a:t>
-            </a:r>
-            <a:r>
-              <a:rPr lang="zh-CN" altLang="en-US" dirty="0"/>
-              <a:t>轮</a:t>
-            </a:r>
-            <a:endParaRPr lang="en-US" altLang="zh-CN" dirty="0"/>
-          </a:p>
-        </p:txBody>
-      </p:sp>
-    </p:spTree>
-    <p:extLst>
-      <p:ext uri="{BB962C8B-B14F-4D97-AF65-F5344CB8AC3E}">
-        <p14:creationId xmlns:p14="http://schemas.microsoft.com/office/powerpoint/2010/main" val="2147273"/>
-      </p:ext>
-    </p:extLst>
-  </p:cSld>
-  <p:clrMapOvr>
-    <a:masterClrMapping/>
-  </p:clrMapOvr>
-</p:sld>
-</file>
-
 <file path=ppt/slides/slide47.xml><?xml version="1.0" encoding="utf-8"?>
 <p:sld xmlns:a="http://schemas.openxmlformats.org/drawingml/2006/main" xmlns:r="http://schemas.openxmlformats.org/officeDocument/2006/relationships" xmlns:p="http://schemas.openxmlformats.org/presentationml/2006/main">
   <p:cSld>
@@ -17096,6 +17159,197 @@
           <p:cNvPr id="2" name="标题 1">
             <a:extLst>
               <a:ext uri="{FF2B5EF4-FFF2-40B4-BE49-F238E27FC236}">
+                <a16:creationId xmlns:a16="http://schemas.microsoft.com/office/drawing/2014/main" id="{91CF84CC-07C0-4AF0-B807-EF38A735E063}"/>
+              </a:ext>
+            </a:extLst>
+          </p:cNvPr>
+          <p:cNvSpPr>
+            <a:spLocks noGrp="1"/>
+          </p:cNvSpPr>
+          <p:nvPr>
+            <p:ph type="title"/>
+          </p:nvPr>
+        </p:nvSpPr>
+        <p:spPr/>
+        <p:txBody>
+          <a:bodyPr/>
+          <a:lstStyle/>
+          <a:p>
+            <a:r>
+              <a:rPr lang="en-US" altLang="zh-CN" dirty="0"/>
+              <a:t>GIFT-128</a:t>
+            </a:r>
+            <a:endParaRPr lang="zh-CN" altLang="en-US" dirty="0"/>
+          </a:p>
+        </p:txBody>
+      </p:sp>
+      <p:sp>
+        <p:nvSpPr>
+          <p:cNvPr id="3" name="内容占位符 2">
+            <a:extLst>
+              <a:ext uri="{FF2B5EF4-FFF2-40B4-BE49-F238E27FC236}">
+                <a16:creationId xmlns:a16="http://schemas.microsoft.com/office/drawing/2014/main" id="{3CCED691-DB77-4FE0-ADE2-0E71197F3FAD}"/>
+              </a:ext>
+            </a:extLst>
+          </p:cNvPr>
+          <p:cNvSpPr>
+            <a:spLocks noGrp="1"/>
+          </p:cNvSpPr>
+          <p:nvPr>
+            <p:ph idx="1"/>
+          </p:nvPr>
+        </p:nvSpPr>
+        <p:spPr/>
+        <p:txBody>
+          <a:bodyPr/>
+          <a:lstStyle/>
+          <a:p>
+            <a:r>
+              <a:rPr lang="zh-CN" altLang="en-US" dirty="0"/>
+              <a:t>差分</a:t>
+            </a:r>
+            <a:endParaRPr lang="en-US" altLang="zh-CN" dirty="0"/>
+          </a:p>
+          <a:p>
+            <a:pPr lvl="1"/>
+            <a:r>
+              <a:rPr lang="en-US" altLang="zh-CN" dirty="0"/>
+              <a:t>18</a:t>
+            </a:r>
+            <a:r>
+              <a:rPr lang="zh-CN" altLang="en-US" dirty="0"/>
+              <a:t>轮，</a:t>
+            </a:r>
+            <a:r>
+              <a:rPr lang="en-US" altLang="zh-CN" dirty="0"/>
+              <a:t>109</a:t>
+            </a:r>
+            <a:r>
+              <a:rPr lang="zh-CN" altLang="en-US" dirty="0"/>
+              <a:t>，</a:t>
+            </a:r>
+            <a:r>
+              <a:rPr lang="en-US" altLang="zh-CN" dirty="0"/>
+              <a:t>23</a:t>
+            </a:r>
+            <a:r>
+              <a:rPr lang="zh-CN" altLang="en-US" dirty="0"/>
+              <a:t>轮恢复密钥</a:t>
+            </a:r>
+            <a:endParaRPr lang="en-US" altLang="zh-CN" dirty="0"/>
+          </a:p>
+          <a:p>
+            <a:pPr lvl="1"/>
+            <a:r>
+              <a:rPr lang="zh-CN" altLang="en-US" dirty="0"/>
+              <a:t>考虑聚集，</a:t>
+            </a:r>
+            <a:r>
+              <a:rPr lang="en-US" altLang="zh-CN" dirty="0"/>
+              <a:t>26</a:t>
+            </a:r>
+            <a:r>
+              <a:rPr lang="zh-CN" altLang="en-US" dirty="0"/>
+              <a:t>轮，</a:t>
+            </a:r>
+            <a:r>
+              <a:rPr lang="en-US" altLang="zh-CN" dirty="0"/>
+              <a:t>123.245</a:t>
+            </a:r>
+          </a:p>
+          <a:p>
+            <a:pPr lvl="1"/>
+            <a:r>
+              <a:rPr lang="en-US" altLang="zh-CN" dirty="0">
+                <a:hlinkClick r:id="rId2" action="ppaction://hlinkfile"/>
+              </a:rPr>
+              <a:t>MILP-based Differential Attack on Round-reduced GIFT</a:t>
+            </a:r>
+            <a:endParaRPr lang="en-US" altLang="zh-CN" dirty="0"/>
+          </a:p>
+          <a:p>
+            <a:r>
+              <a:rPr lang="zh-CN" altLang="en-US" dirty="0"/>
+              <a:t>线性</a:t>
+            </a:r>
+            <a:endParaRPr lang="en-US" altLang="zh-CN" dirty="0"/>
+          </a:p>
+          <a:p>
+            <a:pPr lvl="1"/>
+            <a:r>
+              <a:rPr lang="en-US" altLang="zh-CN" dirty="0"/>
+              <a:t>9</a:t>
+            </a:r>
+            <a:r>
+              <a:rPr lang="zh-CN" altLang="en-US" dirty="0"/>
+              <a:t>轮，</a:t>
+            </a:r>
+            <a:r>
+              <a:rPr lang="en-US" altLang="zh-CN" dirty="0"/>
+              <a:t>45.99</a:t>
+            </a:r>
+            <a:r>
+              <a:rPr lang="zh-CN" altLang="en-US" dirty="0"/>
+              <a:t>（聚集）</a:t>
+            </a:r>
+            <a:endParaRPr lang="en-US" altLang="zh-CN" dirty="0"/>
+          </a:p>
+          <a:p>
+            <a:r>
+              <a:rPr lang="zh-CN" altLang="en-US" dirty="0"/>
+              <a:t>积分</a:t>
+            </a:r>
+            <a:endParaRPr lang="en-US" altLang="zh-CN" dirty="0"/>
+          </a:p>
+          <a:p>
+            <a:pPr lvl="1"/>
+            <a:r>
+              <a:rPr lang="en-US" altLang="zh-CN" dirty="0"/>
+              <a:t>11</a:t>
+            </a:r>
+            <a:r>
+              <a:rPr lang="zh-CN" altLang="en-US" dirty="0"/>
+              <a:t>轮</a:t>
+            </a:r>
+            <a:endParaRPr lang="en-US" altLang="zh-CN" dirty="0"/>
+          </a:p>
+        </p:txBody>
+      </p:sp>
+    </p:spTree>
+    <p:extLst>
+      <p:ext uri="{BB962C8B-B14F-4D97-AF65-F5344CB8AC3E}">
+        <p14:creationId xmlns:p14="http://schemas.microsoft.com/office/powerpoint/2010/main" val="2147273"/>
+      </p:ext>
+    </p:extLst>
+  </p:cSld>
+  <p:clrMapOvr>
+    <a:masterClrMapping/>
+  </p:clrMapOvr>
+</p:sld>
+</file>
+
+<file path=ppt/slides/slide48.xml><?xml version="1.0" encoding="utf-8"?>
+<p:sld xmlns:a="http://schemas.openxmlformats.org/drawingml/2006/main" xmlns:r="http://schemas.openxmlformats.org/officeDocument/2006/relationships" xmlns:p="http://schemas.openxmlformats.org/presentationml/2006/main">
+  <p:cSld>
+    <p:spTree>
+      <p:nvGrpSpPr>
+        <p:cNvPr id="1" name=""/>
+        <p:cNvGrpSpPr/>
+        <p:nvPr/>
+      </p:nvGrpSpPr>
+      <p:grpSpPr>
+        <a:xfrm>
+          <a:off x="0" y="0"/>
+          <a:ext cx="0" cy="0"/>
+          <a:chOff x="0" y="0"/>
+          <a:chExt cx="0" cy="0"/>
+        </a:xfrm>
+      </p:grpSpPr>
+      <p:sp>
+        <p:nvSpPr>
+          <p:cNvPr id="2" name="标题 1">
+            <a:extLst>
+              <a:ext uri="{FF2B5EF4-FFF2-40B4-BE49-F238E27FC236}">
                 <a16:creationId xmlns:a16="http://schemas.microsoft.com/office/drawing/2014/main" id="{8243EFA3-4BC7-4224-8785-F872122B0879}"/>
               </a:ext>
             </a:extLst>
@@ -17113,7 +17367,7 @@
           <a:lstStyle/>
           <a:p>
             <a:r>
-              <a:rPr lang="en-US" altLang="zh-CN" dirty="0" smtClean="0"/>
+              <a:rPr lang="en-US" altLang="zh-CN" dirty="0"/>
               <a:t>Skinny-128-384</a:t>
             </a:r>
             <a:endParaRPr lang="zh-CN" altLang="en-US" dirty="0"/>
@@ -17157,67 +17411,67 @@
           </a:p>
           <a:p>
             <a:r>
-              <a:rPr lang="en-US" altLang="zh-CN" dirty="0" smtClean="0"/>
+              <a:rPr lang="en-US" altLang="zh-CN" dirty="0"/>
               <a:t>RK-</a:t>
             </a:r>
             <a:r>
-              <a:rPr lang="zh-CN" altLang="en-US" dirty="0" smtClean="0"/>
+              <a:rPr lang="zh-CN" altLang="en-US" dirty="0"/>
               <a:t>不可能差分</a:t>
             </a:r>
-            <a:endParaRPr lang="en-US" altLang="zh-CN" dirty="0" smtClean="0"/>
+            <a:endParaRPr lang="en-US" altLang="zh-CN" dirty="0"/>
           </a:p>
           <a:p>
             <a:pPr lvl="1"/>
             <a:r>
-              <a:rPr lang="en-US" altLang="zh-CN" dirty="0" smtClean="0"/>
+              <a:rPr lang="en-US" altLang="zh-CN" dirty="0"/>
               <a:t>n-n/128</a:t>
             </a:r>
           </a:p>
           <a:p>
             <a:pPr lvl="2"/>
             <a:r>
-              <a:rPr lang="en-US" altLang="zh-CN" dirty="0" smtClean="0"/>
+              <a:rPr lang="en-US" altLang="zh-CN" dirty="0"/>
               <a:t>19</a:t>
             </a:r>
             <a:r>
-              <a:rPr lang="zh-CN" altLang="en-US" dirty="0" smtClean="0"/>
+              <a:rPr lang="zh-CN" altLang="en-US" dirty="0"/>
               <a:t>轮</a:t>
             </a:r>
-            <a:endParaRPr lang="en-US" altLang="zh-CN" dirty="0" smtClean="0"/>
+            <a:endParaRPr lang="en-US" altLang="zh-CN" dirty="0"/>
           </a:p>
           <a:p>
             <a:pPr lvl="1"/>
             <a:r>
-              <a:rPr lang="en-US" altLang="zh-CN" dirty="0" smtClean="0"/>
+              <a:rPr lang="en-US" altLang="zh-CN" dirty="0"/>
               <a:t>n-2n/128</a:t>
             </a:r>
           </a:p>
           <a:p>
             <a:pPr lvl="2"/>
             <a:r>
-              <a:rPr lang="en-US" altLang="zh-CN" dirty="0" smtClean="0"/>
+              <a:rPr lang="en-US" altLang="zh-CN" dirty="0"/>
               <a:t>23</a:t>
             </a:r>
             <a:r>
-              <a:rPr lang="zh-CN" altLang="en-US" dirty="0" smtClean="0"/>
+              <a:rPr lang="zh-CN" altLang="en-US" dirty="0"/>
               <a:t>轮</a:t>
             </a:r>
-            <a:endParaRPr lang="en-US" altLang="zh-CN" dirty="0" smtClean="0"/>
-          </a:p>
-          <a:p>
-            <a:r>
-              <a:rPr lang="en-US" altLang="zh-CN" dirty="0" smtClean="0"/>
+            <a:endParaRPr lang="en-US" altLang="zh-CN" dirty="0"/>
+          </a:p>
+          <a:p>
+            <a:r>
+              <a:rPr lang="en-US" altLang="zh-CN" dirty="0"/>
               <a:t>RK-Rectangle</a:t>
             </a:r>
           </a:p>
           <a:p>
             <a:pPr lvl="1"/>
             <a:r>
-              <a:rPr lang="en-US" altLang="zh-CN" dirty="0" smtClean="0"/>
+              <a:rPr lang="en-US" altLang="zh-CN" dirty="0"/>
               <a:t>28</a:t>
             </a:r>
             <a:r>
-              <a:rPr lang="zh-CN" altLang="en-US" dirty="0" smtClean="0"/>
+              <a:rPr lang="zh-CN" altLang="en-US" dirty="0"/>
               <a:t>轮</a:t>
             </a:r>
             <a:endParaRPr lang="en-US" altLang="zh-CN" dirty="0"/>
@@ -17308,144 +17562,6 @@
 </p:sld>
 </file>
 
-<file path=ppt/slides/slide48.xml><?xml version="1.0" encoding="utf-8"?>
-<p:sld xmlns:a="http://schemas.openxmlformats.org/drawingml/2006/main" xmlns:r="http://schemas.openxmlformats.org/officeDocument/2006/relationships" xmlns:p="http://schemas.openxmlformats.org/presentationml/2006/main">
-  <p:cSld>
-    <p:spTree>
-      <p:nvGrpSpPr>
-        <p:cNvPr id="1" name=""/>
-        <p:cNvGrpSpPr/>
-        <p:nvPr/>
-      </p:nvGrpSpPr>
-      <p:grpSpPr>
-        <a:xfrm>
-          <a:off x="0" y="0"/>
-          <a:ext cx="0" cy="0"/>
-          <a:chOff x="0" y="0"/>
-          <a:chExt cx="0" cy="0"/>
-        </a:xfrm>
-      </p:grpSpPr>
-      <p:sp>
-        <p:nvSpPr>
-          <p:cNvPr id="2" name="标题 1">
-            <a:extLst>
-              <a:ext uri="{FF2B5EF4-FFF2-40B4-BE49-F238E27FC236}">
-                <a16:creationId xmlns:a16="http://schemas.microsoft.com/office/drawing/2014/main" id="{21F688EE-60F0-4B57-A4C1-5A84DC44634B}"/>
-              </a:ext>
-            </a:extLst>
-          </p:cNvPr>
-          <p:cNvSpPr>
-            <a:spLocks noGrp="1"/>
-          </p:cNvSpPr>
-          <p:nvPr>
-            <p:ph type="title"/>
-          </p:nvPr>
-        </p:nvSpPr>
-        <p:spPr/>
-        <p:txBody>
-          <a:bodyPr/>
-          <a:lstStyle/>
-          <a:p>
-            <a:r>
-              <a:rPr lang="en-US" altLang="zh-CN" dirty="0"/>
-              <a:t>Skinny-128</a:t>
-            </a:r>
-            <a:endParaRPr lang="zh-CN" altLang="en-US" dirty="0"/>
-          </a:p>
-        </p:txBody>
-      </p:sp>
-      <p:sp>
-        <p:nvSpPr>
-          <p:cNvPr id="3" name="内容占位符 2">
-            <a:extLst>
-              <a:ext uri="{FF2B5EF4-FFF2-40B4-BE49-F238E27FC236}">
-                <a16:creationId xmlns:a16="http://schemas.microsoft.com/office/drawing/2014/main" id="{1D0A6422-A0B0-4E66-BDF7-EA922E0D07AB}"/>
-              </a:ext>
-            </a:extLst>
-          </p:cNvPr>
-          <p:cNvSpPr>
-            <a:spLocks noGrp="1"/>
-          </p:cNvSpPr>
-          <p:nvPr>
-            <p:ph idx="1"/>
-          </p:nvPr>
-        </p:nvSpPr>
-        <p:spPr/>
-        <p:txBody>
-          <a:bodyPr/>
-          <a:lstStyle/>
-          <a:p>
-            <a:r>
-              <a:rPr lang="en-US" altLang="zh-CN" dirty="0">
-                <a:hlinkClick r:id="rId2" action="ppaction://hlinkfile"/>
-              </a:rPr>
-              <a:t>Security Analysis of SKINNY under Related-</a:t>
-            </a:r>
-            <a:r>
-              <a:rPr lang="en-US" altLang="zh-CN" dirty="0" err="1">
-                <a:hlinkClick r:id="rId2" action="ppaction://hlinkfile"/>
-              </a:rPr>
-              <a:t>Tweakey</a:t>
-            </a:r>
-            <a:r>
-              <a:rPr lang="en-US" altLang="zh-CN" dirty="0">
-                <a:hlinkClick r:id="rId2" action="ppaction://hlinkfile"/>
-              </a:rPr>
-              <a:t> Settings</a:t>
-            </a:r>
-            <a:endParaRPr lang="en-US" altLang="zh-CN" dirty="0"/>
-          </a:p>
-          <a:p>
-            <a:r>
-              <a:rPr lang="en-US" altLang="zh-CN" dirty="0">
-                <a:hlinkClick r:id="rId3" action="ppaction://hlinkfile"/>
-              </a:rPr>
-              <a:t>Cryptanalysis of Reduced round SKINNY Block </a:t>
-            </a:r>
-            <a:r>
-              <a:rPr lang="en-US" altLang="zh-CN" dirty="0" smtClean="0">
-                <a:hlinkClick r:id="rId3" action="ppaction://hlinkfile"/>
-              </a:rPr>
-              <a:t>Cipher</a:t>
-            </a:r>
-            <a:endParaRPr lang="zh-CN" altLang="en-US" dirty="0"/>
-          </a:p>
-          <a:p>
-            <a:r>
-              <a:rPr lang="en-US" altLang="zh-CN" dirty="0">
-                <a:hlinkClick r:id="rId4" action="ppaction://hlinkfile"/>
-              </a:rPr>
-              <a:t>Generalized Related-Key Rectangle Attacks on Block Ciphers </a:t>
-            </a:r>
-            <a:r>
-              <a:rPr lang="en-US" altLang="zh-CN" dirty="0" smtClean="0">
-                <a:hlinkClick r:id="rId4" action="ppaction://hlinkfile"/>
-              </a:rPr>
-              <a:t>with Linear </a:t>
-            </a:r>
-            <a:r>
-              <a:rPr lang="en-US" altLang="zh-CN" dirty="0">
-                <a:hlinkClick r:id="rId4" action="ppaction://hlinkfile"/>
-              </a:rPr>
-              <a:t>Key Schedule</a:t>
-            </a:r>
-            <a:endParaRPr lang="zh-CN" altLang="en-US" dirty="0"/>
-          </a:p>
-        </p:txBody>
-      </p:sp>
-    </p:spTree>
-    <p:extLst>
-      <p:ext uri="{BB962C8B-B14F-4D97-AF65-F5344CB8AC3E}">
-        <p14:creationId xmlns:p14="http://schemas.microsoft.com/office/powerpoint/2010/main" val="395245439"/>
-      </p:ext>
-    </p:extLst>
-  </p:cSld>
-  <p:clrMapOvr>
-    <a:masterClrMapping/>
-  </p:clrMapOvr>
-</p:sld>
-</file>
-
 <file path=ppt/slides/slide49.xml><?xml version="1.0" encoding="utf-8"?>
 <p:sld xmlns:a="http://schemas.openxmlformats.org/drawingml/2006/main" xmlns:r="http://schemas.openxmlformats.org/officeDocument/2006/relationships" xmlns:p="http://schemas.openxmlformats.org/presentationml/2006/main">
   <p:cSld>
@@ -17468,7 +17584,7 @@
           <p:cNvPr id="2" name="标题 1">
             <a:extLst>
               <a:ext uri="{FF2B5EF4-FFF2-40B4-BE49-F238E27FC236}">
-                <a16:creationId xmlns:a16="http://schemas.microsoft.com/office/drawing/2014/main" id="{7D07A4E6-A302-43D2-8AC4-D3F4B006BD9E}"/>
+                <a16:creationId xmlns:a16="http://schemas.microsoft.com/office/drawing/2014/main" id="{21F688EE-60F0-4B57-A4C1-5A84DC44634B}"/>
               </a:ext>
             </a:extLst>
           </p:cNvPr>
@@ -17486,7 +17602,7 @@
           <a:p>
             <a:r>
               <a:rPr lang="en-US" altLang="zh-CN" dirty="0"/>
-              <a:t>SPARKLE</a:t>
+              <a:t>Skinny-128</a:t>
             </a:r>
             <a:endParaRPr lang="zh-CN" altLang="en-US" dirty="0"/>
           </a:p>
@@ -17497,7 +17613,7 @@
           <p:cNvPr id="3" name="内容占位符 2">
             <a:extLst>
               <a:ext uri="{FF2B5EF4-FFF2-40B4-BE49-F238E27FC236}">
-                <a16:creationId xmlns:a16="http://schemas.microsoft.com/office/drawing/2014/main" id="{9F2A775B-FFF2-44E8-9921-7D4BE7CB5F1C}"/>
+                <a16:creationId xmlns:a16="http://schemas.microsoft.com/office/drawing/2014/main" id="{1D0A6422-A0B0-4E66-BDF7-EA922E0D07AB}"/>
               </a:ext>
             </a:extLst>
           </p:cNvPr>
@@ -17508,212 +17624,55 @@
             <p:ph idx="1"/>
           </p:nvPr>
         </p:nvSpPr>
-        <p:spPr>
-          <a:xfrm>
-            <a:off x="838200" y="1825624"/>
-            <a:ext cx="10515600" cy="4844339"/>
-          </a:xfrm>
-        </p:spPr>
+        <p:spPr/>
         <p:txBody>
-          <a:bodyPr>
-            <a:normAutofit lnSpcReduction="10000"/>
-          </a:bodyPr>
+          <a:bodyPr/>
           <a:lstStyle/>
           <a:p>
             <a:r>
-              <a:rPr lang="zh-CN" altLang="en-US" dirty="0"/>
-              <a:t>对置换</a:t>
+              <a:rPr lang="en-US" altLang="zh-CN" dirty="0">
+                <a:hlinkClick r:id="rId2" action="ppaction://hlinkfile"/>
+              </a:rPr>
+              <a:t>Security Analysis of SKINNY under Related-</a:t>
+            </a:r>
+            <a:r>
+              <a:rPr lang="en-US" altLang="zh-CN" dirty="0" err="1">
+                <a:hlinkClick r:id="rId2" action="ppaction://hlinkfile"/>
+              </a:rPr>
+              <a:t>Tweakey</a:t>
+            </a:r>
+            <a:r>
+              <a:rPr lang="en-US" altLang="zh-CN" dirty="0">
+                <a:hlinkClick r:id="rId2" action="ppaction://hlinkfile"/>
+              </a:rPr>
+              <a:t> Settings</a:t>
             </a:r>
             <a:endParaRPr lang="en-US" altLang="zh-CN" dirty="0"/>
           </a:p>
           <a:p>
-            <a:pPr lvl="1"/>
-            <a:r>
-              <a:rPr lang="zh-CN" altLang="en-US" dirty="0"/>
-              <a:t>差分</a:t>
-            </a:r>
-            <a:r>
-              <a:rPr lang="en-US" altLang="zh-CN" dirty="0"/>
-              <a:t>/</a:t>
-            </a:r>
-            <a:r>
-              <a:rPr lang="zh-CN" altLang="en-US" dirty="0"/>
-              <a:t>线性，截断差分</a:t>
-            </a:r>
-            <a:endParaRPr lang="en-US" altLang="zh-CN" dirty="0"/>
-          </a:p>
-          <a:p>
-            <a:pPr lvl="1"/>
-            <a:r>
-              <a:rPr lang="zh-CN" altLang="en-US" dirty="0"/>
-              <a:t>飞去来器</a:t>
-            </a:r>
-            <a:endParaRPr lang="en-US" altLang="zh-CN" dirty="0"/>
-          </a:p>
-          <a:p>
-            <a:pPr lvl="1"/>
-            <a:r>
-              <a:rPr lang="en-US" altLang="zh-CN" dirty="0"/>
-              <a:t>Yoyo</a:t>
-            </a:r>
-          </a:p>
-          <a:p>
-            <a:pPr lvl="1"/>
-            <a:r>
-              <a:rPr lang="zh-CN" altLang="en-US" dirty="0"/>
-              <a:t>不可能差分、零相关</a:t>
-            </a:r>
-            <a:endParaRPr lang="en-US" altLang="zh-CN" dirty="0"/>
-          </a:p>
-          <a:p>
-            <a:pPr lvl="1"/>
-            <a:r>
-              <a:rPr lang="zh-CN" altLang="en-US" dirty="0"/>
-              <a:t>积分、可分性</a:t>
-            </a:r>
-            <a:endParaRPr lang="en-US" altLang="zh-CN" dirty="0"/>
-          </a:p>
-          <a:p>
-            <a:pPr lvl="1"/>
-            <a:r>
-              <a:rPr lang="zh-CN" altLang="en-US" dirty="0"/>
-              <a:t>滑动、旋转</a:t>
-            </a:r>
-            <a:endParaRPr lang="en-US" altLang="zh-CN" dirty="0"/>
-          </a:p>
-          <a:p>
-            <a:pPr lvl="1"/>
-            <a:r>
-              <a:rPr lang="zh-CN" altLang="en-US" dirty="0"/>
-              <a:t>不变子空间、非线性不变量</a:t>
-            </a:r>
-            <a:endParaRPr lang="en-US" altLang="zh-CN" dirty="0"/>
-          </a:p>
-          <a:p>
-            <a:r>
-              <a:rPr lang="zh-CN" altLang="en-US" dirty="0"/>
-              <a:t>对</a:t>
-            </a:r>
-            <a:r>
-              <a:rPr lang="en-US" altLang="zh-CN" dirty="0"/>
-              <a:t>Sponge</a:t>
-            </a:r>
-          </a:p>
-          <a:p>
-            <a:pPr lvl="1"/>
-            <a:r>
-              <a:rPr lang="zh-CN" altLang="en-US" dirty="0"/>
-              <a:t>差分</a:t>
-            </a:r>
-            <a:r>
-              <a:rPr lang="en-US" altLang="zh-CN" dirty="0"/>
-              <a:t>/</a:t>
-            </a:r>
-            <a:r>
-              <a:rPr lang="zh-CN" altLang="en-US" dirty="0"/>
-              <a:t>线性</a:t>
-            </a:r>
-            <a:endParaRPr lang="en-US" altLang="zh-CN" dirty="0"/>
-          </a:p>
-          <a:p>
-            <a:pPr lvl="1"/>
-            <a:r>
-              <a:rPr lang="zh-CN" altLang="en-US" dirty="0"/>
-              <a:t>不可能差分、零相关</a:t>
-            </a:r>
-            <a:endParaRPr lang="en-US" altLang="zh-CN" dirty="0"/>
-          </a:p>
-          <a:p>
-            <a:pPr lvl="1"/>
-            <a:r>
-              <a:rPr lang="zh-CN" altLang="en-US" dirty="0"/>
-              <a:t>猜测确定</a:t>
-            </a:r>
-            <a:endParaRPr lang="en-US" altLang="zh-CN" dirty="0"/>
-          </a:p>
-        </p:txBody>
-      </p:sp>
-      <p:pic>
-        <p:nvPicPr>
-          <p:cNvPr id="5" name="图片 4">
-            <a:extLst>
-              <a:ext uri="{FF2B5EF4-FFF2-40B4-BE49-F238E27FC236}">
-                <a16:creationId xmlns:a16="http://schemas.microsoft.com/office/drawing/2014/main" id="{6944CD0E-1026-4214-8F6C-5B01E9EEA88D}"/>
-              </a:ext>
-            </a:extLst>
-          </p:cNvPr>
-          <p:cNvPicPr>
-            <a:picLocks noChangeAspect="1"/>
-          </p:cNvPicPr>
-          <p:nvPr/>
-        </p:nvPicPr>
-        <p:blipFill>
-          <a:blip r:embed="rId2"/>
-          <a:stretch>
-            <a:fillRect/>
-          </a:stretch>
-        </p:blipFill>
-        <p:spPr>
-          <a:xfrm>
-            <a:off x="4680764" y="606047"/>
-            <a:ext cx="7319270" cy="2686821"/>
-          </a:xfrm>
-          <a:prstGeom prst="rect">
-            <a:avLst/>
-          </a:prstGeom>
-        </p:spPr>
-      </p:pic>
-      <p:sp>
-        <p:nvSpPr>
-          <p:cNvPr id="6" name="动作按钮: 第一张 4">
-            <a:hlinkClick r:id="rId3" action="ppaction://hlinksldjump" highlightClick="1"/>
-            <a:extLst>
-              <a:ext uri="{FF2B5EF4-FFF2-40B4-BE49-F238E27FC236}">
-                <a16:creationId xmlns:a16="http://schemas.microsoft.com/office/drawing/2014/main" id="{C346FFDE-2A29-4C7E-A527-3C13494BD28A}"/>
-              </a:ext>
-            </a:extLst>
-          </p:cNvPr>
-          <p:cNvSpPr/>
-          <p:nvPr/>
-        </p:nvSpPr>
-        <p:spPr>
-          <a:xfrm>
-            <a:off x="11808069" y="6541477"/>
-            <a:ext cx="383931" cy="316523"/>
-          </a:xfrm>
-          <a:prstGeom prst="actionButtonHome">
-            <a:avLst/>
-          </a:prstGeom>
-        </p:spPr>
-        <p:style>
-          <a:lnRef idx="2">
-            <a:schemeClr val="accent1">
-              <a:shade val="50000"/>
-            </a:schemeClr>
-          </a:lnRef>
-          <a:fillRef idx="1">
-            <a:schemeClr val="accent1"/>
-          </a:fillRef>
-          <a:effectRef idx="0">
-            <a:schemeClr val="accent1"/>
-          </a:effectRef>
-          <a:fontRef idx="minor">
-            <a:schemeClr val="lt1"/>
-          </a:fontRef>
-        </p:style>
-        <p:txBody>
-          <a:bodyPr rtlCol="0" anchor="ctr"/>
-          <a:lstStyle/>
-          <a:p>
-            <a:pPr algn="ctr"/>
-            <a:endParaRPr lang="zh-CN" altLang="en-US"/>
+            <a:r>
+              <a:rPr lang="en-US" altLang="zh-CN" dirty="0">
+                <a:hlinkClick r:id="rId3" action="ppaction://hlinkfile"/>
+              </a:rPr>
+              <a:t>Cryptanalysis of Reduced round SKINNY Block Cipher</a:t>
+            </a:r>
+            <a:endParaRPr lang="zh-CN" altLang="en-US" dirty="0"/>
+          </a:p>
+          <a:p>
+            <a:r>
+              <a:rPr lang="en-US" altLang="zh-CN" dirty="0">
+                <a:hlinkClick r:id="rId4" action="ppaction://hlinkfile"/>
+              </a:rPr>
+              <a:t>Generalized Related-Key Rectangle Attacks on Block Ciphers with Linear Key Schedule</a:t>
+            </a:r>
+            <a:endParaRPr lang="zh-CN" altLang="en-US" dirty="0"/>
           </a:p>
         </p:txBody>
       </p:sp>
     </p:spTree>
     <p:extLst>
       <p:ext uri="{BB962C8B-B14F-4D97-AF65-F5344CB8AC3E}">
-        <p14:creationId xmlns:p14="http://schemas.microsoft.com/office/powerpoint/2010/main" val="2958668812"/>
+        <p14:creationId xmlns:p14="http://schemas.microsoft.com/office/powerpoint/2010/main" val="395245439"/>
       </p:ext>
     </p:extLst>
   </p:cSld>
@@ -17762,7 +17721,7 @@
           <a:lstStyle/>
           <a:p>
             <a:r>
-              <a:rPr lang="en-US" altLang="zh-CN" dirty="0" smtClean="0"/>
+              <a:rPr lang="en-US" altLang="zh-CN" dirty="0"/>
               <a:t>Summary</a:t>
             </a:r>
             <a:endParaRPr lang="zh-CN" altLang="en-US" dirty="0"/>
@@ -17796,18 +17755,17 @@
           <a:lstStyle/>
           <a:p>
             <a:r>
-              <a:rPr lang="zh-CN" altLang="en-US" dirty="0" smtClean="0"/>
+              <a:rPr lang="zh-CN" altLang="en-US" dirty="0"/>
               <a:t>每个算法被每种密码分析攻击到的最长轮数</a:t>
             </a:r>
             <a:r>
-              <a:rPr lang="en-US" altLang="zh-CN" dirty="0" smtClean="0"/>
+              <a:rPr lang="en-US" altLang="zh-CN" dirty="0"/>
               <a:t>/</a:t>
             </a:r>
             <a:r>
-              <a:rPr lang="zh-CN" altLang="en-US" dirty="0" smtClean="0"/>
+              <a:rPr lang="zh-CN" altLang="en-US" dirty="0"/>
               <a:t>全轮轮数</a:t>
             </a:r>
-            <a:endParaRPr lang="zh-CN" altLang="en-US" dirty="0"/>
           </a:p>
         </p:txBody>
       </p:sp>
@@ -17870,7 +17828,7 @@
           <p:cNvPr id="2" name="标题 1">
             <a:extLst>
               <a:ext uri="{FF2B5EF4-FFF2-40B4-BE49-F238E27FC236}">
-                <a16:creationId xmlns:a16="http://schemas.microsoft.com/office/drawing/2014/main" id="{77546A2C-0F20-4624-8C42-4E08716C206E}"/>
+                <a16:creationId xmlns:a16="http://schemas.microsoft.com/office/drawing/2014/main" id="{7D07A4E6-A302-43D2-8AC4-D3F4B006BD9E}"/>
               </a:ext>
             </a:extLst>
           </p:cNvPr>
@@ -17899,7 +17857,7 @@
           <p:cNvPr id="3" name="内容占位符 2">
             <a:extLst>
               <a:ext uri="{FF2B5EF4-FFF2-40B4-BE49-F238E27FC236}">
-                <a16:creationId xmlns:a16="http://schemas.microsoft.com/office/drawing/2014/main" id="{214DCE90-3AC1-4A67-90C1-0B0E77BFC218}"/>
+                <a16:creationId xmlns:a16="http://schemas.microsoft.com/office/drawing/2014/main" id="{9F2A775B-FFF2-44E8-9921-7D4BE7CB5F1C}"/>
               </a:ext>
             </a:extLst>
           </p:cNvPr>
@@ -17910,14 +17868,21 @@
             <p:ph idx="1"/>
           </p:nvPr>
         </p:nvSpPr>
-        <p:spPr/>
+        <p:spPr>
+          <a:xfrm>
+            <a:off x="838200" y="1825624"/>
+            <a:ext cx="10515600" cy="4844339"/>
+          </a:xfrm>
+        </p:spPr>
         <p:txBody>
-          <a:bodyPr/>
+          <a:bodyPr>
+            <a:normAutofit lnSpcReduction="10000"/>
+          </a:bodyPr>
           <a:lstStyle/>
           <a:p>
             <a:r>
-              <a:rPr lang="en-US" altLang="zh-CN" dirty="0" err="1"/>
-              <a:t>Alzette</a:t>
+              <a:rPr lang="zh-CN" altLang="en-US" dirty="0"/>
+              <a:t>对置换</a:t>
             </a:r>
             <a:endParaRPr lang="en-US" altLang="zh-CN" dirty="0"/>
           </a:p>
@@ -17925,136 +17890,190 @@
             <a:pPr lvl="1"/>
             <a:r>
               <a:rPr lang="zh-CN" altLang="en-US" dirty="0"/>
-              <a:t>差分（</a:t>
+              <a:t>差分</a:t>
             </a:r>
             <a:r>
               <a:rPr lang="en-US" altLang="zh-CN" dirty="0"/>
-              <a:t>Matsui</a:t>
+              <a:t>/</a:t>
             </a:r>
             <a:r>
               <a:rPr lang="zh-CN" altLang="en-US" dirty="0"/>
-              <a:t>）</a:t>
+              <a:t>线性，截断差分</a:t>
             </a:r>
             <a:endParaRPr lang="en-US" altLang="zh-CN" dirty="0"/>
           </a:p>
           <a:p>
-            <a:pPr lvl="2"/>
+            <a:pPr lvl="1"/>
+            <a:r>
+              <a:rPr lang="zh-CN" altLang="en-US" dirty="0"/>
+              <a:t>飞去来器</a:t>
+            </a:r>
+            <a:endParaRPr lang="en-US" altLang="zh-CN" dirty="0"/>
+          </a:p>
+          <a:p>
+            <a:pPr lvl="1"/>
             <a:r>
               <a:rPr lang="en-US" altLang="zh-CN" dirty="0"/>
-              <a:t>7</a:t>
-            </a:r>
+              <a:t>Yoyo</a:t>
+            </a:r>
+          </a:p>
+          <a:p>
+            <a:pPr lvl="1"/>
             <a:r>
               <a:rPr lang="zh-CN" altLang="en-US" dirty="0"/>
-              <a:t>轮</a:t>
+              <a:t>不可能差分、零相关</a:t>
+            </a:r>
+            <a:endParaRPr lang="en-US" altLang="zh-CN" dirty="0"/>
+          </a:p>
+          <a:p>
+            <a:pPr lvl="1"/>
+            <a:r>
+              <a:rPr lang="zh-CN" altLang="en-US" dirty="0"/>
+              <a:t>积分、可分性</a:t>
+            </a:r>
+            <a:endParaRPr lang="en-US" altLang="zh-CN" dirty="0"/>
+          </a:p>
+          <a:p>
+            <a:pPr lvl="1"/>
+            <a:r>
+              <a:rPr lang="zh-CN" altLang="en-US" dirty="0"/>
+              <a:t>滑动、旋转</a:t>
+            </a:r>
+            <a:endParaRPr lang="en-US" altLang="zh-CN" dirty="0"/>
+          </a:p>
+          <a:p>
+            <a:pPr lvl="1"/>
+            <a:r>
+              <a:rPr lang="zh-CN" altLang="en-US" dirty="0"/>
+              <a:t>不变子空间、非线性不变量</a:t>
+            </a:r>
+            <a:endParaRPr lang="en-US" altLang="zh-CN" dirty="0"/>
+          </a:p>
+          <a:p>
+            <a:r>
+              <a:rPr lang="zh-CN" altLang="en-US" dirty="0"/>
+              <a:t>对</a:t>
             </a:r>
             <a:r>
               <a:rPr lang="en-US" altLang="zh-CN" dirty="0"/>
-              <a:t>26</a:t>
-            </a:r>
-          </a:p>
-          <a:p>
-            <a:pPr lvl="2"/>
+              <a:t>Sponge</a:t>
+            </a:r>
+          </a:p>
+          <a:p>
+            <a:pPr lvl="1"/>
+            <a:r>
+              <a:rPr lang="zh-CN" altLang="en-US" dirty="0"/>
+              <a:t>差分</a:t>
+            </a:r>
             <a:r>
               <a:rPr lang="en-US" altLang="zh-CN" dirty="0"/>
-              <a:t>8</a:t>
+              <a:t>/</a:t>
             </a:r>
             <a:r>
               <a:rPr lang="zh-CN" altLang="en-US" dirty="0"/>
-              <a:t>轮</a:t>
-            </a:r>
-            <a:r>
-              <a:rPr lang="en-US" altLang="zh-CN" dirty="0"/>
-              <a:t>&gt;31</a:t>
-            </a:r>
+              <a:t>线性</a:t>
+            </a:r>
+            <a:endParaRPr lang="en-US" altLang="zh-CN" dirty="0"/>
           </a:p>
           <a:p>
             <a:pPr lvl="1"/>
             <a:r>
               <a:rPr lang="zh-CN" altLang="en-US" dirty="0"/>
-              <a:t>线性（</a:t>
-            </a:r>
-            <a:r>
-              <a:rPr lang="en-US" altLang="zh-CN" dirty="0"/>
-              <a:t>MILP</a:t>
-            </a:r>
+              <a:t>不可能差分、零相关</a:t>
+            </a:r>
+            <a:endParaRPr lang="en-US" altLang="zh-CN" dirty="0"/>
+          </a:p>
+          <a:p>
+            <a:pPr lvl="1"/>
             <a:r>
               <a:rPr lang="zh-CN" altLang="en-US" dirty="0"/>
-              <a:t>、</a:t>
-            </a:r>
-            <a:r>
-              <a:rPr lang="en-US" altLang="zh-CN" dirty="0"/>
-              <a:t>SAT</a:t>
-            </a:r>
-            <a:r>
-              <a:rPr lang="zh-CN" altLang="en-US" dirty="0"/>
-              <a:t>）</a:t>
+              <a:t>猜测确定</a:t>
             </a:r>
             <a:endParaRPr lang="en-US" altLang="zh-CN" dirty="0"/>
           </a:p>
-          <a:p>
-            <a:pPr lvl="2"/>
-            <a:r>
-              <a:rPr lang="en-US" altLang="zh-CN" dirty="0"/>
-              <a:t>8</a:t>
-            </a:r>
-            <a:r>
-              <a:rPr lang="zh-CN" altLang="en-US" dirty="0"/>
-              <a:t>轮</a:t>
-            </a:r>
-            <a:r>
-              <a:rPr lang="en-US" altLang="zh-CN" dirty="0"/>
-              <a:t>17</a:t>
-            </a:r>
-          </a:p>
-          <a:p>
-            <a:pPr lvl="1"/>
-            <a:r>
-              <a:rPr lang="zh-CN" altLang="en-US" dirty="0"/>
-              <a:t>不变子空间</a:t>
-            </a:r>
-            <a:endParaRPr lang="en-US" altLang="zh-CN" dirty="0"/>
-          </a:p>
-          <a:p>
-            <a:pPr lvl="2"/>
-            <a:r>
-              <a:rPr lang="en-US" altLang="zh-CN" dirty="0"/>
-              <a:t>2</a:t>
-            </a:r>
-            <a:r>
-              <a:rPr lang="zh-CN" altLang="en-US" dirty="0"/>
-              <a:t>轮</a:t>
-            </a:r>
-            <a:r>
-              <a:rPr lang="en-US" altLang="zh-CN" dirty="0"/>
-              <a:t>59</a:t>
-            </a:r>
-            <a:r>
-              <a:rPr lang="zh-CN" altLang="en-US" dirty="0"/>
-              <a:t>维</a:t>
-            </a:r>
-            <a:endParaRPr lang="en-US" altLang="zh-CN" dirty="0"/>
-          </a:p>
-          <a:p>
-            <a:pPr lvl="1"/>
-            <a:r>
-              <a:rPr lang="zh-CN" altLang="en-US" dirty="0"/>
-              <a:t>非线性不变量</a:t>
-            </a:r>
-            <a:endParaRPr lang="en-US" altLang="zh-CN" dirty="0"/>
-          </a:p>
-          <a:p>
-            <a:pPr lvl="1"/>
-            <a:r>
-              <a:rPr lang="zh-CN" altLang="en-US" dirty="0"/>
-              <a:t>线性化</a:t>
-            </a:r>
+        </p:txBody>
+      </p:sp>
+      <p:pic>
+        <p:nvPicPr>
+          <p:cNvPr id="5" name="图片 4">
+            <a:extLst>
+              <a:ext uri="{FF2B5EF4-FFF2-40B4-BE49-F238E27FC236}">
+                <a16:creationId xmlns:a16="http://schemas.microsoft.com/office/drawing/2014/main" id="{6944CD0E-1026-4214-8F6C-5B01E9EEA88D}"/>
+              </a:ext>
+            </a:extLst>
+          </p:cNvPr>
+          <p:cNvPicPr>
+            <a:picLocks noChangeAspect="1"/>
+          </p:cNvPicPr>
+          <p:nvPr/>
+        </p:nvPicPr>
+        <p:blipFill>
+          <a:blip r:embed="rId2"/>
+          <a:stretch>
+            <a:fillRect/>
+          </a:stretch>
+        </p:blipFill>
+        <p:spPr>
+          <a:xfrm>
+            <a:off x="4680764" y="606047"/>
+            <a:ext cx="7319270" cy="2686821"/>
+          </a:xfrm>
+          <a:prstGeom prst="rect">
+            <a:avLst/>
+          </a:prstGeom>
+        </p:spPr>
+      </p:pic>
+      <p:sp>
+        <p:nvSpPr>
+          <p:cNvPr id="6" name="动作按钮: 第一张 4">
+            <a:hlinkClick r:id="rId3" action="ppaction://hlinksldjump" highlightClick="1"/>
+            <a:extLst>
+              <a:ext uri="{FF2B5EF4-FFF2-40B4-BE49-F238E27FC236}">
+                <a16:creationId xmlns:a16="http://schemas.microsoft.com/office/drawing/2014/main" id="{C346FFDE-2A29-4C7E-A527-3C13494BD28A}"/>
+              </a:ext>
+            </a:extLst>
+          </p:cNvPr>
+          <p:cNvSpPr/>
+          <p:nvPr/>
+        </p:nvSpPr>
+        <p:spPr>
+          <a:xfrm>
+            <a:off x="11808069" y="6541477"/>
+            <a:ext cx="383931" cy="316523"/>
+          </a:xfrm>
+          <a:prstGeom prst="actionButtonHome">
+            <a:avLst/>
+          </a:prstGeom>
+        </p:spPr>
+        <p:style>
+          <a:lnRef idx="2">
+            <a:schemeClr val="accent1">
+              <a:shade val="50000"/>
+            </a:schemeClr>
+          </a:lnRef>
+          <a:fillRef idx="1">
+            <a:schemeClr val="accent1"/>
+          </a:fillRef>
+          <a:effectRef idx="0">
+            <a:schemeClr val="accent1"/>
+          </a:effectRef>
+          <a:fontRef idx="minor">
+            <a:schemeClr val="lt1"/>
+          </a:fontRef>
+        </p:style>
+        <p:txBody>
+          <a:bodyPr rtlCol="0" anchor="ctr"/>
+          <a:lstStyle/>
+          <a:p>
+            <a:pPr algn="ctr"/>
+            <a:endParaRPr lang="zh-CN" altLang="en-US"/>
           </a:p>
         </p:txBody>
       </p:sp>
     </p:spTree>
     <p:extLst>
       <p:ext uri="{BB962C8B-B14F-4D97-AF65-F5344CB8AC3E}">
-        <p14:creationId xmlns:p14="http://schemas.microsoft.com/office/powerpoint/2010/main" val="4224512122"/>
+        <p14:creationId xmlns:p14="http://schemas.microsoft.com/office/powerpoint/2010/main" val="2958668812"/>
       </p:ext>
     </p:extLst>
   </p:cSld>
@@ -18086,6 +18105,222 @@
           <p:cNvPr id="2" name="标题 1">
             <a:extLst>
               <a:ext uri="{FF2B5EF4-FFF2-40B4-BE49-F238E27FC236}">
+                <a16:creationId xmlns:a16="http://schemas.microsoft.com/office/drawing/2014/main" id="{77546A2C-0F20-4624-8C42-4E08716C206E}"/>
+              </a:ext>
+            </a:extLst>
+          </p:cNvPr>
+          <p:cNvSpPr>
+            <a:spLocks noGrp="1"/>
+          </p:cNvSpPr>
+          <p:nvPr>
+            <p:ph type="title"/>
+          </p:nvPr>
+        </p:nvSpPr>
+        <p:spPr/>
+        <p:txBody>
+          <a:bodyPr/>
+          <a:lstStyle/>
+          <a:p>
+            <a:r>
+              <a:rPr lang="en-US" altLang="zh-CN" dirty="0"/>
+              <a:t>SPARKLE</a:t>
+            </a:r>
+            <a:endParaRPr lang="zh-CN" altLang="en-US" dirty="0"/>
+          </a:p>
+        </p:txBody>
+      </p:sp>
+      <p:sp>
+        <p:nvSpPr>
+          <p:cNvPr id="3" name="内容占位符 2">
+            <a:extLst>
+              <a:ext uri="{FF2B5EF4-FFF2-40B4-BE49-F238E27FC236}">
+                <a16:creationId xmlns:a16="http://schemas.microsoft.com/office/drawing/2014/main" id="{214DCE90-3AC1-4A67-90C1-0B0E77BFC218}"/>
+              </a:ext>
+            </a:extLst>
+          </p:cNvPr>
+          <p:cNvSpPr>
+            <a:spLocks noGrp="1"/>
+          </p:cNvSpPr>
+          <p:nvPr>
+            <p:ph idx="1"/>
+          </p:nvPr>
+        </p:nvSpPr>
+        <p:spPr/>
+        <p:txBody>
+          <a:bodyPr/>
+          <a:lstStyle/>
+          <a:p>
+            <a:r>
+              <a:rPr lang="en-US" altLang="zh-CN" dirty="0" err="1"/>
+              <a:t>Alzette</a:t>
+            </a:r>
+            <a:endParaRPr lang="en-US" altLang="zh-CN" dirty="0"/>
+          </a:p>
+          <a:p>
+            <a:pPr lvl="1"/>
+            <a:r>
+              <a:rPr lang="zh-CN" altLang="en-US" dirty="0"/>
+              <a:t>差分（</a:t>
+            </a:r>
+            <a:r>
+              <a:rPr lang="en-US" altLang="zh-CN" dirty="0"/>
+              <a:t>Matsui</a:t>
+            </a:r>
+            <a:r>
+              <a:rPr lang="zh-CN" altLang="en-US" dirty="0"/>
+              <a:t>）</a:t>
+            </a:r>
+            <a:endParaRPr lang="en-US" altLang="zh-CN" dirty="0"/>
+          </a:p>
+          <a:p>
+            <a:pPr lvl="2"/>
+            <a:r>
+              <a:rPr lang="en-US" altLang="zh-CN" dirty="0"/>
+              <a:t>7</a:t>
+            </a:r>
+            <a:r>
+              <a:rPr lang="zh-CN" altLang="en-US" dirty="0"/>
+              <a:t>轮</a:t>
+            </a:r>
+            <a:r>
+              <a:rPr lang="en-US" altLang="zh-CN" dirty="0"/>
+              <a:t>26</a:t>
+            </a:r>
+          </a:p>
+          <a:p>
+            <a:pPr lvl="2"/>
+            <a:r>
+              <a:rPr lang="en-US" altLang="zh-CN" dirty="0"/>
+              <a:t>8</a:t>
+            </a:r>
+            <a:r>
+              <a:rPr lang="zh-CN" altLang="en-US" dirty="0"/>
+              <a:t>轮</a:t>
+            </a:r>
+            <a:r>
+              <a:rPr lang="en-US" altLang="zh-CN" dirty="0"/>
+              <a:t>&gt;31</a:t>
+            </a:r>
+          </a:p>
+          <a:p>
+            <a:pPr lvl="1"/>
+            <a:r>
+              <a:rPr lang="zh-CN" altLang="en-US" dirty="0"/>
+              <a:t>线性（</a:t>
+            </a:r>
+            <a:r>
+              <a:rPr lang="en-US" altLang="zh-CN" dirty="0"/>
+              <a:t>MILP</a:t>
+            </a:r>
+            <a:r>
+              <a:rPr lang="zh-CN" altLang="en-US" dirty="0"/>
+              <a:t>、</a:t>
+            </a:r>
+            <a:r>
+              <a:rPr lang="en-US" altLang="zh-CN" dirty="0"/>
+              <a:t>SAT</a:t>
+            </a:r>
+            <a:r>
+              <a:rPr lang="zh-CN" altLang="en-US" dirty="0"/>
+              <a:t>）</a:t>
+            </a:r>
+            <a:endParaRPr lang="en-US" altLang="zh-CN" dirty="0"/>
+          </a:p>
+          <a:p>
+            <a:pPr lvl="2"/>
+            <a:r>
+              <a:rPr lang="en-US" altLang="zh-CN" dirty="0"/>
+              <a:t>8</a:t>
+            </a:r>
+            <a:r>
+              <a:rPr lang="zh-CN" altLang="en-US" dirty="0"/>
+              <a:t>轮</a:t>
+            </a:r>
+            <a:r>
+              <a:rPr lang="en-US" altLang="zh-CN" dirty="0"/>
+              <a:t>17</a:t>
+            </a:r>
+          </a:p>
+          <a:p>
+            <a:pPr lvl="1"/>
+            <a:r>
+              <a:rPr lang="zh-CN" altLang="en-US" dirty="0"/>
+              <a:t>不变子空间</a:t>
+            </a:r>
+            <a:endParaRPr lang="en-US" altLang="zh-CN" dirty="0"/>
+          </a:p>
+          <a:p>
+            <a:pPr lvl="2"/>
+            <a:r>
+              <a:rPr lang="en-US" altLang="zh-CN" dirty="0"/>
+              <a:t>2</a:t>
+            </a:r>
+            <a:r>
+              <a:rPr lang="zh-CN" altLang="en-US" dirty="0"/>
+              <a:t>轮</a:t>
+            </a:r>
+            <a:r>
+              <a:rPr lang="en-US" altLang="zh-CN" dirty="0"/>
+              <a:t>59</a:t>
+            </a:r>
+            <a:r>
+              <a:rPr lang="zh-CN" altLang="en-US" dirty="0"/>
+              <a:t>维</a:t>
+            </a:r>
+            <a:endParaRPr lang="en-US" altLang="zh-CN" dirty="0"/>
+          </a:p>
+          <a:p>
+            <a:pPr lvl="1"/>
+            <a:r>
+              <a:rPr lang="zh-CN" altLang="en-US" dirty="0"/>
+              <a:t>非线性不变量</a:t>
+            </a:r>
+            <a:endParaRPr lang="en-US" altLang="zh-CN" dirty="0"/>
+          </a:p>
+          <a:p>
+            <a:pPr lvl="1"/>
+            <a:r>
+              <a:rPr lang="zh-CN" altLang="en-US" dirty="0"/>
+              <a:t>线性化</a:t>
+            </a:r>
+          </a:p>
+        </p:txBody>
+      </p:sp>
+    </p:spTree>
+    <p:extLst>
+      <p:ext uri="{BB962C8B-B14F-4D97-AF65-F5344CB8AC3E}">
+        <p14:creationId xmlns:p14="http://schemas.microsoft.com/office/powerpoint/2010/main" val="4224512122"/>
+      </p:ext>
+    </p:extLst>
+  </p:cSld>
+  <p:clrMapOvr>
+    <a:masterClrMapping/>
+  </p:clrMapOvr>
+</p:sld>
+</file>
+
+<file path=ppt/slides/slide52.xml><?xml version="1.0" encoding="utf-8"?>
+<p:sld xmlns:a="http://schemas.openxmlformats.org/drawingml/2006/main" xmlns:r="http://schemas.openxmlformats.org/officeDocument/2006/relationships" xmlns:p="http://schemas.openxmlformats.org/presentationml/2006/main">
+  <p:cSld>
+    <p:spTree>
+      <p:nvGrpSpPr>
+        <p:cNvPr id="1" name=""/>
+        <p:cNvGrpSpPr/>
+        <p:nvPr/>
+      </p:nvGrpSpPr>
+      <p:grpSpPr>
+        <a:xfrm>
+          <a:off x="0" y="0"/>
+          <a:ext cx="0" cy="0"/>
+          <a:chOff x="0" y="0"/>
+          <a:chExt cx="0" cy="0"/>
+        </a:xfrm>
+      </p:grpSpPr>
+      <p:sp>
+        <p:nvSpPr>
+          <p:cNvPr id="2" name="标题 1">
+            <a:extLst>
+              <a:ext uri="{FF2B5EF4-FFF2-40B4-BE49-F238E27FC236}">
                 <a16:creationId xmlns:a16="http://schemas.microsoft.com/office/drawing/2014/main" id="{0F34FDE8-5290-4485-8596-B08D954B65CA}"/>
               </a:ext>
             </a:extLst>
@@ -18137,53 +18372,52 @@
           <a:lstStyle/>
           <a:p>
             <a:r>
-              <a:rPr lang="zh-CN" altLang="en-US" dirty="0" smtClean="0"/>
+              <a:rPr lang="zh-CN" altLang="en-US" dirty="0"/>
               <a:t>差分</a:t>
             </a:r>
-            <a:endParaRPr lang="en-US" altLang="zh-CN" dirty="0" smtClean="0"/>
+            <a:endParaRPr lang="en-US" altLang="zh-CN" dirty="0"/>
           </a:p>
           <a:p>
             <a:pPr lvl="1"/>
             <a:r>
-              <a:rPr lang="en-US" altLang="zh-CN" dirty="0" smtClean="0"/>
+              <a:rPr lang="en-US" altLang="zh-CN" dirty="0"/>
               <a:t>384</a:t>
             </a:r>
             <a:r>
-              <a:rPr lang="zh-CN" altLang="en-US" dirty="0" smtClean="0"/>
+              <a:rPr lang="zh-CN" altLang="en-US" dirty="0"/>
               <a:t>轮</a:t>
             </a:r>
             <a:r>
-              <a:rPr lang="en-US" altLang="zh-CN" dirty="0" smtClean="0"/>
+              <a:rPr lang="en-US" altLang="zh-CN" dirty="0"/>
               <a:t>70.68&gt;64</a:t>
             </a:r>
             <a:r>
-              <a:rPr lang="zh-CN" altLang="en-US" dirty="0" smtClean="0"/>
+              <a:rPr lang="zh-CN" altLang="en-US" dirty="0"/>
               <a:t>（考虑聚集）</a:t>
             </a:r>
-            <a:endParaRPr lang="en-US" altLang="zh-CN" dirty="0" smtClean="0"/>
-          </a:p>
-          <a:p>
-            <a:r>
-              <a:rPr lang="zh-CN" altLang="en-US" dirty="0" smtClean="0"/>
+            <a:endParaRPr lang="en-US" altLang="zh-CN" dirty="0"/>
+          </a:p>
+          <a:p>
+            <a:r>
+              <a:rPr lang="zh-CN" altLang="en-US" dirty="0"/>
               <a:t>线性</a:t>
             </a:r>
-            <a:endParaRPr lang="en-US" altLang="zh-CN" dirty="0" smtClean="0"/>
+            <a:endParaRPr lang="en-US" altLang="zh-CN" dirty="0"/>
           </a:p>
           <a:p>
             <a:pPr lvl="1"/>
             <a:r>
-              <a:rPr lang="en-US" altLang="zh-CN" dirty="0" smtClean="0"/>
+              <a:rPr lang="en-US" altLang="zh-CN" dirty="0"/>
               <a:t>384</a:t>
             </a:r>
             <a:r>
-              <a:rPr lang="zh-CN" altLang="en-US" dirty="0" smtClean="0"/>
+              <a:rPr lang="zh-CN" altLang="en-US" dirty="0"/>
               <a:t>轮偏差</a:t>
             </a:r>
             <a:r>
-              <a:rPr lang="en-US" altLang="zh-CN" dirty="0" smtClean="0"/>
+              <a:rPr lang="en-US" altLang="zh-CN" dirty="0"/>
               <a:t>41</a:t>
             </a:r>
-            <a:endParaRPr lang="en-US" altLang="zh-CN" dirty="0"/>
           </a:p>
           <a:p>
             <a:r>
@@ -18312,7 +18546,7 @@
 </p:sld>
 </file>
 
-<file path=ppt/slides/slide52.xml><?xml version="1.0" encoding="utf-8"?>
+<file path=ppt/slides/slide53.xml><?xml version="1.0" encoding="utf-8"?>
 <p:sld xmlns:a="http://schemas.openxmlformats.org/drawingml/2006/main" xmlns:r="http://schemas.openxmlformats.org/officeDocument/2006/relationships" xmlns:p="http://schemas.openxmlformats.org/presentationml/2006/main">
   <p:cSld>
     <p:spTree>
@@ -18370,78 +18604,77 @@
           <a:lstStyle/>
           <a:p>
             <a:r>
-              <a:rPr lang="zh-CN" altLang="en-US" dirty="0" smtClean="0"/>
+              <a:rPr lang="zh-CN" altLang="en-US" dirty="0"/>
               <a:t>线性逼近</a:t>
             </a:r>
-            <a:endParaRPr lang="en-US" altLang="zh-CN" dirty="0" smtClean="0"/>
+            <a:endParaRPr lang="en-US" altLang="zh-CN" dirty="0"/>
           </a:p>
           <a:p>
             <a:pPr lvl="1"/>
             <a:r>
-              <a:rPr lang="zh-CN" altLang="en-US" dirty="0" smtClean="0"/>
+              <a:rPr lang="zh-CN" altLang="en-US" dirty="0"/>
               <a:t>偏差</a:t>
             </a:r>
             <a:r>
-              <a:rPr lang="en-US" altLang="zh-CN" dirty="0" smtClean="0"/>
+              <a:rPr lang="en-US" altLang="zh-CN" dirty="0"/>
               <a:t>&gt;77</a:t>
             </a:r>
+          </a:p>
+          <a:p>
+            <a:r>
+              <a:rPr lang="zh-CN" altLang="en-US" dirty="0"/>
+              <a:t>快速相关攻击</a:t>
+            </a:r>
             <a:endParaRPr lang="en-US" altLang="zh-CN" dirty="0"/>
           </a:p>
           <a:p>
-            <a:r>
-              <a:rPr lang="zh-CN" altLang="en-US" dirty="0" smtClean="0"/>
-              <a:t>快速相关攻击</a:t>
-            </a:r>
-            <a:endParaRPr lang="en-US" altLang="zh-CN" dirty="0" smtClean="0"/>
-          </a:p>
-          <a:p>
             <a:pPr lvl="1"/>
             <a:r>
-              <a:rPr lang="zh-CN" altLang="en-US" dirty="0" smtClean="0"/>
+              <a:rPr lang="zh-CN" altLang="en-US" dirty="0"/>
               <a:t>在</a:t>
             </a:r>
             <a:r>
-              <a:rPr lang="en-US" altLang="zh-CN" dirty="0" smtClean="0"/>
+              <a:rPr lang="en-US" altLang="zh-CN" dirty="0"/>
               <a:t>AE</a:t>
             </a:r>
             <a:r>
-              <a:rPr lang="zh-CN" altLang="en-US" dirty="0" smtClean="0"/>
+              <a:rPr lang="zh-CN" altLang="en-US" dirty="0"/>
               <a:t>模式下不成立</a:t>
             </a:r>
-            <a:endParaRPr lang="en-US" altLang="zh-CN" dirty="0" smtClean="0"/>
+            <a:endParaRPr lang="en-US" altLang="zh-CN" dirty="0"/>
           </a:p>
           <a:p>
             <a:pPr lvl="1"/>
             <a:r>
-              <a:rPr lang="zh-CN" altLang="en-US" dirty="0" smtClean="0"/>
+              <a:rPr lang="zh-CN" altLang="en-US" dirty="0"/>
               <a:t>复杂度</a:t>
             </a:r>
             <a:r>
-              <a:rPr lang="en-US" altLang="zh-CN" dirty="0" smtClean="0"/>
+              <a:rPr lang="en-US" altLang="zh-CN" dirty="0"/>
               <a:t>114</a:t>
             </a:r>
             <a:r>
-              <a:rPr lang="zh-CN" altLang="en-US" dirty="0" smtClean="0"/>
+              <a:rPr lang="zh-CN" altLang="en-US" dirty="0"/>
               <a:t>，要求同</a:t>
             </a:r>
             <a:r>
-              <a:rPr lang="en-US" altLang="zh-CN" dirty="0" smtClean="0"/>
+              <a:rPr lang="en-US" altLang="zh-CN" dirty="0"/>
               <a:t>key</a:t>
             </a:r>
             <a:r>
-              <a:rPr lang="zh-CN" altLang="en-US" dirty="0" smtClean="0"/>
+              <a:rPr lang="zh-CN" altLang="en-US" dirty="0"/>
               <a:t>同</a:t>
             </a:r>
             <a:r>
-              <a:rPr lang="en-US" altLang="zh-CN" dirty="0" smtClean="0"/>
+              <a:rPr lang="en-US" altLang="zh-CN" dirty="0"/>
               <a:t>nonce</a:t>
             </a:r>
             <a:r>
-              <a:rPr lang="zh-CN" altLang="en-US" dirty="0" smtClean="0"/>
+              <a:rPr lang="zh-CN" altLang="en-US" dirty="0"/>
               <a:t>。而</a:t>
             </a:r>
             <a:r>
-              <a:rPr lang="en-US" altLang="zh-CN" dirty="0" smtClean="0"/>
+              <a:rPr lang="en-US" altLang="zh-CN" dirty="0"/>
               <a:t>AE</a:t>
             </a:r>
             <a:r>
@@ -18457,50 +18690,46 @@
               <a:t>同</a:t>
             </a:r>
             <a:r>
-              <a:rPr lang="en-US" altLang="zh-CN" dirty="0" smtClean="0"/>
+              <a:rPr lang="en-US" altLang="zh-CN" dirty="0"/>
               <a:t>nonce</a:t>
             </a:r>
             <a:r>
-              <a:rPr lang="zh-CN" altLang="en-US" dirty="0" smtClean="0"/>
+              <a:rPr lang="zh-CN" altLang="en-US" dirty="0"/>
               <a:t>的数据限制在</a:t>
             </a:r>
             <a:r>
-              <a:rPr lang="en-US" altLang="zh-CN" dirty="0" smtClean="0"/>
+              <a:rPr lang="en-US" altLang="zh-CN" dirty="0"/>
               <a:t>80</a:t>
             </a:r>
             <a:r>
-              <a:rPr lang="zh-CN" altLang="en-US" dirty="0" smtClean="0"/>
+              <a:rPr lang="zh-CN" altLang="en-US" dirty="0"/>
               <a:t>以内。</a:t>
             </a:r>
-            <a:endParaRPr lang="en-US" altLang="zh-CN" dirty="0" smtClean="0"/>
+            <a:endParaRPr lang="en-US" altLang="zh-CN" dirty="0"/>
           </a:p>
           <a:p>
             <a:r>
               <a:rPr lang="zh-CN" altLang="en-US" dirty="0"/>
-              <a:t>条件</a:t>
-            </a:r>
-            <a:r>
-              <a:rPr lang="zh-CN" altLang="en-US" dirty="0" smtClean="0"/>
-              <a:t>差分，动态立方（基于可分性），相关密钥</a:t>
-            </a:r>
-            <a:endParaRPr lang="en-US" altLang="zh-CN" dirty="0" smtClean="0"/>
+              <a:t>条件差分，动态立方（基于可分性），相关密钥</a:t>
+            </a:r>
+            <a:endParaRPr lang="en-US" altLang="zh-CN" dirty="0"/>
           </a:p>
           <a:p>
             <a:pPr lvl="1"/>
             <a:r>
-              <a:rPr lang="zh-CN" altLang="en-US" dirty="0" smtClean="0"/>
+              <a:rPr lang="zh-CN" altLang="en-US" dirty="0"/>
               <a:t>能攻</a:t>
             </a:r>
             <a:r>
-              <a:rPr lang="en-US" altLang="zh-CN" dirty="0" smtClean="0"/>
+              <a:rPr lang="en-US" altLang="zh-CN" dirty="0"/>
               <a:t>Grain-128a</a:t>
             </a:r>
             <a:r>
-              <a:rPr lang="zh-CN" altLang="en-US" dirty="0" smtClean="0"/>
+              <a:rPr lang="zh-CN" altLang="en-US" dirty="0"/>
               <a:t>，但还不能攻此</a:t>
             </a:r>
             <a:r>
-              <a:rPr lang="en-US" altLang="zh-CN" dirty="0" smtClean="0"/>
+              <a:rPr lang="en-US" altLang="zh-CN" dirty="0"/>
               <a:t>AE</a:t>
             </a:r>
             <a:endParaRPr lang="zh-CN" altLang="en-US" dirty="0"/>
@@ -18567,7 +18796,7 @@
 </p:sld>
 </file>
 
-<file path=ppt/slides/slide53.xml><?xml version="1.0" encoding="utf-8"?>
+<file path=ppt/slides/slide54.xml><?xml version="1.0" encoding="utf-8"?>
 <p:sld xmlns:a="http://schemas.openxmlformats.org/drawingml/2006/main" xmlns:r="http://schemas.openxmlformats.org/officeDocument/2006/relationships" xmlns:p="http://schemas.openxmlformats.org/presentationml/2006/main">
   <p:cSld>
     <p:bg>
@@ -18706,109 +18935,109 @@
           <a:lstStyle/>
           <a:p>
             <a:r>
-              <a:rPr lang="zh-CN" altLang="en-US" dirty="0" smtClean="0"/>
+              <a:rPr lang="zh-CN" altLang="en-US" dirty="0"/>
               <a:t>对</a:t>
             </a:r>
             <a:r>
-              <a:rPr lang="en-US" altLang="zh-CN" dirty="0" smtClean="0"/>
+              <a:rPr lang="en-US" altLang="zh-CN" dirty="0"/>
               <a:t>SPN</a:t>
             </a:r>
           </a:p>
           <a:p>
             <a:pPr lvl="1"/>
             <a:r>
-              <a:rPr lang="zh-CN" altLang="en-US" dirty="0" smtClean="0"/>
+              <a:rPr lang="zh-CN" altLang="en-US" dirty="0"/>
               <a:t>对扩散层强的，包括</a:t>
             </a:r>
             <a:r>
-              <a:rPr lang="en-US" altLang="zh-CN" dirty="0" err="1" smtClean="0"/>
+              <a:rPr lang="en-US" altLang="zh-CN" dirty="0" err="1"/>
               <a:t>Ascon</a:t>
             </a:r>
             <a:r>
-              <a:rPr lang="zh-CN" altLang="en-US" dirty="0" smtClean="0"/>
+              <a:rPr lang="zh-CN" altLang="en-US" dirty="0"/>
               <a:t>、</a:t>
             </a:r>
             <a:r>
-              <a:rPr lang="en-US" altLang="zh-CN" dirty="0" smtClean="0"/>
+              <a:rPr lang="en-US" altLang="zh-CN" dirty="0"/>
               <a:t>Keccak</a:t>
             </a:r>
             <a:r>
-              <a:rPr lang="zh-CN" altLang="en-US" dirty="0" smtClean="0"/>
+              <a:rPr lang="zh-CN" altLang="en-US" dirty="0"/>
               <a:t>、</a:t>
             </a:r>
             <a:r>
-              <a:rPr lang="en-US" altLang="zh-CN" dirty="0" smtClean="0"/>
+              <a:rPr lang="en-US" altLang="zh-CN" dirty="0"/>
               <a:t>PHOTON</a:t>
             </a:r>
             <a:r>
-              <a:rPr lang="zh-CN" altLang="en-US" dirty="0" smtClean="0"/>
+              <a:rPr lang="zh-CN" altLang="en-US" dirty="0"/>
               <a:t>，积分类的分析更强。</a:t>
             </a:r>
-            <a:endParaRPr lang="en-US" altLang="zh-CN" dirty="0" smtClean="0"/>
+            <a:endParaRPr lang="en-US" altLang="zh-CN" dirty="0"/>
           </a:p>
           <a:p>
             <a:pPr lvl="1"/>
             <a:r>
-              <a:rPr lang="zh-CN" altLang="en-US" dirty="0" smtClean="0"/>
+              <a:rPr lang="zh-CN" altLang="en-US" dirty="0"/>
               <a:t>对扩散层较弱的，包括</a:t>
             </a:r>
             <a:r>
-              <a:rPr lang="en-US" altLang="zh-CN" dirty="0" smtClean="0"/>
+              <a:rPr lang="en-US" altLang="zh-CN" dirty="0"/>
               <a:t>GIFT</a:t>
             </a:r>
             <a:r>
-              <a:rPr lang="zh-CN" altLang="en-US" dirty="0" smtClean="0"/>
+              <a:rPr lang="zh-CN" altLang="en-US" dirty="0"/>
               <a:t>、</a:t>
             </a:r>
             <a:r>
-              <a:rPr lang="en-US" altLang="zh-CN" dirty="0" err="1" smtClean="0"/>
+              <a:rPr lang="en-US" altLang="zh-CN" dirty="0" err="1"/>
               <a:t>Spongent</a:t>
             </a:r>
             <a:r>
-              <a:rPr lang="zh-CN" altLang="en-US" dirty="0" smtClean="0"/>
+              <a:rPr lang="zh-CN" altLang="en-US" dirty="0"/>
               <a:t>，差分</a:t>
             </a:r>
             <a:r>
-              <a:rPr lang="en-US" altLang="zh-CN" dirty="0" smtClean="0"/>
+              <a:rPr lang="en-US" altLang="zh-CN" dirty="0"/>
               <a:t>/</a:t>
             </a:r>
             <a:r>
-              <a:rPr lang="zh-CN" altLang="en-US" dirty="0" smtClean="0"/>
+              <a:rPr lang="zh-CN" altLang="en-US" dirty="0"/>
               <a:t>线性类的分析更强。</a:t>
             </a:r>
-            <a:endParaRPr lang="en-US" altLang="zh-CN" dirty="0" smtClean="0"/>
+            <a:endParaRPr lang="en-US" altLang="zh-CN" dirty="0"/>
           </a:p>
           <a:p>
             <a:pPr lvl="1"/>
             <a:r>
-              <a:rPr lang="zh-CN" altLang="en-US" dirty="0" smtClean="0"/>
+              <a:rPr lang="zh-CN" altLang="en-US" dirty="0"/>
               <a:t>对</a:t>
             </a:r>
             <a:r>
-              <a:rPr lang="en-US" altLang="zh-CN" dirty="0" smtClean="0"/>
+              <a:rPr lang="en-US" altLang="zh-CN" dirty="0"/>
               <a:t>Skinny</a:t>
             </a:r>
             <a:r>
-              <a:rPr lang="zh-CN" altLang="en-US" dirty="0" smtClean="0"/>
+              <a:rPr lang="zh-CN" altLang="en-US" dirty="0"/>
               <a:t>，由于是</a:t>
             </a:r>
             <a:r>
-              <a:rPr lang="en-US" altLang="zh-CN" dirty="0" smtClean="0"/>
+              <a:rPr lang="en-US" altLang="zh-CN" dirty="0"/>
               <a:t>TBC</a:t>
             </a:r>
             <a:r>
-              <a:rPr lang="zh-CN" altLang="en-US" dirty="0" smtClean="0"/>
+              <a:rPr lang="zh-CN" altLang="en-US" dirty="0"/>
               <a:t>，最好的攻击是在</a:t>
             </a:r>
             <a:r>
-              <a:rPr lang="en-US" altLang="zh-CN" dirty="0" smtClean="0"/>
+              <a:rPr lang="en-US" altLang="zh-CN" dirty="0"/>
               <a:t>related-tweak</a:t>
             </a:r>
             <a:r>
-              <a:rPr lang="zh-CN" altLang="en-US" dirty="0" smtClean="0"/>
+              <a:rPr lang="zh-CN" altLang="en-US" dirty="0"/>
               <a:t>攻击模型下的。</a:t>
             </a:r>
-            <a:endParaRPr lang="en-US" altLang="zh-CN" dirty="0" smtClean="0"/>
+            <a:endParaRPr lang="en-US" altLang="zh-CN" dirty="0"/>
           </a:p>
           <a:p>
             <a:endParaRPr lang="zh-CN" altLang="en-US" dirty="0"/>

--- a/round3.pptx
+++ b/round3.pptx
@@ -2005,7 +2005,7 @@
           <a:p>
             <a:fld id="{1320BD0E-5109-46F8-A5B6-62A588708CC4}" type="datetimeFigureOut">
               <a:rPr lang="zh-CN" altLang="en-US" smtClean="0"/>
-              <a:t>2021/6/18</a:t>
+              <a:t>2021/6/22</a:t>
             </a:fld>
             <a:endParaRPr lang="zh-CN" altLang="en-US"/>
           </a:p>
@@ -2737,7 +2737,7 @@
           <a:p>
             <a:fld id="{14429FF0-3023-43B6-9AAB-81DD03F4275D}" type="datetimeFigureOut">
               <a:rPr lang="zh-CN" altLang="en-US" smtClean="0"/>
-              <a:t>2021/6/18</a:t>
+              <a:t>2021/6/22</a:t>
             </a:fld>
             <a:endParaRPr lang="zh-CN" altLang="en-US"/>
           </a:p>
@@ -2905,7 +2905,7 @@
           <a:p>
             <a:fld id="{14429FF0-3023-43B6-9AAB-81DD03F4275D}" type="datetimeFigureOut">
               <a:rPr lang="zh-CN" altLang="en-US" smtClean="0"/>
-              <a:t>2021/6/18</a:t>
+              <a:t>2021/6/22</a:t>
             </a:fld>
             <a:endParaRPr lang="zh-CN" altLang="en-US"/>
           </a:p>
@@ -3083,7 +3083,7 @@
           <a:p>
             <a:fld id="{14429FF0-3023-43B6-9AAB-81DD03F4275D}" type="datetimeFigureOut">
               <a:rPr lang="zh-CN" altLang="en-US" smtClean="0"/>
-              <a:t>2021/6/18</a:t>
+              <a:t>2021/6/22</a:t>
             </a:fld>
             <a:endParaRPr lang="zh-CN" altLang="en-US"/>
           </a:p>
@@ -3251,7 +3251,7 @@
           <a:p>
             <a:fld id="{14429FF0-3023-43B6-9AAB-81DD03F4275D}" type="datetimeFigureOut">
               <a:rPr lang="zh-CN" altLang="en-US" smtClean="0"/>
-              <a:t>2021/6/18</a:t>
+              <a:t>2021/6/22</a:t>
             </a:fld>
             <a:endParaRPr lang="zh-CN" altLang="en-US"/>
           </a:p>
@@ -3496,7 +3496,7 @@
           <a:p>
             <a:fld id="{14429FF0-3023-43B6-9AAB-81DD03F4275D}" type="datetimeFigureOut">
               <a:rPr lang="zh-CN" altLang="en-US" smtClean="0"/>
-              <a:t>2021/6/18</a:t>
+              <a:t>2021/6/22</a:t>
             </a:fld>
             <a:endParaRPr lang="zh-CN" altLang="en-US"/>
           </a:p>
@@ -3725,7 +3725,7 @@
           <a:p>
             <a:fld id="{14429FF0-3023-43B6-9AAB-81DD03F4275D}" type="datetimeFigureOut">
               <a:rPr lang="zh-CN" altLang="en-US" smtClean="0"/>
-              <a:t>2021/6/18</a:t>
+              <a:t>2021/6/22</a:t>
             </a:fld>
             <a:endParaRPr lang="zh-CN" altLang="en-US"/>
           </a:p>
@@ -4089,7 +4089,7 @@
           <a:p>
             <a:fld id="{14429FF0-3023-43B6-9AAB-81DD03F4275D}" type="datetimeFigureOut">
               <a:rPr lang="zh-CN" altLang="en-US" smtClean="0"/>
-              <a:t>2021/6/18</a:t>
+              <a:t>2021/6/22</a:t>
             </a:fld>
             <a:endParaRPr lang="zh-CN" altLang="en-US"/>
           </a:p>
@@ -4206,7 +4206,7 @@
           <a:p>
             <a:fld id="{14429FF0-3023-43B6-9AAB-81DD03F4275D}" type="datetimeFigureOut">
               <a:rPr lang="zh-CN" altLang="en-US" smtClean="0"/>
-              <a:t>2021/6/18</a:t>
+              <a:t>2021/6/22</a:t>
             </a:fld>
             <a:endParaRPr lang="zh-CN" altLang="en-US"/>
           </a:p>
@@ -4301,7 +4301,7 @@
           <a:p>
             <a:fld id="{14429FF0-3023-43B6-9AAB-81DD03F4275D}" type="datetimeFigureOut">
               <a:rPr lang="zh-CN" altLang="en-US" smtClean="0"/>
-              <a:t>2021/6/18</a:t>
+              <a:t>2021/6/22</a:t>
             </a:fld>
             <a:endParaRPr lang="zh-CN" altLang="en-US"/>
           </a:p>
@@ -4576,7 +4576,7 @@
           <a:p>
             <a:fld id="{14429FF0-3023-43B6-9AAB-81DD03F4275D}" type="datetimeFigureOut">
               <a:rPr lang="zh-CN" altLang="en-US" smtClean="0"/>
-              <a:t>2021/6/18</a:t>
+              <a:t>2021/6/22</a:t>
             </a:fld>
             <a:endParaRPr lang="zh-CN" altLang="en-US"/>
           </a:p>
@@ -4828,7 +4828,7 @@
           <a:p>
             <a:fld id="{14429FF0-3023-43B6-9AAB-81DD03F4275D}" type="datetimeFigureOut">
               <a:rPr lang="zh-CN" altLang="en-US" smtClean="0"/>
-              <a:t>2021/6/18</a:t>
+              <a:t>2021/6/22</a:t>
             </a:fld>
             <a:endParaRPr lang="zh-CN" altLang="en-US"/>
           </a:p>
@@ -5039,7 +5039,7 @@
           <a:p>
             <a:fld id="{14429FF0-3023-43B6-9AAB-81DD03F4275D}" type="datetimeFigureOut">
               <a:rPr lang="zh-CN" altLang="en-US" smtClean="0"/>
-              <a:t>2021/6/18</a:t>
+              <a:t>2021/6/22</a:t>
             </a:fld>
             <a:endParaRPr lang="zh-CN" altLang="en-US" dirty="0"/>
           </a:p>
@@ -16568,7 +16568,9 @@
         </p:nvSpPr>
         <p:spPr/>
         <p:txBody>
-          <a:bodyPr/>
+          <a:bodyPr>
+            <a:normAutofit lnSpcReduction="10000"/>
+          </a:bodyPr>
           <a:lstStyle/>
           <a:p>
             <a:r>
@@ -16669,12 +16671,41 @@
               <a:rPr lang="en-US" altLang="zh-CN" dirty="0">
                 <a:hlinkClick r:id="rId3" action="ppaction://hlinkfile"/>
               </a:rPr>
-              <a:t>Improved rebound attack on the finalist </a:t>
+              <a:t>Super-</a:t>
             </a:r>
             <a:r>
               <a:rPr lang="en-US" altLang="zh-CN" dirty="0" err="1">
                 <a:hlinkClick r:id="rId3" action="ppaction://hlinkfile"/>
               </a:rPr>
+              <a:t>Sbox</a:t>
+            </a:r>
+            <a:r>
+              <a:rPr lang="en-US" altLang="zh-CN" dirty="0">
+                <a:hlinkClick r:id="rId3" action="ppaction://hlinkfile"/>
+              </a:rPr>
+              <a:t> Cryptanalysis: Improved Attacks for AES-Like Permutations</a:t>
+            </a:r>
+            <a:endParaRPr lang="en-US" altLang="zh-CN" dirty="0"/>
+          </a:p>
+          <a:p>
+            <a:pPr lvl="1"/>
+            <a:r>
+              <a:rPr lang="zh-CN" altLang="en-US"/>
+              <a:t>将中间一轮全活跃扩展到中间两轮全活跃</a:t>
+            </a:r>
+            <a:endParaRPr lang="en-US" altLang="zh-CN" dirty="0"/>
+          </a:p>
+          <a:p>
+            <a:r>
+              <a:rPr lang="en-US" altLang="zh-CN" dirty="0">
+                <a:hlinkClick r:id="rId4" action="ppaction://hlinkfile"/>
+              </a:rPr>
+              <a:t>Improved rebound attack on the finalist </a:t>
+            </a:r>
+            <a:r>
+              <a:rPr lang="en-US" altLang="zh-CN" dirty="0" err="1">
+                <a:hlinkClick r:id="rId4" action="ppaction://hlinkfile"/>
+              </a:rPr>
               <a:t>grøstl</a:t>
             </a:r>
             <a:endParaRPr lang="en-US" altLang="zh-CN" dirty="0"/>
@@ -16750,7 +16781,7 @@
               <a:t>9</a:t>
             </a:r>
             <a:r>
-              <a:rPr lang="zh-CN" altLang="en-US"/>
+              <a:rPr lang="zh-CN" altLang="en-US" dirty="0"/>
               <a:t>）</a:t>
             </a:r>
             <a:endParaRPr lang="en-US" altLang="zh-CN" dirty="0"/>

--- a/round3.pptx
+++ b/round3.pptx
@@ -5,7 +5,7 @@
     <p:sldMasterId id="2147483648" r:id="rId1"/>
   </p:sldMasterIdLst>
   <p:notesMasterIdLst>
-    <p:notesMasterId r:id="rId56"/>
+    <p:notesMasterId r:id="rId61"/>
   </p:notesMasterIdLst>
   <p:sldIdLst>
     <p:sldId id="256" r:id="rId2"/>
@@ -19,8 +19,8 @@
     <p:sldId id="271" r:id="rId10"/>
     <p:sldId id="278" r:id="rId11"/>
     <p:sldId id="272" r:id="rId12"/>
-    <p:sldId id="311" r:id="rId13"/>
-    <p:sldId id="273" r:id="rId14"/>
+    <p:sldId id="273" r:id="rId13"/>
+    <p:sldId id="311" r:id="rId14"/>
     <p:sldId id="275" r:id="rId15"/>
     <p:sldId id="276" r:id="rId16"/>
     <p:sldId id="277" r:id="rId17"/>
@@ -51,17 +51,22 @@
     <p:sldId id="317" r:id="rId42"/>
     <p:sldId id="319" r:id="rId43"/>
     <p:sldId id="320" r:id="rId44"/>
-    <p:sldId id="331" r:id="rId45"/>
-    <p:sldId id="318" r:id="rId46"/>
-    <p:sldId id="259" r:id="rId47"/>
-    <p:sldId id="298" r:id="rId48"/>
-    <p:sldId id="263" r:id="rId49"/>
-    <p:sldId id="302" r:id="rId50"/>
-    <p:sldId id="264" r:id="rId51"/>
-    <p:sldId id="303" r:id="rId52"/>
-    <p:sldId id="265" r:id="rId53"/>
-    <p:sldId id="260" r:id="rId54"/>
-    <p:sldId id="312" r:id="rId55"/>
+    <p:sldId id="318" r:id="rId45"/>
+    <p:sldId id="259" r:id="rId46"/>
+    <p:sldId id="298" r:id="rId47"/>
+    <p:sldId id="263" r:id="rId48"/>
+    <p:sldId id="302" r:id="rId49"/>
+    <p:sldId id="264" r:id="rId50"/>
+    <p:sldId id="303" r:id="rId51"/>
+    <p:sldId id="265" r:id="rId52"/>
+    <p:sldId id="260" r:id="rId53"/>
+    <p:sldId id="332" r:id="rId54"/>
+    <p:sldId id="336" r:id="rId55"/>
+    <p:sldId id="331" r:id="rId56"/>
+    <p:sldId id="333" r:id="rId57"/>
+    <p:sldId id="334" r:id="rId58"/>
+    <p:sldId id="335" r:id="rId59"/>
+    <p:sldId id="312" r:id="rId60"/>
   </p:sldIdLst>
   <p:sldSz cx="12192000" cy="6858000"/>
   <p:notesSz cx="6858000" cy="9144000"/>
@@ -2005,7 +2010,7 @@
           <a:p>
             <a:fld id="{1320BD0E-5109-46F8-A5B6-62A588708CC4}" type="datetimeFigureOut">
               <a:rPr lang="zh-CN" altLang="en-US" smtClean="0"/>
-              <a:t>2021/6/22</a:t>
+              <a:t>2021/6/27</a:t>
             </a:fld>
             <a:endParaRPr lang="zh-CN" altLang="en-US"/>
           </a:p>
@@ -2737,7 +2742,7 @@
           <a:p>
             <a:fld id="{14429FF0-3023-43B6-9AAB-81DD03F4275D}" type="datetimeFigureOut">
               <a:rPr lang="zh-CN" altLang="en-US" smtClean="0"/>
-              <a:t>2021/6/22</a:t>
+              <a:t>2021/6/27</a:t>
             </a:fld>
             <a:endParaRPr lang="zh-CN" altLang="en-US"/>
           </a:p>
@@ -2905,7 +2910,7 @@
           <a:p>
             <a:fld id="{14429FF0-3023-43B6-9AAB-81DD03F4275D}" type="datetimeFigureOut">
               <a:rPr lang="zh-CN" altLang="en-US" smtClean="0"/>
-              <a:t>2021/6/22</a:t>
+              <a:t>2021/6/27</a:t>
             </a:fld>
             <a:endParaRPr lang="zh-CN" altLang="en-US"/>
           </a:p>
@@ -3083,7 +3088,7 @@
           <a:p>
             <a:fld id="{14429FF0-3023-43B6-9AAB-81DD03F4275D}" type="datetimeFigureOut">
               <a:rPr lang="zh-CN" altLang="en-US" smtClean="0"/>
-              <a:t>2021/6/22</a:t>
+              <a:t>2021/6/27</a:t>
             </a:fld>
             <a:endParaRPr lang="zh-CN" altLang="en-US"/>
           </a:p>
@@ -3251,7 +3256,7 @@
           <a:p>
             <a:fld id="{14429FF0-3023-43B6-9AAB-81DD03F4275D}" type="datetimeFigureOut">
               <a:rPr lang="zh-CN" altLang="en-US" smtClean="0"/>
-              <a:t>2021/6/22</a:t>
+              <a:t>2021/6/27</a:t>
             </a:fld>
             <a:endParaRPr lang="zh-CN" altLang="en-US"/>
           </a:p>
@@ -3496,7 +3501,7 @@
           <a:p>
             <a:fld id="{14429FF0-3023-43B6-9AAB-81DD03F4275D}" type="datetimeFigureOut">
               <a:rPr lang="zh-CN" altLang="en-US" smtClean="0"/>
-              <a:t>2021/6/22</a:t>
+              <a:t>2021/6/27</a:t>
             </a:fld>
             <a:endParaRPr lang="zh-CN" altLang="en-US"/>
           </a:p>
@@ -3725,7 +3730,7 @@
           <a:p>
             <a:fld id="{14429FF0-3023-43B6-9AAB-81DD03F4275D}" type="datetimeFigureOut">
               <a:rPr lang="zh-CN" altLang="en-US" smtClean="0"/>
-              <a:t>2021/6/22</a:t>
+              <a:t>2021/6/27</a:t>
             </a:fld>
             <a:endParaRPr lang="zh-CN" altLang="en-US"/>
           </a:p>
@@ -4089,7 +4094,7 @@
           <a:p>
             <a:fld id="{14429FF0-3023-43B6-9AAB-81DD03F4275D}" type="datetimeFigureOut">
               <a:rPr lang="zh-CN" altLang="en-US" smtClean="0"/>
-              <a:t>2021/6/22</a:t>
+              <a:t>2021/6/27</a:t>
             </a:fld>
             <a:endParaRPr lang="zh-CN" altLang="en-US"/>
           </a:p>
@@ -4206,7 +4211,7 @@
           <a:p>
             <a:fld id="{14429FF0-3023-43B6-9AAB-81DD03F4275D}" type="datetimeFigureOut">
               <a:rPr lang="zh-CN" altLang="en-US" smtClean="0"/>
-              <a:t>2021/6/22</a:t>
+              <a:t>2021/6/27</a:t>
             </a:fld>
             <a:endParaRPr lang="zh-CN" altLang="en-US"/>
           </a:p>
@@ -4301,7 +4306,7 @@
           <a:p>
             <a:fld id="{14429FF0-3023-43B6-9AAB-81DD03F4275D}" type="datetimeFigureOut">
               <a:rPr lang="zh-CN" altLang="en-US" smtClean="0"/>
-              <a:t>2021/6/22</a:t>
+              <a:t>2021/6/27</a:t>
             </a:fld>
             <a:endParaRPr lang="zh-CN" altLang="en-US"/>
           </a:p>
@@ -4576,7 +4581,7 @@
           <a:p>
             <a:fld id="{14429FF0-3023-43B6-9AAB-81DD03F4275D}" type="datetimeFigureOut">
               <a:rPr lang="zh-CN" altLang="en-US" smtClean="0"/>
-              <a:t>2021/6/22</a:t>
+              <a:t>2021/6/27</a:t>
             </a:fld>
             <a:endParaRPr lang="zh-CN" altLang="en-US"/>
           </a:p>
@@ -4828,7 +4833,7 @@
           <a:p>
             <a:fld id="{14429FF0-3023-43B6-9AAB-81DD03F4275D}" type="datetimeFigureOut">
               <a:rPr lang="zh-CN" altLang="en-US" smtClean="0"/>
-              <a:t>2021/6/22</a:t>
+              <a:t>2021/6/27</a:t>
             </a:fld>
             <a:endParaRPr lang="zh-CN" altLang="en-US"/>
           </a:p>
@@ -5039,7 +5044,7 @@
           <a:p>
             <a:fld id="{14429FF0-3023-43B6-9AAB-81DD03F4275D}" type="datetimeFigureOut">
               <a:rPr lang="zh-CN" altLang="en-US" smtClean="0"/>
-              <a:t>2021/6/22</a:t>
+              <a:t>2021/6/27</a:t>
             </a:fld>
             <a:endParaRPr lang="zh-CN" altLang="en-US" dirty="0"/>
           </a:p>
@@ -5430,6 +5435,14 @@
 <file path=ppt/slides/slide1.xml><?xml version="1.0" encoding="utf-8"?>
 <p:sld xmlns:a="http://schemas.openxmlformats.org/drawingml/2006/main" xmlns:r="http://schemas.openxmlformats.org/officeDocument/2006/relationships" xmlns:p="http://schemas.openxmlformats.org/presentationml/2006/main">
   <p:cSld>
+    <p:bg>
+      <p:bgPr>
+        <a:solidFill>
+          <a:srgbClr val="5B9BD5"/>
+        </a:solidFill>
+        <a:effectLst/>
+      </p:bgPr>
+    </p:bg>
     <p:spTree>
       <p:nvGrpSpPr>
         <p:cNvPr id="1" name=""/>
@@ -5469,7 +5482,13 @@
       </p:sp>
       <p:sp>
         <p:nvSpPr>
-          <p:cNvPr id="3" name="副标题 2"/>
+          <p:cNvPr id="4" name="副标题 3">
+            <a:extLst>
+              <a:ext uri="{FF2B5EF4-FFF2-40B4-BE49-F238E27FC236}">
+                <a16:creationId xmlns:a16="http://schemas.microsoft.com/office/drawing/2014/main" id="{E66BF7A5-F537-4978-AD0D-61ECF612E714}"/>
+              </a:ext>
+            </a:extLst>
+          </p:cNvPr>
           <p:cNvSpPr>
             <a:spLocks noGrp="1"/>
           </p:cNvSpPr>
@@ -5482,7 +5501,7 @@
           <a:bodyPr/>
           <a:lstStyle/>
           <a:p>
-            <a:endParaRPr lang="zh-CN" altLang="en-US"/>
+            <a:endParaRPr lang="zh-CN" altLang="en-US" dirty="0"/>
           </a:p>
         </p:txBody>
       </p:sp>
@@ -5947,174 +5966,6 @@
       </p:grpSpPr>
       <p:sp>
         <p:nvSpPr>
-          <p:cNvPr id="2" name="标题 1"/>
-          <p:cNvSpPr>
-            <a:spLocks noGrp="1"/>
-          </p:cNvSpPr>
-          <p:nvPr>
-            <p:ph type="title"/>
-          </p:nvPr>
-        </p:nvSpPr>
-        <p:spPr/>
-        <p:txBody>
-          <a:bodyPr/>
-          <a:lstStyle/>
-          <a:p>
-            <a:r>
-              <a:rPr lang="en-US" altLang="zh-CN" dirty="0"/>
-              <a:t>PHOTON</a:t>
-            </a:r>
-            <a:endParaRPr lang="zh-CN" altLang="en-US" dirty="0"/>
-          </a:p>
-        </p:txBody>
-      </p:sp>
-      <p:pic>
-        <p:nvPicPr>
-          <p:cNvPr id="4" name="图片 3"/>
-          <p:cNvPicPr>
-            <a:picLocks noChangeAspect="1"/>
-          </p:cNvPicPr>
-          <p:nvPr/>
-        </p:nvPicPr>
-        <p:blipFill>
-          <a:blip r:embed="rId2"/>
-          <a:stretch>
-            <a:fillRect/>
-          </a:stretch>
-        </p:blipFill>
-        <p:spPr>
-          <a:xfrm>
-            <a:off x="602364" y="2554332"/>
-            <a:ext cx="10987271" cy="2756282"/>
-          </a:xfrm>
-          <a:prstGeom prst="rect">
-            <a:avLst/>
-          </a:prstGeom>
-        </p:spPr>
-      </p:pic>
-      <p:sp>
-        <p:nvSpPr>
-          <p:cNvPr id="5" name="动作按钮: 第一张 4">
-            <a:hlinkClick r:id="rId3" action="ppaction://hlinksldjump" highlightClick="1"/>
-          </p:cNvPr>
-          <p:cNvSpPr/>
-          <p:nvPr/>
-        </p:nvSpPr>
-        <p:spPr>
-          <a:xfrm>
-            <a:off x="11808069" y="6541477"/>
-            <a:ext cx="383931" cy="316523"/>
-          </a:xfrm>
-          <a:prstGeom prst="actionButtonHome">
-            <a:avLst/>
-          </a:prstGeom>
-        </p:spPr>
-        <p:style>
-          <a:lnRef idx="2">
-            <a:schemeClr val="accent1">
-              <a:shade val="50000"/>
-            </a:schemeClr>
-          </a:lnRef>
-          <a:fillRef idx="1">
-            <a:schemeClr val="accent1"/>
-          </a:fillRef>
-          <a:effectRef idx="0">
-            <a:schemeClr val="accent1"/>
-          </a:effectRef>
-          <a:fontRef idx="minor">
-            <a:schemeClr val="lt1"/>
-          </a:fontRef>
-        </p:style>
-        <p:txBody>
-          <a:bodyPr rtlCol="0" anchor="ctr"/>
-          <a:lstStyle/>
-          <a:p>
-            <a:pPr algn="ctr"/>
-            <a:endParaRPr lang="zh-CN" altLang="en-US"/>
-          </a:p>
-        </p:txBody>
-      </p:sp>
-      <p:pic>
-        <p:nvPicPr>
-          <p:cNvPr id="6" name="图片 5"/>
-          <p:cNvPicPr>
-            <a:picLocks noChangeAspect="1"/>
-          </p:cNvPicPr>
-          <p:nvPr/>
-        </p:nvPicPr>
-        <p:blipFill>
-          <a:blip r:embed="rId4"/>
-          <a:stretch>
-            <a:fillRect/>
-          </a:stretch>
-        </p:blipFill>
-        <p:spPr>
-          <a:xfrm>
-            <a:off x="3987644" y="365125"/>
-            <a:ext cx="7366156" cy="1806582"/>
-          </a:xfrm>
-          <a:prstGeom prst="rect">
-            <a:avLst/>
-          </a:prstGeom>
-        </p:spPr>
-      </p:pic>
-      <p:sp>
-        <p:nvSpPr>
-          <p:cNvPr id="8" name="内容占位符 7">
-            <a:extLst>
-              <a:ext uri="{FF2B5EF4-FFF2-40B4-BE49-F238E27FC236}">
-                <a16:creationId xmlns:a16="http://schemas.microsoft.com/office/drawing/2014/main" id="{7AD7FEE8-B0E9-43A9-B4B2-1F395CFCDAD8}"/>
-              </a:ext>
-            </a:extLst>
-          </p:cNvPr>
-          <p:cNvSpPr>
-            <a:spLocks noGrp="1"/>
-          </p:cNvSpPr>
-          <p:nvPr>
-            <p:ph idx="1"/>
-          </p:nvPr>
-        </p:nvSpPr>
-        <p:spPr/>
-        <p:txBody>
-          <a:bodyPr/>
-          <a:lstStyle/>
-          <a:p>
-            <a:endParaRPr lang="zh-CN" altLang="en-US"/>
-          </a:p>
-        </p:txBody>
-      </p:sp>
-    </p:spTree>
-    <p:extLst>
-      <p:ext uri="{BB962C8B-B14F-4D97-AF65-F5344CB8AC3E}">
-        <p14:creationId xmlns:p14="http://schemas.microsoft.com/office/powerpoint/2010/main" val="2522391752"/>
-      </p:ext>
-    </p:extLst>
-  </p:cSld>
-  <p:clrMapOvr>
-    <a:masterClrMapping/>
-  </p:clrMapOvr>
-</p:sld>
-</file>
-
-<file path=ppt/slides/slide13.xml><?xml version="1.0" encoding="utf-8"?>
-<p:sld xmlns:a="http://schemas.openxmlformats.org/drawingml/2006/main" xmlns:r="http://schemas.openxmlformats.org/officeDocument/2006/relationships" xmlns:p="http://schemas.openxmlformats.org/presentationml/2006/main">
-  <p:cSld>
-    <p:spTree>
-      <p:nvGrpSpPr>
-        <p:cNvPr id="1" name=""/>
-        <p:cNvGrpSpPr/>
-        <p:nvPr/>
-      </p:nvGrpSpPr>
-      <p:grpSpPr>
-        <a:xfrm>
-          <a:off x="0" y="0"/>
-          <a:ext cx="0" cy="0"/>
-          <a:chOff x="0" y="0"/>
-          <a:chExt cx="0" cy="0"/>
-        </a:xfrm>
-      </p:grpSpPr>
-      <p:sp>
-        <p:nvSpPr>
           <p:cNvPr id="2" name="标题 1">
             <a:extLst>
               <a:ext uri="{FF2B5EF4-FFF2-40B4-BE49-F238E27FC236}">
@@ -6287,6 +6138,174 @@
 </p:sld>
 </file>
 
+<file path=ppt/slides/slide13.xml><?xml version="1.0" encoding="utf-8"?>
+<p:sld xmlns:a="http://schemas.openxmlformats.org/drawingml/2006/main" xmlns:r="http://schemas.openxmlformats.org/officeDocument/2006/relationships" xmlns:p="http://schemas.openxmlformats.org/presentationml/2006/main">
+  <p:cSld>
+    <p:spTree>
+      <p:nvGrpSpPr>
+        <p:cNvPr id="1" name=""/>
+        <p:cNvGrpSpPr/>
+        <p:nvPr/>
+      </p:nvGrpSpPr>
+      <p:grpSpPr>
+        <a:xfrm>
+          <a:off x="0" y="0"/>
+          <a:ext cx="0" cy="0"/>
+          <a:chOff x="0" y="0"/>
+          <a:chExt cx="0" cy="0"/>
+        </a:xfrm>
+      </p:grpSpPr>
+      <p:sp>
+        <p:nvSpPr>
+          <p:cNvPr id="2" name="标题 1"/>
+          <p:cNvSpPr>
+            <a:spLocks noGrp="1"/>
+          </p:cNvSpPr>
+          <p:nvPr>
+            <p:ph type="title"/>
+          </p:nvPr>
+        </p:nvSpPr>
+        <p:spPr/>
+        <p:txBody>
+          <a:bodyPr/>
+          <a:lstStyle/>
+          <a:p>
+            <a:r>
+              <a:rPr lang="en-US" altLang="zh-CN" dirty="0"/>
+              <a:t>PHOTON</a:t>
+            </a:r>
+            <a:endParaRPr lang="zh-CN" altLang="en-US" dirty="0"/>
+          </a:p>
+        </p:txBody>
+      </p:sp>
+      <p:pic>
+        <p:nvPicPr>
+          <p:cNvPr id="4" name="图片 3"/>
+          <p:cNvPicPr>
+            <a:picLocks noChangeAspect="1"/>
+          </p:cNvPicPr>
+          <p:nvPr/>
+        </p:nvPicPr>
+        <p:blipFill>
+          <a:blip r:embed="rId2"/>
+          <a:stretch>
+            <a:fillRect/>
+          </a:stretch>
+        </p:blipFill>
+        <p:spPr>
+          <a:xfrm>
+            <a:off x="602364" y="2554332"/>
+            <a:ext cx="10987271" cy="2756282"/>
+          </a:xfrm>
+          <a:prstGeom prst="rect">
+            <a:avLst/>
+          </a:prstGeom>
+        </p:spPr>
+      </p:pic>
+      <p:sp>
+        <p:nvSpPr>
+          <p:cNvPr id="5" name="动作按钮: 第一张 4">
+            <a:hlinkClick r:id="rId3" action="ppaction://hlinksldjump" highlightClick="1"/>
+          </p:cNvPr>
+          <p:cNvSpPr/>
+          <p:nvPr/>
+        </p:nvSpPr>
+        <p:spPr>
+          <a:xfrm>
+            <a:off x="11808069" y="6541477"/>
+            <a:ext cx="383931" cy="316523"/>
+          </a:xfrm>
+          <a:prstGeom prst="actionButtonHome">
+            <a:avLst/>
+          </a:prstGeom>
+        </p:spPr>
+        <p:style>
+          <a:lnRef idx="2">
+            <a:schemeClr val="accent1">
+              <a:shade val="50000"/>
+            </a:schemeClr>
+          </a:lnRef>
+          <a:fillRef idx="1">
+            <a:schemeClr val="accent1"/>
+          </a:fillRef>
+          <a:effectRef idx="0">
+            <a:schemeClr val="accent1"/>
+          </a:effectRef>
+          <a:fontRef idx="minor">
+            <a:schemeClr val="lt1"/>
+          </a:fontRef>
+        </p:style>
+        <p:txBody>
+          <a:bodyPr rtlCol="0" anchor="ctr"/>
+          <a:lstStyle/>
+          <a:p>
+            <a:pPr algn="ctr"/>
+            <a:endParaRPr lang="zh-CN" altLang="en-US"/>
+          </a:p>
+        </p:txBody>
+      </p:sp>
+      <p:pic>
+        <p:nvPicPr>
+          <p:cNvPr id="6" name="图片 5"/>
+          <p:cNvPicPr>
+            <a:picLocks noChangeAspect="1"/>
+          </p:cNvPicPr>
+          <p:nvPr/>
+        </p:nvPicPr>
+        <p:blipFill>
+          <a:blip r:embed="rId4"/>
+          <a:stretch>
+            <a:fillRect/>
+          </a:stretch>
+        </p:blipFill>
+        <p:spPr>
+          <a:xfrm>
+            <a:off x="3987644" y="365125"/>
+            <a:ext cx="7366156" cy="1806582"/>
+          </a:xfrm>
+          <a:prstGeom prst="rect">
+            <a:avLst/>
+          </a:prstGeom>
+        </p:spPr>
+      </p:pic>
+      <p:sp>
+        <p:nvSpPr>
+          <p:cNvPr id="8" name="内容占位符 7">
+            <a:extLst>
+              <a:ext uri="{FF2B5EF4-FFF2-40B4-BE49-F238E27FC236}">
+                <a16:creationId xmlns:a16="http://schemas.microsoft.com/office/drawing/2014/main" id="{7AD7FEE8-B0E9-43A9-B4B2-1F395CFCDAD8}"/>
+              </a:ext>
+            </a:extLst>
+          </p:cNvPr>
+          <p:cNvSpPr>
+            <a:spLocks noGrp="1"/>
+          </p:cNvSpPr>
+          <p:nvPr>
+            <p:ph idx="1"/>
+          </p:nvPr>
+        </p:nvSpPr>
+        <p:spPr/>
+        <p:txBody>
+          <a:bodyPr/>
+          <a:lstStyle/>
+          <a:p>
+            <a:endParaRPr lang="zh-CN" altLang="en-US"/>
+          </a:p>
+        </p:txBody>
+      </p:sp>
+    </p:spTree>
+    <p:extLst>
+      <p:ext uri="{BB962C8B-B14F-4D97-AF65-F5344CB8AC3E}">
+        <p14:creationId xmlns:p14="http://schemas.microsoft.com/office/powerpoint/2010/main" val="2522391752"/>
+      </p:ext>
+    </p:extLst>
+  </p:cSld>
+  <p:clrMapOvr>
+    <a:masterClrMapping/>
+  </p:clrMapOvr>
+</p:sld>
+</file>
+
 <file path=ppt/slides/slide14.xml><?xml version="1.0" encoding="utf-8"?>
 <p:sld xmlns:a="http://schemas.openxmlformats.org/drawingml/2006/main" xmlns:r="http://schemas.openxmlformats.org/officeDocument/2006/relationships" xmlns:p="http://schemas.openxmlformats.org/presentationml/2006/main">
   <p:cSld>
@@ -7041,12 +7060,18 @@
       </p:sp>
       <p:sp>
         <p:nvSpPr>
-          <p:cNvPr id="3" name="内容占位符 2"/>
+          <p:cNvPr id="4" name="文本占位符 3">
+            <a:extLst>
+              <a:ext uri="{FF2B5EF4-FFF2-40B4-BE49-F238E27FC236}">
+                <a16:creationId xmlns:a16="http://schemas.microsoft.com/office/drawing/2014/main" id="{012580ED-454D-4CFA-93F8-BC9897503E48}"/>
+              </a:ext>
+            </a:extLst>
+          </p:cNvPr>
           <p:cNvSpPr>
             <a:spLocks noGrp="1"/>
           </p:cNvSpPr>
           <p:nvPr>
-            <p:ph idx="1"/>
+            <p:ph type="body" idx="1"/>
           </p:nvPr>
         </p:nvSpPr>
         <p:spPr/>
@@ -7054,7 +7079,23 @@
           <a:bodyPr/>
           <a:lstStyle/>
           <a:p>
-            <a:endParaRPr lang="zh-CN" altLang="en-US"/>
+            <a:r>
+              <a:rPr lang="en-US" altLang="zh-CN" dirty="0">
+                <a:solidFill>
+                  <a:schemeClr val="accent2">
+                    <a:lumMod val="75000"/>
+                  </a:schemeClr>
+                </a:solidFill>
+              </a:rPr>
+              <a:t>Grouped by primitives</a:t>
+            </a:r>
+            <a:endParaRPr lang="zh-CN" altLang="en-US" dirty="0">
+              <a:solidFill>
+                <a:schemeClr val="accent2">
+                  <a:lumMod val="75000"/>
+                </a:schemeClr>
+              </a:solidFill>
+            </a:endParaRPr>
           </a:p>
         </p:txBody>
       </p:sp>
@@ -12307,12 +12348,12 @@
                     <a:p>
                       <a:pPr algn="l" fontAlgn="b"/>
                       <a:r>
-                        <a:rPr lang="en-US" sz="1500" u="none" strike="noStrike">
+                        <a:rPr lang="en-US" sz="1500" u="none" strike="noStrike" dirty="0">
                           <a:effectLst/>
                         </a:rPr>
                         <a:t>Ascon-p</a:t>
                       </a:r>
-                      <a:endParaRPr lang="en-US" sz="1500" b="0" i="0" u="none" strike="noStrike">
+                      <a:endParaRPr lang="en-US" sz="1500" b="0" i="0" u="none" strike="noStrike" dirty="0">
                         <a:solidFill>
                           <a:srgbClr val="000000"/>
                         </a:solidFill>
@@ -12358,12 +12399,12 @@
                     <a:p>
                       <a:pPr algn="r" fontAlgn="b"/>
                       <a:r>
-                        <a:rPr lang="en-US" altLang="zh-CN" sz="1500" u="none" strike="noStrike">
+                        <a:rPr lang="en-US" altLang="zh-CN" sz="1500" u="none" strike="noStrike" dirty="0">
                           <a:effectLst/>
                         </a:rPr>
                         <a:t>5</a:t>
                       </a:r>
-                      <a:endParaRPr lang="en-US" altLang="zh-CN" sz="1500" b="0" i="0" u="none" strike="noStrike">
+                      <a:endParaRPr lang="en-US" altLang="zh-CN" sz="1500" b="0" i="0" u="none" strike="noStrike" dirty="0">
                         <a:solidFill>
                           <a:srgbClr val="000000"/>
                         </a:solidFill>
@@ -12382,12 +12423,12 @@
                     <a:p>
                       <a:pPr algn="r" fontAlgn="b"/>
                       <a:r>
-                        <a:rPr lang="en-US" altLang="zh-CN" sz="1500" u="none" strike="noStrike">
+                        <a:rPr lang="en-US" altLang="zh-CN" sz="1500" u="none" strike="noStrike" dirty="0">
                           <a:effectLst/>
                         </a:rPr>
                         <a:t>5</a:t>
                       </a:r>
-                      <a:endParaRPr lang="en-US" altLang="zh-CN" sz="1500" b="0" i="0" u="none" strike="noStrike">
+                      <a:endParaRPr lang="en-US" altLang="zh-CN" sz="1500" b="0" i="0" u="none" strike="noStrike" dirty="0">
                         <a:solidFill>
                           <a:srgbClr val="000000"/>
                         </a:solidFill>
@@ -12406,12 +12447,12 @@
                     <a:p>
                       <a:pPr algn="r" fontAlgn="b"/>
                       <a:r>
-                        <a:rPr lang="en-US" altLang="zh-CN" sz="1500" u="none" strike="noStrike">
+                        <a:rPr lang="en-US" altLang="zh-CN" sz="1500" u="none" strike="noStrike" dirty="0">
                           <a:effectLst/>
                         </a:rPr>
                         <a:t>11</a:t>
                       </a:r>
-                      <a:endParaRPr lang="en-US" altLang="zh-CN" sz="1500" b="0" i="0" u="none" strike="noStrike">
+                      <a:endParaRPr lang="en-US" altLang="zh-CN" sz="1500" b="0" i="0" u="none" strike="noStrike" dirty="0">
                         <a:solidFill>
                           <a:srgbClr val="000000"/>
                         </a:solidFill>
@@ -12430,12 +12471,12 @@
                     <a:p>
                       <a:pPr algn="r" fontAlgn="b"/>
                       <a:r>
-                        <a:rPr lang="en-US" altLang="zh-CN" sz="1500" u="none" strike="noStrike">
+                        <a:rPr lang="en-US" altLang="zh-CN" sz="1500" u="none" strike="noStrike" dirty="0">
                           <a:effectLst/>
                         </a:rPr>
                         <a:t>12</a:t>
                       </a:r>
-                      <a:endParaRPr lang="en-US" altLang="zh-CN" sz="1500" b="0" i="0" u="none" strike="noStrike">
+                      <a:endParaRPr lang="en-US" altLang="zh-CN" sz="1500" b="0" i="0" u="none" strike="noStrike" dirty="0">
                         <a:solidFill>
                           <a:srgbClr val="000000"/>
                         </a:solidFill>
@@ -12454,12 +12495,12 @@
                     <a:p>
                       <a:pPr algn="r" fontAlgn="b"/>
                       <a:r>
-                        <a:rPr lang="en-US" altLang="zh-CN" sz="1500" u="none" strike="noStrike">
+                        <a:rPr lang="en-US" altLang="zh-CN" sz="1500" u="none" strike="noStrike" dirty="0">
                           <a:effectLst/>
                         </a:rPr>
                         <a:t>7</a:t>
                       </a:r>
-                      <a:endParaRPr lang="en-US" altLang="zh-CN" sz="1500" b="0" i="0" u="none" strike="noStrike">
+                      <a:endParaRPr lang="en-US" altLang="zh-CN" sz="1500" b="0" i="0" u="none" strike="noStrike" dirty="0">
                         <a:solidFill>
                           <a:srgbClr val="000000"/>
                         </a:solidFill>
@@ -12477,7 +12518,7 @@
                     <a:lstStyle/>
                     <a:p>
                       <a:pPr algn="l" fontAlgn="b"/>
-                      <a:endParaRPr lang="zh-CN" altLang="en-US" sz="1500" b="0" i="0" u="none" strike="noStrike">
+                      <a:endParaRPr lang="zh-CN" altLang="en-US" sz="1500" b="0" i="0" u="none" strike="noStrike" dirty="0">
                         <a:solidFill>
                           <a:srgbClr val="000000"/>
                         </a:solidFill>
@@ -12503,12 +12544,12 @@
                     <a:p>
                       <a:pPr algn="l" fontAlgn="b"/>
                       <a:r>
-                        <a:rPr lang="en-US" sz="1500" u="none" strike="noStrike">
+                        <a:rPr lang="en-US" sz="1500" u="none" strike="noStrike" dirty="0">
                           <a:effectLst/>
                         </a:rPr>
                         <a:t>Keccak-f</a:t>
                       </a:r>
-                      <a:endParaRPr lang="en-US" sz="1500" b="0" i="0" u="none" strike="noStrike">
+                      <a:endParaRPr lang="en-US" sz="1500" b="0" i="0" u="none" strike="noStrike" dirty="0">
                         <a:solidFill>
                           <a:srgbClr val="000000"/>
                         </a:solidFill>
@@ -12940,12 +12981,12 @@
                     <a:p>
                       <a:pPr algn="r" fontAlgn="b"/>
                       <a:r>
-                        <a:rPr lang="en-US" altLang="zh-CN" sz="1500" u="none" strike="noStrike">
+                        <a:rPr lang="en-US" altLang="zh-CN" sz="1500" u="none" strike="noStrike" dirty="0">
                           <a:effectLst/>
                         </a:rPr>
                         <a:t>46</a:t>
                       </a:r>
-                      <a:endParaRPr lang="en-US" altLang="zh-CN" sz="1500" b="0" i="0" u="none" strike="noStrike">
+                      <a:endParaRPr lang="en-US" altLang="zh-CN" sz="1500" b="0" i="0" u="none" strike="noStrike" dirty="0">
                         <a:solidFill>
                           <a:srgbClr val="000000"/>
                         </a:solidFill>
@@ -13054,12 +13095,12 @@
                     <a:p>
                       <a:pPr algn="r" fontAlgn="b"/>
                       <a:r>
-                        <a:rPr lang="en-US" altLang="zh-CN" sz="1500" u="none" strike="noStrike">
+                        <a:rPr lang="en-US" altLang="zh-CN" sz="1500" u="none" strike="noStrike" dirty="0">
                           <a:effectLst/>
                         </a:rPr>
                         <a:t>19</a:t>
                       </a:r>
-                      <a:endParaRPr lang="en-US" altLang="zh-CN" sz="1500" b="0" i="0" u="none" strike="noStrike">
+                      <a:endParaRPr lang="en-US" altLang="zh-CN" sz="1500" b="0" i="0" u="none" strike="noStrike" dirty="0">
                         <a:solidFill>
                           <a:srgbClr val="000000"/>
                         </a:solidFill>
@@ -13136,12 +13177,12 @@
                     <a:p>
                       <a:pPr algn="r" fontAlgn="b"/>
                       <a:r>
-                        <a:rPr lang="en-US" altLang="zh-CN" sz="1500" u="none" strike="noStrike">
+                        <a:rPr lang="en-US" altLang="zh-CN" sz="1500" u="none" strike="noStrike" dirty="0">
                           <a:effectLst/>
                         </a:rPr>
                         <a:t>27</a:t>
                       </a:r>
-                      <a:endParaRPr lang="en-US" altLang="zh-CN" sz="1500" b="0" i="0" u="none" strike="noStrike">
+                      <a:endParaRPr lang="en-US" altLang="zh-CN" sz="1500" b="0" i="0" u="none" strike="noStrike" dirty="0">
                         <a:solidFill>
                           <a:srgbClr val="000000"/>
                         </a:solidFill>
@@ -13244,12 +13285,12 @@
                     <a:p>
                       <a:pPr algn="r" fontAlgn="b"/>
                       <a:r>
-                        <a:rPr lang="en-US" altLang="zh-CN" sz="1500" u="none" strike="noStrike">
+                        <a:rPr lang="en-US" altLang="zh-CN" sz="1500" u="none" strike="noStrike" dirty="0">
                           <a:effectLst/>
                         </a:rPr>
                         <a:t>15</a:t>
                       </a:r>
-                      <a:endParaRPr lang="en-US" altLang="zh-CN" sz="1500" b="0" i="0" u="none" strike="noStrike">
+                      <a:endParaRPr lang="en-US" altLang="zh-CN" sz="1500" b="0" i="0" u="none" strike="noStrike" dirty="0">
                         <a:solidFill>
                           <a:srgbClr val="000000"/>
                         </a:solidFill>
@@ -13275,12 +13316,12 @@
                     <a:p>
                       <a:pPr algn="l" fontAlgn="b"/>
                       <a:r>
-                        <a:rPr lang="en-US" sz="1500" u="none" strike="noStrike">
+                        <a:rPr lang="en-US" sz="1500" u="none" strike="noStrike" dirty="0">
                           <a:effectLst/>
                         </a:rPr>
                         <a:t>PHOTON-256</a:t>
                       </a:r>
-                      <a:endParaRPr lang="en-US" sz="1500" b="0" i="0" u="none" strike="noStrike">
+                      <a:endParaRPr lang="en-US" sz="1500" b="0" i="0" u="none" strike="noStrike" dirty="0">
                         <a:solidFill>
                           <a:srgbClr val="000000"/>
                         </a:solidFill>
@@ -13350,12 +13391,12 @@
                     <a:p>
                       <a:pPr algn="r" fontAlgn="b"/>
                       <a:r>
-                        <a:rPr lang="en-US" altLang="zh-CN" sz="1500" u="none" strike="noStrike">
+                        <a:rPr lang="en-US" altLang="zh-CN" sz="1500" u="none" strike="noStrike" dirty="0">
                           <a:effectLst/>
                         </a:rPr>
                         <a:t>5</a:t>
                       </a:r>
-                      <a:endParaRPr lang="en-US" altLang="zh-CN" sz="1500" b="0" i="0" u="none" strike="noStrike">
+                      <a:endParaRPr lang="en-US" altLang="zh-CN" sz="1500" b="0" i="0" u="none" strike="noStrike" dirty="0">
                         <a:solidFill>
                           <a:srgbClr val="000000"/>
                         </a:solidFill>
@@ -13440,12 +13481,12 @@
                     <a:p>
                       <a:pPr algn="r" fontAlgn="b"/>
                       <a:r>
-                        <a:rPr lang="en-US" altLang="zh-CN" sz="1500" u="none" strike="noStrike">
+                        <a:rPr lang="en-US" altLang="zh-CN" sz="1500" u="none" strike="noStrike" dirty="0">
                           <a:effectLst/>
                         </a:rPr>
                         <a:t>8</a:t>
                       </a:r>
-                      <a:endParaRPr lang="en-US" altLang="zh-CN" sz="1500" b="0" i="0" u="none" strike="noStrike">
+                      <a:endParaRPr lang="en-US" altLang="zh-CN" sz="1500" b="0" i="0" u="none" strike="noStrike" dirty="0">
                         <a:solidFill>
                           <a:srgbClr val="000000"/>
                         </a:solidFill>
@@ -13570,12 +13611,12 @@
                     <a:p>
                       <a:pPr algn="r" fontAlgn="b"/>
                       <a:r>
-                        <a:rPr lang="en-US" altLang="zh-CN" sz="1500" u="none" strike="noStrike">
+                        <a:rPr lang="en-US" altLang="zh-CN" sz="1500" u="none" strike="noStrike" dirty="0">
                           <a:effectLst/>
                         </a:rPr>
                         <a:t>11</a:t>
                       </a:r>
-                      <a:endParaRPr lang="en-US" altLang="zh-CN" sz="1500" b="0" i="0" u="none" strike="noStrike">
+                      <a:endParaRPr lang="en-US" altLang="zh-CN" sz="1500" b="0" i="0" u="none" strike="noStrike" dirty="0">
                         <a:solidFill>
                           <a:srgbClr val="000000"/>
                         </a:solidFill>
@@ -13630,12 +13671,12 @@
                     <a:p>
                       <a:pPr algn="r" fontAlgn="b"/>
                       <a:r>
-                        <a:rPr lang="en-US" altLang="zh-CN" sz="1500" u="none" strike="noStrike">
+                        <a:rPr lang="en-US" altLang="zh-CN" sz="1500" u="none" strike="noStrike" dirty="0">
                           <a:effectLst/>
                         </a:rPr>
                         <a:t>22</a:t>
                       </a:r>
-                      <a:endParaRPr lang="en-US" altLang="zh-CN" sz="1500" b="0" i="0" u="none" strike="noStrike">
+                      <a:endParaRPr lang="en-US" altLang="zh-CN" sz="1500" b="0" i="0" u="none" strike="noStrike" dirty="0">
                         <a:solidFill>
                           <a:srgbClr val="000000"/>
                         </a:solidFill>
@@ -13712,12 +13753,12 @@
                     <a:p>
                       <a:pPr algn="r" fontAlgn="b"/>
                       <a:r>
-                        <a:rPr lang="en-US" altLang="zh-CN" sz="1500" u="none" strike="noStrike">
+                        <a:rPr lang="en-US" altLang="zh-CN" sz="1500" u="none" strike="noStrike" dirty="0">
                           <a:effectLst/>
                         </a:rPr>
                         <a:t>6</a:t>
                       </a:r>
-                      <a:endParaRPr lang="en-US" altLang="zh-CN" sz="1500" b="0" i="0" u="none" strike="noStrike">
+                      <a:endParaRPr lang="en-US" altLang="zh-CN" sz="1500" b="0" i="0" u="none" strike="noStrike" dirty="0">
                         <a:solidFill>
                           <a:srgbClr val="000000"/>
                         </a:solidFill>
@@ -13760,12 +13801,12 @@
                     <a:p>
                       <a:pPr algn="r" fontAlgn="b"/>
                       <a:r>
-                        <a:rPr lang="en-US" altLang="zh-CN" sz="1500" u="none" strike="noStrike">
+                        <a:rPr lang="en-US" altLang="zh-CN" sz="1500" u="none" strike="noStrike" dirty="0">
                           <a:effectLst/>
                         </a:rPr>
                         <a:t>4</a:t>
                       </a:r>
-                      <a:endParaRPr lang="en-US" altLang="zh-CN" sz="1500" b="0" i="0" u="none" strike="noStrike">
+                      <a:endParaRPr lang="en-US" altLang="zh-CN" sz="1500" b="0" i="0" u="none" strike="noStrike" dirty="0">
                         <a:solidFill>
                           <a:srgbClr val="000000"/>
                         </a:solidFill>
@@ -13896,12 +13937,12 @@
                     <a:p>
                       <a:pPr algn="r" fontAlgn="b"/>
                       <a:r>
-                        <a:rPr lang="en-US" altLang="zh-CN" sz="1500" u="none" strike="noStrike">
+                        <a:rPr lang="en-US" altLang="zh-CN" sz="1500" u="none" strike="noStrike" dirty="0">
                           <a:effectLst/>
                         </a:rPr>
                         <a:t>338</a:t>
                       </a:r>
-                      <a:endParaRPr lang="en-US" altLang="zh-CN" sz="1500" b="0" i="0" u="none" strike="noStrike">
+                      <a:endParaRPr lang="en-US" altLang="zh-CN" sz="1500" b="0" i="0" u="none" strike="noStrike" dirty="0">
                         <a:solidFill>
                           <a:srgbClr val="000000"/>
                         </a:solidFill>
@@ -13919,7 +13960,7 @@
                     <a:lstStyle/>
                     <a:p>
                       <a:pPr algn="l" fontAlgn="b"/>
-                      <a:endParaRPr lang="zh-CN" altLang="en-US" sz="1500" b="0" i="0" u="none" strike="noStrike">
+                      <a:endParaRPr lang="zh-CN" altLang="en-US" sz="1500" b="0" i="0" u="none" strike="noStrike" dirty="0">
                         <a:solidFill>
                           <a:srgbClr val="000000"/>
                         </a:solidFill>
@@ -13937,7 +13978,7 @@
                     <a:lstStyle/>
                     <a:p>
                       <a:pPr algn="l" fontAlgn="b"/>
-                      <a:endParaRPr lang="zh-CN" altLang="en-US" sz="1500" b="0" i="0" u="none" strike="noStrike">
+                      <a:endParaRPr lang="zh-CN" altLang="en-US" sz="1500" b="0" i="0" u="none" strike="noStrike" dirty="0">
                         <a:solidFill>
                           <a:srgbClr val="000000"/>
                         </a:solidFill>
@@ -13955,7 +13996,7 @@
                     <a:lstStyle/>
                     <a:p>
                       <a:pPr algn="l" fontAlgn="b"/>
-                      <a:endParaRPr lang="zh-CN" altLang="en-US" sz="1500" b="0" i="0" u="none" strike="noStrike">
+                      <a:endParaRPr lang="zh-CN" altLang="en-US" sz="1500" b="0" i="0" u="none" strike="noStrike" dirty="0">
                         <a:solidFill>
                           <a:srgbClr val="000000"/>
                         </a:solidFill>
@@ -14263,7 +14304,7 @@
         <p:spPr/>
         <p:txBody>
           <a:bodyPr>
-            <a:normAutofit lnSpcReduction="10000"/>
+            <a:normAutofit fontScale="92500"/>
           </a:bodyPr>
           <a:lstStyle/>
           <a:p>
@@ -14322,6 +14363,21 @@
             <a:r>
               <a:rPr lang="en-US" altLang="zh-CN" dirty="0">
                 <a:hlinkClick r:id="rId3" action="ppaction://hlinkfile"/>
+              </a:rPr>
+              <a:t>Improved Differential Attacks for ECHO and </a:t>
+            </a:r>
+            <a:r>
+              <a:rPr lang="en-US" altLang="zh-CN" dirty="0" err="1">
+                <a:hlinkClick r:id="rId3" action="ppaction://hlinkfile"/>
+              </a:rPr>
+              <a:t>Grøstl</a:t>
+            </a:r>
+            <a:endParaRPr lang="en-US" altLang="zh-CN" dirty="0"/>
+          </a:p>
+          <a:p>
+            <a:r>
+              <a:rPr lang="en-US" altLang="zh-CN" dirty="0">
+                <a:hlinkClick r:id="rId4" action="ppaction://hlinkfile"/>
               </a:rPr>
               <a:t>Internal Differential Boomerangs: Practical Analysis of the Round-Reduced Keccak-f Permutation</a:t>
             </a:r>
@@ -16526,306 +16582,6 @@
           <p:cNvPr id="2" name="标题 1">
             <a:extLst>
               <a:ext uri="{FF2B5EF4-FFF2-40B4-BE49-F238E27FC236}">
-                <a16:creationId xmlns:a16="http://schemas.microsoft.com/office/drawing/2014/main" id="{C60B3654-41B4-434A-9AA4-7CAC4B6DC7BE}"/>
-              </a:ext>
-            </a:extLst>
-          </p:cNvPr>
-          <p:cNvSpPr>
-            <a:spLocks noGrp="1"/>
-          </p:cNvSpPr>
-          <p:nvPr>
-            <p:ph type="title"/>
-          </p:nvPr>
-        </p:nvSpPr>
-        <p:spPr/>
-        <p:txBody>
-          <a:bodyPr/>
-          <a:lstStyle/>
-          <a:p>
-            <a:r>
-              <a:rPr lang="en-US" altLang="zh-CN" dirty="0"/>
-              <a:t>Rebound</a:t>
-            </a:r>
-            <a:endParaRPr lang="zh-CN" altLang="en-US" dirty="0"/>
-          </a:p>
-        </p:txBody>
-      </p:sp>
-      <p:sp>
-        <p:nvSpPr>
-          <p:cNvPr id="3" name="内容占位符 2">
-            <a:extLst>
-              <a:ext uri="{FF2B5EF4-FFF2-40B4-BE49-F238E27FC236}">
-                <a16:creationId xmlns:a16="http://schemas.microsoft.com/office/drawing/2014/main" id="{CDF94E2E-47EA-43D0-9826-1BD61C997212}"/>
-              </a:ext>
-            </a:extLst>
-          </p:cNvPr>
-          <p:cNvSpPr>
-            <a:spLocks noGrp="1"/>
-          </p:cNvSpPr>
-          <p:nvPr>
-            <p:ph idx="1"/>
-          </p:nvPr>
-        </p:nvSpPr>
-        <p:spPr/>
-        <p:txBody>
-          <a:bodyPr>
-            <a:normAutofit lnSpcReduction="10000"/>
-          </a:bodyPr>
-          <a:lstStyle/>
-          <a:p>
-            <a:r>
-              <a:rPr lang="en-US" altLang="zh-CN" dirty="0">
-                <a:hlinkClick r:id="rId2" action="ppaction://hlinkfile"/>
-              </a:rPr>
-              <a:t>The Rebound Attack: Cryptanalysis of Reduced Whirlpool and </a:t>
-            </a:r>
-            <a:r>
-              <a:rPr lang="en-US" altLang="zh-CN" dirty="0" err="1">
-                <a:hlinkClick r:id="rId2" action="ppaction://hlinkfile"/>
-              </a:rPr>
-              <a:t>Grøstl</a:t>
-            </a:r>
-            <a:endParaRPr lang="en-US" altLang="zh-CN" dirty="0"/>
-          </a:p>
-          <a:p>
-            <a:pPr lvl="1"/>
-            <a:r>
-              <a:rPr lang="en-US" altLang="zh-CN" dirty="0"/>
-              <a:t>09</a:t>
-            </a:r>
-            <a:r>
-              <a:rPr lang="zh-CN" altLang="en-US" dirty="0"/>
-              <a:t>年</a:t>
-            </a:r>
-            <a:r>
-              <a:rPr lang="en-US" altLang="zh-CN" dirty="0"/>
-              <a:t>Mendel</a:t>
-            </a:r>
-            <a:r>
-              <a:rPr lang="zh-CN" altLang="en-US" dirty="0"/>
-              <a:t>等提出</a:t>
-            </a:r>
-            <a:r>
-              <a:rPr lang="en-US" altLang="zh-CN" dirty="0"/>
-              <a:t>rebound</a:t>
-            </a:r>
-            <a:r>
-              <a:rPr lang="zh-CN" altLang="en-US" dirty="0"/>
-              <a:t>攻击，计算找到满足差分的一对值的复杂度</a:t>
-            </a:r>
-            <a:endParaRPr lang="en-US" altLang="zh-CN" dirty="0"/>
-          </a:p>
-          <a:p>
-            <a:pPr lvl="1"/>
-            <a:r>
-              <a:rPr lang="zh-CN" altLang="en-US" dirty="0"/>
-              <a:t>攻击了</a:t>
-            </a:r>
-            <a:r>
-              <a:rPr lang="en-US" altLang="zh-CN" dirty="0"/>
-              <a:t>7.5</a:t>
-            </a:r>
-            <a:r>
-              <a:rPr lang="zh-CN" altLang="en-US" dirty="0"/>
-              <a:t>轮</a:t>
-            </a:r>
-            <a:r>
-              <a:rPr lang="en-US" altLang="zh-CN" dirty="0"/>
-              <a:t>Whirlpool</a:t>
-            </a:r>
-            <a:r>
-              <a:rPr lang="zh-CN" altLang="en-US" dirty="0"/>
-              <a:t>，</a:t>
-            </a:r>
-            <a:r>
-              <a:rPr lang="en-US" altLang="zh-CN" dirty="0"/>
-              <a:t>8.5</a:t>
-            </a:r>
-            <a:r>
-              <a:rPr lang="zh-CN" altLang="en-US" dirty="0"/>
-              <a:t>轮</a:t>
-            </a:r>
-            <a:r>
-              <a:rPr lang="en-US" altLang="zh-CN" dirty="0"/>
-              <a:t>Maelstrom</a:t>
-            </a:r>
-            <a:r>
-              <a:rPr lang="zh-CN" altLang="en-US" dirty="0"/>
-              <a:t>，</a:t>
-            </a:r>
-            <a:r>
-              <a:rPr lang="en-US" altLang="zh-CN" dirty="0"/>
-              <a:t>6</a:t>
-            </a:r>
-            <a:r>
-              <a:rPr lang="zh-CN" altLang="en-US" dirty="0"/>
-              <a:t>轮</a:t>
-            </a:r>
-            <a:r>
-              <a:rPr lang="en-US" altLang="zh-CN" dirty="0"/>
-              <a:t>Grostl-256</a:t>
-            </a:r>
-          </a:p>
-          <a:p>
-            <a:r>
-              <a:rPr lang="en-US" altLang="zh-CN" dirty="0">
-                <a:hlinkClick r:id="rId3" action="ppaction://hlinkfile"/>
-              </a:rPr>
-              <a:t>Super-</a:t>
-            </a:r>
-            <a:r>
-              <a:rPr lang="en-US" altLang="zh-CN" dirty="0" err="1">
-                <a:hlinkClick r:id="rId3" action="ppaction://hlinkfile"/>
-              </a:rPr>
-              <a:t>Sbox</a:t>
-            </a:r>
-            <a:r>
-              <a:rPr lang="en-US" altLang="zh-CN" dirty="0">
-                <a:hlinkClick r:id="rId3" action="ppaction://hlinkfile"/>
-              </a:rPr>
-              <a:t> Cryptanalysis: Improved Attacks for AES-Like Permutations</a:t>
-            </a:r>
-            <a:endParaRPr lang="en-US" altLang="zh-CN" dirty="0"/>
-          </a:p>
-          <a:p>
-            <a:pPr lvl="1"/>
-            <a:r>
-              <a:rPr lang="zh-CN" altLang="en-US"/>
-              <a:t>将中间一轮全活跃扩展到中间两轮全活跃</a:t>
-            </a:r>
-            <a:endParaRPr lang="en-US" altLang="zh-CN" dirty="0"/>
-          </a:p>
-          <a:p>
-            <a:r>
-              <a:rPr lang="en-US" altLang="zh-CN" dirty="0">
-                <a:hlinkClick r:id="rId4" action="ppaction://hlinkfile"/>
-              </a:rPr>
-              <a:t>Improved rebound attack on the finalist </a:t>
-            </a:r>
-            <a:r>
-              <a:rPr lang="en-US" altLang="zh-CN" dirty="0" err="1">
-                <a:hlinkClick r:id="rId4" action="ppaction://hlinkfile"/>
-              </a:rPr>
-              <a:t>grøstl</a:t>
-            </a:r>
-            <a:endParaRPr lang="en-US" altLang="zh-CN" dirty="0"/>
-          </a:p>
-          <a:p>
-            <a:pPr lvl="1"/>
-            <a:r>
-              <a:rPr lang="zh-CN" altLang="en-US" dirty="0"/>
-              <a:t>将中间两轮全活跃扩展到中间三轮全活跃</a:t>
-            </a:r>
-            <a:endParaRPr lang="en-US" altLang="zh-CN" dirty="0"/>
-          </a:p>
-          <a:p>
-            <a:pPr lvl="1"/>
-            <a:r>
-              <a:rPr lang="en-US" altLang="zh-CN" dirty="0"/>
-              <a:t>9</a:t>
-            </a:r>
-            <a:r>
-              <a:rPr lang="zh-CN" altLang="en-US" dirty="0"/>
-              <a:t>轮</a:t>
-            </a:r>
-            <a:r>
-              <a:rPr lang="en-US" altLang="zh-CN" dirty="0"/>
-              <a:t>Grostl-256</a:t>
-            </a:r>
-            <a:r>
-              <a:rPr lang="zh-CN" altLang="en-US" dirty="0"/>
-              <a:t>，</a:t>
-            </a:r>
-            <a:r>
-              <a:rPr lang="en-US" altLang="zh-CN" dirty="0"/>
-              <a:t>10</a:t>
-            </a:r>
-            <a:r>
-              <a:rPr lang="zh-CN" altLang="en-US" dirty="0"/>
-              <a:t>轮</a:t>
-            </a:r>
-            <a:r>
-              <a:rPr lang="en-US" altLang="zh-CN" dirty="0"/>
-              <a:t>Grostl-512</a:t>
-            </a:r>
-            <a:r>
-              <a:rPr lang="zh-CN" altLang="en-US" dirty="0"/>
-              <a:t>，</a:t>
-            </a:r>
-            <a:r>
-              <a:rPr lang="en-US" altLang="zh-CN" dirty="0"/>
-              <a:t>PHOTON-224/32/32</a:t>
-            </a:r>
-            <a:r>
-              <a:rPr lang="zh-CN" altLang="en-US" dirty="0"/>
-              <a:t>提高了</a:t>
-            </a:r>
-            <a:r>
-              <a:rPr lang="en-US" altLang="zh-CN" dirty="0"/>
-              <a:t>1</a:t>
-            </a:r>
-            <a:r>
-              <a:rPr lang="zh-CN" altLang="en-US" dirty="0"/>
-              <a:t>轮（从</a:t>
-            </a:r>
-            <a:r>
-              <a:rPr lang="en-US" altLang="zh-CN" dirty="0"/>
-              <a:t>8</a:t>
-            </a:r>
-            <a:r>
-              <a:rPr lang="zh-CN" altLang="en-US" dirty="0"/>
-              <a:t>到</a:t>
-            </a:r>
-            <a:r>
-              <a:rPr lang="en-US" altLang="zh-CN" dirty="0"/>
-              <a:t>9</a:t>
-            </a:r>
-            <a:r>
-              <a:rPr lang="zh-CN" altLang="en-US" dirty="0"/>
-              <a:t>）</a:t>
-            </a:r>
-            <a:endParaRPr lang="en-US" altLang="zh-CN" dirty="0"/>
-          </a:p>
-          <a:p>
-            <a:endParaRPr lang="zh-CN" altLang="en-US" dirty="0"/>
-          </a:p>
-        </p:txBody>
-      </p:sp>
-    </p:spTree>
-    <p:extLst>
-      <p:ext uri="{BB962C8B-B14F-4D97-AF65-F5344CB8AC3E}">
-        <p14:creationId xmlns:p14="http://schemas.microsoft.com/office/powerpoint/2010/main" val="3869464148"/>
-      </p:ext>
-    </p:extLst>
-  </p:cSld>
-  <p:clrMapOvr>
-    <a:masterClrMapping/>
-  </p:clrMapOvr>
-</p:sld>
-</file>
-
-<file path=ppt/slides/slide45.xml><?xml version="1.0" encoding="utf-8"?>
-<p:sld xmlns:a="http://schemas.openxmlformats.org/drawingml/2006/main" xmlns:r="http://schemas.openxmlformats.org/officeDocument/2006/relationships" xmlns:p="http://schemas.openxmlformats.org/presentationml/2006/main">
-  <p:cSld>
-    <p:spTree>
-      <p:nvGrpSpPr>
-        <p:cNvPr id="1" name=""/>
-        <p:cNvGrpSpPr/>
-        <p:nvPr/>
-      </p:nvGrpSpPr>
-      <p:grpSpPr>
-        <a:xfrm>
-          <a:off x="0" y="0"/>
-          <a:ext cx="0" cy="0"/>
-          <a:chOff x="0" y="0"/>
-          <a:chExt cx="0" cy="0"/>
-        </a:xfrm>
-      </p:grpSpPr>
-      <p:sp>
-        <p:nvSpPr>
-          <p:cNvPr id="2" name="标题 1">
-            <a:extLst>
-              <a:ext uri="{FF2B5EF4-FFF2-40B4-BE49-F238E27FC236}">
                 <a16:creationId xmlns:a16="http://schemas.microsoft.com/office/drawing/2014/main" id="{CF3AF036-3634-4C4A-9118-0C2CB0D5753B}"/>
               </a:ext>
             </a:extLst>
@@ -16888,6 +16644,22 @@
             <a:endParaRPr lang="en-US" altLang="zh-CN" dirty="0"/>
           </a:p>
           <a:p>
+            <a:pPr lvl="1"/>
+            <a:r>
+              <a:rPr lang="zh-CN" altLang="en-US" dirty="0"/>
+              <a:t>积分到统计积分。</a:t>
+            </a:r>
+            <a:r>
+              <a:rPr lang="en-US" altLang="zh-CN" dirty="0"/>
+              <a:t>known-key setting</a:t>
+            </a:r>
+            <a:r>
+              <a:rPr lang="zh-CN" altLang="en-US" dirty="0"/>
+              <a:t>下，区分器扩展两轮。并通过多结构降低复杂度</a:t>
+            </a:r>
+            <a:endParaRPr lang="en-US" altLang="zh-CN" dirty="0"/>
+          </a:p>
+          <a:p>
             <a:r>
               <a:rPr lang="zh-CN" altLang="en-US" dirty="0"/>
               <a:t>零和划分</a:t>
@@ -16936,7 +16708,7 @@
 </p:sld>
 </file>
 
-<file path=ppt/slides/slide46.xml><?xml version="1.0" encoding="utf-8"?>
+<file path=ppt/slides/slide45.xml><?xml version="1.0" encoding="utf-8"?>
 <p:sld xmlns:a="http://schemas.openxmlformats.org/drawingml/2006/main" xmlns:r="http://schemas.openxmlformats.org/officeDocument/2006/relationships" xmlns:p="http://schemas.openxmlformats.org/presentationml/2006/main">
   <p:cSld>
     <p:spTree>
@@ -17168,7 +16940,7 @@
 </p:sld>
 </file>
 
-<file path=ppt/slides/slide47.xml><?xml version="1.0" encoding="utf-8"?>
+<file path=ppt/slides/slide46.xml><?xml version="1.0" encoding="utf-8"?>
 <p:sld xmlns:a="http://schemas.openxmlformats.org/drawingml/2006/main" xmlns:r="http://schemas.openxmlformats.org/officeDocument/2006/relationships" xmlns:p="http://schemas.openxmlformats.org/presentationml/2006/main">
   <p:cSld>
     <p:spTree>
@@ -17359,7 +17131,7 @@
 </p:sld>
 </file>
 
-<file path=ppt/slides/slide48.xml><?xml version="1.0" encoding="utf-8"?>
+<file path=ppt/slides/slide47.xml><?xml version="1.0" encoding="utf-8"?>
 <p:sld xmlns:a="http://schemas.openxmlformats.org/drawingml/2006/main" xmlns:r="http://schemas.openxmlformats.org/officeDocument/2006/relationships" xmlns:p="http://schemas.openxmlformats.org/presentationml/2006/main">
   <p:cSld>
     <p:spTree>
@@ -17593,6 +17365,126 @@
 </p:sld>
 </file>
 
+<file path=ppt/slides/slide48.xml><?xml version="1.0" encoding="utf-8"?>
+<p:sld xmlns:a="http://schemas.openxmlformats.org/drawingml/2006/main" xmlns:r="http://schemas.openxmlformats.org/officeDocument/2006/relationships" xmlns:p="http://schemas.openxmlformats.org/presentationml/2006/main">
+  <p:cSld>
+    <p:spTree>
+      <p:nvGrpSpPr>
+        <p:cNvPr id="1" name=""/>
+        <p:cNvGrpSpPr/>
+        <p:nvPr/>
+      </p:nvGrpSpPr>
+      <p:grpSpPr>
+        <a:xfrm>
+          <a:off x="0" y="0"/>
+          <a:ext cx="0" cy="0"/>
+          <a:chOff x="0" y="0"/>
+          <a:chExt cx="0" cy="0"/>
+        </a:xfrm>
+      </p:grpSpPr>
+      <p:sp>
+        <p:nvSpPr>
+          <p:cNvPr id="2" name="标题 1">
+            <a:extLst>
+              <a:ext uri="{FF2B5EF4-FFF2-40B4-BE49-F238E27FC236}">
+                <a16:creationId xmlns:a16="http://schemas.microsoft.com/office/drawing/2014/main" id="{21F688EE-60F0-4B57-A4C1-5A84DC44634B}"/>
+              </a:ext>
+            </a:extLst>
+          </p:cNvPr>
+          <p:cNvSpPr>
+            <a:spLocks noGrp="1"/>
+          </p:cNvSpPr>
+          <p:nvPr>
+            <p:ph type="title"/>
+          </p:nvPr>
+        </p:nvSpPr>
+        <p:spPr/>
+        <p:txBody>
+          <a:bodyPr/>
+          <a:lstStyle/>
+          <a:p>
+            <a:r>
+              <a:rPr lang="en-US" altLang="zh-CN" dirty="0"/>
+              <a:t>Skinny-128</a:t>
+            </a:r>
+            <a:endParaRPr lang="zh-CN" altLang="en-US" dirty="0"/>
+          </a:p>
+        </p:txBody>
+      </p:sp>
+      <p:sp>
+        <p:nvSpPr>
+          <p:cNvPr id="3" name="内容占位符 2">
+            <a:extLst>
+              <a:ext uri="{FF2B5EF4-FFF2-40B4-BE49-F238E27FC236}">
+                <a16:creationId xmlns:a16="http://schemas.microsoft.com/office/drawing/2014/main" id="{1D0A6422-A0B0-4E66-BDF7-EA922E0D07AB}"/>
+              </a:ext>
+            </a:extLst>
+          </p:cNvPr>
+          <p:cNvSpPr>
+            <a:spLocks noGrp="1"/>
+          </p:cNvSpPr>
+          <p:nvPr>
+            <p:ph idx="1"/>
+          </p:nvPr>
+        </p:nvSpPr>
+        <p:spPr/>
+        <p:txBody>
+          <a:bodyPr/>
+          <a:lstStyle/>
+          <a:p>
+            <a:r>
+              <a:rPr lang="en-US" altLang="zh-CN" dirty="0">
+                <a:hlinkClick r:id="rId2" action="ppaction://hlinkfile"/>
+              </a:rPr>
+              <a:t>Security Analysis of SKINNY under Related-</a:t>
+            </a:r>
+            <a:r>
+              <a:rPr lang="en-US" altLang="zh-CN" dirty="0" err="1">
+                <a:hlinkClick r:id="rId2" action="ppaction://hlinkfile"/>
+              </a:rPr>
+              <a:t>Tweakey</a:t>
+            </a:r>
+            <a:r>
+              <a:rPr lang="en-US" altLang="zh-CN" dirty="0">
+                <a:hlinkClick r:id="rId2" action="ppaction://hlinkfile"/>
+              </a:rPr>
+              <a:t> Settings</a:t>
+            </a:r>
+            <a:endParaRPr lang="en-US" altLang="zh-CN" dirty="0"/>
+          </a:p>
+          <a:p>
+            <a:r>
+              <a:rPr lang="en-US" altLang="zh-CN" dirty="0">
+                <a:hlinkClick r:id="rId3" action="ppaction://hlinkfile"/>
+              </a:rPr>
+              <a:t>Cryptanalysis of Reduced round SKINNY Block Cipher</a:t>
+            </a:r>
+            <a:endParaRPr lang="zh-CN" altLang="en-US" dirty="0"/>
+          </a:p>
+          <a:p>
+            <a:r>
+              <a:rPr lang="en-US" altLang="zh-CN" dirty="0">
+                <a:hlinkClick r:id="rId4" action="ppaction://hlinkfile"/>
+              </a:rPr>
+              <a:t>Generalized Related-Key Rectangle Attacks on Block Ciphers with Linear Key Schedule</a:t>
+            </a:r>
+            <a:endParaRPr lang="zh-CN" altLang="en-US" dirty="0"/>
+          </a:p>
+        </p:txBody>
+      </p:sp>
+    </p:spTree>
+    <p:extLst>
+      <p:ext uri="{BB962C8B-B14F-4D97-AF65-F5344CB8AC3E}">
+        <p14:creationId xmlns:p14="http://schemas.microsoft.com/office/powerpoint/2010/main" val="395245439"/>
+      </p:ext>
+    </p:extLst>
+  </p:cSld>
+  <p:clrMapOvr>
+    <a:masterClrMapping/>
+  </p:clrMapOvr>
+</p:sld>
+</file>
+
 <file path=ppt/slides/slide49.xml><?xml version="1.0" encoding="utf-8"?>
 <p:sld xmlns:a="http://schemas.openxmlformats.org/drawingml/2006/main" xmlns:r="http://schemas.openxmlformats.org/officeDocument/2006/relationships" xmlns:p="http://schemas.openxmlformats.org/presentationml/2006/main">
   <p:cSld>
@@ -17615,7 +17507,7 @@
           <p:cNvPr id="2" name="标题 1">
             <a:extLst>
               <a:ext uri="{FF2B5EF4-FFF2-40B4-BE49-F238E27FC236}">
-                <a16:creationId xmlns:a16="http://schemas.microsoft.com/office/drawing/2014/main" id="{21F688EE-60F0-4B57-A4C1-5A84DC44634B}"/>
+                <a16:creationId xmlns:a16="http://schemas.microsoft.com/office/drawing/2014/main" id="{7D07A4E6-A302-43D2-8AC4-D3F4B006BD9E}"/>
               </a:ext>
             </a:extLst>
           </p:cNvPr>
@@ -17633,7 +17525,7 @@
           <a:p>
             <a:r>
               <a:rPr lang="en-US" altLang="zh-CN" dirty="0"/>
-              <a:t>Skinny-128</a:t>
+              <a:t>SPARKLE</a:t>
             </a:r>
             <a:endParaRPr lang="zh-CN" altLang="en-US" dirty="0"/>
           </a:p>
@@ -17644,7 +17536,7 @@
           <p:cNvPr id="3" name="内容占位符 2">
             <a:extLst>
               <a:ext uri="{FF2B5EF4-FFF2-40B4-BE49-F238E27FC236}">
-                <a16:creationId xmlns:a16="http://schemas.microsoft.com/office/drawing/2014/main" id="{1D0A6422-A0B0-4E66-BDF7-EA922E0D07AB}"/>
+                <a16:creationId xmlns:a16="http://schemas.microsoft.com/office/drawing/2014/main" id="{9F2A775B-FFF2-44E8-9921-7D4BE7CB5F1C}"/>
               </a:ext>
             </a:extLst>
           </p:cNvPr>
@@ -17655,55 +17547,212 @@
             <p:ph idx="1"/>
           </p:nvPr>
         </p:nvSpPr>
-        <p:spPr/>
-        <p:txBody>
-          <a:bodyPr/>
+        <p:spPr>
+          <a:xfrm>
+            <a:off x="838200" y="1825624"/>
+            <a:ext cx="10515600" cy="4844339"/>
+          </a:xfrm>
+        </p:spPr>
+        <p:txBody>
+          <a:bodyPr>
+            <a:normAutofit lnSpcReduction="10000"/>
+          </a:bodyPr>
           <a:lstStyle/>
           <a:p>
             <a:r>
-              <a:rPr lang="en-US" altLang="zh-CN" dirty="0">
-                <a:hlinkClick r:id="rId2" action="ppaction://hlinkfile"/>
-              </a:rPr>
-              <a:t>Security Analysis of SKINNY under Related-</a:t>
-            </a:r>
-            <a:r>
-              <a:rPr lang="en-US" altLang="zh-CN" dirty="0" err="1">
-                <a:hlinkClick r:id="rId2" action="ppaction://hlinkfile"/>
-              </a:rPr>
-              <a:t>Tweakey</a:t>
-            </a:r>
-            <a:r>
-              <a:rPr lang="en-US" altLang="zh-CN" dirty="0">
-                <a:hlinkClick r:id="rId2" action="ppaction://hlinkfile"/>
-              </a:rPr>
-              <a:t> Settings</a:t>
+              <a:rPr lang="zh-CN" altLang="en-US" dirty="0"/>
+              <a:t>对置换</a:t>
             </a:r>
             <a:endParaRPr lang="en-US" altLang="zh-CN" dirty="0"/>
           </a:p>
           <a:p>
-            <a:r>
-              <a:rPr lang="en-US" altLang="zh-CN" dirty="0">
-                <a:hlinkClick r:id="rId3" action="ppaction://hlinkfile"/>
-              </a:rPr>
-              <a:t>Cryptanalysis of Reduced round SKINNY Block Cipher</a:t>
-            </a:r>
-            <a:endParaRPr lang="zh-CN" altLang="en-US" dirty="0"/>
-          </a:p>
-          <a:p>
-            <a:r>
-              <a:rPr lang="en-US" altLang="zh-CN" dirty="0">
-                <a:hlinkClick r:id="rId4" action="ppaction://hlinkfile"/>
-              </a:rPr>
-              <a:t>Generalized Related-Key Rectangle Attacks on Block Ciphers with Linear Key Schedule</a:t>
-            </a:r>
-            <a:endParaRPr lang="zh-CN" altLang="en-US" dirty="0"/>
+            <a:pPr lvl="1"/>
+            <a:r>
+              <a:rPr lang="zh-CN" altLang="en-US" dirty="0"/>
+              <a:t>差分</a:t>
+            </a:r>
+            <a:r>
+              <a:rPr lang="en-US" altLang="zh-CN" dirty="0"/>
+              <a:t>/</a:t>
+            </a:r>
+            <a:r>
+              <a:rPr lang="zh-CN" altLang="en-US" dirty="0"/>
+              <a:t>线性，截断差分</a:t>
+            </a:r>
+            <a:endParaRPr lang="en-US" altLang="zh-CN" dirty="0"/>
+          </a:p>
+          <a:p>
+            <a:pPr lvl="1"/>
+            <a:r>
+              <a:rPr lang="zh-CN" altLang="en-US" dirty="0"/>
+              <a:t>飞去来器</a:t>
+            </a:r>
+            <a:endParaRPr lang="en-US" altLang="zh-CN" dirty="0"/>
+          </a:p>
+          <a:p>
+            <a:pPr lvl="1"/>
+            <a:r>
+              <a:rPr lang="en-US" altLang="zh-CN" dirty="0"/>
+              <a:t>Yoyo</a:t>
+            </a:r>
+          </a:p>
+          <a:p>
+            <a:pPr lvl="1"/>
+            <a:r>
+              <a:rPr lang="zh-CN" altLang="en-US" dirty="0"/>
+              <a:t>不可能差分、零相关</a:t>
+            </a:r>
+            <a:endParaRPr lang="en-US" altLang="zh-CN" dirty="0"/>
+          </a:p>
+          <a:p>
+            <a:pPr lvl="1"/>
+            <a:r>
+              <a:rPr lang="zh-CN" altLang="en-US" dirty="0"/>
+              <a:t>积分、可分性</a:t>
+            </a:r>
+            <a:endParaRPr lang="en-US" altLang="zh-CN" dirty="0"/>
+          </a:p>
+          <a:p>
+            <a:pPr lvl="1"/>
+            <a:r>
+              <a:rPr lang="zh-CN" altLang="en-US" dirty="0"/>
+              <a:t>滑动、旋转</a:t>
+            </a:r>
+            <a:endParaRPr lang="en-US" altLang="zh-CN" dirty="0"/>
+          </a:p>
+          <a:p>
+            <a:pPr lvl="1"/>
+            <a:r>
+              <a:rPr lang="zh-CN" altLang="en-US" dirty="0"/>
+              <a:t>不变子空间、非线性不变量</a:t>
+            </a:r>
+            <a:endParaRPr lang="en-US" altLang="zh-CN" dirty="0"/>
+          </a:p>
+          <a:p>
+            <a:r>
+              <a:rPr lang="zh-CN" altLang="en-US" dirty="0"/>
+              <a:t>对</a:t>
+            </a:r>
+            <a:r>
+              <a:rPr lang="en-US" altLang="zh-CN" dirty="0"/>
+              <a:t>Sponge</a:t>
+            </a:r>
+          </a:p>
+          <a:p>
+            <a:pPr lvl="1"/>
+            <a:r>
+              <a:rPr lang="zh-CN" altLang="en-US" dirty="0"/>
+              <a:t>差分</a:t>
+            </a:r>
+            <a:r>
+              <a:rPr lang="en-US" altLang="zh-CN" dirty="0"/>
+              <a:t>/</a:t>
+            </a:r>
+            <a:r>
+              <a:rPr lang="zh-CN" altLang="en-US" dirty="0"/>
+              <a:t>线性</a:t>
+            </a:r>
+            <a:endParaRPr lang="en-US" altLang="zh-CN" dirty="0"/>
+          </a:p>
+          <a:p>
+            <a:pPr lvl="1"/>
+            <a:r>
+              <a:rPr lang="zh-CN" altLang="en-US" dirty="0"/>
+              <a:t>不可能差分、零相关</a:t>
+            </a:r>
+            <a:endParaRPr lang="en-US" altLang="zh-CN" dirty="0"/>
+          </a:p>
+          <a:p>
+            <a:pPr lvl="1"/>
+            <a:r>
+              <a:rPr lang="zh-CN" altLang="en-US" dirty="0"/>
+              <a:t>猜测确定</a:t>
+            </a:r>
+            <a:endParaRPr lang="en-US" altLang="zh-CN" dirty="0"/>
+          </a:p>
+        </p:txBody>
+      </p:sp>
+      <p:pic>
+        <p:nvPicPr>
+          <p:cNvPr id="5" name="图片 4">
+            <a:extLst>
+              <a:ext uri="{FF2B5EF4-FFF2-40B4-BE49-F238E27FC236}">
+                <a16:creationId xmlns:a16="http://schemas.microsoft.com/office/drawing/2014/main" id="{6944CD0E-1026-4214-8F6C-5B01E9EEA88D}"/>
+              </a:ext>
+            </a:extLst>
+          </p:cNvPr>
+          <p:cNvPicPr>
+            <a:picLocks noChangeAspect="1"/>
+          </p:cNvPicPr>
+          <p:nvPr/>
+        </p:nvPicPr>
+        <p:blipFill>
+          <a:blip r:embed="rId2"/>
+          <a:stretch>
+            <a:fillRect/>
+          </a:stretch>
+        </p:blipFill>
+        <p:spPr>
+          <a:xfrm>
+            <a:off x="4680764" y="606047"/>
+            <a:ext cx="7319270" cy="2686821"/>
+          </a:xfrm>
+          <a:prstGeom prst="rect">
+            <a:avLst/>
+          </a:prstGeom>
+        </p:spPr>
+      </p:pic>
+      <p:sp>
+        <p:nvSpPr>
+          <p:cNvPr id="6" name="动作按钮: 第一张 4">
+            <a:hlinkClick r:id="rId3" action="ppaction://hlinksldjump" highlightClick="1"/>
+            <a:extLst>
+              <a:ext uri="{FF2B5EF4-FFF2-40B4-BE49-F238E27FC236}">
+                <a16:creationId xmlns:a16="http://schemas.microsoft.com/office/drawing/2014/main" id="{C346FFDE-2A29-4C7E-A527-3C13494BD28A}"/>
+              </a:ext>
+            </a:extLst>
+          </p:cNvPr>
+          <p:cNvSpPr/>
+          <p:nvPr/>
+        </p:nvSpPr>
+        <p:spPr>
+          <a:xfrm>
+            <a:off x="11808069" y="6541477"/>
+            <a:ext cx="383931" cy="316523"/>
+          </a:xfrm>
+          <a:prstGeom prst="actionButtonHome">
+            <a:avLst/>
+          </a:prstGeom>
+        </p:spPr>
+        <p:style>
+          <a:lnRef idx="2">
+            <a:schemeClr val="accent1">
+              <a:shade val="50000"/>
+            </a:schemeClr>
+          </a:lnRef>
+          <a:fillRef idx="1">
+            <a:schemeClr val="accent1"/>
+          </a:fillRef>
+          <a:effectRef idx="0">
+            <a:schemeClr val="accent1"/>
+          </a:effectRef>
+          <a:fontRef idx="minor">
+            <a:schemeClr val="lt1"/>
+          </a:fontRef>
+        </p:style>
+        <p:txBody>
+          <a:bodyPr rtlCol="0" anchor="ctr"/>
+          <a:lstStyle/>
+          <a:p>
+            <a:pPr algn="ctr"/>
+            <a:endParaRPr lang="zh-CN" altLang="en-US"/>
           </a:p>
         </p:txBody>
       </p:sp>
     </p:spTree>
     <p:extLst>
       <p:ext uri="{BB962C8B-B14F-4D97-AF65-F5344CB8AC3E}">
-        <p14:creationId xmlns:p14="http://schemas.microsoft.com/office/powerpoint/2010/main" val="395245439"/>
+        <p14:creationId xmlns:p14="http://schemas.microsoft.com/office/powerpoint/2010/main" val="2958668812"/>
       </p:ext>
     </p:extLst>
   </p:cSld>
@@ -17859,283 +17908,6 @@
           <p:cNvPr id="2" name="标题 1">
             <a:extLst>
               <a:ext uri="{FF2B5EF4-FFF2-40B4-BE49-F238E27FC236}">
-                <a16:creationId xmlns:a16="http://schemas.microsoft.com/office/drawing/2014/main" id="{7D07A4E6-A302-43D2-8AC4-D3F4B006BD9E}"/>
-              </a:ext>
-            </a:extLst>
-          </p:cNvPr>
-          <p:cNvSpPr>
-            <a:spLocks noGrp="1"/>
-          </p:cNvSpPr>
-          <p:nvPr>
-            <p:ph type="title"/>
-          </p:nvPr>
-        </p:nvSpPr>
-        <p:spPr/>
-        <p:txBody>
-          <a:bodyPr/>
-          <a:lstStyle/>
-          <a:p>
-            <a:r>
-              <a:rPr lang="en-US" altLang="zh-CN" dirty="0"/>
-              <a:t>SPARKLE</a:t>
-            </a:r>
-            <a:endParaRPr lang="zh-CN" altLang="en-US" dirty="0"/>
-          </a:p>
-        </p:txBody>
-      </p:sp>
-      <p:sp>
-        <p:nvSpPr>
-          <p:cNvPr id="3" name="内容占位符 2">
-            <a:extLst>
-              <a:ext uri="{FF2B5EF4-FFF2-40B4-BE49-F238E27FC236}">
-                <a16:creationId xmlns:a16="http://schemas.microsoft.com/office/drawing/2014/main" id="{9F2A775B-FFF2-44E8-9921-7D4BE7CB5F1C}"/>
-              </a:ext>
-            </a:extLst>
-          </p:cNvPr>
-          <p:cNvSpPr>
-            <a:spLocks noGrp="1"/>
-          </p:cNvSpPr>
-          <p:nvPr>
-            <p:ph idx="1"/>
-          </p:nvPr>
-        </p:nvSpPr>
-        <p:spPr>
-          <a:xfrm>
-            <a:off x="838200" y="1825624"/>
-            <a:ext cx="10515600" cy="4844339"/>
-          </a:xfrm>
-        </p:spPr>
-        <p:txBody>
-          <a:bodyPr>
-            <a:normAutofit lnSpcReduction="10000"/>
-          </a:bodyPr>
-          <a:lstStyle/>
-          <a:p>
-            <a:r>
-              <a:rPr lang="zh-CN" altLang="en-US" dirty="0"/>
-              <a:t>对置换</a:t>
-            </a:r>
-            <a:endParaRPr lang="en-US" altLang="zh-CN" dirty="0"/>
-          </a:p>
-          <a:p>
-            <a:pPr lvl="1"/>
-            <a:r>
-              <a:rPr lang="zh-CN" altLang="en-US" dirty="0"/>
-              <a:t>差分</a:t>
-            </a:r>
-            <a:r>
-              <a:rPr lang="en-US" altLang="zh-CN" dirty="0"/>
-              <a:t>/</a:t>
-            </a:r>
-            <a:r>
-              <a:rPr lang="zh-CN" altLang="en-US" dirty="0"/>
-              <a:t>线性，截断差分</a:t>
-            </a:r>
-            <a:endParaRPr lang="en-US" altLang="zh-CN" dirty="0"/>
-          </a:p>
-          <a:p>
-            <a:pPr lvl="1"/>
-            <a:r>
-              <a:rPr lang="zh-CN" altLang="en-US" dirty="0"/>
-              <a:t>飞去来器</a:t>
-            </a:r>
-            <a:endParaRPr lang="en-US" altLang="zh-CN" dirty="0"/>
-          </a:p>
-          <a:p>
-            <a:pPr lvl="1"/>
-            <a:r>
-              <a:rPr lang="en-US" altLang="zh-CN" dirty="0"/>
-              <a:t>Yoyo</a:t>
-            </a:r>
-          </a:p>
-          <a:p>
-            <a:pPr lvl="1"/>
-            <a:r>
-              <a:rPr lang="zh-CN" altLang="en-US" dirty="0"/>
-              <a:t>不可能差分、零相关</a:t>
-            </a:r>
-            <a:endParaRPr lang="en-US" altLang="zh-CN" dirty="0"/>
-          </a:p>
-          <a:p>
-            <a:pPr lvl="1"/>
-            <a:r>
-              <a:rPr lang="zh-CN" altLang="en-US" dirty="0"/>
-              <a:t>积分、可分性</a:t>
-            </a:r>
-            <a:endParaRPr lang="en-US" altLang="zh-CN" dirty="0"/>
-          </a:p>
-          <a:p>
-            <a:pPr lvl="1"/>
-            <a:r>
-              <a:rPr lang="zh-CN" altLang="en-US" dirty="0"/>
-              <a:t>滑动、旋转</a:t>
-            </a:r>
-            <a:endParaRPr lang="en-US" altLang="zh-CN" dirty="0"/>
-          </a:p>
-          <a:p>
-            <a:pPr lvl="1"/>
-            <a:r>
-              <a:rPr lang="zh-CN" altLang="en-US" dirty="0"/>
-              <a:t>不变子空间、非线性不变量</a:t>
-            </a:r>
-            <a:endParaRPr lang="en-US" altLang="zh-CN" dirty="0"/>
-          </a:p>
-          <a:p>
-            <a:r>
-              <a:rPr lang="zh-CN" altLang="en-US" dirty="0"/>
-              <a:t>对</a:t>
-            </a:r>
-            <a:r>
-              <a:rPr lang="en-US" altLang="zh-CN" dirty="0"/>
-              <a:t>Sponge</a:t>
-            </a:r>
-          </a:p>
-          <a:p>
-            <a:pPr lvl="1"/>
-            <a:r>
-              <a:rPr lang="zh-CN" altLang="en-US" dirty="0"/>
-              <a:t>差分</a:t>
-            </a:r>
-            <a:r>
-              <a:rPr lang="en-US" altLang="zh-CN" dirty="0"/>
-              <a:t>/</a:t>
-            </a:r>
-            <a:r>
-              <a:rPr lang="zh-CN" altLang="en-US" dirty="0"/>
-              <a:t>线性</a:t>
-            </a:r>
-            <a:endParaRPr lang="en-US" altLang="zh-CN" dirty="0"/>
-          </a:p>
-          <a:p>
-            <a:pPr lvl="1"/>
-            <a:r>
-              <a:rPr lang="zh-CN" altLang="en-US" dirty="0"/>
-              <a:t>不可能差分、零相关</a:t>
-            </a:r>
-            <a:endParaRPr lang="en-US" altLang="zh-CN" dirty="0"/>
-          </a:p>
-          <a:p>
-            <a:pPr lvl="1"/>
-            <a:r>
-              <a:rPr lang="zh-CN" altLang="en-US" dirty="0"/>
-              <a:t>猜测确定</a:t>
-            </a:r>
-            <a:endParaRPr lang="en-US" altLang="zh-CN" dirty="0"/>
-          </a:p>
-        </p:txBody>
-      </p:sp>
-      <p:pic>
-        <p:nvPicPr>
-          <p:cNvPr id="5" name="图片 4">
-            <a:extLst>
-              <a:ext uri="{FF2B5EF4-FFF2-40B4-BE49-F238E27FC236}">
-                <a16:creationId xmlns:a16="http://schemas.microsoft.com/office/drawing/2014/main" id="{6944CD0E-1026-4214-8F6C-5B01E9EEA88D}"/>
-              </a:ext>
-            </a:extLst>
-          </p:cNvPr>
-          <p:cNvPicPr>
-            <a:picLocks noChangeAspect="1"/>
-          </p:cNvPicPr>
-          <p:nvPr/>
-        </p:nvPicPr>
-        <p:blipFill>
-          <a:blip r:embed="rId2"/>
-          <a:stretch>
-            <a:fillRect/>
-          </a:stretch>
-        </p:blipFill>
-        <p:spPr>
-          <a:xfrm>
-            <a:off x="4680764" y="606047"/>
-            <a:ext cx="7319270" cy="2686821"/>
-          </a:xfrm>
-          <a:prstGeom prst="rect">
-            <a:avLst/>
-          </a:prstGeom>
-        </p:spPr>
-      </p:pic>
-      <p:sp>
-        <p:nvSpPr>
-          <p:cNvPr id="6" name="动作按钮: 第一张 4">
-            <a:hlinkClick r:id="rId3" action="ppaction://hlinksldjump" highlightClick="1"/>
-            <a:extLst>
-              <a:ext uri="{FF2B5EF4-FFF2-40B4-BE49-F238E27FC236}">
-                <a16:creationId xmlns:a16="http://schemas.microsoft.com/office/drawing/2014/main" id="{C346FFDE-2A29-4C7E-A527-3C13494BD28A}"/>
-              </a:ext>
-            </a:extLst>
-          </p:cNvPr>
-          <p:cNvSpPr/>
-          <p:nvPr/>
-        </p:nvSpPr>
-        <p:spPr>
-          <a:xfrm>
-            <a:off x="11808069" y="6541477"/>
-            <a:ext cx="383931" cy="316523"/>
-          </a:xfrm>
-          <a:prstGeom prst="actionButtonHome">
-            <a:avLst/>
-          </a:prstGeom>
-        </p:spPr>
-        <p:style>
-          <a:lnRef idx="2">
-            <a:schemeClr val="accent1">
-              <a:shade val="50000"/>
-            </a:schemeClr>
-          </a:lnRef>
-          <a:fillRef idx="1">
-            <a:schemeClr val="accent1"/>
-          </a:fillRef>
-          <a:effectRef idx="0">
-            <a:schemeClr val="accent1"/>
-          </a:effectRef>
-          <a:fontRef idx="minor">
-            <a:schemeClr val="lt1"/>
-          </a:fontRef>
-        </p:style>
-        <p:txBody>
-          <a:bodyPr rtlCol="0" anchor="ctr"/>
-          <a:lstStyle/>
-          <a:p>
-            <a:pPr algn="ctr"/>
-            <a:endParaRPr lang="zh-CN" altLang="en-US"/>
-          </a:p>
-        </p:txBody>
-      </p:sp>
-    </p:spTree>
-    <p:extLst>
-      <p:ext uri="{BB962C8B-B14F-4D97-AF65-F5344CB8AC3E}">
-        <p14:creationId xmlns:p14="http://schemas.microsoft.com/office/powerpoint/2010/main" val="2958668812"/>
-      </p:ext>
-    </p:extLst>
-  </p:cSld>
-  <p:clrMapOvr>
-    <a:masterClrMapping/>
-  </p:clrMapOvr>
-</p:sld>
-</file>
-
-<file path=ppt/slides/slide51.xml><?xml version="1.0" encoding="utf-8"?>
-<p:sld xmlns:a="http://schemas.openxmlformats.org/drawingml/2006/main" xmlns:r="http://schemas.openxmlformats.org/officeDocument/2006/relationships" xmlns:p="http://schemas.openxmlformats.org/presentationml/2006/main">
-  <p:cSld>
-    <p:spTree>
-      <p:nvGrpSpPr>
-        <p:cNvPr id="1" name=""/>
-        <p:cNvGrpSpPr/>
-        <p:nvPr/>
-      </p:nvGrpSpPr>
-      <p:grpSpPr>
-        <a:xfrm>
-          <a:off x="0" y="0"/>
-          <a:ext cx="0" cy="0"/>
-          <a:chOff x="0" y="0"/>
-          <a:chExt cx="0" cy="0"/>
-        </a:xfrm>
-      </p:grpSpPr>
-      <p:sp>
-        <p:nvSpPr>
-          <p:cNvPr id="2" name="标题 1">
-            <a:extLst>
-              <a:ext uri="{FF2B5EF4-FFF2-40B4-BE49-F238E27FC236}">
                 <a16:creationId xmlns:a16="http://schemas.microsoft.com/office/drawing/2014/main" id="{77546A2C-0F20-4624-8C42-4E08716C206E}"/>
               </a:ext>
             </a:extLst>
@@ -18330,7 +18102,7 @@
 </p:sld>
 </file>
 
-<file path=ppt/slides/slide52.xml><?xml version="1.0" encoding="utf-8"?>
+<file path=ppt/slides/slide51.xml><?xml version="1.0" encoding="utf-8"?>
 <p:sld xmlns:a="http://schemas.openxmlformats.org/drawingml/2006/main" xmlns:r="http://schemas.openxmlformats.org/officeDocument/2006/relationships" xmlns:p="http://schemas.openxmlformats.org/presentationml/2006/main">
   <p:cSld>
     <p:spTree>
@@ -18577,7 +18349,7 @@
 </p:sld>
 </file>
 
-<file path=ppt/slides/slide53.xml><?xml version="1.0" encoding="utf-8"?>
+<file path=ppt/slides/slide52.xml><?xml version="1.0" encoding="utf-8"?>
 <p:sld xmlns:a="http://schemas.openxmlformats.org/drawingml/2006/main" xmlns:r="http://schemas.openxmlformats.org/officeDocument/2006/relationships" xmlns:p="http://schemas.openxmlformats.org/presentationml/2006/main">
   <p:cSld>
     <p:spTree>
@@ -18827,7 +18599,920 @@
 </p:sld>
 </file>
 
+<file path=ppt/slides/slide53.xml><?xml version="1.0" encoding="utf-8"?>
+<p:sld xmlns:a="http://schemas.openxmlformats.org/drawingml/2006/main" xmlns:r="http://schemas.openxmlformats.org/officeDocument/2006/relationships" xmlns:p="http://schemas.openxmlformats.org/presentationml/2006/main">
+  <p:cSld>
+    <p:bg>
+      <p:bgPr>
+        <a:solidFill>
+          <a:srgbClr val="5B9BD5"/>
+        </a:solidFill>
+        <a:effectLst/>
+      </p:bgPr>
+    </p:bg>
+    <p:spTree>
+      <p:nvGrpSpPr>
+        <p:cNvPr id="1" name=""/>
+        <p:cNvGrpSpPr/>
+        <p:nvPr/>
+      </p:nvGrpSpPr>
+      <p:grpSpPr>
+        <a:xfrm>
+          <a:off x="0" y="0"/>
+          <a:ext cx="0" cy="0"/>
+          <a:chOff x="0" y="0"/>
+          <a:chExt cx="0" cy="0"/>
+        </a:xfrm>
+      </p:grpSpPr>
+      <p:sp>
+        <p:nvSpPr>
+          <p:cNvPr id="2" name="标题 1"/>
+          <p:cNvSpPr>
+            <a:spLocks noGrp="1"/>
+          </p:cNvSpPr>
+          <p:nvPr>
+            <p:ph type="title"/>
+          </p:nvPr>
+        </p:nvSpPr>
+        <p:spPr/>
+        <p:txBody>
+          <a:bodyPr/>
+          <a:lstStyle/>
+          <a:p>
+            <a:r>
+              <a:rPr lang="en-US" altLang="zh-CN" dirty="0"/>
+              <a:t>Cryptanalysis</a:t>
+            </a:r>
+            <a:endParaRPr lang="zh-CN" altLang="en-US" dirty="0"/>
+          </a:p>
+        </p:txBody>
+      </p:sp>
+      <p:sp>
+        <p:nvSpPr>
+          <p:cNvPr id="4" name="文本占位符 3">
+            <a:extLst>
+              <a:ext uri="{FF2B5EF4-FFF2-40B4-BE49-F238E27FC236}">
+                <a16:creationId xmlns:a16="http://schemas.microsoft.com/office/drawing/2014/main" id="{012580ED-454D-4CFA-93F8-BC9897503E48}"/>
+              </a:ext>
+            </a:extLst>
+          </p:cNvPr>
+          <p:cNvSpPr>
+            <a:spLocks noGrp="1"/>
+          </p:cNvSpPr>
+          <p:nvPr>
+            <p:ph type="body" idx="1"/>
+          </p:nvPr>
+        </p:nvSpPr>
+        <p:spPr/>
+        <p:txBody>
+          <a:bodyPr/>
+          <a:lstStyle/>
+          <a:p>
+            <a:r>
+              <a:rPr lang="en-US" altLang="zh-CN" dirty="0">
+                <a:solidFill>
+                  <a:schemeClr val="accent2">
+                    <a:lumMod val="75000"/>
+                  </a:schemeClr>
+                </a:solidFill>
+              </a:rPr>
+              <a:t>Grouped by cryptanalysis</a:t>
+            </a:r>
+            <a:endParaRPr lang="zh-CN" altLang="en-US" dirty="0">
+              <a:solidFill>
+                <a:schemeClr val="accent2">
+                  <a:lumMod val="75000"/>
+                </a:schemeClr>
+              </a:solidFill>
+            </a:endParaRPr>
+          </a:p>
+        </p:txBody>
+      </p:sp>
+    </p:spTree>
+    <p:extLst>
+      <p:ext uri="{BB962C8B-B14F-4D97-AF65-F5344CB8AC3E}">
+        <p14:creationId xmlns:p14="http://schemas.microsoft.com/office/powerpoint/2010/main" val="732011847"/>
+      </p:ext>
+    </p:extLst>
+  </p:cSld>
+  <p:clrMapOvr>
+    <a:masterClrMapping/>
+  </p:clrMapOvr>
+</p:sld>
+</file>
+
 <file path=ppt/slides/slide54.xml><?xml version="1.0" encoding="utf-8"?>
+<p:sld xmlns:a="http://schemas.openxmlformats.org/drawingml/2006/main" xmlns:r="http://schemas.openxmlformats.org/officeDocument/2006/relationships" xmlns:p="http://schemas.openxmlformats.org/presentationml/2006/main">
+  <p:cSld>
+    <p:spTree>
+      <p:nvGrpSpPr>
+        <p:cNvPr id="1" name=""/>
+        <p:cNvGrpSpPr/>
+        <p:nvPr/>
+      </p:nvGrpSpPr>
+      <p:grpSpPr>
+        <a:xfrm>
+          <a:off x="0" y="0"/>
+          <a:ext cx="0" cy="0"/>
+          <a:chOff x="0" y="0"/>
+          <a:chExt cx="0" cy="0"/>
+        </a:xfrm>
+      </p:grpSpPr>
+      <p:sp>
+        <p:nvSpPr>
+          <p:cNvPr id="4" name="标题 3">
+            <a:extLst>
+              <a:ext uri="{FF2B5EF4-FFF2-40B4-BE49-F238E27FC236}">
+                <a16:creationId xmlns:a16="http://schemas.microsoft.com/office/drawing/2014/main" id="{9EB34DBD-CC34-4A35-842D-EBB0E45067C7}"/>
+              </a:ext>
+            </a:extLst>
+          </p:cNvPr>
+          <p:cNvSpPr>
+            <a:spLocks noGrp="1"/>
+          </p:cNvSpPr>
+          <p:nvPr>
+            <p:ph type="title"/>
+          </p:nvPr>
+        </p:nvSpPr>
+        <p:spPr/>
+        <p:txBody>
+          <a:bodyPr/>
+          <a:lstStyle/>
+          <a:p>
+            <a:r>
+              <a:rPr lang="zh-CN" altLang="en-US" dirty="0"/>
+              <a:t>差分</a:t>
+            </a:r>
+          </a:p>
+        </p:txBody>
+      </p:sp>
+      <p:sp>
+        <p:nvSpPr>
+          <p:cNvPr id="5" name="内容占位符 4">
+            <a:extLst>
+              <a:ext uri="{FF2B5EF4-FFF2-40B4-BE49-F238E27FC236}">
+                <a16:creationId xmlns:a16="http://schemas.microsoft.com/office/drawing/2014/main" id="{4A48A327-D3F4-4851-940C-7E8E7DD6C2FA}"/>
+              </a:ext>
+            </a:extLst>
+          </p:cNvPr>
+          <p:cNvSpPr>
+            <a:spLocks noGrp="1"/>
+          </p:cNvSpPr>
+          <p:nvPr>
+            <p:ph idx="1"/>
+          </p:nvPr>
+        </p:nvSpPr>
+        <p:spPr/>
+        <p:txBody>
+          <a:bodyPr/>
+          <a:lstStyle/>
+          <a:p>
+            <a:r>
+              <a:rPr lang="zh-CN" altLang="en-US" dirty="0"/>
+              <a:t>经典差分</a:t>
+            </a:r>
+            <a:endParaRPr lang="en-US" altLang="zh-CN" dirty="0"/>
+          </a:p>
+          <a:p>
+            <a:r>
+              <a:rPr lang="en-US" altLang="zh-CN" dirty="0"/>
+              <a:t>Internal Diff</a:t>
+            </a:r>
+          </a:p>
+          <a:p>
+            <a:r>
+              <a:rPr lang="en-US" altLang="zh-CN" dirty="0"/>
+              <a:t>Internal Boomerang</a:t>
+            </a:r>
+            <a:endParaRPr lang="zh-CN" altLang="en-US" dirty="0"/>
+          </a:p>
+        </p:txBody>
+      </p:sp>
+      <p:pic>
+        <p:nvPicPr>
+          <p:cNvPr id="7" name="图片 6">
+            <a:extLst>
+              <a:ext uri="{FF2B5EF4-FFF2-40B4-BE49-F238E27FC236}">
+                <a16:creationId xmlns:a16="http://schemas.microsoft.com/office/drawing/2014/main" id="{DD9C3F97-7E29-484F-BDD1-5445B9B13C66}"/>
+              </a:ext>
+            </a:extLst>
+          </p:cNvPr>
+          <p:cNvPicPr>
+            <a:picLocks noChangeAspect="1"/>
+          </p:cNvPicPr>
+          <p:nvPr/>
+        </p:nvPicPr>
+        <p:blipFill>
+          <a:blip r:embed="rId2"/>
+          <a:stretch>
+            <a:fillRect/>
+          </a:stretch>
+        </p:blipFill>
+        <p:spPr>
+          <a:xfrm>
+            <a:off x="6028158" y="1582510"/>
+            <a:ext cx="4819650" cy="2647950"/>
+          </a:xfrm>
+          <a:prstGeom prst="rect">
+            <a:avLst/>
+          </a:prstGeom>
+        </p:spPr>
+      </p:pic>
+    </p:spTree>
+    <p:extLst>
+      <p:ext uri="{BB962C8B-B14F-4D97-AF65-F5344CB8AC3E}">
+        <p14:creationId xmlns:p14="http://schemas.microsoft.com/office/powerpoint/2010/main" val="1763538672"/>
+      </p:ext>
+    </p:extLst>
+  </p:cSld>
+  <p:clrMapOvr>
+    <a:masterClrMapping/>
+  </p:clrMapOvr>
+</p:sld>
+</file>
+
+<file path=ppt/slides/slide55.xml><?xml version="1.0" encoding="utf-8"?>
+<p:sld xmlns:a="http://schemas.openxmlformats.org/drawingml/2006/main" xmlns:r="http://schemas.openxmlformats.org/officeDocument/2006/relationships" xmlns:p="http://schemas.openxmlformats.org/presentationml/2006/main">
+  <p:cSld>
+    <p:spTree>
+      <p:nvGrpSpPr>
+        <p:cNvPr id="1" name=""/>
+        <p:cNvGrpSpPr/>
+        <p:nvPr/>
+      </p:nvGrpSpPr>
+      <p:grpSpPr>
+        <a:xfrm>
+          <a:off x="0" y="0"/>
+          <a:ext cx="0" cy="0"/>
+          <a:chOff x="0" y="0"/>
+          <a:chExt cx="0" cy="0"/>
+        </a:xfrm>
+      </p:grpSpPr>
+      <p:sp>
+        <p:nvSpPr>
+          <p:cNvPr id="2" name="标题 1">
+            <a:extLst>
+              <a:ext uri="{FF2B5EF4-FFF2-40B4-BE49-F238E27FC236}">
+                <a16:creationId xmlns:a16="http://schemas.microsoft.com/office/drawing/2014/main" id="{C60B3654-41B4-434A-9AA4-7CAC4B6DC7BE}"/>
+              </a:ext>
+            </a:extLst>
+          </p:cNvPr>
+          <p:cNvSpPr>
+            <a:spLocks noGrp="1"/>
+          </p:cNvSpPr>
+          <p:nvPr>
+            <p:ph type="title"/>
+          </p:nvPr>
+        </p:nvSpPr>
+        <p:spPr/>
+        <p:txBody>
+          <a:bodyPr/>
+          <a:lstStyle/>
+          <a:p>
+            <a:r>
+              <a:rPr lang="en-US" altLang="zh-CN" dirty="0"/>
+              <a:t>Rebound</a:t>
+            </a:r>
+            <a:endParaRPr lang="zh-CN" altLang="en-US" dirty="0"/>
+          </a:p>
+        </p:txBody>
+      </p:sp>
+      <p:sp>
+        <p:nvSpPr>
+          <p:cNvPr id="3" name="内容占位符 2">
+            <a:extLst>
+              <a:ext uri="{FF2B5EF4-FFF2-40B4-BE49-F238E27FC236}">
+                <a16:creationId xmlns:a16="http://schemas.microsoft.com/office/drawing/2014/main" id="{CDF94E2E-47EA-43D0-9826-1BD61C997212}"/>
+              </a:ext>
+            </a:extLst>
+          </p:cNvPr>
+          <p:cNvSpPr>
+            <a:spLocks noGrp="1"/>
+          </p:cNvSpPr>
+          <p:nvPr>
+            <p:ph idx="1"/>
+          </p:nvPr>
+        </p:nvSpPr>
+        <p:spPr/>
+        <p:txBody>
+          <a:bodyPr>
+            <a:normAutofit fontScale="77500" lnSpcReduction="20000"/>
+          </a:bodyPr>
+          <a:lstStyle/>
+          <a:p>
+            <a:r>
+              <a:rPr lang="zh-CN" altLang="en-US" dirty="0"/>
+              <a:t>用截断差分找到</a:t>
+            </a:r>
+            <a:r>
+              <a:rPr lang="en-US" altLang="zh-CN" dirty="0"/>
+              <a:t>collision</a:t>
+            </a:r>
+            <a:r>
+              <a:rPr lang="zh-CN" altLang="en-US" dirty="0"/>
+              <a:t>的复杂度估计</a:t>
+            </a:r>
+            <a:endParaRPr lang="en-US" altLang="zh-CN" dirty="0">
+              <a:hlinkClick r:id="rId2" action="ppaction://hlinkfile"/>
+            </a:endParaRPr>
+          </a:p>
+          <a:p>
+            <a:r>
+              <a:rPr lang="en-US" altLang="zh-CN" dirty="0">
+                <a:hlinkClick r:id="rId2" action="ppaction://hlinkfile"/>
+              </a:rPr>
+              <a:t>The Rebound Attack: Cryptanalysis of Reduced Whirlpool and </a:t>
+            </a:r>
+            <a:r>
+              <a:rPr lang="en-US" altLang="zh-CN" dirty="0" err="1">
+                <a:hlinkClick r:id="rId2" action="ppaction://hlinkfile"/>
+              </a:rPr>
+              <a:t>Grøstl</a:t>
+            </a:r>
+            <a:endParaRPr lang="en-US" altLang="zh-CN" dirty="0"/>
+          </a:p>
+          <a:p>
+            <a:pPr lvl="1"/>
+            <a:r>
+              <a:rPr lang="en-US" altLang="zh-CN" dirty="0"/>
+              <a:t>09</a:t>
+            </a:r>
+            <a:r>
+              <a:rPr lang="zh-CN" altLang="en-US" dirty="0"/>
+              <a:t>年</a:t>
+            </a:r>
+            <a:r>
+              <a:rPr lang="en-US" altLang="zh-CN" dirty="0"/>
+              <a:t>Mendel</a:t>
+            </a:r>
+            <a:r>
+              <a:rPr lang="zh-CN" altLang="en-US" dirty="0"/>
+              <a:t>等提出</a:t>
+            </a:r>
+            <a:r>
+              <a:rPr lang="en-US" altLang="zh-CN" dirty="0"/>
+              <a:t>rebound</a:t>
+            </a:r>
+            <a:r>
+              <a:rPr lang="zh-CN" altLang="en-US" dirty="0"/>
+              <a:t>攻击，计算找到满足差分的一对值的复杂度</a:t>
+            </a:r>
+            <a:endParaRPr lang="en-US" altLang="zh-CN" dirty="0"/>
+          </a:p>
+          <a:p>
+            <a:pPr lvl="1"/>
+            <a:r>
+              <a:rPr lang="zh-CN" altLang="en-US" dirty="0"/>
+              <a:t>攻击了</a:t>
+            </a:r>
+            <a:r>
+              <a:rPr lang="en-US" altLang="zh-CN" dirty="0"/>
+              <a:t>7.5</a:t>
+            </a:r>
+            <a:r>
+              <a:rPr lang="zh-CN" altLang="en-US" dirty="0"/>
+              <a:t>轮</a:t>
+            </a:r>
+            <a:r>
+              <a:rPr lang="en-US" altLang="zh-CN" dirty="0"/>
+              <a:t>Whirlpool</a:t>
+            </a:r>
+            <a:r>
+              <a:rPr lang="zh-CN" altLang="en-US" dirty="0"/>
+              <a:t>，</a:t>
+            </a:r>
+            <a:r>
+              <a:rPr lang="en-US" altLang="zh-CN" dirty="0"/>
+              <a:t>8.5</a:t>
+            </a:r>
+            <a:r>
+              <a:rPr lang="zh-CN" altLang="en-US" dirty="0"/>
+              <a:t>轮</a:t>
+            </a:r>
+            <a:r>
+              <a:rPr lang="en-US" altLang="zh-CN" dirty="0"/>
+              <a:t>Maelstrom</a:t>
+            </a:r>
+            <a:r>
+              <a:rPr lang="zh-CN" altLang="en-US" dirty="0"/>
+              <a:t>，</a:t>
+            </a:r>
+            <a:r>
+              <a:rPr lang="en-US" altLang="zh-CN" dirty="0"/>
+              <a:t>6</a:t>
+            </a:r>
+            <a:r>
+              <a:rPr lang="zh-CN" altLang="en-US" dirty="0"/>
+              <a:t>轮</a:t>
+            </a:r>
+            <a:r>
+              <a:rPr lang="en-US" altLang="zh-CN" dirty="0"/>
+              <a:t>Grostl-256</a:t>
+            </a:r>
+          </a:p>
+          <a:p>
+            <a:r>
+              <a:rPr lang="en-US" altLang="zh-CN" dirty="0">
+                <a:hlinkClick r:id="rId3" action="ppaction://hlinkfile"/>
+              </a:rPr>
+              <a:t>Super-</a:t>
+            </a:r>
+            <a:r>
+              <a:rPr lang="en-US" altLang="zh-CN" dirty="0" err="1">
+                <a:hlinkClick r:id="rId3" action="ppaction://hlinkfile"/>
+              </a:rPr>
+              <a:t>Sbox</a:t>
+            </a:r>
+            <a:r>
+              <a:rPr lang="en-US" altLang="zh-CN" dirty="0">
+                <a:hlinkClick r:id="rId3" action="ppaction://hlinkfile"/>
+              </a:rPr>
+              <a:t> Cryptanalysis: Improved Attacks for AES-Like Permutations</a:t>
+            </a:r>
+            <a:endParaRPr lang="en-US" altLang="zh-CN" dirty="0"/>
+          </a:p>
+          <a:p>
+            <a:pPr lvl="1"/>
+            <a:r>
+              <a:rPr lang="zh-CN" altLang="en-US" dirty="0"/>
+              <a:t>将中间一轮全活跃扩展到中间两轮全活跃。将两个</a:t>
+            </a:r>
+            <a:r>
+              <a:rPr lang="en-US" altLang="zh-CN" dirty="0"/>
+              <a:t>SB</a:t>
+            </a:r>
+            <a:r>
+              <a:rPr lang="zh-CN" altLang="en-US" dirty="0"/>
+              <a:t>层看作一层，一列作为</a:t>
+            </a:r>
+            <a:r>
+              <a:rPr lang="en-US" altLang="zh-CN" dirty="0"/>
+              <a:t>Super-</a:t>
+            </a:r>
+            <a:r>
+              <a:rPr lang="en-US" altLang="zh-CN" dirty="0" err="1"/>
+              <a:t>Sbox</a:t>
+            </a:r>
+            <a:r>
+              <a:rPr lang="zh-CN" altLang="en-US" dirty="0"/>
+              <a:t>。</a:t>
+            </a:r>
+            <a:endParaRPr lang="en-US" altLang="zh-CN" dirty="0"/>
+          </a:p>
+          <a:p>
+            <a:r>
+              <a:rPr lang="en-US" altLang="zh-CN" dirty="0">
+                <a:hlinkClick r:id="rId4" action="ppaction://hlinkfile"/>
+              </a:rPr>
+              <a:t>Improved rebound attack on the finalist </a:t>
+            </a:r>
+            <a:r>
+              <a:rPr lang="en-US" altLang="zh-CN" dirty="0" err="1">
+                <a:hlinkClick r:id="rId4" action="ppaction://hlinkfile"/>
+              </a:rPr>
+              <a:t>grøstl</a:t>
+            </a:r>
+            <a:endParaRPr lang="en-US" altLang="zh-CN" dirty="0"/>
+          </a:p>
+          <a:p>
+            <a:pPr lvl="1"/>
+            <a:r>
+              <a:rPr lang="zh-CN" altLang="en-US" dirty="0"/>
+              <a:t>将中间两轮全活跃扩展到中间三轮全活跃</a:t>
+            </a:r>
+            <a:endParaRPr lang="en-US" altLang="zh-CN" dirty="0"/>
+          </a:p>
+          <a:p>
+            <a:pPr lvl="1"/>
+            <a:r>
+              <a:rPr lang="en-US" altLang="zh-CN" dirty="0"/>
+              <a:t>9</a:t>
+            </a:r>
+            <a:r>
+              <a:rPr lang="zh-CN" altLang="en-US" dirty="0"/>
+              <a:t>轮</a:t>
+            </a:r>
+            <a:r>
+              <a:rPr lang="en-US" altLang="zh-CN" dirty="0"/>
+              <a:t>Grostl-256</a:t>
+            </a:r>
+            <a:r>
+              <a:rPr lang="zh-CN" altLang="en-US" dirty="0"/>
+              <a:t>，</a:t>
+            </a:r>
+            <a:r>
+              <a:rPr lang="en-US" altLang="zh-CN" dirty="0"/>
+              <a:t>10</a:t>
+            </a:r>
+            <a:r>
+              <a:rPr lang="zh-CN" altLang="en-US" dirty="0"/>
+              <a:t>轮</a:t>
+            </a:r>
+            <a:r>
+              <a:rPr lang="en-US" altLang="zh-CN" dirty="0"/>
+              <a:t>Grostl-512</a:t>
+            </a:r>
+            <a:r>
+              <a:rPr lang="zh-CN" altLang="en-US" dirty="0"/>
+              <a:t>，</a:t>
+            </a:r>
+            <a:r>
+              <a:rPr lang="en-US" altLang="zh-CN" dirty="0"/>
+              <a:t>PHOTON-224/32/32</a:t>
+            </a:r>
+            <a:r>
+              <a:rPr lang="zh-CN" altLang="en-US" dirty="0"/>
+              <a:t>提高了</a:t>
+            </a:r>
+            <a:r>
+              <a:rPr lang="en-US" altLang="zh-CN" dirty="0"/>
+              <a:t>1</a:t>
+            </a:r>
+            <a:r>
+              <a:rPr lang="zh-CN" altLang="en-US" dirty="0"/>
+              <a:t>轮（从</a:t>
+            </a:r>
+            <a:r>
+              <a:rPr lang="en-US" altLang="zh-CN" dirty="0"/>
+              <a:t>8</a:t>
+            </a:r>
+            <a:r>
+              <a:rPr lang="zh-CN" altLang="en-US" dirty="0"/>
+              <a:t>到</a:t>
+            </a:r>
+            <a:r>
+              <a:rPr lang="en-US" altLang="zh-CN" dirty="0"/>
+              <a:t>9</a:t>
+            </a:r>
+            <a:r>
+              <a:rPr lang="zh-CN" altLang="en-US" dirty="0"/>
+              <a:t>）</a:t>
+            </a:r>
+            <a:endParaRPr lang="en-US" altLang="zh-CN" dirty="0"/>
+          </a:p>
+          <a:p>
+            <a:r>
+              <a:rPr lang="en-US" altLang="zh-CN" dirty="0">
+                <a:hlinkClick r:id="rId5" action="ppaction://hlinkfile"/>
+              </a:rPr>
+              <a:t>Non-full-active Super-</a:t>
+            </a:r>
+            <a:r>
+              <a:rPr lang="en-US" altLang="zh-CN" dirty="0" err="1">
+                <a:hlinkClick r:id="rId5" action="ppaction://hlinkfile"/>
+              </a:rPr>
+              <a:t>Sbox</a:t>
+            </a:r>
+            <a:r>
+              <a:rPr lang="en-US" altLang="zh-CN" dirty="0">
+                <a:hlinkClick r:id="rId5" action="ppaction://hlinkfile"/>
+              </a:rPr>
+              <a:t> Analysis: Applications to ECHO and </a:t>
+            </a:r>
+            <a:r>
+              <a:rPr lang="en-US" altLang="zh-CN" dirty="0" err="1">
+                <a:hlinkClick r:id="rId5" action="ppaction://hlinkfile"/>
+              </a:rPr>
+              <a:t>Grøstl</a:t>
+            </a:r>
+            <a:endParaRPr lang="en-US" altLang="zh-CN" dirty="0"/>
+          </a:p>
+          <a:p>
+            <a:pPr lvl="1"/>
+            <a:r>
+              <a:rPr lang="zh-CN" altLang="en-US" dirty="0"/>
+              <a:t>扩散不必是</a:t>
+            </a:r>
+            <a:r>
+              <a:rPr lang="en-US" altLang="zh-CN" dirty="0"/>
+              <a:t>1-8</a:t>
+            </a:r>
+            <a:r>
+              <a:rPr lang="zh-CN" altLang="en-US" dirty="0"/>
+              <a:t>的传播，也可以</a:t>
+            </a:r>
+            <a:r>
+              <a:rPr lang="en-US" altLang="zh-CN" dirty="0"/>
+              <a:t>4-5</a:t>
+            </a:r>
+          </a:p>
+          <a:p>
+            <a:r>
+              <a:rPr lang="en-US" altLang="zh-CN" dirty="0">
+                <a:hlinkClick r:id="rId6" action="ppaction://hlinkfile"/>
+              </a:rPr>
+              <a:t>How to Improve Rebound Attacks</a:t>
+            </a:r>
+            <a:endParaRPr lang="en-US" altLang="zh-CN" dirty="0"/>
+          </a:p>
+          <a:p>
+            <a:pPr lvl="1"/>
+            <a:r>
+              <a:rPr lang="zh-CN" altLang="en-US" dirty="0"/>
+              <a:t>中间一些步骤复杂度计算优化</a:t>
+            </a:r>
+            <a:endParaRPr lang="en-US" altLang="zh-CN" dirty="0"/>
+          </a:p>
+          <a:p>
+            <a:endParaRPr lang="zh-CN" altLang="en-US" dirty="0"/>
+          </a:p>
+        </p:txBody>
+      </p:sp>
+    </p:spTree>
+    <p:extLst>
+      <p:ext uri="{BB962C8B-B14F-4D97-AF65-F5344CB8AC3E}">
+        <p14:creationId xmlns:p14="http://schemas.microsoft.com/office/powerpoint/2010/main" val="1201894141"/>
+      </p:ext>
+    </p:extLst>
+  </p:cSld>
+  <p:clrMapOvr>
+    <a:masterClrMapping/>
+  </p:clrMapOvr>
+</p:sld>
+</file>
+
+<file path=ppt/slides/slide56.xml><?xml version="1.0" encoding="utf-8"?>
+<p:sld xmlns:a="http://schemas.openxmlformats.org/drawingml/2006/main" xmlns:r="http://schemas.openxmlformats.org/officeDocument/2006/relationships" xmlns:p="http://schemas.openxmlformats.org/presentationml/2006/main">
+  <p:cSld>
+    <p:spTree>
+      <p:nvGrpSpPr>
+        <p:cNvPr id="1" name=""/>
+        <p:cNvGrpSpPr/>
+        <p:nvPr/>
+      </p:nvGrpSpPr>
+      <p:grpSpPr>
+        <a:xfrm>
+          <a:off x="0" y="0"/>
+          <a:ext cx="0" cy="0"/>
+          <a:chOff x="0" y="0"/>
+          <a:chExt cx="0" cy="0"/>
+        </a:xfrm>
+      </p:grpSpPr>
+      <p:sp>
+        <p:nvSpPr>
+          <p:cNvPr id="2" name="标题 1">
+            <a:extLst>
+              <a:ext uri="{FF2B5EF4-FFF2-40B4-BE49-F238E27FC236}">
+                <a16:creationId xmlns:a16="http://schemas.microsoft.com/office/drawing/2014/main" id="{E60319EE-F6A6-4F1D-8E69-1087FD2A5441}"/>
+              </a:ext>
+            </a:extLst>
+          </p:cNvPr>
+          <p:cNvSpPr>
+            <a:spLocks noGrp="1"/>
+          </p:cNvSpPr>
+          <p:nvPr>
+            <p:ph type="title"/>
+          </p:nvPr>
+        </p:nvSpPr>
+        <p:spPr/>
+        <p:txBody>
+          <a:bodyPr/>
+          <a:lstStyle/>
+          <a:p>
+            <a:r>
+              <a:rPr lang="en-US" altLang="zh-CN" dirty="0"/>
+              <a:t>Integral</a:t>
+            </a:r>
+            <a:endParaRPr lang="zh-CN" altLang="en-US" dirty="0"/>
+          </a:p>
+        </p:txBody>
+      </p:sp>
+      <p:sp>
+        <p:nvSpPr>
+          <p:cNvPr id="3" name="内容占位符 2">
+            <a:extLst>
+              <a:ext uri="{FF2B5EF4-FFF2-40B4-BE49-F238E27FC236}">
+                <a16:creationId xmlns:a16="http://schemas.microsoft.com/office/drawing/2014/main" id="{5DBD95EE-C6C4-41FB-825B-4577A6D135FB}"/>
+              </a:ext>
+            </a:extLst>
+          </p:cNvPr>
+          <p:cNvSpPr>
+            <a:spLocks noGrp="1"/>
+          </p:cNvSpPr>
+          <p:nvPr>
+            <p:ph idx="1"/>
+          </p:nvPr>
+        </p:nvSpPr>
+        <p:spPr/>
+        <p:txBody>
+          <a:bodyPr/>
+          <a:lstStyle/>
+          <a:p>
+            <a:r>
+              <a:rPr lang="zh-CN" altLang="en-US" dirty="0"/>
+              <a:t>基于可分性</a:t>
+            </a:r>
+            <a:endParaRPr lang="en-US" altLang="zh-CN" dirty="0"/>
+          </a:p>
+          <a:p>
+            <a:r>
+              <a:rPr lang="zh-CN" altLang="en-US" dirty="0"/>
+              <a:t>统计积分</a:t>
+            </a:r>
+          </a:p>
+        </p:txBody>
+      </p:sp>
+    </p:spTree>
+    <p:extLst>
+      <p:ext uri="{BB962C8B-B14F-4D97-AF65-F5344CB8AC3E}">
+        <p14:creationId xmlns:p14="http://schemas.microsoft.com/office/powerpoint/2010/main" val="4033074066"/>
+      </p:ext>
+    </p:extLst>
+  </p:cSld>
+  <p:clrMapOvr>
+    <a:masterClrMapping/>
+  </p:clrMapOvr>
+</p:sld>
+</file>
+
+<file path=ppt/slides/slide57.xml><?xml version="1.0" encoding="utf-8"?>
+<p:sld xmlns:a="http://schemas.openxmlformats.org/drawingml/2006/main" xmlns:r="http://schemas.openxmlformats.org/officeDocument/2006/relationships" xmlns:p="http://schemas.openxmlformats.org/presentationml/2006/main">
+  <p:cSld>
+    <p:spTree>
+      <p:nvGrpSpPr>
+        <p:cNvPr id="1" name=""/>
+        <p:cNvGrpSpPr/>
+        <p:nvPr/>
+      </p:nvGrpSpPr>
+      <p:grpSpPr>
+        <a:xfrm>
+          <a:off x="0" y="0"/>
+          <a:ext cx="0" cy="0"/>
+          <a:chOff x="0" y="0"/>
+          <a:chExt cx="0" cy="0"/>
+        </a:xfrm>
+      </p:grpSpPr>
+      <p:sp>
+        <p:nvSpPr>
+          <p:cNvPr id="2" name="标题 1">
+            <a:extLst>
+              <a:ext uri="{FF2B5EF4-FFF2-40B4-BE49-F238E27FC236}">
+                <a16:creationId xmlns:a16="http://schemas.microsoft.com/office/drawing/2014/main" id="{6B018774-7A5F-4049-8992-D61E9B91CA84}"/>
+              </a:ext>
+            </a:extLst>
+          </p:cNvPr>
+          <p:cNvSpPr>
+            <a:spLocks noGrp="1"/>
+          </p:cNvSpPr>
+          <p:nvPr>
+            <p:ph type="title"/>
+          </p:nvPr>
+        </p:nvSpPr>
+        <p:spPr/>
+        <p:txBody>
+          <a:bodyPr/>
+          <a:lstStyle/>
+          <a:p>
+            <a:r>
+              <a:rPr lang="en-US" altLang="zh-CN" dirty="0"/>
+              <a:t>Zero-sum</a:t>
+            </a:r>
+            <a:endParaRPr lang="zh-CN" altLang="en-US" dirty="0"/>
+          </a:p>
+        </p:txBody>
+      </p:sp>
+      <p:sp>
+        <p:nvSpPr>
+          <p:cNvPr id="3" name="内容占位符 2">
+            <a:extLst>
+              <a:ext uri="{FF2B5EF4-FFF2-40B4-BE49-F238E27FC236}">
+                <a16:creationId xmlns:a16="http://schemas.microsoft.com/office/drawing/2014/main" id="{10794462-D953-4A44-A9B8-388D32A03AE4}"/>
+              </a:ext>
+            </a:extLst>
+          </p:cNvPr>
+          <p:cNvSpPr>
+            <a:spLocks noGrp="1"/>
+          </p:cNvSpPr>
+          <p:nvPr>
+            <p:ph idx="1"/>
+          </p:nvPr>
+        </p:nvSpPr>
+        <p:spPr/>
+        <p:txBody>
+          <a:bodyPr/>
+          <a:lstStyle/>
+          <a:p>
+            <a:r>
+              <a:rPr lang="zh-CN" altLang="en-US" dirty="0"/>
+              <a:t>代数度估计</a:t>
+            </a:r>
+            <a:endParaRPr lang="en-US" altLang="zh-CN" dirty="0"/>
+          </a:p>
+          <a:p>
+            <a:pPr lvl="1"/>
+            <a:r>
+              <a:rPr lang="zh-CN" altLang="en-US" dirty="0"/>
+              <a:t>代数度上界</a:t>
+            </a:r>
+            <a:endParaRPr lang="en-US" altLang="zh-CN" dirty="0"/>
+          </a:p>
+          <a:p>
+            <a:r>
+              <a:rPr lang="en-US" altLang="zh-CN" dirty="0" err="1"/>
+              <a:t>SymSum</a:t>
+            </a:r>
+            <a:endParaRPr lang="zh-CN" altLang="en-US" dirty="0"/>
+          </a:p>
+        </p:txBody>
+      </p:sp>
+    </p:spTree>
+    <p:extLst>
+      <p:ext uri="{BB962C8B-B14F-4D97-AF65-F5344CB8AC3E}">
+        <p14:creationId xmlns:p14="http://schemas.microsoft.com/office/powerpoint/2010/main" val="4060276925"/>
+      </p:ext>
+    </p:extLst>
+  </p:cSld>
+  <p:clrMapOvr>
+    <a:masterClrMapping/>
+  </p:clrMapOvr>
+</p:sld>
+</file>
+
+<file path=ppt/slides/slide58.xml><?xml version="1.0" encoding="utf-8"?>
+<p:sld xmlns:a="http://schemas.openxmlformats.org/drawingml/2006/main" xmlns:r="http://schemas.openxmlformats.org/officeDocument/2006/relationships" xmlns:p="http://schemas.openxmlformats.org/presentationml/2006/main">
+  <p:cSld>
+    <p:spTree>
+      <p:nvGrpSpPr>
+        <p:cNvPr id="1" name=""/>
+        <p:cNvGrpSpPr/>
+        <p:nvPr/>
+      </p:nvGrpSpPr>
+      <p:grpSpPr>
+        <a:xfrm>
+          <a:off x="0" y="0"/>
+          <a:ext cx="0" cy="0"/>
+          <a:chOff x="0" y="0"/>
+          <a:chExt cx="0" cy="0"/>
+        </a:xfrm>
+      </p:grpSpPr>
+      <p:sp>
+        <p:nvSpPr>
+          <p:cNvPr id="2" name="标题 1">
+            <a:extLst>
+              <a:ext uri="{FF2B5EF4-FFF2-40B4-BE49-F238E27FC236}">
+                <a16:creationId xmlns:a16="http://schemas.microsoft.com/office/drawing/2014/main" id="{FA8DCA41-37D8-459E-BF90-70D554989B2F}"/>
+              </a:ext>
+            </a:extLst>
+          </p:cNvPr>
+          <p:cNvSpPr>
+            <a:spLocks noGrp="1"/>
+          </p:cNvSpPr>
+          <p:nvPr>
+            <p:ph type="title"/>
+          </p:nvPr>
+        </p:nvSpPr>
+        <p:spPr/>
+        <p:txBody>
+          <a:bodyPr/>
+          <a:lstStyle/>
+          <a:p>
+            <a:r>
+              <a:rPr lang="en-US" altLang="zh-CN" dirty="0"/>
+              <a:t>Cube</a:t>
+            </a:r>
+            <a:endParaRPr lang="zh-CN" altLang="en-US" dirty="0"/>
+          </a:p>
+        </p:txBody>
+      </p:sp>
+      <p:sp>
+        <p:nvSpPr>
+          <p:cNvPr id="3" name="内容占位符 2">
+            <a:extLst>
+              <a:ext uri="{FF2B5EF4-FFF2-40B4-BE49-F238E27FC236}">
+                <a16:creationId xmlns:a16="http://schemas.microsoft.com/office/drawing/2014/main" id="{41ADF947-DEAB-4DF9-981D-B37D7CF32B9C}"/>
+              </a:ext>
+            </a:extLst>
+          </p:cNvPr>
+          <p:cNvSpPr>
+            <a:spLocks noGrp="1"/>
+          </p:cNvSpPr>
+          <p:nvPr>
+            <p:ph idx="1"/>
+          </p:nvPr>
+        </p:nvSpPr>
+        <p:spPr/>
+        <p:txBody>
+          <a:bodyPr/>
+          <a:lstStyle/>
+          <a:p>
+            <a:endParaRPr lang="zh-CN" altLang="en-US"/>
+          </a:p>
+        </p:txBody>
+      </p:sp>
+    </p:spTree>
+    <p:extLst>
+      <p:ext uri="{BB962C8B-B14F-4D97-AF65-F5344CB8AC3E}">
+        <p14:creationId xmlns:p14="http://schemas.microsoft.com/office/powerpoint/2010/main" val="1550536361"/>
+      </p:ext>
+    </p:extLst>
+  </p:cSld>
+  <p:clrMapOvr>
+    <a:masterClrMapping/>
+  </p:clrMapOvr>
+</p:sld>
+</file>
+
+<file path=ppt/slides/slide59.xml><?xml version="1.0" encoding="utf-8"?>
 <p:sld xmlns:a="http://schemas.openxmlformats.org/drawingml/2006/main" xmlns:r="http://schemas.openxmlformats.org/officeDocument/2006/relationships" xmlns:p="http://schemas.openxmlformats.org/presentationml/2006/main">
   <p:cSld>
     <p:bg>
@@ -19138,12 +19823,18 @@
       </p:sp>
       <p:sp>
         <p:nvSpPr>
-          <p:cNvPr id="3" name="内容占位符 2"/>
+          <p:cNvPr id="4" name="文本占位符 3">
+            <a:extLst>
+              <a:ext uri="{FF2B5EF4-FFF2-40B4-BE49-F238E27FC236}">
+                <a16:creationId xmlns:a16="http://schemas.microsoft.com/office/drawing/2014/main" id="{3B1F60F1-E6D6-4864-A669-68E8FC285A25}"/>
+              </a:ext>
+            </a:extLst>
+          </p:cNvPr>
           <p:cNvSpPr>
             <a:spLocks noGrp="1"/>
           </p:cNvSpPr>
           <p:nvPr>
-            <p:ph idx="1"/>
+            <p:ph type="body" idx="1"/>
           </p:nvPr>
         </p:nvSpPr>
         <p:spPr/>
